--- a/helloWorld/ppt_template/diyun_land_report_result.pptx
+++ b/helloWorld/ppt_template/diyun_land_report_result.pptx
@@ -7351,6 +7351,30 @@
           </a:prstGeom>
         </p:spPr>
       </p:pic>
+      <p:pic>
+        <p:nvPicPr>
+          <p:cNvPr id="8" name="Picture 7" descr="baidu_maps_in_ppt1.png"/>
+          <p:cNvPicPr>
+            <a:picLocks noChangeAspect="1"/>
+          </p:cNvPicPr>
+          <p:nvPr/>
+        </p:nvPicPr>
+        <p:blipFill>
+          <a:blip r:embed="rId3"/>
+          <a:stretch>
+            <a:fillRect/>
+          </a:stretch>
+        </p:blipFill>
+        <p:spPr>
+          <a:xfrm>
+            <a:off x="91440" y="640080"/>
+            <a:ext cx="5486400" cy="4572000"/>
+          </a:xfrm>
+          <a:prstGeom prst="rect">
+            <a:avLst/>
+          </a:prstGeom>
+        </p:spPr>
+      </p:pic>
     </p:spTree>
     <p:extLst>
       <p:ext uri="{BB962C8B-B14F-4D97-AF65-F5344CB8AC3E}">
@@ -7710,7 +7734,7 @@
           <p:nvPr>
             <p:extLst>
               <p:ext uri="{D42A27DB-BD31-4B8C-83A1-F6EECF244321}">
-                <p14:modId xmlns:p14="http://schemas.microsoft.com/office/powerpoint/2010/main" val="1035769769"/>
+                <p14:modId xmlns:p14="http://schemas.microsoft.com/office/powerpoint/2010/main" val="1820715205"/>
               </p:ext>
             </p:extLst>
           </p:nvPr>
@@ -7750,6 +7774,9 @@
                       <a:pPr algn="ctr"/>
                       <a:r>
                         <a:rPr sz="1200" dirty="0" err="1">
+                          <a:solidFill>
+                            <a:srgbClr val="000000"/>
+                          </a:solidFill>
                           <a:latin typeface="+mn-lt"/>
                         </a:rPr>
                         <a:t>技术经济指标</a:t>
@@ -7790,6 +7817,9 @@
                       <a:pPr algn="ctr"/>
                       <a:r>
                         <a:rPr sz="1200" dirty="0" err="1">
+                          <a:solidFill>
+                            <a:srgbClr val="000000"/>
+                          </a:solidFill>
                           <a:latin typeface="+mn-lt"/>
                         </a:rPr>
                         <a:t>地块名称</a:t>
@@ -7810,20 +7840,14 @@
                     <a:bodyPr/>
                     <a:lstStyle/>
                     <a:p>
-                      <a:pPr algn="l"/>
                       <a:r>
                         <a:rPr sz="1200">
-                          <a:latin typeface="+mn-lt"/>
-                        </a:rPr>
-                        <a:t>龙华区民治街道</a:t>
-                      </a:r>
-                      <a:endParaRPr sz="1200" b="0">
-                        <a:solidFill>
-                          <a:srgbClr val="3A4043"/>
-                        </a:solidFill>
-                        <a:latin typeface="+mn-lt"/>
-                        <a:ea typeface="楷体" panose="02010609060101010101" charset="-122"/>
-                      </a:endParaRPr>
+                          <a:solidFill>
+                            <a:srgbClr val="000000"/>
+                          </a:solidFill>
+                        </a:rPr>
+                        <a:t>白云区白云新城AB2906009地块</a:t>
+                      </a:r>
                     </a:p>
                   </a:txBody>
                   <a:tcPr marL="91445" marR="91445" marT="45732" marB="45732" anchor="ctr"/>
@@ -7843,6 +7867,9 @@
                       <a:pPr algn="ctr"/>
                       <a:r>
                         <a:rPr sz="1200" dirty="0" err="1">
+                          <a:solidFill>
+                            <a:srgbClr val="000000"/>
+                          </a:solidFill>
                           <a:latin typeface="+mn-lt"/>
                         </a:rPr>
                         <a:t>地块编号</a:t>
@@ -7863,12 +7890,39 @@
                     <a:bodyPr/>
                     <a:lstStyle/>
                     <a:p>
-                      <a:pPr algn="l"/>
-                      <a:r>
-                        <a:rPr sz="1200" dirty="0">
+                      <a:r>
+                        <a:rPr sz="1200">
+                          <a:solidFill>
+                            <a:srgbClr val="000000"/>
+                          </a:solidFill>
+                        </a:rPr>
+                        <a:t>ab2906009</a:t>
+                      </a:r>
+                    </a:p>
+                  </a:txBody>
+                  <a:tcPr marL="91445" marR="91445" marT="45732" marB="45732" anchor="ctr"/>
+                </a:tc>
+                <a:extLst>
+                  <a:ext uri="{0D108BD9-81ED-4DB2-BD59-A6C34878D82A}">
+                    <a16:rowId xmlns:a16="http://schemas.microsoft.com/office/drawing/2014/main" val="10002"/>
+                  </a:ext>
+                </a:extLst>
+              </a:tr>
+              <a:tr h="331961">
+                <a:tc>
+                  <a:txBody>
+                    <a:bodyPr/>
+                    <a:lstStyle/>
+                    <a:p>
+                      <a:pPr algn="ctr"/>
+                      <a:r>
+                        <a:rPr sz="1200" dirty="0" err="1">
+                          <a:solidFill>
+                            <a:srgbClr val="000000"/>
+                          </a:solidFill>
                           <a:latin typeface="+mn-lt"/>
                         </a:rPr>
-                        <a:t>A817-0609</a:t>
+                        <a:t>用地性质</a:t>
                       </a:r>
                       <a:endParaRPr sz="1200" b="0" dirty="0">
                         <a:solidFill>
@@ -7881,9 +7935,26 @@
                   </a:txBody>
                   <a:tcPr marL="91445" marR="91445" marT="45732" marB="45732" anchor="ctr"/>
                 </a:tc>
+                <a:tc>
+                  <a:txBody>
+                    <a:bodyPr/>
+                    <a:lstStyle/>
+                    <a:p>
+                      <a:r>
+                        <a:rPr sz="1200">
+                          <a:solidFill>
+                            <a:srgbClr val="000000"/>
+                          </a:solidFill>
+                        </a:rPr>
+                        <a:t>城镇住宅用地</a:t>
+                      </a:r>
+                    </a:p>
+                  </a:txBody>
+                  <a:tcPr marL="91445" marR="91445" marT="45732" marB="45732" anchor="ctr"/>
+                </a:tc>
                 <a:extLst>
                   <a:ext uri="{0D108BD9-81ED-4DB2-BD59-A6C34878D82A}">
-                    <a16:rowId xmlns:a16="http://schemas.microsoft.com/office/drawing/2014/main" val="10002"/>
+                    <a16:rowId xmlns:a16="http://schemas.microsoft.com/office/drawing/2014/main" val="10003"/>
                   </a:ext>
                 </a:extLst>
               </a:tr>
@@ -7896,9 +7967,12 @@
                       <a:pPr algn="ctr"/>
                       <a:r>
                         <a:rPr sz="1200" dirty="0" err="1">
+                          <a:solidFill>
+                            <a:srgbClr val="000000"/>
+                          </a:solidFill>
                           <a:latin typeface="+mn-lt"/>
                         </a:rPr>
-                        <a:t>用地性质</a:t>
+                        <a:t>出让方式</a:t>
                       </a:r>
                       <a:endParaRPr sz="1200" b="0" dirty="0">
                         <a:solidFill>
@@ -7916,27 +7990,21 @@
                     <a:bodyPr/>
                     <a:lstStyle/>
                     <a:p>
-                      <a:pPr algn="l"/>
                       <a:r>
                         <a:rPr sz="1200">
-                          <a:latin typeface="+mn-lt"/>
-                        </a:rPr>
-                        <a:t>居住用地</a:t>
-                      </a:r>
-                      <a:endParaRPr sz="1200" b="0">
-                        <a:solidFill>
-                          <a:srgbClr val="3A4043"/>
-                        </a:solidFill>
-                        <a:latin typeface="+mn-lt"/>
-                        <a:ea typeface="楷体" panose="02010609060101010101" charset="-122"/>
-                      </a:endParaRPr>
+                          <a:solidFill>
+                            <a:srgbClr val="000000"/>
+                          </a:solidFill>
+                        </a:rPr>
+                        <a:t>挂牌</a:t>
+                      </a:r>
                     </a:p>
                   </a:txBody>
                   <a:tcPr marL="91445" marR="91445" marT="45732" marB="45732" anchor="ctr"/>
                 </a:tc>
                 <a:extLst>
                   <a:ext uri="{0D108BD9-81ED-4DB2-BD59-A6C34878D82A}">
-                    <a16:rowId xmlns:a16="http://schemas.microsoft.com/office/drawing/2014/main" val="10003"/>
+                    <a16:rowId xmlns:a16="http://schemas.microsoft.com/office/drawing/2014/main" val="10004"/>
                   </a:ext>
                 </a:extLst>
               </a:tr>
@@ -7948,10 +8016,31 @@
                     <a:p>
                       <a:pPr algn="ctr"/>
                       <a:r>
+                        <a:rPr lang="zh-CN" altLang="en-US" sz="1200" dirty="0" smtClean="0">
+                          <a:solidFill>
+                            <a:srgbClr val="000000"/>
+                          </a:solidFill>
+                          <a:latin typeface="+mn-lt"/>
+                        </a:rPr>
+                        <a:t>用</a:t>
+                      </a:r>
+                      <a:r>
+                        <a:rPr lang="zh-CN" altLang="en-US" sz="1200" dirty="0">
+                          <a:solidFill>
+                            <a:srgbClr val="000000"/>
+                          </a:solidFill>
+                          <a:latin typeface="+mn-lt"/>
+                        </a:rPr>
+                        <a:t>地</a:t>
+                      </a:r>
+                      <a:r>
                         <a:rPr sz="1200" dirty="0" err="1">
+                          <a:solidFill>
+                            <a:srgbClr val="000000"/>
+                          </a:solidFill>
                           <a:latin typeface="+mn-lt"/>
                         </a:rPr>
-                        <a:t>出让方式</a:t>
+                        <a:t>面积</a:t>
                       </a:r>
                       <a:endParaRPr sz="1200" b="0" dirty="0">
                         <a:solidFill>
@@ -7969,12 +8058,39 @@
                     <a:bodyPr/>
                     <a:lstStyle/>
                     <a:p>
-                      <a:pPr algn="l"/>
-                      <a:r>
-                        <a:rPr sz="1200" dirty="0" err="1">
+                      <a:r>
+                        <a:rPr sz="1200">
+                          <a:solidFill>
+                            <a:srgbClr val="000000"/>
+                          </a:solidFill>
+                        </a:rPr>
+                        <a:t>67695.0000平米</a:t>
+                      </a:r>
+                    </a:p>
+                  </a:txBody>
+                  <a:tcPr marL="91445" marR="91445" marT="45732" marB="45732" anchor="ctr"/>
+                </a:tc>
+                <a:extLst>
+                  <a:ext uri="{0D108BD9-81ED-4DB2-BD59-A6C34878D82A}">
+                    <a16:rowId xmlns:a16="http://schemas.microsoft.com/office/drawing/2014/main" val="3478773896"/>
+                  </a:ext>
+                </a:extLst>
+              </a:tr>
+              <a:tr h="331961">
+                <a:tc>
+                  <a:txBody>
+                    <a:bodyPr/>
+                    <a:lstStyle/>
+                    <a:p>
+                      <a:pPr algn="ctr"/>
+                      <a:r>
+                        <a:rPr lang="zh-CN" altLang="en-US" sz="1200" dirty="0" smtClean="0">
+                          <a:solidFill>
+                            <a:srgbClr val="000000"/>
+                          </a:solidFill>
                           <a:latin typeface="+mn-lt"/>
                         </a:rPr>
-                        <a:t>挂牌</a:t>
+                        <a:t>出让年限</a:t>
                       </a:r>
                       <a:endParaRPr sz="1200" b="0" dirty="0">
                         <a:solidFill>
@@ -7987,9 +8103,26 @@
                   </a:txBody>
                   <a:tcPr marL="91445" marR="91445" marT="45732" marB="45732" anchor="ctr"/>
                 </a:tc>
+                <a:tc>
+                  <a:txBody>
+                    <a:bodyPr/>
+                    <a:lstStyle/>
+                    <a:p>
+                      <a:r>
+                        <a:rPr sz="1200">
+                          <a:solidFill>
+                            <a:srgbClr val="000000"/>
+                          </a:solidFill>
+                        </a:rPr>
+                        <a:t>70年</a:t>
+                      </a:r>
+                    </a:p>
+                  </a:txBody>
+                  <a:tcPr marL="91445" marR="91445" marT="45732" marB="45732" anchor="ctr"/>
+                </a:tc>
                 <a:extLst>
                   <a:ext uri="{0D108BD9-81ED-4DB2-BD59-A6C34878D82A}">
-                    <a16:rowId xmlns:a16="http://schemas.microsoft.com/office/drawing/2014/main" val="10004"/>
+                    <a16:rowId xmlns:a16="http://schemas.microsoft.com/office/drawing/2014/main" val="10005"/>
                   </a:ext>
                 </a:extLst>
               </a:tr>
@@ -8001,16 +8134,13 @@
                     <a:p>
                       <a:pPr algn="ctr"/>
                       <a:r>
-                        <a:rPr lang="zh-CN" altLang="en-US" sz="1200" dirty="0">
+                        <a:rPr sz="1200" dirty="0" err="1">
+                          <a:solidFill>
+                            <a:srgbClr val="000000"/>
+                          </a:solidFill>
                           <a:latin typeface="+mn-lt"/>
                         </a:rPr>
-                        <a:t>建设用地</a:t>
-                      </a:r>
-                      <a:r>
-                        <a:rPr sz="1200" dirty="0" err="1">
-                          <a:latin typeface="+mn-lt"/>
-                        </a:rPr>
-                        <a:t>面积</a:t>
+                        <a:t>容积率</a:t>
                       </a:r>
                       <a:endParaRPr sz="1200" b="0" dirty="0">
                         <a:solidFill>
@@ -8028,24 +8158,39 @@
                     <a:bodyPr/>
                     <a:lstStyle/>
                     <a:p>
-                      <a:pPr algn="l"/>
-                      <a:r>
-                        <a:rPr sz="1200" dirty="0">
+                      <a:r>
+                        <a:rPr sz="1200">
+                          <a:solidFill>
+                            <a:srgbClr val="000000"/>
+                          </a:solidFill>
+                        </a:rPr>
+                        <a:t>大于1并且小于或等于5.5</a:t>
+                      </a:r>
+                    </a:p>
+                  </a:txBody>
+                  <a:tcPr marL="91445" marR="91445" marT="45732" marB="45732" anchor="ctr"/>
+                </a:tc>
+                <a:extLst>
+                  <a:ext uri="{0D108BD9-81ED-4DB2-BD59-A6C34878D82A}">
+                    <a16:rowId xmlns:a16="http://schemas.microsoft.com/office/drawing/2014/main" val="10006"/>
+                  </a:ext>
+                </a:extLst>
+              </a:tr>
+              <a:tr h="331961">
+                <a:tc>
+                  <a:txBody>
+                    <a:bodyPr/>
+                    <a:lstStyle/>
+                    <a:p>
+                      <a:pPr algn="ctr"/>
+                      <a:r>
+                        <a:rPr sz="1200" dirty="0" err="1">
+                          <a:solidFill>
+                            <a:srgbClr val="000000"/>
+                          </a:solidFill>
                           <a:latin typeface="+mn-lt"/>
                         </a:rPr>
-                        <a:t>8</a:t>
-                      </a:r>
-                      <a:r>
-                        <a:rPr lang="en-US" altLang="zh-CN" sz="1200" dirty="0">
-                          <a:latin typeface="+mn-lt"/>
-                        </a:rPr>
-                        <a:t>6</a:t>
-                      </a:r>
-                      <a:r>
-                        <a:rPr sz="1200" dirty="0">
-                          <a:latin typeface="+mn-lt"/>
-                        </a:rPr>
-                        <a:t>00㎡</a:t>
+                        <a:t>建筑密度</a:t>
                       </a:r>
                       <a:endParaRPr sz="1200" b="0" dirty="0">
                         <a:solidFill>
@@ -8058,9 +8203,26 @@
                   </a:txBody>
                   <a:tcPr marL="91445" marR="91445" marT="45732" marB="45732" anchor="ctr"/>
                 </a:tc>
+                <a:tc>
+                  <a:txBody>
+                    <a:bodyPr/>
+                    <a:lstStyle/>
+                    <a:p>
+                      <a:r>
+                        <a:rPr sz="1200">
+                          <a:solidFill>
+                            <a:srgbClr val="000000"/>
+                          </a:solidFill>
+                        </a:rPr>
+                        <a:t>小于或等于30</a:t>
+                      </a:r>
+                    </a:p>
+                  </a:txBody>
+                  <a:tcPr marL="91445" marR="91445" marT="45732" marB="45732" anchor="ctr"/>
+                </a:tc>
                 <a:extLst>
                   <a:ext uri="{0D108BD9-81ED-4DB2-BD59-A6C34878D82A}">
-                    <a16:rowId xmlns:a16="http://schemas.microsoft.com/office/drawing/2014/main" val="3478773896"/>
+                    <a16:rowId xmlns:a16="http://schemas.microsoft.com/office/drawing/2014/main" val="10007"/>
                   </a:ext>
                 </a:extLst>
               </a:tr>
@@ -8073,9 +8235,12 @@
                       <a:pPr algn="ctr"/>
                       <a:r>
                         <a:rPr sz="1200" dirty="0" err="1">
+                          <a:solidFill>
+                            <a:srgbClr val="000000"/>
+                          </a:solidFill>
                           <a:latin typeface="+mn-lt"/>
                         </a:rPr>
-                        <a:t>规划建筑面积</a:t>
+                        <a:t>绿化率</a:t>
                       </a:r>
                       <a:endParaRPr sz="1200" b="0" dirty="0">
                         <a:solidFill>
@@ -8093,12 +8258,39 @@
                     <a:bodyPr/>
                     <a:lstStyle/>
                     <a:p>
-                      <a:pPr algn="l"/>
-                      <a:r>
-                        <a:rPr sz="1200" dirty="0">
+                      <a:r>
+                        <a:rPr sz="1200">
+                          <a:solidFill>
+                            <a:srgbClr val="000000"/>
+                          </a:solidFill>
+                        </a:rPr>
+                        <a:t>大于或等于35</a:t>
+                      </a:r>
+                    </a:p>
+                  </a:txBody>
+                  <a:tcPr marL="91445" marR="91445" marT="45732" marB="45732" anchor="ctr"/>
+                </a:tc>
+                <a:extLst>
+                  <a:ext uri="{0D108BD9-81ED-4DB2-BD59-A6C34878D82A}">
+                    <a16:rowId xmlns:a16="http://schemas.microsoft.com/office/drawing/2014/main" val="10008"/>
+                  </a:ext>
+                </a:extLst>
+              </a:tr>
+              <a:tr h="331961">
+                <a:tc>
+                  <a:txBody>
+                    <a:bodyPr/>
+                    <a:lstStyle/>
+                    <a:p>
+                      <a:pPr algn="ctr"/>
+                      <a:r>
+                        <a:rPr sz="1200" dirty="0" err="1">
+                          <a:solidFill>
+                            <a:srgbClr val="000000"/>
+                          </a:solidFill>
                           <a:latin typeface="+mn-lt"/>
                         </a:rPr>
-                        <a:t>148300㎡</a:t>
+                        <a:t>限高</a:t>
                       </a:r>
                       <a:endParaRPr sz="1200" b="0" dirty="0">
                         <a:solidFill>
@@ -8111,190 +8303,19 @@
                   </a:txBody>
                   <a:tcPr marL="91445" marR="91445" marT="45732" marB="45732" anchor="ctr"/>
                 </a:tc>
-                <a:extLst>
-                  <a:ext uri="{0D108BD9-81ED-4DB2-BD59-A6C34878D82A}">
-                    <a16:rowId xmlns:a16="http://schemas.microsoft.com/office/drawing/2014/main" val="10005"/>
-                  </a:ext>
-                </a:extLst>
-              </a:tr>
-              <a:tr h="331961">
-                <a:tc>
-                  <a:txBody>
-                    <a:bodyPr/>
-                    <a:lstStyle/>
-                    <a:p>
-                      <a:pPr algn="ctr"/>
-                      <a:r>
-                        <a:rPr sz="1200" dirty="0" err="1">
-                          <a:latin typeface="+mn-lt"/>
-                        </a:rPr>
-                        <a:t>容积率</a:t>
-                      </a:r>
-                      <a:endParaRPr sz="1200" b="0" dirty="0">
-                        <a:solidFill>
-                          <a:srgbClr val="3A4043"/>
-                        </a:solidFill>
-                        <a:latin typeface="+mn-lt"/>
-                        <a:ea typeface="楷体" panose="02010609060101010101" charset="-122"/>
-                      </a:endParaRPr>
-                    </a:p>
-                  </a:txBody>
-                  <a:tcPr marL="91445" marR="91445" marT="45732" marB="45732" anchor="ctr"/>
-                </a:tc>
-                <a:tc>
-                  <a:txBody>
-                    <a:bodyPr/>
-                    <a:lstStyle/>
-                    <a:p>
-                      <a:pPr algn="l"/>
-                      <a:endParaRPr sz="1200" b="0" dirty="0">
-                        <a:solidFill>
-                          <a:srgbClr val="3A4043"/>
-                        </a:solidFill>
-                        <a:latin typeface="+mn-lt"/>
-                        <a:ea typeface="楷体" panose="02010609060101010101" charset="-122"/>
-                      </a:endParaRPr>
-                    </a:p>
-                  </a:txBody>
-                  <a:tcPr marL="91445" marR="91445" marT="45732" marB="45732" anchor="ctr"/>
-                </a:tc>
-                <a:extLst>
-                  <a:ext uri="{0D108BD9-81ED-4DB2-BD59-A6C34878D82A}">
-                    <a16:rowId xmlns:a16="http://schemas.microsoft.com/office/drawing/2014/main" val="10006"/>
-                  </a:ext>
-                </a:extLst>
-              </a:tr>
-              <a:tr h="331961">
-                <a:tc>
-                  <a:txBody>
-                    <a:bodyPr/>
-                    <a:lstStyle/>
-                    <a:p>
-                      <a:pPr algn="ctr"/>
-                      <a:r>
-                        <a:rPr sz="1200" dirty="0" err="1">
-                          <a:latin typeface="+mn-lt"/>
-                        </a:rPr>
-                        <a:t>建筑密度</a:t>
-                      </a:r>
-                      <a:endParaRPr sz="1200" b="0" dirty="0">
-                        <a:solidFill>
-                          <a:srgbClr val="3A4043"/>
-                        </a:solidFill>
-                        <a:latin typeface="+mn-lt"/>
-                        <a:ea typeface="楷体" panose="02010609060101010101" charset="-122"/>
-                      </a:endParaRPr>
-                    </a:p>
-                  </a:txBody>
-                  <a:tcPr marL="91445" marR="91445" marT="45732" marB="45732" anchor="ctr"/>
-                </a:tc>
-                <a:tc>
-                  <a:txBody>
-                    <a:bodyPr/>
-                    <a:lstStyle/>
-                    <a:p>
-                      <a:pPr algn="l"/>
-                      <a:endParaRPr sz="1200" b="0" dirty="0">
-                        <a:solidFill>
-                          <a:srgbClr val="3A4043"/>
-                        </a:solidFill>
-                        <a:latin typeface="+mn-lt"/>
-                        <a:ea typeface="楷体" panose="02010609060101010101" charset="-122"/>
-                      </a:endParaRPr>
-                    </a:p>
-                  </a:txBody>
-                  <a:tcPr marL="91445" marR="91445" marT="45732" marB="45732" anchor="ctr"/>
-                </a:tc>
-                <a:extLst>
-                  <a:ext uri="{0D108BD9-81ED-4DB2-BD59-A6C34878D82A}">
-                    <a16:rowId xmlns:a16="http://schemas.microsoft.com/office/drawing/2014/main" val="10007"/>
-                  </a:ext>
-                </a:extLst>
-              </a:tr>
-              <a:tr h="331961">
-                <a:tc>
-                  <a:txBody>
-                    <a:bodyPr/>
-                    <a:lstStyle/>
-                    <a:p>
-                      <a:pPr algn="ctr"/>
-                      <a:r>
-                        <a:rPr sz="1200" dirty="0" err="1">
-                          <a:latin typeface="+mn-lt"/>
-                        </a:rPr>
-                        <a:t>绿化率</a:t>
-                      </a:r>
-                      <a:endParaRPr sz="1200" b="0" dirty="0">
-                        <a:solidFill>
-                          <a:srgbClr val="3A4043"/>
-                        </a:solidFill>
-                        <a:latin typeface="+mn-lt"/>
-                        <a:ea typeface="楷体" panose="02010609060101010101" charset="-122"/>
-                      </a:endParaRPr>
-                    </a:p>
-                  </a:txBody>
-                  <a:tcPr marL="91445" marR="91445" marT="45732" marB="45732" anchor="ctr"/>
-                </a:tc>
-                <a:tc>
-                  <a:txBody>
-                    <a:bodyPr/>
-                    <a:lstStyle/>
-                    <a:p>
-                      <a:pPr algn="l"/>
-                      <a:endParaRPr sz="1200" b="0">
-                        <a:solidFill>
-                          <a:srgbClr val="3A4043"/>
-                        </a:solidFill>
-                        <a:latin typeface="+mn-lt"/>
-                        <a:ea typeface="楷体" panose="02010609060101010101" charset="-122"/>
-                      </a:endParaRPr>
-                    </a:p>
-                  </a:txBody>
-                  <a:tcPr marL="91445" marR="91445" marT="45732" marB="45732" anchor="ctr"/>
-                </a:tc>
-                <a:extLst>
-                  <a:ext uri="{0D108BD9-81ED-4DB2-BD59-A6C34878D82A}">
-                    <a16:rowId xmlns:a16="http://schemas.microsoft.com/office/drawing/2014/main" val="10008"/>
-                  </a:ext>
-                </a:extLst>
-              </a:tr>
-              <a:tr h="331961">
-                <a:tc>
-                  <a:txBody>
-                    <a:bodyPr/>
-                    <a:lstStyle/>
-                    <a:p>
-                      <a:pPr algn="ctr"/>
-                      <a:r>
-                        <a:rPr sz="1200" dirty="0" err="1">
-                          <a:latin typeface="+mn-lt"/>
-                        </a:rPr>
-                        <a:t>限高</a:t>
-                      </a:r>
-                      <a:endParaRPr sz="1200" b="0" dirty="0">
-                        <a:solidFill>
-                          <a:srgbClr val="3A4043"/>
-                        </a:solidFill>
-                        <a:latin typeface="+mn-lt"/>
-                        <a:ea typeface="楷体" panose="02010609060101010101" charset="-122"/>
-                      </a:endParaRPr>
-                    </a:p>
-                  </a:txBody>
-                  <a:tcPr marL="91445" marR="91445" marT="45732" marB="45732" anchor="ctr"/>
-                </a:tc>
-                <a:tc>
-                  <a:txBody>
-                    <a:bodyPr/>
-                    <a:lstStyle/>
-                    <a:p>
-                      <a:pPr algn="l"/>
-                      <a:endParaRPr sz="1200" b="0" dirty="0">
-                        <a:solidFill>
-                          <a:srgbClr val="3A4043"/>
-                        </a:solidFill>
-                        <a:latin typeface="+mn-lt"/>
-                        <a:ea typeface="楷体" panose="02010609060101010101" charset="-122"/>
-                      </a:endParaRPr>
+                <a:tc>
+                  <a:txBody>
+                    <a:bodyPr/>
+                    <a:lstStyle/>
+                    <a:p>
+                      <a:r>
+                        <a:rPr sz="1200">
+                          <a:solidFill>
+                            <a:srgbClr val="000000"/>
+                          </a:solidFill>
+                        </a:rPr>
+                        <a:t>小于或等于120</a:t>
+                      </a:r>
                     </a:p>
                   </a:txBody>
                   <a:tcPr marL="91445" marR="91445" marT="45732" marB="45732" anchor="ctr"/>
@@ -8324,14 +8345,14 @@
           <p:nvPr>
             <p:extLst>
               <p:ext uri="{D42A27DB-BD31-4B8C-83A1-F6EECF244321}">
-                <p14:modId xmlns:p14="http://schemas.microsoft.com/office/powerpoint/2010/main" val="3945940535"/>
+                <p14:modId xmlns:p14="http://schemas.microsoft.com/office/powerpoint/2010/main" val="2219321917"/>
               </p:ext>
             </p:extLst>
           </p:nvPr>
         </p:nvGraphicFramePr>
         <p:xfrm>
           <a:off x="4942789" y="4437112"/>
-          <a:ext cx="3977896" cy="1512172"/>
+          <a:ext cx="3977896" cy="1853374"/>
         </p:xfrm>
         <a:graphic>
           <a:graphicData uri="http://schemas.openxmlformats.org/drawingml/2006/table">
@@ -8377,7 +8398,11 @@
                     <a:p>
                       <a:pPr algn="ctr"/>
                       <a:r>
-                        <a:rPr sz="1200" dirty="0" err="1"/>
+                        <a:rPr sz="1200" dirty="0" err="1">
+                          <a:solidFill>
+                            <a:srgbClr val="000000"/>
+                          </a:solidFill>
+                        </a:rPr>
                         <a:t>成交信息</a:t>
                       </a:r>
                       <a:endParaRPr sz="1200" b="1" dirty="0">
@@ -8435,8 +8460,103 @@
                     <a:p>
                       <a:pPr algn="ctr"/>
                       <a:r>
-                        <a:rPr sz="1200"/>
+                        <a:rPr sz="1200" dirty="0" err="1">
+                          <a:solidFill>
+                            <a:srgbClr val="000000"/>
+                          </a:solidFill>
+                        </a:rPr>
                         <a:t>成交时间</a:t>
+                      </a:r>
+                      <a:endParaRPr sz="1200" b="0" dirty="0">
+                        <a:solidFill>
+                          <a:srgbClr val="3A4043"/>
+                        </a:solidFill>
+                        <a:latin typeface="楷体" panose="02010609060101010101" charset="-122"/>
+                        <a:ea typeface="楷体" panose="02010609060101010101" charset="-122"/>
+                      </a:endParaRPr>
+                    </a:p>
+                  </a:txBody>
+                  <a:tcPr marL="91436" marR="91436" marT="45722" marB="45722" anchor="ctr"/>
+                </a:tc>
+                <a:tc>
+                  <a:txBody>
+                    <a:bodyPr/>
+                    <a:lstStyle/>
+                    <a:p>
+                      <a:r>
+                        <a:rPr sz="1200">
+                          <a:solidFill>
+                            <a:srgbClr val="000000"/>
+                          </a:solidFill>
+                        </a:rPr>
+                        <a:t>2019-06-25 00:00:00</a:t>
+                      </a:r>
+                    </a:p>
+                  </a:txBody>
+                  <a:tcPr marL="91436" marR="91436" marT="45722" marB="45722" anchor="ctr"/>
+                </a:tc>
+                <a:tc>
+                  <a:txBody>
+                    <a:bodyPr/>
+                    <a:lstStyle/>
+                    <a:p>
+                      <a:pPr algn="ctr"/>
+                      <a:r>
+                        <a:rPr sz="1200" dirty="0" err="1">
+                          <a:solidFill>
+                            <a:srgbClr val="000000"/>
+                          </a:solidFill>
+                        </a:rPr>
+                        <a:t>成交价</a:t>
+                      </a:r>
+                      <a:endParaRPr sz="1200" b="0" dirty="0">
+                        <a:solidFill>
+                          <a:srgbClr val="3A4043"/>
+                        </a:solidFill>
+                        <a:latin typeface="楷体" panose="02010609060101010101" charset="-122"/>
+                        <a:ea typeface="楷体" panose="02010609060101010101" charset="-122"/>
+                      </a:endParaRPr>
+                    </a:p>
+                  </a:txBody>
+                  <a:tcPr marL="91436" marR="91436" marT="45722" marB="45722" anchor="ctr"/>
+                </a:tc>
+                <a:tc>
+                  <a:txBody>
+                    <a:bodyPr/>
+                    <a:lstStyle/>
+                    <a:p>
+                      <a:r>
+                        <a:rPr sz="1200">
+                          <a:solidFill>
+                            <a:srgbClr val="000000"/>
+                          </a:solidFill>
+                        </a:rPr>
+                        <a:t>280807.0000万元</a:t>
+                      </a:r>
+                    </a:p>
+                  </a:txBody>
+                  <a:tcPr marL="91436" marR="91436" marT="45722" marB="45722" anchor="ctr"/>
+                </a:tc>
+                <a:extLst>
+                  <a:ext uri="{0D108BD9-81ED-4DB2-BD59-A6C34878D82A}">
+                    <a16:rowId xmlns:a16="http://schemas.microsoft.com/office/drawing/2014/main" val="10001"/>
+                  </a:ext>
+                </a:extLst>
+              </a:tr>
+              <a:tr h="378043">
+                <a:tc>
+                  <a:txBody>
+                    <a:bodyPr/>
+                    <a:lstStyle/>
+                    <a:p>
+                      <a:pPr algn="ctr"/>
+                      <a:r>
+                        <a:rPr sz="1200">
+                          <a:solidFill>
+                            <a:srgbClr val="000000"/>
+                          </a:solidFill>
+                        </a:rPr>
+                        <a:t>成交楼面价</a:t>
                       </a:r>
                       <a:endParaRPr sz="1200" b="0">
                         <a:solidFill>
@@ -8454,10 +8574,71 @@
                     <a:bodyPr/>
                     <a:lstStyle/>
                     <a:p>
-                      <a:pPr algn="l"/>
-                      <a:r>
-                        <a:rPr sz="1200" dirty="0"/>
-                        <a:t>--</a:t>
+                      <a:r>
+                        <a:rPr sz="1200">
+                          <a:solidFill>
+                            <a:srgbClr val="000000"/>
+                          </a:solidFill>
+                        </a:rPr>
+                        <a:t>元/m²</a:t>
+                      </a:r>
+                    </a:p>
+                  </a:txBody>
+                  <a:tcPr marL="91436" marR="91436" marT="45722" marB="45722" anchor="ctr"/>
+                </a:tc>
+                <a:tc>
+                  <a:txBody>
+                    <a:bodyPr/>
+                    <a:lstStyle/>
+                    <a:p>
+                      <a:pPr algn="ctr"/>
+                      <a:r>
+                        <a:rPr sz="1200">
+                          <a:solidFill>
+                            <a:srgbClr val="000000"/>
+                          </a:solidFill>
+                        </a:rPr>
+                        <a:t>溢价率</a:t>
+                      </a:r>
+                      <a:endParaRPr sz="1200" b="0">
+                        <a:solidFill>
+                          <a:srgbClr val="3A4043"/>
+                        </a:solidFill>
+                        <a:latin typeface="楷体" panose="02010609060101010101" charset="-122"/>
+                        <a:ea typeface="楷体" panose="02010609060101010101" charset="-122"/>
+                      </a:endParaRPr>
+                    </a:p>
+                  </a:txBody>
+                  <a:tcPr marL="91436" marR="91436" marT="45722" marB="45722" anchor="ctr"/>
+                </a:tc>
+                <a:tc>
+                  <a:txBody>
+                    <a:bodyPr/>
+                    <a:lstStyle/>
+                    <a:p/>
+                  </a:txBody>
+                  <a:tcPr marL="91436" marR="91436" marT="45722" marB="45722" anchor="ctr"/>
+                </a:tc>
+                <a:extLst>
+                  <a:ext uri="{0D108BD9-81ED-4DB2-BD59-A6C34878D82A}">
+                    <a16:rowId xmlns:a16="http://schemas.microsoft.com/office/drawing/2014/main" val="10002"/>
+                  </a:ext>
+                </a:extLst>
+              </a:tr>
+              <a:tr h="378043">
+                <a:tc>
+                  <a:txBody>
+                    <a:bodyPr/>
+                    <a:lstStyle/>
+                    <a:p>
+                      <a:pPr algn="ctr"/>
+                      <a:r>
+                        <a:rPr lang="zh-CN" altLang="en-US" sz="1200" dirty="0">
+                          <a:solidFill>
+                            <a:srgbClr val="000000"/>
+                          </a:solidFill>
+                        </a:rPr>
+                        <a:t>竞得方</a:t>
                       </a:r>
                       <a:endParaRPr sz="1200" b="0" dirty="0">
                         <a:solidFill>
@@ -8470,184 +8651,19 @@
                   </a:txBody>
                   <a:tcPr marL="91436" marR="91436" marT="45722" marB="45722" anchor="ctr"/>
                 </a:tc>
-                <a:tc>
-                  <a:txBody>
-                    <a:bodyPr/>
-                    <a:lstStyle/>
-                    <a:p>
-                      <a:pPr algn="ctr"/>
-                      <a:r>
-                        <a:rPr sz="1200" dirty="0" err="1"/>
-                        <a:t>成交价</a:t>
-                      </a:r>
-                      <a:endParaRPr sz="1200" b="0" dirty="0">
-                        <a:solidFill>
-                          <a:srgbClr val="3A4043"/>
-                        </a:solidFill>
-                        <a:latin typeface="楷体" panose="02010609060101010101" charset="-122"/>
-                        <a:ea typeface="楷体" panose="02010609060101010101" charset="-122"/>
-                      </a:endParaRPr>
-                    </a:p>
-                  </a:txBody>
-                  <a:tcPr marL="91436" marR="91436" marT="45722" marB="45722" anchor="ctr"/>
-                </a:tc>
-                <a:tc>
-                  <a:txBody>
-                    <a:bodyPr/>
-                    <a:lstStyle/>
-                    <a:p>
-                      <a:pPr algn="l"/>
-                      <a:r>
-                        <a:rPr sz="1200" dirty="0"/>
-                        <a:t>--</a:t>
-                      </a:r>
-                      <a:endParaRPr sz="1200" b="0" dirty="0">
-                        <a:solidFill>
-                          <a:srgbClr val="3A4043"/>
-                        </a:solidFill>
-                        <a:latin typeface="楷体" panose="02010609060101010101" charset="-122"/>
-                        <a:ea typeface="楷体" panose="02010609060101010101" charset="-122"/>
-                      </a:endParaRPr>
-                    </a:p>
-                  </a:txBody>
-                  <a:tcPr marL="91436" marR="91436" marT="45722" marB="45722" anchor="ctr"/>
-                </a:tc>
-                <a:extLst>
-                  <a:ext uri="{0D108BD9-81ED-4DB2-BD59-A6C34878D82A}">
-                    <a16:rowId xmlns:a16="http://schemas.microsoft.com/office/drawing/2014/main" val="10001"/>
-                  </a:ext>
-                </a:extLst>
-              </a:tr>
-              <a:tr h="378043">
-                <a:tc>
-                  <a:txBody>
-                    <a:bodyPr/>
-                    <a:lstStyle/>
-                    <a:p>
-                      <a:pPr algn="ctr"/>
-                      <a:r>
-                        <a:rPr sz="1200"/>
-                        <a:t>成交楼面价</a:t>
-                      </a:r>
-                      <a:endParaRPr sz="1200" b="0">
-                        <a:solidFill>
-                          <a:srgbClr val="3A4043"/>
-                        </a:solidFill>
-                        <a:latin typeface="楷体" panose="02010609060101010101" charset="-122"/>
-                        <a:ea typeface="楷体" panose="02010609060101010101" charset="-122"/>
-                      </a:endParaRPr>
-                    </a:p>
-                  </a:txBody>
-                  <a:tcPr marL="91436" marR="91436" marT="45722" marB="45722" anchor="ctr"/>
-                </a:tc>
-                <a:tc>
-                  <a:txBody>
-                    <a:bodyPr/>
-                    <a:lstStyle/>
-                    <a:p>
-                      <a:pPr algn="l"/>
-                      <a:r>
-                        <a:rPr sz="1200"/>
-                        <a:t>--</a:t>
-                      </a:r>
-                      <a:endParaRPr sz="1200" b="0">
-                        <a:solidFill>
-                          <a:srgbClr val="3A4043"/>
-                        </a:solidFill>
-                        <a:latin typeface="楷体" panose="02010609060101010101" charset="-122"/>
-                        <a:ea typeface="楷体" panose="02010609060101010101" charset="-122"/>
-                      </a:endParaRPr>
-                    </a:p>
-                  </a:txBody>
-                  <a:tcPr marL="91436" marR="91436" marT="45722" marB="45722" anchor="ctr"/>
-                </a:tc>
-                <a:tc>
-                  <a:txBody>
-                    <a:bodyPr/>
-                    <a:lstStyle/>
-                    <a:p>
-                      <a:pPr algn="ctr"/>
-                      <a:r>
-                        <a:rPr sz="1200"/>
-                        <a:t>溢价率</a:t>
-                      </a:r>
-                      <a:endParaRPr sz="1200" b="0">
-                        <a:solidFill>
-                          <a:srgbClr val="3A4043"/>
-                        </a:solidFill>
-                        <a:latin typeface="楷体" panose="02010609060101010101" charset="-122"/>
-                        <a:ea typeface="楷体" panose="02010609060101010101" charset="-122"/>
-                      </a:endParaRPr>
-                    </a:p>
-                  </a:txBody>
-                  <a:tcPr marL="91436" marR="91436" marT="45722" marB="45722" anchor="ctr"/>
-                </a:tc>
-                <a:tc>
-                  <a:txBody>
-                    <a:bodyPr/>
-                    <a:lstStyle/>
-                    <a:p>
-                      <a:pPr algn="l"/>
-                      <a:r>
-                        <a:rPr sz="1200"/>
-                        <a:t>--</a:t>
-                      </a:r>
-                      <a:endParaRPr sz="1200" b="0">
-                        <a:solidFill>
-                          <a:srgbClr val="3A4043"/>
-                        </a:solidFill>
-                        <a:latin typeface="楷体" panose="02010609060101010101" charset="-122"/>
-                        <a:ea typeface="楷体" panose="02010609060101010101" charset="-122"/>
-                      </a:endParaRPr>
-                    </a:p>
-                  </a:txBody>
-                  <a:tcPr marL="91436" marR="91436" marT="45722" marB="45722" anchor="ctr"/>
-                </a:tc>
-                <a:extLst>
-                  <a:ext uri="{0D108BD9-81ED-4DB2-BD59-A6C34878D82A}">
-                    <a16:rowId xmlns:a16="http://schemas.microsoft.com/office/drawing/2014/main" val="10002"/>
-                  </a:ext>
-                </a:extLst>
-              </a:tr>
-              <a:tr h="378043">
-                <a:tc>
-                  <a:txBody>
-                    <a:bodyPr/>
-                    <a:lstStyle/>
-                    <a:p>
-                      <a:pPr algn="ctr"/>
-                      <a:r>
-                        <a:rPr lang="zh-CN" altLang="en-US" sz="1200" dirty="0"/>
-                        <a:t>竞得方</a:t>
-                      </a:r>
-                      <a:endParaRPr sz="1200" b="0" dirty="0">
-                        <a:solidFill>
-                          <a:srgbClr val="3A4043"/>
-                        </a:solidFill>
-                        <a:latin typeface="楷体" panose="02010609060101010101" charset="-122"/>
-                        <a:ea typeface="楷体" panose="02010609060101010101" charset="-122"/>
-                      </a:endParaRPr>
-                    </a:p>
-                  </a:txBody>
-                  <a:tcPr marL="91436" marR="91436" marT="45722" marB="45722" anchor="ctr"/>
-                </a:tc>
                 <a:tc gridSpan="3">
                   <a:txBody>
                     <a:bodyPr/>
                     <a:lstStyle/>
                     <a:p>
-                      <a:pPr algn="l"/>
-                      <a:r>
-                        <a:rPr sz="1200" dirty="0"/>
-                        <a:t>--</a:t>
-                      </a:r>
-                      <a:endParaRPr sz="1200" b="0" dirty="0">
-                        <a:solidFill>
-                          <a:srgbClr val="3A4043"/>
-                        </a:solidFill>
-                        <a:latin typeface="楷体" panose="02010609060101010101" charset="-122"/>
-                        <a:ea typeface="楷体" panose="02010609060101010101" charset="-122"/>
-                      </a:endParaRPr>
+                      <a:r>
+                        <a:rPr sz="1200">
+                          <a:solidFill>
+                            <a:srgbClr val="000000"/>
+                          </a:solidFill>
+                        </a:rPr>
+                        <a:t>广州市瑞业房地产开发有限公司</a:t>
+                      </a:r>
                     </a:p>
                   </a:txBody>
                   <a:tcPr marL="91436" marR="91436" marT="45722" marB="45722" anchor="ctr"/>
@@ -8701,14 +8717,14 @@
           <p:nvPr>
             <p:extLst>
               <p:ext uri="{D42A27DB-BD31-4B8C-83A1-F6EECF244321}">
-                <p14:modId xmlns:p14="http://schemas.microsoft.com/office/powerpoint/2010/main" val="3288844439"/>
+                <p14:modId xmlns:p14="http://schemas.microsoft.com/office/powerpoint/2010/main" val="3760904658"/>
               </p:ext>
             </p:extLst>
           </p:nvPr>
         </p:nvGraphicFramePr>
         <p:xfrm>
           <a:off x="231206" y="4437112"/>
-          <a:ext cx="4628828" cy="1512172"/>
+          <a:ext cx="4628828" cy="1749505"/>
         </p:xfrm>
         <a:graphic>
           <a:graphicData uri="http://schemas.openxmlformats.org/drawingml/2006/table">
@@ -8754,7 +8770,11 @@
                     <a:p>
                       <a:pPr algn="ctr"/>
                       <a:r>
-                        <a:rPr sz="1200" dirty="0" err="1"/>
+                        <a:rPr sz="1200" dirty="0" err="1">
+                          <a:solidFill>
+                            <a:srgbClr val="000000"/>
+                          </a:solidFill>
+                        </a:rPr>
                         <a:t>挂牌信息</a:t>
                       </a:r>
                       <a:endParaRPr sz="1200" b="1" dirty="0">
@@ -8812,29 +8832,12 @@
                     <a:p>
                       <a:pPr algn="ctr"/>
                       <a:r>
-                        <a:rPr sz="1200"/>
+                        <a:rPr sz="1200" dirty="0" err="1">
+                          <a:solidFill>
+                            <a:srgbClr val="000000"/>
+                          </a:solidFill>
+                        </a:rPr>
                         <a:t>截止时间</a:t>
-                      </a:r>
-                      <a:endParaRPr sz="1200" b="0">
-                        <a:solidFill>
-                          <a:srgbClr val="3A4043"/>
-                        </a:solidFill>
-                        <a:latin typeface="楷体" panose="02010609060101010101" charset="-122"/>
-                        <a:ea typeface="楷体" panose="02010609060101010101" charset="-122"/>
-                      </a:endParaRPr>
-                    </a:p>
-                  </a:txBody>
-                  <a:tcPr marL="91445" marR="91445" marT="45697" marB="45697" anchor="ctr"/>
-                </a:tc>
-                <a:tc>
-                  <a:txBody>
-                    <a:bodyPr/>
-                    <a:lstStyle/>
-                    <a:p>
-                      <a:pPr algn="l"/>
-                      <a:r>
-                        <a:rPr sz="1200" dirty="0"/>
-                        <a:t>2019-06-24</a:t>
                       </a:r>
                       <a:endParaRPr sz="1200" b="0" dirty="0">
                         <a:solidFill>
@@ -8852,12 +8855,33 @@
                     <a:bodyPr/>
                     <a:lstStyle/>
                     <a:p>
+                      <a:r>
+                        <a:rPr sz="1200">
+                          <a:solidFill>
+                            <a:srgbClr val="000000"/>
+                          </a:solidFill>
+                        </a:rPr>
+                        <a:t>2019-06-14 10:00:00</a:t>
+                      </a:r>
+                    </a:p>
+                  </a:txBody>
+                  <a:tcPr marL="91445" marR="91445" marT="45697" marB="45697" anchor="ctr"/>
+                </a:tc>
+                <a:tc>
+                  <a:txBody>
+                    <a:bodyPr/>
+                    <a:lstStyle/>
+                    <a:p>
                       <a:pPr algn="ctr"/>
                       <a:r>
-                        <a:rPr sz="1200"/>
+                        <a:rPr sz="1200" dirty="0" err="1">
+                          <a:solidFill>
+                            <a:srgbClr val="000000"/>
+                          </a:solidFill>
+                        </a:rPr>
                         <a:t>保证金</a:t>
                       </a:r>
-                      <a:endParaRPr sz="1200" b="0">
+                      <a:endParaRPr sz="1200" b="0" dirty="0">
                         <a:solidFill>
                           <a:srgbClr val="3A4043"/>
                         </a:solidFill>
@@ -8873,18 +8897,14 @@
                     <a:bodyPr/>
                     <a:lstStyle/>
                     <a:p>
-                      <a:pPr algn="l"/>
-                      <a:r>
-                        <a:rPr sz="1200"/>
-                        <a:t>227100</a:t>
-                      </a:r>
-                      <a:endParaRPr sz="1200" b="0">
-                        <a:solidFill>
-                          <a:srgbClr val="3A4043"/>
-                        </a:solidFill>
-                        <a:latin typeface="楷体" panose="02010609060101010101" charset="-122"/>
-                        <a:ea typeface="楷体" panose="02010609060101010101" charset="-122"/>
-                      </a:endParaRPr>
+                      <a:r>
+                        <a:rPr sz="1200">
+                          <a:solidFill>
+                            <a:srgbClr val="000000"/>
+                          </a:solidFill>
+                        </a:rPr>
+                        <a:t>12300.0000万元</a:t>
+                      </a:r>
                     </a:p>
                   </a:txBody>
                   <a:tcPr marL="91445" marR="91445" marT="45697" marB="45697" anchor="ctr"/>
@@ -8903,7 +8923,11 @@
                     <a:p>
                       <a:pPr algn="ctr"/>
                       <a:r>
-                        <a:rPr sz="1200" dirty="0" err="1"/>
+                        <a:rPr sz="1200" dirty="0" err="1">
+                          <a:solidFill>
+                            <a:srgbClr val="000000"/>
+                          </a:solidFill>
+                        </a:rPr>
                         <a:t>公告时间</a:t>
                       </a:r>
                       <a:endParaRPr sz="1200" b="0" dirty="0">
@@ -8922,10 +8946,31 @@
                     <a:bodyPr/>
                     <a:lstStyle/>
                     <a:p>
-                      <a:pPr algn="l"/>
-                      <a:r>
-                        <a:rPr sz="1200" dirty="0"/>
-                        <a:t>2019-05-24</a:t>
+                      <a:r>
+                        <a:rPr sz="1200">
+                          <a:solidFill>
+                            <a:srgbClr val="000000"/>
+                          </a:solidFill>
+                        </a:rPr>
+                        <a:t>2019-05-16 00:00:00</a:t>
+                      </a:r>
+                    </a:p>
+                  </a:txBody>
+                  <a:tcPr marL="91445" marR="91445" marT="45697" marB="45697" anchor="ctr"/>
+                </a:tc>
+                <a:tc>
+                  <a:txBody>
+                    <a:bodyPr/>
+                    <a:lstStyle/>
+                    <a:p>
+                      <a:pPr algn="ctr"/>
+                      <a:r>
+                        <a:rPr sz="1200" dirty="0" err="1">
+                          <a:solidFill>
+                            <a:srgbClr val="000000"/>
+                          </a:solidFill>
+                        </a:rPr>
+                        <a:t>起始时间</a:t>
                       </a:r>
                       <a:endParaRPr sz="1200" b="0" dirty="0">
                         <a:solidFill>
@@ -8943,31 +8988,38 @@
                     <a:bodyPr/>
                     <a:lstStyle/>
                     <a:p>
+                      <a:r>
+                        <a:rPr sz="1200">
+                          <a:solidFill>
+                            <a:srgbClr val="000000"/>
+                          </a:solidFill>
+                        </a:rPr>
+                        <a:t>2019-06-04 00:00:00</a:t>
+                      </a:r>
+                    </a:p>
+                  </a:txBody>
+                  <a:tcPr marL="91445" marR="91445" marT="45697" marB="45697" anchor="ctr"/>
+                </a:tc>
+                <a:extLst>
+                  <a:ext uri="{0D108BD9-81ED-4DB2-BD59-A6C34878D82A}">
+                    <a16:rowId xmlns:a16="http://schemas.microsoft.com/office/drawing/2014/main" val="10002"/>
+                  </a:ext>
+                </a:extLst>
+              </a:tr>
+              <a:tr h="378043">
+                <a:tc>
+                  <a:txBody>
+                    <a:bodyPr/>
+                    <a:lstStyle/>
+                    <a:p>
                       <a:pPr algn="ctr"/>
                       <a:r>
-                        <a:rPr sz="1200"/>
-                        <a:t>起始时间</a:t>
-                      </a:r>
-                      <a:endParaRPr sz="1200" b="0">
-                        <a:solidFill>
-                          <a:srgbClr val="3A4043"/>
-                        </a:solidFill>
-                        <a:latin typeface="楷体" panose="02010609060101010101" charset="-122"/>
-                        <a:ea typeface="楷体" panose="02010609060101010101" charset="-122"/>
-                      </a:endParaRPr>
-                    </a:p>
-                  </a:txBody>
-                  <a:tcPr marL="91445" marR="91445" marT="45697" marB="45697" anchor="ctr"/>
-                </a:tc>
-                <a:tc>
-                  <a:txBody>
-                    <a:bodyPr/>
-                    <a:lstStyle/>
-                    <a:p>
-                      <a:pPr algn="l"/>
-                      <a:r>
-                        <a:rPr sz="1200" dirty="0"/>
-                        <a:t>2019-06-14</a:t>
+                        <a:rPr sz="1200" dirty="0" err="1">
+                          <a:solidFill>
+                            <a:srgbClr val="000000"/>
+                          </a:solidFill>
+                        </a:rPr>
+                        <a:t>起始价</a:t>
                       </a:r>
                       <a:endParaRPr sz="1200" b="0" dirty="0">
                         <a:solidFill>
@@ -8980,13 +9032,23 @@
                   </a:txBody>
                   <a:tcPr marL="91445" marR="91445" marT="45697" marB="45697" anchor="ctr"/>
                 </a:tc>
-                <a:extLst>
-                  <a:ext uri="{0D108BD9-81ED-4DB2-BD59-A6C34878D82A}">
-                    <a16:rowId xmlns:a16="http://schemas.microsoft.com/office/drawing/2014/main" val="10002"/>
-                  </a:ext>
-                </a:extLst>
-              </a:tr>
-              <a:tr h="378043">
+                <a:tc>
+                  <a:txBody>
+                    <a:bodyPr/>
+                    <a:lstStyle/>
+                    <a:p>
+                      <a:r>
+                        <a:rPr sz="1200">
+                          <a:solidFill>
+                            <a:srgbClr val="000000"/>
+                          </a:solidFill>
+                        </a:rPr>
+                        <a:t>193660.0000万元</a:t>
+                      </a:r>
+                    </a:p>
+                  </a:txBody>
+                  <a:tcPr marL="91445" marR="91445" marT="45697" marB="45697" anchor="ctr"/>
+                </a:tc>
                 <a:tc>
                   <a:txBody>
                     <a:bodyPr/>
@@ -8994,15 +9056,23 @@
                     <a:p>
                       <a:pPr algn="ctr"/>
                       <a:r>
-                        <a:rPr sz="1200"/>
-                        <a:t>起始价</a:t>
-                      </a:r>
-                      <a:endParaRPr sz="1200" b="0">
+                        <a:rPr lang="zh-CN" altLang="en-US" sz="1200" kern="1200" dirty="0" smtClean="0">
+                          <a:solidFill>
+                            <a:srgbClr val="000000"/>
+                          </a:solidFill>
+                          <a:latin typeface="+mn-lt"/>
+                          <a:ea typeface="+mn-ea"/>
+                          <a:cs typeface="+mn-cs"/>
+                        </a:rPr>
+                        <a:t>加价幅度</a:t>
+                      </a:r>
+                      <a:endParaRPr sz="1200" kern="1200" dirty="0">
                         <a:solidFill>
-                          <a:srgbClr val="3A4043"/>
+                          <a:schemeClr val="dk1"/>
                         </a:solidFill>
-                        <a:latin typeface="楷体" panose="02010609060101010101" charset="-122"/>
-                        <a:ea typeface="楷体" panose="02010609060101010101" charset="-122"/>
+                        <a:latin typeface="+mn-lt"/>
+                        <a:ea typeface="+mn-ea"/>
+                        <a:cs typeface="+mn-cs"/>
                       </a:endParaRPr>
                     </a:p>
                   </a:txBody>
@@ -9013,60 +9083,14 @@
                     <a:bodyPr/>
                     <a:lstStyle/>
                     <a:p>
-                      <a:pPr algn="l"/>
-                      <a:r>
-                        <a:rPr sz="1200"/>
-                        <a:t>454100万元</a:t>
-                      </a:r>
-                      <a:endParaRPr sz="1200" b="0">
-                        <a:solidFill>
-                          <a:srgbClr val="3A4043"/>
-                        </a:solidFill>
-                        <a:latin typeface="楷体" panose="02010609060101010101" charset="-122"/>
-                        <a:ea typeface="楷体" panose="02010609060101010101" charset="-122"/>
-                      </a:endParaRPr>
-                    </a:p>
-                  </a:txBody>
-                  <a:tcPr marL="91445" marR="91445" marT="45697" marB="45697" anchor="ctr"/>
-                </a:tc>
-                <a:tc>
-                  <a:txBody>
-                    <a:bodyPr/>
-                    <a:lstStyle/>
-                    <a:p>
-                      <a:pPr algn="ctr"/>
-                      <a:r>
-                        <a:rPr sz="1200"/>
-                        <a:t>推出楼面价</a:t>
-                      </a:r>
-                      <a:endParaRPr sz="1200" b="0">
-                        <a:solidFill>
-                          <a:srgbClr val="3A4043"/>
-                        </a:solidFill>
-                        <a:latin typeface="楷体" panose="02010609060101010101" charset="-122"/>
-                        <a:ea typeface="楷体" panose="02010609060101010101" charset="-122"/>
-                      </a:endParaRPr>
-                    </a:p>
-                  </a:txBody>
-                  <a:tcPr marL="91445" marR="91445" marT="45697" marB="45697" anchor="ctr"/>
-                </a:tc>
-                <a:tc>
-                  <a:txBody>
-                    <a:bodyPr/>
-                    <a:lstStyle/>
-                    <a:p>
-                      <a:pPr algn="l"/>
-                      <a:r>
-                        <a:rPr sz="1200" dirty="0"/>
-                        <a:t>30620元/m²</a:t>
-                      </a:r>
-                      <a:endParaRPr sz="1200" b="0" dirty="0">
-                        <a:solidFill>
-                          <a:srgbClr val="3A4043"/>
-                        </a:solidFill>
-                        <a:latin typeface="楷体" panose="02010609060101010101" charset="-122"/>
-                        <a:ea typeface="楷体" panose="02010609060101010101" charset="-122"/>
-                      </a:endParaRPr>
+                      <a:r>
+                        <a:rPr sz="1200">
+                          <a:solidFill>
+                            <a:srgbClr val="000000"/>
+                          </a:solidFill>
+                        </a:rPr>
+                        <a:t>3000.0000万元</a:t>
+                      </a:r>
                     </a:p>
                   </a:txBody>
                   <a:tcPr marL="91445" marR="91445" marT="45697" marB="45697" anchor="ctr"/>
@@ -24924,30 +24948,6 @@
           </a:p>
         </p:txBody>
       </p:sp>
-      <p:pic>
-        <p:nvPicPr>
-          <p:cNvPr id="3" name="Picture 2" descr="baidu_maps_in_ppt1.png"/>
-          <p:cNvPicPr>
-            <a:picLocks noChangeAspect="1"/>
-          </p:cNvPicPr>
-          <p:nvPr/>
-        </p:nvPicPr>
-        <p:blipFill>
-          <a:blip r:embed="rId2"/>
-          <a:stretch>
-            <a:fillRect/>
-          </a:stretch>
-        </p:blipFill>
-        <p:spPr>
-          <a:xfrm>
-            <a:off x="91440" y="640080"/>
-            <a:ext cx="5486400" cy="4572000"/>
-          </a:xfrm>
-          <a:prstGeom prst="rect">
-            <a:avLst/>
-          </a:prstGeom>
-        </p:spPr>
-      </p:pic>
     </p:spTree>
     <p:extLst>
       <p:ext uri="{BB962C8B-B14F-4D97-AF65-F5344CB8AC3E}">

--- a/helloWorld/ppt_template/diyun_land_report_result.pptx
+++ b/helloWorld/ppt_template/diyun_land_report_result.pptx
@@ -253,6 +253,286 @@
 </file>
 
 <file path=ppt/charts/chart1.xml><?xml version="1.0" encoding="utf-8"?>
+<c:chartSpace xmlns:c="http://schemas.openxmlformats.org/drawingml/2006/chart" xmlns:a="http://schemas.openxmlformats.org/drawingml/2006/main" xmlns:r="http://schemas.openxmlformats.org/officeDocument/2006/relationships">
+  <c:date1904 val="0"/>
+  <c:chart>
+    <c:title>
+      <c:tx>
+        <c:rich>
+          <a:bodyPr/>
+          <a:lstStyle/>
+          <a:p>
+            <a:r>
+              <a:t>深圳市产业结构</a:t>
+            </a:r>
+          </a:p>
+        </c:rich>
+      </c:tx>
+      <c:layout/>
+      <c:overlay val="0"/>
+    </c:title>
+    <c:plotArea>
+      <c:barChart>
+        <c:barDir val="col"/>
+        <c:grouping val="stacked"/>
+        <c:ser>
+          <c:idx val="0"/>
+          <c:order val="0"/>
+          <c:tx>
+            <c:strRef>
+              <c:f>Sheet1!$B$1</c:f>
+              <c:strCache>
+                <c:ptCount val="1"/>
+                <c:pt idx="0">
+                  <c:v>第一产业</c:v>
+                </c:pt>
+              </c:strCache>
+            </c:strRef>
+          </c:tx>
+          <c:spPr>
+            <a:solidFill>
+              <a:srgbClr val="FFD700"/>
+            </a:solidFill>
+          </c:spPr>
+          <c:cat>
+            <c:strRef>
+              <c:f>Sheet1!$A$2:$A$6</c:f>
+              <c:strCache>
+                <c:ptCount val="5"/>
+                <c:pt idx="0">
+                  <c:v>2014</c:v>
+                </c:pt>
+                <c:pt idx="1">
+                  <c:v>2015</c:v>
+                </c:pt>
+                <c:pt idx="2">
+                  <c:v>2016</c:v>
+                </c:pt>
+                <c:pt idx="3">
+                  <c:v>2017</c:v>
+                </c:pt>
+                <c:pt idx="4">
+                  <c:v>2018</c:v>
+                </c:pt>
+              </c:strCache>
+            </c:strRef>
+          </c:cat>
+          <c:val>
+            <c:numRef>
+              <c:f>Sheet1!$B$2:$B$6</c:f>
+              <c:numCache>
+                <c:formatCode>General</c:formatCode>
+                <c:ptCount val="5"/>
+                <c:pt idx="0">
+                  <c:v>19.2</c:v>
+                </c:pt>
+                <c:pt idx="1">
+                  <c:v>21.4</c:v>
+                </c:pt>
+                <c:pt idx="2">
+                  <c:v>16.7</c:v>
+                </c:pt>
+                <c:pt idx="3">
+                  <c:v>13</c:v>
+                </c:pt>
+                <c:pt idx="4">
+                  <c:v>15</c:v>
+                </c:pt>
+              </c:numCache>
+            </c:numRef>
+          </c:val>
+        </c:ser>
+        <c:ser>
+          <c:idx val="1"/>
+          <c:order val="1"/>
+          <c:tx>
+            <c:strRef>
+              <c:f>Sheet1!$C$1</c:f>
+              <c:strCache>
+                <c:ptCount val="1"/>
+                <c:pt idx="0">
+                  <c:v>第二产业</c:v>
+                </c:pt>
+              </c:strCache>
+            </c:strRef>
+          </c:tx>
+          <c:spPr>
+            <a:solidFill>
+              <a:srgbClr val="32CD32"/>
+            </a:solidFill>
+          </c:spPr>
+          <c:cat>
+            <c:strRef>
+              <c:f>Sheet1!$A$2:$A$6</c:f>
+              <c:strCache>
+                <c:ptCount val="5"/>
+                <c:pt idx="0">
+                  <c:v>2014</c:v>
+                </c:pt>
+                <c:pt idx="1">
+                  <c:v>2015</c:v>
+                </c:pt>
+                <c:pt idx="2">
+                  <c:v>2016</c:v>
+                </c:pt>
+                <c:pt idx="3">
+                  <c:v>2017</c:v>
+                </c:pt>
+                <c:pt idx="4">
+                  <c:v>2018</c:v>
+                </c:pt>
+              </c:strCache>
+            </c:strRef>
+          </c:cat>
+          <c:val>
+            <c:numRef>
+              <c:f>Sheet1!$C$2:$C$6</c:f>
+              <c:numCache>
+                <c:formatCode>General</c:formatCode>
+                <c:ptCount val="5"/>
+                <c:pt idx="0">
+                  <c:v>9.2</c:v>
+                </c:pt>
+                <c:pt idx="1">
+                  <c:v>2.4</c:v>
+                </c:pt>
+                <c:pt idx="2">
+                  <c:v>6.7</c:v>
+                </c:pt>
+                <c:pt idx="3">
+                  <c:v>12</c:v>
+                </c:pt>
+                <c:pt idx="4">
+                  <c:v>13.5</c:v>
+                </c:pt>
+              </c:numCache>
+            </c:numRef>
+          </c:val>
+        </c:ser>
+        <c:ser>
+          <c:idx val="2"/>
+          <c:order val="2"/>
+          <c:tx>
+            <c:strRef>
+              <c:f>Sheet1!$D$1</c:f>
+              <c:strCache>
+                <c:ptCount val="1"/>
+                <c:pt idx="0">
+                  <c:v>第三产业</c:v>
+                </c:pt>
+              </c:strCache>
+            </c:strRef>
+          </c:tx>
+          <c:spPr>
+            <a:solidFill>
+              <a:srgbClr val="1E90FF"/>
+            </a:solidFill>
+          </c:spPr>
+          <c:cat>
+            <c:strRef>
+              <c:f>Sheet1!$A$2:$A$6</c:f>
+              <c:strCache>
+                <c:ptCount val="5"/>
+                <c:pt idx="0">
+                  <c:v>2014</c:v>
+                </c:pt>
+                <c:pt idx="1">
+                  <c:v>2015</c:v>
+                </c:pt>
+                <c:pt idx="2">
+                  <c:v>2016</c:v>
+                </c:pt>
+                <c:pt idx="3">
+                  <c:v>2017</c:v>
+                </c:pt>
+                <c:pt idx="4">
+                  <c:v>2018</c:v>
+                </c:pt>
+              </c:strCache>
+            </c:strRef>
+          </c:cat>
+          <c:val>
+            <c:numRef>
+              <c:f>Sheet1!$D$2:$D$6</c:f>
+              <c:numCache>
+                <c:formatCode>General</c:formatCode>
+                <c:ptCount val="5"/>
+                <c:pt idx="0">
+                  <c:v>9.2</c:v>
+                </c:pt>
+                <c:pt idx="1">
+                  <c:v>2.4</c:v>
+                </c:pt>
+                <c:pt idx="2">
+                  <c:v>6.7</c:v>
+                </c:pt>
+                <c:pt idx="3">
+                  <c:v>14.1</c:v>
+                </c:pt>
+                <c:pt idx="4">
+                  <c:v>5.2</c:v>
+                </c:pt>
+              </c:numCache>
+            </c:numRef>
+          </c:val>
+        </c:ser>
+        <c:overlap val="100"/>
+        <c:axId val="-2068027336"/>
+        <c:axId val="-2113994440"/>
+      </c:barChart>
+      <c:catAx>
+        <c:axId val="-2068027336"/>
+        <c:scaling>
+          <c:orientation val="minMax"/>
+        </c:scaling>
+        <c:delete val="0"/>
+        <c:axPos val="b"/>
+        <c:majorTickMark val="out"/>
+        <c:minorTickMark val="none"/>
+        <c:tickLblPos val="nextTo"/>
+        <c:crossAx val="-2113994440"/>
+        <c:crosses val="autoZero"/>
+        <c:auto val="1"/>
+        <c:lblAlgn val="ctr"/>
+        <c:lblOffset val="100"/>
+        <c:noMultiLvlLbl val="0"/>
+      </c:catAx>
+      <c:valAx>
+        <c:axId val="-2113994440"/>
+        <c:scaling/>
+        <c:delete val="0"/>
+        <c:axPos val="l"/>
+        <c:majorGridlines/>
+        <c:majorTickMark val="out"/>
+        <c:minorTickMark val="none"/>
+        <c:tickLblPos val="nextTo"/>
+        <c:crossAx val="-2068027336"/>
+        <c:crosses val="autoZero"/>
+      </c:valAx>
+    </c:plotArea>
+    <c:legend>
+      <c:legendPos val="b"/>
+      <c:overlay val="0"/>
+    </c:legend>
+    <c:dispBlanksAs val="gap"/>
+  </c:chart>
+  <c:txPr>
+    <a:bodyPr/>
+    <a:lstStyle/>
+    <a:p>
+      <a:pPr>
+        <a:defRPr sz="1800"/>
+      </a:pPr>
+      <a:endParaRPr lang="en-US"/>
+    </a:p>
+  </c:txPr>
+  <c:externalData r:id="rId1">
+    <c:autoUpdate val="0"/>
+  </c:externalData>
+</c:chartSpace>
+</file>
+
+<file path=ppt/charts/chart2.xml><?xml version="1.0" encoding="utf-8"?>
 <c:chartSpace xmlns:c="http://schemas.openxmlformats.org/drawingml/2006/chart" xmlns:a="http://schemas.openxmlformats.org/drawingml/2006/main" xmlns:r="http://schemas.openxmlformats.org/officeDocument/2006/relationships">
   <c:date1904 val="0"/>
   <c:chart>
@@ -8717,7 +8997,7 @@
           <p:nvPr>
             <p:extLst>
               <p:ext uri="{D42A27DB-BD31-4B8C-83A1-F6EECF244321}">
-                <p14:modId xmlns:p14="http://schemas.microsoft.com/office/powerpoint/2010/main" val="3760904658"/>
+                <p14:modId xmlns:p14="http://schemas.microsoft.com/office/powerpoint/2010/main" val="346521714"/>
               </p:ext>
             </p:extLst>
           </p:nvPr>
@@ -11332,7 +11612,7 @@
         </p:nvGrpSpPr>
         <p:grpSpPr bwMode="auto">
           <a:xfrm>
-            <a:off x="251520" y="715962"/>
+            <a:off x="35496" y="620688"/>
             <a:ext cx="4800411" cy="5161309"/>
             <a:chOff x="-35153" y="591210"/>
             <a:chExt cx="5047488" cy="5426049"/>
@@ -12967,1700 +13247,985 @@
       </p:grpSp>
       <p:graphicFrame>
         <p:nvGraphicFramePr>
-          <p:cNvPr id="39" name="New Table">
-            <a:extLst>
-              <a:ext uri="{FF2B5EF4-FFF2-40B4-BE49-F238E27FC236}">
-                <a16:creationId xmlns:a16="http://schemas.microsoft.com/office/drawing/2014/main" id="{6D32B1A0-FCAD-4589-A493-BED4AB574838}"/>
-              </a:ext>
-            </a:extLst>
-          </p:cNvPr>
+          <p:cNvPr id="38" name="Table 37"/>
           <p:cNvGraphicFramePr>
             <a:graphicFrameLocks noGrp="1"/>
           </p:cNvGraphicFramePr>
-          <p:nvPr>
-            <p:extLst>
-              <p:ext uri="{D42A27DB-BD31-4B8C-83A1-F6EECF244321}">
-                <p14:modId xmlns:p14="http://schemas.microsoft.com/office/powerpoint/2010/main" val="217284854"/>
-              </p:ext>
-            </p:extLst>
-          </p:nvPr>
+          <p:nvPr/>
         </p:nvGraphicFramePr>
         <p:xfrm>
-          <a:off x="5076056" y="652848"/>
-          <a:ext cx="3960440" cy="5248276"/>
+          <a:off x="4860000" y="720000"/>
+          <a:ext cx="4320000" cy="720000"/>
         </p:xfrm>
         <a:graphic>
           <a:graphicData uri="http://schemas.openxmlformats.org/drawingml/2006/table">
             <a:tbl>
-              <a:tblPr>
-                <a:tableStyleId>{C083E6E3-FA7D-4D7B-A595-EF9225AFEA82}</a:tableStyleId>
+              <a:tblPr firstRow="1" bandRow="1">
+                <a:tableStyleId>{5C22544A-7EE6-4342-B048-85BDC9FD1C3A}</a:tableStyleId>
               </a:tblPr>
               <a:tblGrid>
-                <a:gridCol w="583540">
-                  <a:extLst>
-                    <a:ext uri="{9D8B030D-6E8A-4147-A177-3AD203B41FA5}">
-                      <a16:colId xmlns:a16="http://schemas.microsoft.com/office/drawing/2014/main" val="20000"/>
-                    </a:ext>
-                  </a:extLst>
-                </a:gridCol>
-                <a:gridCol w="1080120">
-                  <a:extLst>
-                    <a:ext uri="{9D8B030D-6E8A-4147-A177-3AD203B41FA5}">
-                      <a16:colId xmlns:a16="http://schemas.microsoft.com/office/drawing/2014/main" val="20001"/>
-                    </a:ext>
-                  </a:extLst>
-                </a:gridCol>
-                <a:gridCol w="792088">
-                  <a:extLst>
-                    <a:ext uri="{9D8B030D-6E8A-4147-A177-3AD203B41FA5}">
-                      <a16:colId xmlns:a16="http://schemas.microsoft.com/office/drawing/2014/main" val="20003"/>
-                    </a:ext>
-                  </a:extLst>
-                </a:gridCol>
-                <a:gridCol w="576064">
-                  <a:extLst>
-                    <a:ext uri="{9D8B030D-6E8A-4147-A177-3AD203B41FA5}">
-                      <a16:colId xmlns:a16="http://schemas.microsoft.com/office/drawing/2014/main" val="606002429"/>
-                    </a:ext>
-                  </a:extLst>
-                </a:gridCol>
-                <a:gridCol w="928628">
-                  <a:extLst>
-                    <a:ext uri="{9D8B030D-6E8A-4147-A177-3AD203B41FA5}">
-                      <a16:colId xmlns:a16="http://schemas.microsoft.com/office/drawing/2014/main" val="4282673147"/>
-                    </a:ext>
-                  </a:extLst>
-                </a:gridCol>
+                <a:gridCol w="540000"/>
+                <a:gridCol w="1080000"/>
+                <a:gridCol w="1080000"/>
+                <a:gridCol w="720000"/>
+                <a:gridCol w="900000"/>
               </a:tblGrid>
-              <a:tr h="477116">
-                <a:tc>
-                  <a:txBody>
-                    <a:bodyPr/>
-                    <a:lstStyle/>
-                    <a:p>
-                      <a:pPr algn="ctr"/>
-                      <a:r>
-                        <a:rPr sz="1200" b="1" dirty="0" err="1">
+              <a:tr h="65454">
+                <a:tc>
+                  <a:txBody>
+                    <a:bodyPr/>
+                    <a:lstStyle/>
+                    <a:p>
+                      <a:r>
+                        <a:rPr sz="1200">
                           <a:solidFill>
-                            <a:schemeClr val="tx1">
-                              <a:lumMod val="75000"/>
-                              <a:lumOff val="25000"/>
-                            </a:schemeClr>
+                            <a:srgbClr val="000000"/>
                           </a:solidFill>
-                          <a:latin typeface="+mn-lt"/>
-                          <a:ea typeface="微软雅黑" panose="020B0503020204020204" pitchFamily="34" charset="-122"/>
                         </a:rPr>
                         <a:t>编号</a:t>
                       </a:r>
-                      <a:endParaRPr sz="1200" b="1" dirty="0">
-                        <a:solidFill>
-                          <a:schemeClr val="tx1">
-                            <a:lumMod val="75000"/>
-                            <a:lumOff val="25000"/>
-                          </a:schemeClr>
-                        </a:solidFill>
-                        <a:latin typeface="+mn-lt"/>
-                        <a:ea typeface="微软雅黑" panose="020B0503020204020204" pitchFamily="34" charset="-122"/>
-                      </a:endParaRPr>
-                    </a:p>
-                  </a:txBody>
-                  <a:tcPr marL="91445" marR="91445" marT="45713" marB="45713" anchor="ctr"/>
-                </a:tc>
-                <a:tc>
-                  <a:txBody>
-                    <a:bodyPr/>
-                    <a:lstStyle/>
-                    <a:p>
-                      <a:pPr algn="ctr"/>
-                      <a:r>
-                        <a:rPr sz="1200" b="1" dirty="0" err="1">
+                    </a:p>
+                  </a:txBody>
+                  <a:tcPr/>
+                </a:tc>
+                <a:tc>
+                  <a:txBody>
+                    <a:bodyPr/>
+                    <a:lstStyle/>
+                    <a:p>
+                      <a:r>
+                        <a:rPr sz="1200">
                           <a:solidFill>
-                            <a:schemeClr val="tx1">
-                              <a:lumMod val="75000"/>
-                              <a:lumOff val="25000"/>
-                            </a:schemeClr>
+                            <a:srgbClr val="000000"/>
                           </a:solidFill>
-                          <a:latin typeface="+mn-lt"/>
-                          <a:ea typeface="微软雅黑" panose="020B0503020204020204" pitchFamily="34" charset="-122"/>
                         </a:rPr>
                         <a:t>名称</a:t>
                       </a:r>
-                      <a:endParaRPr sz="1200" b="1" dirty="0">
-                        <a:solidFill>
-                          <a:schemeClr val="tx1">
-                            <a:lumMod val="75000"/>
-                            <a:lumOff val="25000"/>
-                          </a:schemeClr>
-                        </a:solidFill>
-                        <a:latin typeface="+mn-lt"/>
-                        <a:ea typeface="微软雅黑" panose="020B0503020204020204" pitchFamily="34" charset="-122"/>
-                      </a:endParaRPr>
-                    </a:p>
-                  </a:txBody>
-                  <a:tcPr marL="91445" marR="91445" marT="45713" marB="45713" anchor="ctr"/>
-                </a:tc>
-                <a:tc>
-                  <a:txBody>
-                    <a:bodyPr/>
-                    <a:lstStyle/>
-                    <a:p>
-                      <a:pPr algn="ctr"/>
-                      <a:r>
-                        <a:rPr lang="en-US" altLang="zh-CN" sz="1200" b="1" dirty="0" err="1">
+                    </a:p>
+                  </a:txBody>
+                  <a:tcPr/>
+                </a:tc>
+                <a:tc>
+                  <a:txBody>
+                    <a:bodyPr/>
+                    <a:lstStyle/>
+                    <a:p>
+                      <a:r>
+                        <a:rPr sz="1200">
                           <a:solidFill>
-                            <a:schemeClr val="tx1">
-                              <a:lumMod val="75000"/>
-                              <a:lumOff val="25000"/>
-                            </a:schemeClr>
+                            <a:srgbClr val="000000"/>
                           </a:solidFill>
                         </a:rPr>
                         <a:t>开盘时间</a:t>
                       </a:r>
-                      <a:endParaRPr sz="1200" b="1" dirty="0">
-                        <a:solidFill>
-                          <a:schemeClr val="tx1">
-                            <a:lumMod val="75000"/>
-                            <a:lumOff val="25000"/>
-                          </a:schemeClr>
-                        </a:solidFill>
-                        <a:latin typeface="+mn-lt"/>
-                        <a:ea typeface="微软雅黑" panose="020B0503020204020204" pitchFamily="34" charset="-122"/>
-                      </a:endParaRPr>
-                    </a:p>
-                  </a:txBody>
-                  <a:tcPr marL="91445" marR="91445" marT="45713" marB="45713" anchor="ctr"/>
-                </a:tc>
-                <a:tc>
-                  <a:txBody>
-                    <a:bodyPr/>
-                    <a:lstStyle/>
-                    <a:p>
-                      <a:pPr algn="ctr"/>
-                      <a:r>
-                        <a:rPr lang="zh-CN" altLang="en-US" sz="1200" b="1" dirty="0">
+                    </a:p>
+                  </a:txBody>
+                  <a:tcPr/>
+                </a:tc>
+                <a:tc>
+                  <a:txBody>
+                    <a:bodyPr/>
+                    <a:lstStyle/>
+                    <a:p>
+                      <a:r>
+                        <a:rPr sz="1200">
                           <a:solidFill>
-                            <a:schemeClr val="tx1">
-                              <a:lumMod val="75000"/>
-                              <a:lumOff val="25000"/>
-                            </a:schemeClr>
+                            <a:srgbClr val="000000"/>
                           </a:solidFill>
-                          <a:latin typeface="+mn-lt"/>
-                          <a:ea typeface="微软雅黑" panose="020B0503020204020204" pitchFamily="34" charset="-122"/>
                         </a:rPr>
                         <a:t>产品类型</a:t>
                       </a:r>
-                      <a:endParaRPr sz="1200" b="1" dirty="0">
-                        <a:solidFill>
-                          <a:schemeClr val="tx1">
-                            <a:lumMod val="75000"/>
-                            <a:lumOff val="25000"/>
-                          </a:schemeClr>
-                        </a:solidFill>
-                        <a:latin typeface="+mn-lt"/>
-                        <a:ea typeface="微软雅黑" panose="020B0503020204020204" pitchFamily="34" charset="-122"/>
-                      </a:endParaRPr>
-                    </a:p>
-                  </a:txBody>
-                  <a:tcPr marL="91445" marR="91445" marT="45713" marB="45713" anchor="ctr"/>
-                </a:tc>
-                <a:tc>
-                  <a:txBody>
-                    <a:bodyPr/>
-                    <a:lstStyle/>
-                    <a:p>
-                      <a:pPr marL="0" marR="0" lvl="0" indent="0" algn="ctr" defTabSz="914400" rtl="0" eaLnBrk="1" fontAlgn="auto" latinLnBrk="0" hangingPunct="1">
-                        <a:lnSpc>
-                          <a:spcPct val="100000"/>
-                        </a:lnSpc>
-                        <a:spcBef>
-                          <a:spcPts val="0"/>
-                        </a:spcBef>
-                        <a:spcAft>
-                          <a:spcPts val="0"/>
-                        </a:spcAft>
-                        <a:buClrTx/>
-                        <a:buSzTx/>
-                        <a:buFontTx/>
-                        <a:buNone/>
-                        <a:tabLst/>
-                        <a:defRPr/>
-                      </a:pPr>
-                      <a:r>
-                        <a:rPr lang="en-US" altLang="zh-CN" sz="1200" b="1" dirty="0" err="1">
+                    </a:p>
+                  </a:txBody>
+                  <a:tcPr/>
+                </a:tc>
+                <a:tc>
+                  <a:txBody>
+                    <a:bodyPr/>
+                    <a:lstStyle/>
+                    <a:p>
+                      <a:r>
+                        <a:rPr sz="1200">
                           <a:solidFill>
-                            <a:schemeClr val="tx1">
-                              <a:lumMod val="75000"/>
-                              <a:lumOff val="25000"/>
-                            </a:schemeClr>
+                            <a:srgbClr val="000000"/>
                           </a:solidFill>
                         </a:rPr>
-                        <a:t>成交价格</a:t>
-                      </a:r>
-                      <a:r>
-                        <a:rPr lang="en-US" altLang="zh-CN" sz="1200" b="1" dirty="0">
+                        <a:t>成交价格(元/㎡)</a:t>
+                      </a:r>
+                    </a:p>
+                  </a:txBody>
+                  <a:tcPr/>
+                </a:tc>
+              </a:tr>
+              <a:tr h="65454">
+                <a:tc>
+                  <a:txBody>
+                    <a:bodyPr/>
+                    <a:lstStyle/>
+                    <a:p>
+                      <a:r>
+                        <a:rPr sz="1200">
                           <a:solidFill>
-                            <a:schemeClr val="tx1">
-                              <a:lumMod val="75000"/>
-                              <a:lumOff val="25000"/>
-                            </a:schemeClr>
+                            <a:srgbClr val="000000"/>
                           </a:solidFill>
                         </a:rPr>
-                        <a:t>(元/㎡)</a:t>
-                      </a:r>
-                    </a:p>
-                  </a:txBody>
-                  <a:tcPr marL="91445" marR="91445" marT="45713" marB="45713" anchor="ctr"/>
-                </a:tc>
-                <a:extLst>
-                  <a:ext uri="{0D108BD9-81ED-4DB2-BD59-A6C34878D82A}">
-                    <a16:rowId xmlns:a16="http://schemas.microsoft.com/office/drawing/2014/main" val="10000"/>
-                  </a:ext>
-                </a:extLst>
+                        <a:t>1</a:t>
+                      </a:r>
+                    </a:p>
+                  </a:txBody>
+                  <a:tcPr/>
+                </a:tc>
+                <a:tc>
+                  <a:txBody>
+                    <a:bodyPr/>
+                    <a:lstStyle/>
+                    <a:p>
+                      <a:r>
+                        <a:rPr sz="1200">
+                          <a:solidFill>
+                            <a:srgbClr val="000000"/>
+                          </a:solidFill>
+                        </a:rPr>
+                        <a:t>东方盛世花园二期</a:t>
+                      </a:r>
+                    </a:p>
+                  </a:txBody>
+                  <a:tcPr/>
+                </a:tc>
+                <a:tc>
+                  <a:txBody>
+                    <a:bodyPr/>
+                    <a:lstStyle/>
+                    <a:p>
+                      <a:r>
+                        <a:rPr sz="1200">
+                          <a:solidFill>
+                            <a:srgbClr val="000000"/>
+                          </a:solidFill>
+                        </a:rPr>
+                        <a:t>2018-10-08</a:t>
+                      </a:r>
+                    </a:p>
+                  </a:txBody>
+                  <a:tcPr/>
+                </a:tc>
+                <a:tc>
+                  <a:txBody>
+                    <a:bodyPr/>
+                    <a:lstStyle/>
+                    <a:p>
+                      <a:r>
+                        <a:rPr sz="1200">
+                          <a:solidFill>
+                            <a:srgbClr val="000000"/>
+                          </a:solidFill>
+                        </a:rPr>
+                        <a:t>板楼</a:t>
+                      </a:r>
+                    </a:p>
+                  </a:txBody>
+                  <a:tcPr/>
+                </a:tc>
+                <a:tc>
+                  <a:txBody>
+                    <a:bodyPr/>
+                    <a:lstStyle/>
+                    <a:p>
+                      <a:r>
+                        <a:rPr sz="1200">
+                          <a:solidFill>
+                            <a:srgbClr val="000000"/>
+                          </a:solidFill>
+                        </a:rPr>
+                        <a:t>73638.73</a:t>
+                      </a:r>
+                    </a:p>
+                  </a:txBody>
+                  <a:tcPr/>
+                </a:tc>
               </a:tr>
-              <a:tr h="477116">
-                <a:tc>
-                  <a:txBody>
-                    <a:bodyPr/>
-                    <a:lstStyle/>
-                    <a:p>
-                      <a:pPr algn="ctr"/>
-                      <a:r>
-                        <a:rPr sz="1200" b="0" dirty="0">
+              <a:tr h="65454">
+                <a:tc>
+                  <a:txBody>
+                    <a:bodyPr/>
+                    <a:lstStyle/>
+                    <a:p>
+                      <a:r>
+                        <a:rPr sz="1200">
                           <a:solidFill>
-                            <a:schemeClr val="tx1">
-                              <a:lumMod val="75000"/>
-                              <a:lumOff val="25000"/>
-                            </a:schemeClr>
+                            <a:srgbClr val="000000"/>
                           </a:solidFill>
-                          <a:latin typeface="+mn-lt"/>
-                          <a:ea typeface="微软雅黑" panose="020B0503020204020204" pitchFamily="34" charset="-122"/>
-                        </a:rPr>
-                        <a:t>1</a:t>
-                      </a:r>
-                    </a:p>
-                  </a:txBody>
-                  <a:tcPr marL="91445" marR="91445" marT="45713" marB="45713" anchor="ctr">
-                    <a:solidFill>
-                      <a:srgbClr val="FFFFFF"/>
-                    </a:solidFill>
-                  </a:tcPr>
-                </a:tc>
-                <a:tc>
-                  <a:txBody>
-                    <a:bodyPr/>
-                    <a:lstStyle/>
-                    <a:p>
-                      <a:pPr marL="0" algn="ctr" defTabSz="914400" rtl="0" eaLnBrk="1" latinLnBrk="0" hangingPunct="1"/>
-                      <a:r>
-                        <a:rPr lang="en-US" sz="1200" b="0" kern="1200" dirty="0">
+                        </a:rPr>
+                        <a:t>2</a:t>
+                      </a:r>
+                    </a:p>
+                  </a:txBody>
+                  <a:tcPr/>
+                </a:tc>
+                <a:tc>
+                  <a:txBody>
+                    <a:bodyPr/>
+                    <a:lstStyle/>
+                    <a:p>
+                      <a:r>
+                        <a:rPr sz="1200">
                           <a:solidFill>
-                            <a:schemeClr val="tx1">
-                              <a:lumMod val="75000"/>
-                              <a:lumOff val="25000"/>
-                            </a:schemeClr>
+                            <a:srgbClr val="000000"/>
                           </a:solidFill>
-                          <a:latin typeface="+mn-lt"/>
-                          <a:ea typeface="微软雅黑" panose="020B0503020204020204" pitchFamily="34" charset="-122"/>
-                          <a:cs typeface="+mn-cs"/>
-                        </a:rPr>
-                        <a:t>粤海城</a:t>
-                      </a:r>
-                    </a:p>
-                  </a:txBody>
-                  <a:tcPr marL="38100" marR="38100" marT="38100" marB="38100" anchor="ctr">
-                    <a:solidFill>
-                      <a:srgbClr val="FFFFFF"/>
-                    </a:solidFill>
-                  </a:tcPr>
-                </a:tc>
-                <a:tc>
-                  <a:txBody>
-                    <a:bodyPr/>
-                    <a:lstStyle/>
-                    <a:p>
-                      <a:pPr marL="0" algn="ctr" defTabSz="914400" rtl="0" eaLnBrk="1" latinLnBrk="0" hangingPunct="1"/>
-                      <a:r>
-                        <a:rPr lang="en-US" sz="1200" b="0" kern="1200" dirty="0">
+                        </a:rPr>
+                        <a:t>深业泰富广场</a:t>
+                      </a:r>
+                    </a:p>
+                  </a:txBody>
+                  <a:tcPr/>
+                </a:tc>
+                <a:tc>
+                  <a:txBody>
+                    <a:bodyPr/>
+                    <a:lstStyle/>
+                    <a:p>
+                      <a:r>
+                        <a:rPr sz="1200">
                           <a:solidFill>
-                            <a:schemeClr val="tx1">
-                              <a:lumMod val="75000"/>
-                              <a:lumOff val="25000"/>
-                            </a:schemeClr>
+                            <a:srgbClr val="000000"/>
                           </a:solidFill>
-                          <a:latin typeface="+mn-lt"/>
-                          <a:ea typeface="微软雅黑" panose="020B0503020204020204" pitchFamily="34" charset="-122"/>
-                          <a:cs typeface="+mn-cs"/>
-                        </a:rPr>
-                        <a:t>2018-12-07</a:t>
-                      </a:r>
-                    </a:p>
-                  </a:txBody>
-                  <a:tcPr marL="38100" marR="38100" marT="38100" marB="38100" anchor="ctr">
-                    <a:solidFill>
-                      <a:srgbClr val="FFFFFF"/>
-                    </a:solidFill>
-                  </a:tcPr>
-                </a:tc>
-                <a:tc>
-                  <a:txBody>
-                    <a:bodyPr/>
-                    <a:lstStyle/>
-                    <a:p>
-                      <a:pPr marL="0" algn="ctr" defTabSz="914400" rtl="0" eaLnBrk="1" latinLnBrk="0" hangingPunct="1"/>
-                      <a:endParaRPr lang="en-US" sz="1200" b="0" kern="1200" dirty="0">
-                        <a:solidFill>
-                          <a:schemeClr val="tx1">
-                            <a:lumMod val="75000"/>
-                            <a:lumOff val="25000"/>
-                          </a:schemeClr>
-                        </a:solidFill>
-                        <a:latin typeface="+mn-lt"/>
-                        <a:ea typeface="微软雅黑" panose="020B0503020204020204" pitchFamily="34" charset="-122"/>
-                        <a:cs typeface="+mn-cs"/>
-                      </a:endParaRPr>
-                    </a:p>
-                  </a:txBody>
-                  <a:tcPr marL="38100" marR="38100" marT="38100" marB="38100" anchor="ctr">
-                    <a:solidFill>
-                      <a:srgbClr val="FFFFFF"/>
-                    </a:solidFill>
-                  </a:tcPr>
-                </a:tc>
-                <a:tc>
-                  <a:txBody>
-                    <a:bodyPr/>
-                    <a:lstStyle/>
-                    <a:p>
-                      <a:pPr marL="0" algn="ctr" defTabSz="914400" rtl="0" eaLnBrk="1" latinLnBrk="0" hangingPunct="1"/>
-                      <a:r>
-                        <a:rPr lang="en-US" sz="1200" b="0" kern="1200" dirty="0">
+                        </a:rPr>
+                        <a:t>2019-08-08</a:t>
+                      </a:r>
+                    </a:p>
+                  </a:txBody>
+                  <a:tcPr/>
+                </a:tc>
+                <a:tc>
+                  <a:txBody>
+                    <a:bodyPr/>
+                    <a:lstStyle/>
+                    <a:p>
+                      <a:r>
+                        <a:rPr sz="1200">
                           <a:solidFill>
-                            <a:schemeClr val="tx1">
-                              <a:lumMod val="75000"/>
-                              <a:lumOff val="25000"/>
-                            </a:schemeClr>
+                            <a:srgbClr val="000000"/>
                           </a:solidFill>
-                          <a:latin typeface="+mn-lt"/>
-                          <a:ea typeface="微软雅黑" panose="020B0503020204020204" pitchFamily="34" charset="-122"/>
-                          <a:cs typeface="+mn-cs"/>
-                        </a:rPr>
-                        <a:t>--</a:t>
-                      </a:r>
-                    </a:p>
-                  </a:txBody>
-                  <a:tcPr marL="38100" marR="38100" marT="38100" marB="38100" anchor="ctr">
-                    <a:solidFill>
-                      <a:srgbClr val="FFFFFF"/>
-                    </a:solidFill>
-                  </a:tcPr>
-                </a:tc>
-                <a:extLst>
-                  <a:ext uri="{0D108BD9-81ED-4DB2-BD59-A6C34878D82A}">
-                    <a16:rowId xmlns:a16="http://schemas.microsoft.com/office/drawing/2014/main" val="10001"/>
-                  </a:ext>
-                </a:extLst>
+                        </a:rPr>
+                        <a:t>板塔结合</a:t>
+                      </a:r>
+                    </a:p>
+                  </a:txBody>
+                  <a:tcPr/>
+                </a:tc>
+                <a:tc>
+                  <a:txBody>
+                    <a:bodyPr/>
+                    <a:lstStyle/>
+                    <a:p>
+                      <a:r>
+                        <a:rPr sz="1200">
+                          <a:solidFill>
+                            <a:srgbClr val="000000"/>
+                          </a:solidFill>
+                        </a:rPr>
+                        <a:t>59228.69</a:t>
+                      </a:r>
+                    </a:p>
+                  </a:txBody>
+                  <a:tcPr/>
+                </a:tc>
               </a:tr>
-              <a:tr h="477116">
-                <a:tc>
-                  <a:txBody>
-                    <a:bodyPr/>
-                    <a:lstStyle/>
-                    <a:p>
-                      <a:pPr algn="ctr"/>
-                      <a:r>
-                        <a:rPr sz="1200" b="0" dirty="0">
+              <a:tr h="65454">
+                <a:tc>
+                  <a:txBody>
+                    <a:bodyPr/>
+                    <a:lstStyle/>
+                    <a:p>
+                      <a:r>
+                        <a:rPr sz="1200">
                           <a:solidFill>
-                            <a:schemeClr val="tx1">
-                              <a:lumMod val="75000"/>
-                              <a:lumOff val="25000"/>
-                            </a:schemeClr>
+                            <a:srgbClr val="000000"/>
                           </a:solidFill>
-                          <a:latin typeface="+mn-lt"/>
-                          <a:ea typeface="微软雅黑" panose="020B0503020204020204" pitchFamily="34" charset="-122"/>
-                        </a:rPr>
-                        <a:t>2</a:t>
-                      </a:r>
-                    </a:p>
-                  </a:txBody>
-                  <a:tcPr marL="91445" marR="91445" marT="45713" marB="45713" anchor="ctr">
-                    <a:solidFill>
-                      <a:srgbClr val="F6F7F9"/>
-                    </a:solidFill>
-                  </a:tcPr>
-                </a:tc>
-                <a:tc>
-                  <a:txBody>
-                    <a:bodyPr/>
-                    <a:lstStyle/>
-                    <a:p>
-                      <a:pPr marL="0" algn="ctr" defTabSz="914400" rtl="0" eaLnBrk="1" latinLnBrk="0" hangingPunct="1"/>
-                      <a:r>
-                        <a:rPr lang="en-US" sz="1200" b="0" kern="1200" dirty="0">
+                        </a:rPr>
+                        <a:t>3</a:t>
+                      </a:r>
+                    </a:p>
+                  </a:txBody>
+                  <a:tcPr/>
+                </a:tc>
+                <a:tc>
+                  <a:txBody>
+                    <a:bodyPr/>
+                    <a:lstStyle/>
+                    <a:p>
+                      <a:r>
+                        <a:rPr sz="1200">
                           <a:solidFill>
-                            <a:schemeClr val="tx1">
-                              <a:lumMod val="75000"/>
-                              <a:lumOff val="25000"/>
-                            </a:schemeClr>
+                            <a:srgbClr val="000000"/>
                           </a:solidFill>
-                          <a:latin typeface="+mn-lt"/>
-                          <a:ea typeface="微软雅黑" panose="020B0503020204020204" pitchFamily="34" charset="-122"/>
-                          <a:cs typeface="+mn-cs"/>
-                        </a:rPr>
-                        <a:t>实地剑兰郡</a:t>
-                      </a:r>
-                    </a:p>
-                  </a:txBody>
-                  <a:tcPr marL="38100" marR="38100" marT="38100" marB="38100" anchor="ctr">
-                    <a:solidFill>
-                      <a:srgbClr val="F6F7F9"/>
-                    </a:solidFill>
-                  </a:tcPr>
-                </a:tc>
-                <a:tc>
-                  <a:txBody>
-                    <a:bodyPr/>
-                    <a:lstStyle/>
-                    <a:p>
-                      <a:pPr marL="0" algn="ctr" defTabSz="914400" rtl="0" eaLnBrk="1" latinLnBrk="0" hangingPunct="1"/>
-                      <a:r>
-                        <a:rPr lang="en-US" sz="1200" b="0" kern="1200" dirty="0">
+                        </a:rPr>
+                        <a:t>深业泰富广场</a:t>
+                      </a:r>
+                    </a:p>
+                  </a:txBody>
+                  <a:tcPr/>
+                </a:tc>
+                <a:tc>
+                  <a:txBody>
+                    <a:bodyPr/>
+                    <a:lstStyle/>
+                    <a:p>
+                      <a:r>
+                        <a:rPr sz="1200">
                           <a:solidFill>
-                            <a:schemeClr val="tx1">
-                              <a:lumMod val="75000"/>
-                              <a:lumOff val="25000"/>
-                            </a:schemeClr>
+                            <a:srgbClr val="000000"/>
                           </a:solidFill>
-                          <a:latin typeface="+mn-lt"/>
-                          <a:ea typeface="微软雅黑" panose="020B0503020204020204" pitchFamily="34" charset="-122"/>
-                          <a:cs typeface="+mn-cs"/>
-                        </a:rPr>
-                        <a:t>2018-10-08</a:t>
-                      </a:r>
-                    </a:p>
-                  </a:txBody>
-                  <a:tcPr marL="38100" marR="38100" marT="38100" marB="38100" anchor="ctr">
-                    <a:solidFill>
-                      <a:srgbClr val="F6F7F9"/>
-                    </a:solidFill>
-                  </a:tcPr>
-                </a:tc>
-                <a:tc>
-                  <a:txBody>
-                    <a:bodyPr/>
-                    <a:lstStyle/>
-                    <a:p>
-                      <a:pPr marL="0" algn="ctr" defTabSz="914400" rtl="0" eaLnBrk="1" latinLnBrk="0" hangingPunct="1"/>
-                      <a:r>
-                        <a:rPr lang="en-US" sz="1200" b="0" kern="1200" dirty="0">
+                        </a:rPr>
+                        <a:t>2019-08-08</a:t>
+                      </a:r>
+                    </a:p>
+                  </a:txBody>
+                  <a:tcPr/>
+                </a:tc>
+                <a:tc>
+                  <a:txBody>
+                    <a:bodyPr/>
+                    <a:lstStyle/>
+                    <a:p>
+                      <a:r>
+                        <a:rPr sz="1200">
                           <a:solidFill>
-                            <a:schemeClr val="tx1">
-                              <a:lumMod val="75000"/>
-                              <a:lumOff val="25000"/>
-                            </a:schemeClr>
+                            <a:srgbClr val="000000"/>
                           </a:solidFill>
-                          <a:latin typeface="+mn-lt"/>
-                          <a:ea typeface="微软雅黑" panose="020B0503020204020204" pitchFamily="34" charset="-122"/>
-                          <a:cs typeface="+mn-cs"/>
-                        </a:rPr>
-                        <a:t>板楼</a:t>
-                      </a:r>
-                    </a:p>
-                  </a:txBody>
-                  <a:tcPr marL="38100" marR="38100" marT="38100" marB="38100" anchor="ctr">
-                    <a:solidFill>
-                      <a:srgbClr val="F6F7F9"/>
-                    </a:solidFill>
-                  </a:tcPr>
-                </a:tc>
-                <a:tc>
-                  <a:txBody>
-                    <a:bodyPr/>
-                    <a:lstStyle/>
-                    <a:p>
-                      <a:pPr marL="0" algn="ctr" defTabSz="914400" rtl="0" eaLnBrk="1" latinLnBrk="0" hangingPunct="1"/>
-                      <a:r>
-                        <a:rPr lang="en-US" sz="1200" b="0" kern="1200" dirty="0">
+                        </a:rPr>
+                        <a:t>板塔结合</a:t>
+                      </a:r>
+                    </a:p>
+                  </a:txBody>
+                  <a:tcPr/>
+                </a:tc>
+                <a:tc>
+                  <a:txBody>
+                    <a:bodyPr/>
+                    <a:lstStyle/>
+                    <a:p>
+                      <a:r>
+                        <a:rPr sz="1200">
                           <a:solidFill>
-                            <a:schemeClr val="tx1">
-                              <a:lumMod val="75000"/>
-                              <a:lumOff val="25000"/>
-                            </a:schemeClr>
+                            <a:srgbClr val="000000"/>
                           </a:solidFill>
-                          <a:latin typeface="+mn-lt"/>
-                          <a:ea typeface="微软雅黑" panose="020B0503020204020204" pitchFamily="34" charset="-122"/>
-                          <a:cs typeface="+mn-cs"/>
-                        </a:rPr>
-                        <a:t>73638.73</a:t>
-                      </a:r>
-                    </a:p>
-                  </a:txBody>
-                  <a:tcPr marL="38100" marR="38100" marT="38100" marB="38100" anchor="ctr">
-                    <a:solidFill>
-                      <a:srgbClr val="F6F7F9"/>
-                    </a:solidFill>
-                  </a:tcPr>
-                </a:tc>
-                <a:extLst>
-                  <a:ext uri="{0D108BD9-81ED-4DB2-BD59-A6C34878D82A}">
-                    <a16:rowId xmlns:a16="http://schemas.microsoft.com/office/drawing/2014/main" val="10002"/>
-                  </a:ext>
-                </a:extLst>
+                        </a:rPr>
+                        <a:t>59228.69</a:t>
+                      </a:r>
+                    </a:p>
+                  </a:txBody>
+                  <a:tcPr/>
+                </a:tc>
               </a:tr>
-              <a:tr h="477116">
-                <a:tc>
-                  <a:txBody>
-                    <a:bodyPr/>
-                    <a:lstStyle/>
-                    <a:p>
-                      <a:pPr algn="ctr"/>
-                      <a:r>
-                        <a:rPr sz="1200" b="0" dirty="0">
+              <a:tr h="65454">
+                <a:tc>
+                  <a:txBody>
+                    <a:bodyPr/>
+                    <a:lstStyle/>
+                    <a:p>
+                      <a:r>
+                        <a:rPr sz="1200">
                           <a:solidFill>
-                            <a:schemeClr val="tx1">
-                              <a:lumMod val="75000"/>
-                              <a:lumOff val="25000"/>
-                            </a:schemeClr>
+                            <a:srgbClr val="000000"/>
                           </a:solidFill>
-                          <a:latin typeface="+mn-lt"/>
-                          <a:ea typeface="微软雅黑" panose="020B0503020204020204" pitchFamily="34" charset="-122"/>
-                        </a:rPr>
-                        <a:t>3</a:t>
-                      </a:r>
-                    </a:p>
-                  </a:txBody>
-                  <a:tcPr marL="91445" marR="91445" marT="45713" marB="45713" anchor="ctr">
-                    <a:solidFill>
-                      <a:srgbClr val="FFFFFF"/>
-                    </a:solidFill>
-                  </a:tcPr>
-                </a:tc>
-                <a:tc>
-                  <a:txBody>
-                    <a:bodyPr/>
-                    <a:lstStyle/>
-                    <a:p>
-                      <a:pPr marL="0" algn="ctr" defTabSz="914400" rtl="0" eaLnBrk="1" latinLnBrk="0" hangingPunct="1"/>
-                      <a:r>
-                        <a:rPr lang="en-US" sz="1200" b="0" kern="1200" dirty="0">
+                        </a:rPr>
+                        <a:t>4</a:t>
+                      </a:r>
+                    </a:p>
+                  </a:txBody>
+                  <a:tcPr/>
+                </a:tc>
+                <a:tc>
+                  <a:txBody>
+                    <a:bodyPr/>
+                    <a:lstStyle/>
+                    <a:p>
+                      <a:r>
+                        <a:rPr sz="1200">
                           <a:solidFill>
-                            <a:schemeClr val="tx1">
-                              <a:lumMod val="75000"/>
-                              <a:lumOff val="25000"/>
-                            </a:schemeClr>
+                            <a:srgbClr val="000000"/>
                           </a:solidFill>
-                          <a:latin typeface="+mn-lt"/>
-                          <a:ea typeface="微软雅黑" panose="020B0503020204020204" pitchFamily="34" charset="-122"/>
-                          <a:cs typeface="+mn-cs"/>
                         </a:rPr>
                         <a:t>深业泰富广场</a:t>
                       </a:r>
                     </a:p>
                   </a:txBody>
-                  <a:tcPr marL="38100" marR="38100" marT="38100" marB="38100" anchor="ctr">
-                    <a:solidFill>
-                      <a:srgbClr val="FFFFFF"/>
-                    </a:solidFill>
-                  </a:tcPr>
-                </a:tc>
-                <a:tc>
-                  <a:txBody>
-                    <a:bodyPr/>
-                    <a:lstStyle/>
-                    <a:p>
-                      <a:pPr marL="0" algn="ctr" defTabSz="914400" rtl="0" eaLnBrk="1" latinLnBrk="0" hangingPunct="1"/>
-                      <a:r>
-                        <a:rPr lang="en-US" sz="1200" b="0" kern="1200" dirty="0">
+                  <a:tcPr/>
+                </a:tc>
+                <a:tc>
+                  <a:txBody>
+                    <a:bodyPr/>
+                    <a:lstStyle/>
+                    <a:p>
+                      <a:r>
+                        <a:rPr sz="1200">
                           <a:solidFill>
-                            <a:schemeClr val="tx1">
-                              <a:lumMod val="75000"/>
-                              <a:lumOff val="25000"/>
-                            </a:schemeClr>
+                            <a:srgbClr val="000000"/>
                           </a:solidFill>
-                          <a:latin typeface="+mn-lt"/>
-                          <a:ea typeface="微软雅黑" panose="020B0503020204020204" pitchFamily="34" charset="-122"/>
-                          <a:cs typeface="+mn-cs"/>
-                        </a:rPr>
-                        <a:t>2018-09-28</a:t>
-                      </a:r>
-                    </a:p>
-                  </a:txBody>
-                  <a:tcPr marL="38100" marR="38100" marT="38100" marB="38100" anchor="ctr">
-                    <a:solidFill>
-                      <a:srgbClr val="FFFFFF"/>
-                    </a:solidFill>
-                  </a:tcPr>
-                </a:tc>
-                <a:tc>
-                  <a:txBody>
-                    <a:bodyPr/>
-                    <a:lstStyle/>
-                    <a:p>
-                      <a:pPr marL="0" algn="ctr" defTabSz="914400" rtl="0" eaLnBrk="1" latinLnBrk="0" hangingPunct="1"/>
-                      <a:endParaRPr lang="en-US" sz="1200" b="0" kern="1200" dirty="0">
-                        <a:solidFill>
-                          <a:schemeClr val="tx1">
-                            <a:lumMod val="75000"/>
-                            <a:lumOff val="25000"/>
-                          </a:schemeClr>
-                        </a:solidFill>
-                        <a:latin typeface="+mn-lt"/>
-                        <a:ea typeface="微软雅黑" panose="020B0503020204020204" pitchFamily="34" charset="-122"/>
-                        <a:cs typeface="+mn-cs"/>
-                      </a:endParaRPr>
-                    </a:p>
-                  </a:txBody>
-                  <a:tcPr marL="38100" marR="38100" marT="38100" marB="38100" anchor="ctr">
-                    <a:solidFill>
-                      <a:srgbClr val="FFFFFF"/>
-                    </a:solidFill>
-                  </a:tcPr>
-                </a:tc>
-                <a:tc>
-                  <a:txBody>
-                    <a:bodyPr/>
-                    <a:lstStyle/>
-                    <a:p>
-                      <a:pPr marL="0" algn="ctr" defTabSz="914400" rtl="0" eaLnBrk="1" latinLnBrk="0" hangingPunct="1"/>
-                      <a:r>
-                        <a:rPr lang="en-US" sz="1200" b="0" kern="1200" dirty="0">
+                        </a:rPr>
+                        <a:t>2019-08-08</a:t>
+                      </a:r>
+                    </a:p>
+                  </a:txBody>
+                  <a:tcPr/>
+                </a:tc>
+                <a:tc>
+                  <a:txBody>
+                    <a:bodyPr/>
+                    <a:lstStyle/>
+                    <a:p>
+                      <a:r>
+                        <a:rPr sz="1200">
                           <a:solidFill>
-                            <a:schemeClr val="tx1">
-                              <a:lumMod val="75000"/>
-                              <a:lumOff val="25000"/>
-                            </a:schemeClr>
+                            <a:srgbClr val="000000"/>
                           </a:solidFill>
-                          <a:latin typeface="+mn-lt"/>
-                          <a:ea typeface="微软雅黑" panose="020B0503020204020204" pitchFamily="34" charset="-122"/>
-                          <a:cs typeface="+mn-cs"/>
-                        </a:rPr>
-                        <a:t>--</a:t>
-                      </a:r>
-                    </a:p>
-                  </a:txBody>
-                  <a:tcPr marL="38100" marR="38100" marT="38100" marB="38100" anchor="ctr">
-                    <a:solidFill>
-                      <a:srgbClr val="FFFFFF"/>
-                    </a:solidFill>
-                  </a:tcPr>
-                </a:tc>
-                <a:extLst>
-                  <a:ext uri="{0D108BD9-81ED-4DB2-BD59-A6C34878D82A}">
-                    <a16:rowId xmlns:a16="http://schemas.microsoft.com/office/drawing/2014/main" val="10003"/>
-                  </a:ext>
-                </a:extLst>
+                        </a:rPr>
+                        <a:t>板塔结合</a:t>
+                      </a:r>
+                    </a:p>
+                  </a:txBody>
+                  <a:tcPr/>
+                </a:tc>
+                <a:tc>
+                  <a:txBody>
+                    <a:bodyPr/>
+                    <a:lstStyle/>
+                    <a:p>
+                      <a:r>
+                        <a:rPr sz="1200">
+                          <a:solidFill>
+                            <a:srgbClr val="000000"/>
+                          </a:solidFill>
+                        </a:rPr>
+                        <a:t>59228.69</a:t>
+                      </a:r>
+                    </a:p>
+                  </a:txBody>
+                  <a:tcPr/>
+                </a:tc>
               </a:tr>
-              <a:tr h="477116">
-                <a:tc>
-                  <a:txBody>
-                    <a:bodyPr/>
-                    <a:lstStyle/>
-                    <a:p>
-                      <a:pPr algn="ctr"/>
-                      <a:r>
-                        <a:rPr sz="1200" b="0">
+              <a:tr h="65454">
+                <a:tc>
+                  <a:txBody>
+                    <a:bodyPr/>
+                    <a:lstStyle/>
+                    <a:p>
+                      <a:r>
+                        <a:rPr sz="1200">
                           <a:solidFill>
-                            <a:schemeClr val="tx1">
-                              <a:lumMod val="75000"/>
-                              <a:lumOff val="25000"/>
-                            </a:schemeClr>
+                            <a:srgbClr val="000000"/>
                           </a:solidFill>
-                          <a:latin typeface="+mn-lt"/>
-                          <a:ea typeface="微软雅黑" panose="020B0503020204020204" pitchFamily="34" charset="-122"/>
-                        </a:rPr>
-                        <a:t>4</a:t>
-                      </a:r>
-                    </a:p>
-                  </a:txBody>
-                  <a:tcPr marL="91445" marR="91445" marT="45713" marB="45713" anchor="ctr">
-                    <a:solidFill>
-                      <a:srgbClr val="F6F7F9"/>
-                    </a:solidFill>
-                  </a:tcPr>
-                </a:tc>
-                <a:tc>
-                  <a:txBody>
-                    <a:bodyPr/>
-                    <a:lstStyle/>
-                    <a:p>
-                      <a:pPr marL="0" algn="ctr" defTabSz="914400" rtl="0" eaLnBrk="1" latinLnBrk="0" hangingPunct="1"/>
-                      <a:r>
-                        <a:rPr lang="en-US" sz="1200" b="0" kern="1200" dirty="0">
+                        </a:rPr>
+                        <a:t>5</a:t>
+                      </a:r>
+                    </a:p>
+                  </a:txBody>
+                  <a:tcPr/>
+                </a:tc>
+                <a:tc>
+                  <a:txBody>
+                    <a:bodyPr/>
+                    <a:lstStyle/>
+                    <a:p>
+                      <a:r>
+                        <a:rPr sz="1200">
                           <a:solidFill>
-                            <a:schemeClr val="tx1">
-                              <a:lumMod val="75000"/>
-                              <a:lumOff val="25000"/>
-                            </a:schemeClr>
+                            <a:srgbClr val="000000"/>
                           </a:solidFill>
-                          <a:latin typeface="+mn-lt"/>
-                          <a:ea typeface="微软雅黑" panose="020B0503020204020204" pitchFamily="34" charset="-122"/>
-                          <a:cs typeface="+mn-cs"/>
-                        </a:rPr>
-                        <a:t>阳光城天悦</a:t>
-                      </a:r>
-                    </a:p>
-                  </a:txBody>
-                  <a:tcPr marL="38100" marR="38100" marT="38100" marB="38100" anchor="ctr">
-                    <a:solidFill>
-                      <a:srgbClr val="F6F7F9"/>
-                    </a:solidFill>
-                  </a:tcPr>
-                </a:tc>
-                <a:tc>
-                  <a:txBody>
-                    <a:bodyPr/>
-                    <a:lstStyle/>
-                    <a:p>
-                      <a:pPr marL="0" algn="ctr" defTabSz="914400" rtl="0" eaLnBrk="1" latinLnBrk="0" hangingPunct="1"/>
-                      <a:r>
-                        <a:rPr lang="en-US" sz="1200" b="0" kern="1200" dirty="0">
+                        </a:rPr>
+                        <a:t>深业泰富广场</a:t>
+                      </a:r>
+                    </a:p>
+                  </a:txBody>
+                  <a:tcPr/>
+                </a:tc>
+                <a:tc>
+                  <a:txBody>
+                    <a:bodyPr/>
+                    <a:lstStyle/>
+                    <a:p>
+                      <a:r>
+                        <a:rPr sz="1200">
                           <a:solidFill>
-                            <a:schemeClr val="tx1">
-                              <a:lumMod val="75000"/>
-                              <a:lumOff val="25000"/>
-                            </a:schemeClr>
+                            <a:srgbClr val="000000"/>
                           </a:solidFill>
-                          <a:latin typeface="+mn-lt"/>
-                          <a:ea typeface="微软雅黑" panose="020B0503020204020204" pitchFamily="34" charset="-122"/>
-                          <a:cs typeface="+mn-cs"/>
-                        </a:rPr>
-                        <a:t>2018-10-08</a:t>
-                      </a:r>
-                    </a:p>
-                  </a:txBody>
-                  <a:tcPr marL="38100" marR="38100" marT="38100" marB="38100" anchor="ctr">
-                    <a:solidFill>
-                      <a:srgbClr val="F6F7F9"/>
-                    </a:solidFill>
-                  </a:tcPr>
-                </a:tc>
-                <a:tc>
-                  <a:txBody>
-                    <a:bodyPr/>
-                    <a:lstStyle/>
-                    <a:p>
-                      <a:pPr marL="0" algn="ctr" defTabSz="914400" rtl="0" eaLnBrk="1" latinLnBrk="0" hangingPunct="1"/>
-                      <a:r>
-                        <a:rPr lang="en-US" sz="1200" b="0" kern="1200" dirty="0">
+                        </a:rPr>
+                        <a:t>2019-08-08</a:t>
+                      </a:r>
+                    </a:p>
+                  </a:txBody>
+                  <a:tcPr/>
+                </a:tc>
+                <a:tc>
+                  <a:txBody>
+                    <a:bodyPr/>
+                    <a:lstStyle/>
+                    <a:p>
+                      <a:r>
+                        <a:rPr sz="1200">
                           <a:solidFill>
-                            <a:schemeClr val="tx1">
-                              <a:lumMod val="75000"/>
-                              <a:lumOff val="25000"/>
-                            </a:schemeClr>
+                            <a:srgbClr val="000000"/>
                           </a:solidFill>
-                          <a:latin typeface="+mn-lt"/>
-                          <a:ea typeface="微软雅黑" panose="020B0503020204020204" pitchFamily="34" charset="-122"/>
-                          <a:cs typeface="+mn-cs"/>
                         </a:rPr>
                         <a:t>板塔结合</a:t>
                       </a:r>
                     </a:p>
                   </a:txBody>
-                  <a:tcPr marL="38100" marR="38100" marT="38100" marB="38100" anchor="ctr">
-                    <a:solidFill>
-                      <a:srgbClr val="F6F7F9"/>
-                    </a:solidFill>
-                  </a:tcPr>
-                </a:tc>
-                <a:tc>
-                  <a:txBody>
-                    <a:bodyPr/>
-                    <a:lstStyle/>
-                    <a:p>
-                      <a:pPr marL="0" algn="ctr" defTabSz="914400" rtl="0" eaLnBrk="1" latinLnBrk="0" hangingPunct="1"/>
-                      <a:r>
-                        <a:rPr lang="en-US" sz="1200" b="0" kern="1200" dirty="0">
+                  <a:tcPr/>
+                </a:tc>
+                <a:tc>
+                  <a:txBody>
+                    <a:bodyPr/>
+                    <a:lstStyle/>
+                    <a:p>
+                      <a:r>
+                        <a:rPr sz="1200">
                           <a:solidFill>
-                            <a:schemeClr val="tx1">
-                              <a:lumMod val="75000"/>
-                              <a:lumOff val="25000"/>
-                            </a:schemeClr>
+                            <a:srgbClr val="000000"/>
                           </a:solidFill>
-                          <a:latin typeface="+mn-lt"/>
-                          <a:ea typeface="微软雅黑" panose="020B0503020204020204" pitchFamily="34" charset="-122"/>
-                          <a:cs typeface="+mn-cs"/>
-                        </a:rPr>
-                        <a:t>--</a:t>
-                      </a:r>
-                    </a:p>
-                  </a:txBody>
-                  <a:tcPr marL="38100" marR="38100" marT="38100" marB="38100" anchor="ctr">
-                    <a:solidFill>
-                      <a:srgbClr val="F6F7F9"/>
-                    </a:solidFill>
-                  </a:tcPr>
-                </a:tc>
-                <a:extLst>
-                  <a:ext uri="{0D108BD9-81ED-4DB2-BD59-A6C34878D82A}">
-                    <a16:rowId xmlns:a16="http://schemas.microsoft.com/office/drawing/2014/main" val="10004"/>
-                  </a:ext>
-                </a:extLst>
+                        </a:rPr>
+                        <a:t>59228.69</a:t>
+                      </a:r>
+                    </a:p>
+                  </a:txBody>
+                  <a:tcPr/>
+                </a:tc>
               </a:tr>
-              <a:tr h="477116">
-                <a:tc>
-                  <a:txBody>
-                    <a:bodyPr/>
-                    <a:lstStyle/>
-                    <a:p>
-                      <a:pPr algn="ctr"/>
-                      <a:r>
-                        <a:rPr sz="1200" b="0">
+              <a:tr h="65454">
+                <a:tc>
+                  <a:txBody>
+                    <a:bodyPr/>
+                    <a:lstStyle/>
+                    <a:p>
+                      <a:r>
+                        <a:rPr sz="1200">
                           <a:solidFill>
-                            <a:schemeClr val="tx1">
-                              <a:lumMod val="75000"/>
-                              <a:lumOff val="25000"/>
-                            </a:schemeClr>
+                            <a:srgbClr val="000000"/>
                           </a:solidFill>
-                          <a:latin typeface="+mn-lt"/>
-                          <a:ea typeface="微软雅黑" panose="020B0503020204020204" pitchFamily="34" charset="-122"/>
-                        </a:rPr>
-                        <a:t>5</a:t>
-                      </a:r>
-                    </a:p>
-                  </a:txBody>
-                  <a:tcPr marL="91445" marR="91445" marT="45713" marB="45713" anchor="ctr">
-                    <a:solidFill>
-                      <a:srgbClr val="FFFFFF"/>
-                    </a:solidFill>
-                  </a:tcPr>
-                </a:tc>
-                <a:tc>
-                  <a:txBody>
-                    <a:bodyPr/>
-                    <a:lstStyle/>
-                    <a:p>
-                      <a:pPr marL="0" algn="ctr" defTabSz="914400" rtl="0" eaLnBrk="1" latinLnBrk="0" hangingPunct="1"/>
-                      <a:r>
-                        <a:rPr lang="en-US" sz="1200" b="0" kern="1200" dirty="0">
+                        </a:rPr>
+                        <a:t>6</a:t>
+                      </a:r>
+                    </a:p>
+                  </a:txBody>
+                  <a:tcPr/>
+                </a:tc>
+                <a:tc>
+                  <a:txBody>
+                    <a:bodyPr/>
+                    <a:lstStyle/>
+                    <a:p>
+                      <a:r>
+                        <a:rPr sz="1200">
                           <a:solidFill>
-                            <a:schemeClr val="tx1">
-                              <a:lumMod val="75000"/>
-                              <a:lumOff val="25000"/>
-                            </a:schemeClr>
+                            <a:srgbClr val="000000"/>
                           </a:solidFill>
-                          <a:latin typeface="+mn-lt"/>
-                          <a:ea typeface="微软雅黑" panose="020B0503020204020204" pitchFamily="34" charset="-122"/>
-                          <a:cs typeface="+mn-cs"/>
-                        </a:rPr>
-                        <a:t>国速中心</a:t>
-                      </a:r>
-                    </a:p>
-                  </a:txBody>
-                  <a:tcPr marL="38100" marR="38100" marT="38100" marB="38100" anchor="ctr">
-                    <a:solidFill>
-                      <a:srgbClr val="FFFFFF"/>
-                    </a:solidFill>
-                  </a:tcPr>
-                </a:tc>
-                <a:tc>
-                  <a:txBody>
-                    <a:bodyPr/>
-                    <a:lstStyle/>
-                    <a:p>
-                      <a:pPr marL="0" algn="ctr" defTabSz="914400" rtl="0" eaLnBrk="1" latinLnBrk="0" hangingPunct="1"/>
-                      <a:r>
-                        <a:rPr lang="en-US" sz="1200" b="0" kern="1200" dirty="0">
+                        </a:rPr>
+                        <a:t>深业泰富广场</a:t>
+                      </a:r>
+                    </a:p>
+                  </a:txBody>
+                  <a:tcPr/>
+                </a:tc>
+                <a:tc>
+                  <a:txBody>
+                    <a:bodyPr/>
+                    <a:lstStyle/>
+                    <a:p>
+                      <a:r>
+                        <a:rPr sz="1200">
                           <a:solidFill>
-                            <a:schemeClr val="tx1">
-                              <a:lumMod val="75000"/>
-                              <a:lumOff val="25000"/>
-                            </a:schemeClr>
+                            <a:srgbClr val="000000"/>
                           </a:solidFill>
-                          <a:latin typeface="+mn-lt"/>
-                          <a:ea typeface="微软雅黑" panose="020B0503020204020204" pitchFamily="34" charset="-122"/>
-                          <a:cs typeface="+mn-cs"/>
-                        </a:rPr>
-                        <a:t>2018-10-01</a:t>
-                      </a:r>
-                    </a:p>
-                  </a:txBody>
-                  <a:tcPr marL="38100" marR="38100" marT="38100" marB="38100" anchor="ctr">
-                    <a:solidFill>
-                      <a:srgbClr val="FFFFFF"/>
-                    </a:solidFill>
-                  </a:tcPr>
-                </a:tc>
-                <a:tc>
-                  <a:txBody>
-                    <a:bodyPr/>
-                    <a:lstStyle/>
-                    <a:p>
-                      <a:pPr marL="0" algn="ctr" defTabSz="914400" rtl="0" eaLnBrk="1" latinLnBrk="0" hangingPunct="1"/>
-                      <a:endParaRPr lang="en-US" sz="1200" b="0" kern="1200" dirty="0">
-                        <a:solidFill>
-                          <a:schemeClr val="tx1">
-                            <a:lumMod val="75000"/>
-                            <a:lumOff val="25000"/>
-                          </a:schemeClr>
-                        </a:solidFill>
-                        <a:latin typeface="+mn-lt"/>
-                        <a:ea typeface="微软雅黑" panose="020B0503020204020204" pitchFamily="34" charset="-122"/>
-                        <a:cs typeface="+mn-cs"/>
-                      </a:endParaRPr>
-                    </a:p>
-                  </a:txBody>
-                  <a:tcPr marL="38100" marR="38100" marT="38100" marB="38100" anchor="ctr">
-                    <a:solidFill>
-                      <a:srgbClr val="FFFFFF"/>
-                    </a:solidFill>
-                  </a:tcPr>
-                </a:tc>
-                <a:tc>
-                  <a:txBody>
-                    <a:bodyPr/>
-                    <a:lstStyle/>
-                    <a:p>
-                      <a:pPr marL="0" algn="ctr" defTabSz="914400" rtl="0" eaLnBrk="1" latinLnBrk="0" hangingPunct="1"/>
-                      <a:r>
-                        <a:rPr lang="en-US" sz="1200" b="0" kern="1200" dirty="0">
+                        </a:rPr>
+                        <a:t>2019-08-08</a:t>
+                      </a:r>
+                    </a:p>
+                  </a:txBody>
+                  <a:tcPr/>
+                </a:tc>
+                <a:tc>
+                  <a:txBody>
+                    <a:bodyPr/>
+                    <a:lstStyle/>
+                    <a:p>
+                      <a:r>
+                        <a:rPr sz="1200">
                           <a:solidFill>
-                            <a:schemeClr val="tx1">
-                              <a:lumMod val="75000"/>
-                              <a:lumOff val="25000"/>
-                            </a:schemeClr>
+                            <a:srgbClr val="000000"/>
                           </a:solidFill>
-                          <a:latin typeface="+mn-lt"/>
-                          <a:ea typeface="微软雅黑" panose="020B0503020204020204" pitchFamily="34" charset="-122"/>
-                          <a:cs typeface="+mn-cs"/>
-                        </a:rPr>
-                        <a:t>--</a:t>
-                      </a:r>
-                    </a:p>
-                  </a:txBody>
-                  <a:tcPr marL="38100" marR="38100" marT="38100" marB="38100" anchor="ctr">
-                    <a:solidFill>
-                      <a:srgbClr val="FFFFFF"/>
-                    </a:solidFill>
-                  </a:tcPr>
-                </a:tc>
-                <a:extLst>
-                  <a:ext uri="{0D108BD9-81ED-4DB2-BD59-A6C34878D82A}">
-                    <a16:rowId xmlns:a16="http://schemas.microsoft.com/office/drawing/2014/main" val="10005"/>
-                  </a:ext>
-                </a:extLst>
+                        </a:rPr>
+                        <a:t>板塔结合</a:t>
+                      </a:r>
+                    </a:p>
+                  </a:txBody>
+                  <a:tcPr/>
+                </a:tc>
+                <a:tc>
+                  <a:txBody>
+                    <a:bodyPr/>
+                    <a:lstStyle/>
+                    <a:p>
+                      <a:r>
+                        <a:rPr sz="1200">
+                          <a:solidFill>
+                            <a:srgbClr val="000000"/>
+                          </a:solidFill>
+                        </a:rPr>
+                        <a:t>59228.69</a:t>
+                      </a:r>
+                    </a:p>
+                  </a:txBody>
+                  <a:tcPr/>
+                </a:tc>
               </a:tr>
-              <a:tr h="477116">
-                <a:tc>
-                  <a:txBody>
-                    <a:bodyPr/>
-                    <a:lstStyle/>
-                    <a:p>
-                      <a:pPr algn="ctr"/>
-                      <a:r>
-                        <a:rPr sz="1200" b="0">
+              <a:tr h="65454">
+                <a:tc>
+                  <a:txBody>
+                    <a:bodyPr/>
+                    <a:lstStyle/>
+                    <a:p>
+                      <a:r>
+                        <a:rPr sz="1200">
                           <a:solidFill>
-                            <a:schemeClr val="tx1">
-                              <a:lumMod val="75000"/>
-                              <a:lumOff val="25000"/>
-                            </a:schemeClr>
+                            <a:srgbClr val="000000"/>
                           </a:solidFill>
-                          <a:latin typeface="+mn-lt"/>
-                          <a:ea typeface="微软雅黑" panose="020B0503020204020204" pitchFamily="34" charset="-122"/>
-                        </a:rPr>
-                        <a:t>6</a:t>
-                      </a:r>
-                    </a:p>
-                  </a:txBody>
-                  <a:tcPr marL="91445" marR="91445" marT="45713" marB="45713" anchor="ctr">
-                    <a:solidFill>
-                      <a:srgbClr val="F6F7F9"/>
-                    </a:solidFill>
-                  </a:tcPr>
-                </a:tc>
-                <a:tc>
-                  <a:txBody>
-                    <a:bodyPr/>
-                    <a:lstStyle/>
-                    <a:p>
-                      <a:pPr marL="0" algn="ctr" defTabSz="914400" rtl="0" eaLnBrk="1" latinLnBrk="0" hangingPunct="1"/>
-                      <a:r>
-                        <a:rPr lang="en-US" sz="1200" b="0" kern="1200" dirty="0">
+                        </a:rPr>
+                        <a:t>7</a:t>
+                      </a:r>
+                    </a:p>
+                  </a:txBody>
+                  <a:tcPr/>
+                </a:tc>
+                <a:tc>
+                  <a:txBody>
+                    <a:bodyPr/>
+                    <a:lstStyle/>
+                    <a:p>
+                      <a:r>
+                        <a:rPr sz="1200">
                           <a:solidFill>
-                            <a:schemeClr val="tx1">
-                              <a:lumMod val="75000"/>
-                              <a:lumOff val="25000"/>
-                            </a:schemeClr>
+                            <a:srgbClr val="000000"/>
                           </a:solidFill>
-                          <a:latin typeface="+mn-lt"/>
-                          <a:ea typeface="微软雅黑" panose="020B0503020204020204" pitchFamily="34" charset="-122"/>
-                          <a:cs typeface="+mn-cs"/>
-                        </a:rPr>
-                        <a:t>凯旋TRC</a:t>
-                      </a:r>
-                    </a:p>
-                  </a:txBody>
-                  <a:tcPr marL="38100" marR="38100" marT="38100" marB="38100" anchor="ctr">
-                    <a:solidFill>
-                      <a:srgbClr val="F6F7F9"/>
-                    </a:solidFill>
-                  </a:tcPr>
-                </a:tc>
-                <a:tc>
-                  <a:txBody>
-                    <a:bodyPr/>
-                    <a:lstStyle/>
-                    <a:p>
-                      <a:pPr marL="0" algn="ctr" defTabSz="914400" rtl="0" eaLnBrk="1" latinLnBrk="0" hangingPunct="1"/>
-                      <a:r>
-                        <a:rPr lang="en-US" sz="1200" b="0" kern="1200" dirty="0">
+                        </a:rPr>
+                        <a:t>深业泰富广场</a:t>
+                      </a:r>
+                    </a:p>
+                  </a:txBody>
+                  <a:tcPr/>
+                </a:tc>
+                <a:tc>
+                  <a:txBody>
+                    <a:bodyPr/>
+                    <a:lstStyle/>
+                    <a:p>
+                      <a:r>
+                        <a:rPr sz="1200">
                           <a:solidFill>
-                            <a:schemeClr val="tx1">
-                              <a:lumMod val="75000"/>
-                              <a:lumOff val="25000"/>
-                            </a:schemeClr>
+                            <a:srgbClr val="000000"/>
                           </a:solidFill>
-                          <a:latin typeface="+mn-lt"/>
-                          <a:ea typeface="微软雅黑" panose="020B0503020204020204" pitchFamily="34" charset="-122"/>
-                          <a:cs typeface="+mn-cs"/>
-                        </a:rPr>
-                        <a:t>2017-11-26</a:t>
-                      </a:r>
-                    </a:p>
-                  </a:txBody>
-                  <a:tcPr marL="38100" marR="38100" marT="38100" marB="38100" anchor="ctr">
-                    <a:solidFill>
-                      <a:srgbClr val="F6F7F9"/>
-                    </a:solidFill>
-                  </a:tcPr>
-                </a:tc>
-                <a:tc>
-                  <a:txBody>
-                    <a:bodyPr/>
-                    <a:lstStyle/>
-                    <a:p>
-                      <a:pPr marL="0" algn="ctr" defTabSz="914400" rtl="0" eaLnBrk="1" latinLnBrk="0" hangingPunct="1"/>
-                      <a:r>
-                        <a:rPr lang="en-US" sz="1200" b="0" kern="1200" dirty="0">
+                        </a:rPr>
+                        <a:t>2019-08-08</a:t>
+                      </a:r>
+                    </a:p>
+                  </a:txBody>
+                  <a:tcPr/>
+                </a:tc>
+                <a:tc>
+                  <a:txBody>
+                    <a:bodyPr/>
+                    <a:lstStyle/>
+                    <a:p>
+                      <a:r>
+                        <a:rPr sz="1200">
                           <a:solidFill>
-                            <a:schemeClr val="tx1">
-                              <a:lumMod val="75000"/>
-                              <a:lumOff val="25000"/>
-                            </a:schemeClr>
+                            <a:srgbClr val="000000"/>
                           </a:solidFill>
-                          <a:latin typeface="+mn-lt"/>
-                          <a:ea typeface="微软雅黑" panose="020B0503020204020204" pitchFamily="34" charset="-122"/>
-                          <a:cs typeface="+mn-cs"/>
-                        </a:rPr>
-                        <a:t>塔楼</a:t>
-                      </a:r>
-                    </a:p>
-                  </a:txBody>
-                  <a:tcPr marL="38100" marR="38100" marT="38100" marB="38100" anchor="ctr">
-                    <a:solidFill>
-                      <a:srgbClr val="F6F7F9"/>
-                    </a:solidFill>
-                  </a:tcPr>
-                </a:tc>
-                <a:tc>
-                  <a:txBody>
-                    <a:bodyPr/>
-                    <a:lstStyle/>
-                    <a:p>
-                      <a:pPr marL="0" algn="ctr" defTabSz="914400" rtl="0" eaLnBrk="1" latinLnBrk="0" hangingPunct="1"/>
-                      <a:r>
-                        <a:rPr lang="en-US" sz="1200" b="0" kern="1200" dirty="0">
+                        </a:rPr>
+                        <a:t>板塔结合</a:t>
+                      </a:r>
+                    </a:p>
+                  </a:txBody>
+                  <a:tcPr/>
+                </a:tc>
+                <a:tc>
+                  <a:txBody>
+                    <a:bodyPr/>
+                    <a:lstStyle/>
+                    <a:p>
+                      <a:r>
+                        <a:rPr sz="1200">
                           <a:solidFill>
-                            <a:schemeClr val="tx1">
-                              <a:lumMod val="75000"/>
-                              <a:lumOff val="25000"/>
-                            </a:schemeClr>
+                            <a:srgbClr val="000000"/>
                           </a:solidFill>
-                          <a:latin typeface="+mn-lt"/>
-                          <a:ea typeface="微软雅黑" panose="020B0503020204020204" pitchFamily="34" charset="-122"/>
-                          <a:cs typeface="+mn-cs"/>
-                        </a:rPr>
-                        <a:t>56000</a:t>
-                      </a:r>
-                    </a:p>
-                  </a:txBody>
-                  <a:tcPr marL="38100" marR="38100" marT="38100" marB="38100" anchor="ctr">
-                    <a:solidFill>
-                      <a:srgbClr val="F6F7F9"/>
-                    </a:solidFill>
-                  </a:tcPr>
-                </a:tc>
-                <a:extLst>
-                  <a:ext uri="{0D108BD9-81ED-4DB2-BD59-A6C34878D82A}">
-                    <a16:rowId xmlns:a16="http://schemas.microsoft.com/office/drawing/2014/main" val="10006"/>
-                  </a:ext>
-                </a:extLst>
+                        </a:rPr>
+                        <a:t>59228.69</a:t>
+                      </a:r>
+                    </a:p>
+                  </a:txBody>
+                  <a:tcPr/>
+                </a:tc>
               </a:tr>
-              <a:tr h="477116">
-                <a:tc>
-                  <a:txBody>
-                    <a:bodyPr/>
-                    <a:lstStyle/>
-                    <a:p>
-                      <a:pPr algn="ctr"/>
-                      <a:r>
-                        <a:rPr sz="1200" b="0">
+              <a:tr h="65454">
+                <a:tc>
+                  <a:txBody>
+                    <a:bodyPr/>
+                    <a:lstStyle/>
+                    <a:p>
+                      <a:r>
+                        <a:rPr sz="1200">
                           <a:solidFill>
-                            <a:schemeClr val="tx1">
-                              <a:lumMod val="75000"/>
-                              <a:lumOff val="25000"/>
-                            </a:schemeClr>
+                            <a:srgbClr val="000000"/>
                           </a:solidFill>
-                          <a:latin typeface="+mn-lt"/>
-                          <a:ea typeface="微软雅黑" panose="020B0503020204020204" pitchFamily="34" charset="-122"/>
-                        </a:rPr>
-                        <a:t>7</a:t>
-                      </a:r>
-                    </a:p>
-                  </a:txBody>
-                  <a:tcPr marL="91445" marR="91445" marT="45713" marB="45713" anchor="ctr">
-                    <a:solidFill>
-                      <a:srgbClr val="FFFFFF"/>
-                    </a:solidFill>
-                  </a:tcPr>
-                </a:tc>
-                <a:tc>
-                  <a:txBody>
-                    <a:bodyPr/>
-                    <a:lstStyle/>
-                    <a:p>
-                      <a:pPr marL="0" algn="ctr" defTabSz="914400" rtl="0" eaLnBrk="1" latinLnBrk="0" hangingPunct="1"/>
-                      <a:r>
-                        <a:rPr lang="en-US" sz="1200" b="0" kern="1200" dirty="0">
+                        </a:rPr>
+                        <a:t>8</a:t>
+                      </a:r>
+                    </a:p>
+                  </a:txBody>
+                  <a:tcPr/>
+                </a:tc>
+                <a:tc>
+                  <a:txBody>
+                    <a:bodyPr/>
+                    <a:lstStyle/>
+                    <a:p>
+                      <a:r>
+                        <a:rPr sz="1200">
                           <a:solidFill>
-                            <a:schemeClr val="tx1">
-                              <a:lumMod val="75000"/>
-                              <a:lumOff val="25000"/>
-                            </a:schemeClr>
+                            <a:srgbClr val="000000"/>
                           </a:solidFill>
-                          <a:latin typeface="+mn-lt"/>
-                          <a:ea typeface="微软雅黑" panose="020B0503020204020204" pitchFamily="34" charset="-122"/>
-                          <a:cs typeface="+mn-cs"/>
-                        </a:rPr>
-                        <a:t>宝树台</a:t>
-                      </a:r>
-                    </a:p>
-                  </a:txBody>
-                  <a:tcPr marL="38100" marR="38100" marT="38100" marB="38100" anchor="ctr">
-                    <a:solidFill>
-                      <a:srgbClr val="FFFFFF"/>
-                    </a:solidFill>
-                  </a:tcPr>
-                </a:tc>
-                <a:tc>
-                  <a:txBody>
-                    <a:bodyPr/>
-                    <a:lstStyle/>
-                    <a:p>
-                      <a:pPr marL="0" algn="ctr" defTabSz="914400" rtl="0" eaLnBrk="1" latinLnBrk="0" hangingPunct="1"/>
-                      <a:r>
-                        <a:rPr lang="en-US" sz="1200" b="0" kern="1200" dirty="0">
+                        </a:rPr>
+                        <a:t>深业泰富广场</a:t>
+                      </a:r>
+                    </a:p>
+                  </a:txBody>
+                  <a:tcPr/>
+                </a:tc>
+                <a:tc>
+                  <a:txBody>
+                    <a:bodyPr/>
+                    <a:lstStyle/>
+                    <a:p>
+                      <a:r>
+                        <a:rPr sz="1200">
                           <a:solidFill>
-                            <a:schemeClr val="tx1">
-                              <a:lumMod val="75000"/>
-                              <a:lumOff val="25000"/>
-                            </a:schemeClr>
+                            <a:srgbClr val="000000"/>
                           </a:solidFill>
-                          <a:latin typeface="+mn-lt"/>
-                          <a:ea typeface="微软雅黑" panose="020B0503020204020204" pitchFamily="34" charset="-122"/>
-                          <a:cs typeface="+mn-cs"/>
-                        </a:rPr>
-                        <a:t>2018-01-21</a:t>
-                      </a:r>
-                    </a:p>
-                  </a:txBody>
-                  <a:tcPr marL="38100" marR="38100" marT="38100" marB="38100" anchor="ctr">
-                    <a:solidFill>
-                      <a:srgbClr val="FFFFFF"/>
-                    </a:solidFill>
-                  </a:tcPr>
-                </a:tc>
-                <a:tc>
-                  <a:txBody>
-                    <a:bodyPr/>
-                    <a:lstStyle/>
-                    <a:p>
-                      <a:pPr marL="0" algn="ctr" defTabSz="914400" rtl="0" eaLnBrk="1" latinLnBrk="0" hangingPunct="1"/>
-                      <a:r>
-                        <a:rPr lang="en-US" sz="1200" b="0" kern="1200" dirty="0">
+                        </a:rPr>
+                        <a:t>2019-08-08</a:t>
+                      </a:r>
+                    </a:p>
+                  </a:txBody>
+                  <a:tcPr/>
+                </a:tc>
+                <a:tc>
+                  <a:txBody>
+                    <a:bodyPr/>
+                    <a:lstStyle/>
+                    <a:p>
+                      <a:r>
+                        <a:rPr sz="1200">
                           <a:solidFill>
-                            <a:schemeClr val="tx1">
-                              <a:lumMod val="75000"/>
-                              <a:lumOff val="25000"/>
-                            </a:schemeClr>
+                            <a:srgbClr val="000000"/>
                           </a:solidFill>
-                          <a:latin typeface="+mn-lt"/>
-                          <a:ea typeface="微软雅黑" panose="020B0503020204020204" pitchFamily="34" charset="-122"/>
-                          <a:cs typeface="+mn-cs"/>
-                        </a:rPr>
-                        <a:t>塔楼</a:t>
-                      </a:r>
-                    </a:p>
-                  </a:txBody>
-                  <a:tcPr marL="38100" marR="38100" marT="38100" marB="38100" anchor="ctr">
-                    <a:solidFill>
-                      <a:srgbClr val="FFFFFF"/>
-                    </a:solidFill>
-                  </a:tcPr>
-                </a:tc>
-                <a:tc>
-                  <a:txBody>
-                    <a:bodyPr/>
-                    <a:lstStyle/>
-                    <a:p>
-                      <a:pPr marL="0" algn="ctr" defTabSz="914400" rtl="0" eaLnBrk="1" latinLnBrk="0" hangingPunct="1"/>
-                      <a:r>
-                        <a:rPr lang="en-US" sz="1200" b="0" kern="1200" dirty="0">
+                        </a:rPr>
+                        <a:t>板塔结合</a:t>
+                      </a:r>
+                    </a:p>
+                  </a:txBody>
+                  <a:tcPr/>
+                </a:tc>
+                <a:tc>
+                  <a:txBody>
+                    <a:bodyPr/>
+                    <a:lstStyle/>
+                    <a:p>
+                      <a:r>
+                        <a:rPr sz="1200">
                           <a:solidFill>
-                            <a:schemeClr val="tx1">
-                              <a:lumMod val="75000"/>
-                              <a:lumOff val="25000"/>
-                            </a:schemeClr>
+                            <a:srgbClr val="000000"/>
                           </a:solidFill>
-                          <a:latin typeface="+mn-lt"/>
-                          <a:ea typeface="微软雅黑" panose="020B0503020204020204" pitchFamily="34" charset="-122"/>
-                          <a:cs typeface="+mn-cs"/>
-                        </a:rPr>
-                        <a:t>--</a:t>
-                      </a:r>
-                    </a:p>
-                  </a:txBody>
-                  <a:tcPr marL="38100" marR="38100" marT="38100" marB="38100" anchor="ctr">
-                    <a:solidFill>
-                      <a:srgbClr val="FFFFFF"/>
-                    </a:solidFill>
-                  </a:tcPr>
-                </a:tc>
-                <a:extLst>
-                  <a:ext uri="{0D108BD9-81ED-4DB2-BD59-A6C34878D82A}">
-                    <a16:rowId xmlns:a16="http://schemas.microsoft.com/office/drawing/2014/main" val="10007"/>
-                  </a:ext>
-                </a:extLst>
+                        </a:rPr>
+                        <a:t>59228.69</a:t>
+                      </a:r>
+                    </a:p>
+                  </a:txBody>
+                  <a:tcPr/>
+                </a:tc>
               </a:tr>
-              <a:tr h="477116">
-                <a:tc>
-                  <a:txBody>
-                    <a:bodyPr/>
-                    <a:lstStyle/>
-                    <a:p>
-                      <a:pPr algn="ctr"/>
-                      <a:r>
-                        <a:rPr sz="1200" b="0">
+              <a:tr h="65454">
+                <a:tc>
+                  <a:txBody>
+                    <a:bodyPr/>
+                    <a:lstStyle/>
+                    <a:p>
+                      <a:r>
+                        <a:rPr sz="1200">
                           <a:solidFill>
-                            <a:schemeClr val="tx1">
-                              <a:lumMod val="75000"/>
-                              <a:lumOff val="25000"/>
-                            </a:schemeClr>
+                            <a:srgbClr val="000000"/>
                           </a:solidFill>
-                          <a:latin typeface="+mn-lt"/>
-                          <a:ea typeface="微软雅黑" panose="020B0503020204020204" pitchFamily="34" charset="-122"/>
-                        </a:rPr>
-                        <a:t>8</a:t>
-                      </a:r>
-                    </a:p>
-                  </a:txBody>
-                  <a:tcPr marL="91445" marR="91445" marT="45713" marB="45713" anchor="ctr">
-                    <a:solidFill>
-                      <a:srgbClr val="F6F7F9"/>
-                    </a:solidFill>
-                  </a:tcPr>
-                </a:tc>
-                <a:tc>
-                  <a:txBody>
-                    <a:bodyPr/>
-                    <a:lstStyle/>
-                    <a:p>
-                      <a:pPr marL="0" algn="ctr" defTabSz="914400" rtl="0" eaLnBrk="1" latinLnBrk="0" hangingPunct="1"/>
-                      <a:r>
-                        <a:rPr lang="en-US" sz="1200" b="0" kern="1200" dirty="0">
+                        </a:rPr>
+                        <a:t>9</a:t>
+                      </a:r>
+                    </a:p>
+                  </a:txBody>
+                  <a:tcPr/>
+                </a:tc>
+                <a:tc>
+                  <a:txBody>
+                    <a:bodyPr/>
+                    <a:lstStyle/>
+                    <a:p>
+                      <a:r>
+                        <a:rPr sz="1200">
                           <a:solidFill>
-                            <a:schemeClr val="tx1">
-                              <a:lumMod val="75000"/>
-                              <a:lumOff val="25000"/>
-                            </a:schemeClr>
+                            <a:srgbClr val="000000"/>
                           </a:solidFill>
-                          <a:latin typeface="+mn-lt"/>
-                          <a:ea typeface="微软雅黑" panose="020B0503020204020204" pitchFamily="34" charset="-122"/>
-                          <a:cs typeface="+mn-cs"/>
-                        </a:rPr>
-                        <a:t>东方盛世花园二期</a:t>
-                      </a:r>
-                    </a:p>
-                  </a:txBody>
-                  <a:tcPr marL="38100" marR="38100" marT="38100" marB="38100" anchor="ctr">
-                    <a:solidFill>
-                      <a:srgbClr val="F6F7F9"/>
-                    </a:solidFill>
-                  </a:tcPr>
-                </a:tc>
-                <a:tc>
-                  <a:txBody>
-                    <a:bodyPr/>
-                    <a:lstStyle/>
-                    <a:p>
-                      <a:pPr marL="0" algn="ctr" defTabSz="914400" rtl="0" eaLnBrk="1" latinLnBrk="0" hangingPunct="1"/>
-                      <a:r>
-                        <a:rPr lang="en-US" sz="1200" b="0" kern="1200" dirty="0">
+                        </a:rPr>
+                        <a:t>深业泰富广场</a:t>
+                      </a:r>
+                    </a:p>
+                  </a:txBody>
+                  <a:tcPr/>
+                </a:tc>
+                <a:tc>
+                  <a:txBody>
+                    <a:bodyPr/>
+                    <a:lstStyle/>
+                    <a:p>
+                      <a:r>
+                        <a:rPr sz="1200">
                           <a:solidFill>
-                            <a:schemeClr val="tx1">
-                              <a:lumMod val="75000"/>
-                              <a:lumOff val="25000"/>
-                            </a:schemeClr>
+                            <a:srgbClr val="000000"/>
                           </a:solidFill>
-                          <a:latin typeface="+mn-lt"/>
-                          <a:ea typeface="微软雅黑" panose="020B0503020204020204" pitchFamily="34" charset="-122"/>
-                          <a:cs typeface="+mn-cs"/>
-                        </a:rPr>
-                        <a:t>2017-05-13</a:t>
-                      </a:r>
-                    </a:p>
-                  </a:txBody>
-                  <a:tcPr marL="38100" marR="38100" marT="38100" marB="38100" anchor="ctr">
-                    <a:solidFill>
-                      <a:srgbClr val="F6F7F9"/>
-                    </a:solidFill>
-                  </a:tcPr>
-                </a:tc>
-                <a:tc>
-                  <a:txBody>
-                    <a:bodyPr/>
-                    <a:lstStyle/>
-                    <a:p>
-                      <a:pPr marL="0" algn="ctr" defTabSz="914400" rtl="0" eaLnBrk="1" latinLnBrk="0" hangingPunct="1"/>
-                      <a:r>
-                        <a:rPr lang="en-US" sz="1200" b="0" kern="1200" dirty="0">
+                        </a:rPr>
+                        <a:t>2019-08-08</a:t>
+                      </a:r>
+                    </a:p>
+                  </a:txBody>
+                  <a:tcPr/>
+                </a:tc>
+                <a:tc>
+                  <a:txBody>
+                    <a:bodyPr/>
+                    <a:lstStyle/>
+                    <a:p>
+                      <a:r>
+                        <a:rPr sz="1200">
                           <a:solidFill>
-                            <a:schemeClr val="tx1">
-                              <a:lumMod val="75000"/>
-                              <a:lumOff val="25000"/>
-                            </a:schemeClr>
+                            <a:srgbClr val="000000"/>
                           </a:solidFill>
-                          <a:latin typeface="+mn-lt"/>
-                          <a:ea typeface="微软雅黑" panose="020B0503020204020204" pitchFamily="34" charset="-122"/>
-                          <a:cs typeface="+mn-cs"/>
-                        </a:rPr>
-                        <a:t>塔楼</a:t>
-                      </a:r>
-                    </a:p>
-                  </a:txBody>
-                  <a:tcPr marL="38100" marR="38100" marT="38100" marB="38100" anchor="ctr">
-                    <a:solidFill>
-                      <a:srgbClr val="F6F7F9"/>
-                    </a:solidFill>
-                  </a:tcPr>
-                </a:tc>
-                <a:tc>
-                  <a:txBody>
-                    <a:bodyPr/>
-                    <a:lstStyle/>
-                    <a:p>
-                      <a:pPr marL="0" algn="ctr" defTabSz="914400" rtl="0" eaLnBrk="1" latinLnBrk="0" hangingPunct="1"/>
-                      <a:r>
-                        <a:rPr lang="en-US" sz="1200" b="0" kern="1200" dirty="0">
+                        </a:rPr>
+                        <a:t>板塔结合</a:t>
+                      </a:r>
+                    </a:p>
+                  </a:txBody>
+                  <a:tcPr/>
+                </a:tc>
+                <a:tc>
+                  <a:txBody>
+                    <a:bodyPr/>
+                    <a:lstStyle/>
+                    <a:p>
+                      <a:r>
+                        <a:rPr sz="1200">
                           <a:solidFill>
-                            <a:schemeClr val="tx1">
-                              <a:lumMod val="75000"/>
-                              <a:lumOff val="25000"/>
-                            </a:schemeClr>
+                            <a:srgbClr val="000000"/>
                           </a:solidFill>
-                          <a:latin typeface="+mn-lt"/>
-                          <a:ea typeface="微软雅黑" panose="020B0503020204020204" pitchFamily="34" charset="-122"/>
-                          <a:cs typeface="+mn-cs"/>
                         </a:rPr>
                         <a:t>59228.69</a:t>
                       </a:r>
                     </a:p>
                   </a:txBody>
-                  <a:tcPr marL="38100" marR="38100" marT="38100" marB="38100" anchor="ctr">
-                    <a:solidFill>
-                      <a:srgbClr val="F6F7F9"/>
-                    </a:solidFill>
-                  </a:tcPr>
-                </a:tc>
-                <a:extLst>
-                  <a:ext uri="{0D108BD9-81ED-4DB2-BD59-A6C34878D82A}">
-                    <a16:rowId xmlns:a16="http://schemas.microsoft.com/office/drawing/2014/main" val="10008"/>
-                  </a:ext>
-                </a:extLst>
+                  <a:tcPr/>
+                </a:tc>
               </a:tr>
-              <a:tr h="477116">
-                <a:tc>
-                  <a:txBody>
-                    <a:bodyPr/>
-                    <a:lstStyle/>
-                    <a:p>
-                      <a:pPr algn="ctr"/>
-                      <a:r>
-                        <a:rPr sz="1200" b="0">
+              <a:tr h="65460">
+                <a:tc>
+                  <a:txBody>
+                    <a:bodyPr/>
+                    <a:lstStyle/>
+                    <a:p>
+                      <a:r>
+                        <a:rPr sz="1200">
                           <a:solidFill>
-                            <a:schemeClr val="tx1">
-                              <a:lumMod val="75000"/>
-                              <a:lumOff val="25000"/>
-                            </a:schemeClr>
+                            <a:srgbClr val="000000"/>
                           </a:solidFill>
-                          <a:latin typeface="+mn-lt"/>
-                          <a:ea typeface="微软雅黑" panose="020B0503020204020204" pitchFamily="34" charset="-122"/>
-                        </a:rPr>
-                        <a:t>9</a:t>
-                      </a:r>
-                    </a:p>
-                  </a:txBody>
-                  <a:tcPr marL="91445" marR="91445" marT="45713" marB="45713" anchor="ctr">
-                    <a:solidFill>
-                      <a:srgbClr val="FFFFFF"/>
-                    </a:solidFill>
-                  </a:tcPr>
-                </a:tc>
-                <a:tc>
-                  <a:txBody>
-                    <a:bodyPr/>
-                    <a:lstStyle/>
-                    <a:p>
-                      <a:pPr marL="0" algn="ctr" defTabSz="914400" rtl="0" eaLnBrk="1" latinLnBrk="0" hangingPunct="1"/>
-                      <a:r>
-                        <a:rPr lang="en-US" sz="1200" b="0" kern="1200" dirty="0">
+                        </a:rPr>
+                        <a:t>10</a:t>
+                      </a:r>
+                    </a:p>
+                  </a:txBody>
+                  <a:tcPr/>
+                </a:tc>
+                <a:tc>
+                  <a:txBody>
+                    <a:bodyPr/>
+                    <a:lstStyle/>
+                    <a:p>
+                      <a:r>
+                        <a:rPr sz="1200">
                           <a:solidFill>
-                            <a:schemeClr val="tx1">
-                              <a:lumMod val="75000"/>
-                              <a:lumOff val="25000"/>
-                            </a:schemeClr>
+                            <a:srgbClr val="000000"/>
                           </a:solidFill>
-                          <a:latin typeface="+mn-lt"/>
-                          <a:ea typeface="微软雅黑" panose="020B0503020204020204" pitchFamily="34" charset="-122"/>
-                          <a:cs typeface="+mn-cs"/>
-                        </a:rPr>
-                        <a:t>中电迪富大厦</a:t>
-                      </a:r>
-                    </a:p>
-                  </a:txBody>
-                  <a:tcPr marL="38100" marR="38100" marT="38100" marB="38100" anchor="ctr">
-                    <a:solidFill>
-                      <a:srgbClr val="FFFFFF"/>
-                    </a:solidFill>
-                  </a:tcPr>
-                </a:tc>
-                <a:tc>
-                  <a:txBody>
-                    <a:bodyPr/>
-                    <a:lstStyle/>
-                    <a:p>
-                      <a:pPr marL="0" algn="ctr" defTabSz="914400" rtl="0" eaLnBrk="1" latinLnBrk="0" hangingPunct="1"/>
-                      <a:r>
-                        <a:rPr lang="en-US" sz="1200" b="0" kern="1200" dirty="0">
+                        </a:rPr>
+                        <a:t>深业泰富广场</a:t>
+                      </a:r>
+                    </a:p>
+                  </a:txBody>
+                  <a:tcPr/>
+                </a:tc>
+                <a:tc>
+                  <a:txBody>
+                    <a:bodyPr/>
+                    <a:lstStyle/>
+                    <a:p>
+                      <a:r>
+                        <a:rPr sz="1200">
                           <a:solidFill>
-                            <a:schemeClr val="tx1">
-                              <a:lumMod val="75000"/>
-                              <a:lumOff val="25000"/>
-                            </a:schemeClr>
+                            <a:srgbClr val="000000"/>
                           </a:solidFill>
-                          <a:latin typeface="+mn-lt"/>
-                          <a:ea typeface="微软雅黑" panose="020B0503020204020204" pitchFamily="34" charset="-122"/>
-                          <a:cs typeface="+mn-cs"/>
-                        </a:rPr>
-                        <a:t>2018-10-28</a:t>
-                      </a:r>
-                    </a:p>
-                  </a:txBody>
-                  <a:tcPr marL="38100" marR="38100" marT="38100" marB="38100" anchor="ctr">
-                    <a:solidFill>
-                      <a:srgbClr val="FFFFFF"/>
-                    </a:solidFill>
-                  </a:tcPr>
-                </a:tc>
-                <a:tc>
-                  <a:txBody>
-                    <a:bodyPr/>
-                    <a:lstStyle/>
-                    <a:p>
-                      <a:pPr marL="0" algn="ctr" defTabSz="914400" rtl="0" eaLnBrk="1" latinLnBrk="0" hangingPunct="1"/>
-                      <a:endParaRPr sz="1200" b="0" kern="1200" dirty="0">
-                        <a:solidFill>
-                          <a:schemeClr val="tx1">
-                            <a:lumMod val="75000"/>
-                            <a:lumOff val="25000"/>
-                          </a:schemeClr>
-                        </a:solidFill>
-                        <a:latin typeface="+mn-lt"/>
-                        <a:ea typeface="微软雅黑" panose="020B0503020204020204" pitchFamily="34" charset="-122"/>
-                        <a:cs typeface="+mn-cs"/>
-                      </a:endParaRPr>
-                    </a:p>
-                  </a:txBody>
-                  <a:tcPr marL="91445" marR="91445" marT="45713" marB="45713" anchor="ctr">
-                    <a:solidFill>
-                      <a:srgbClr val="FFFFFF"/>
-                    </a:solidFill>
-                  </a:tcPr>
-                </a:tc>
-                <a:tc>
-                  <a:txBody>
-                    <a:bodyPr/>
-                    <a:lstStyle/>
-                    <a:p>
-                      <a:pPr marL="0" algn="ctr" defTabSz="914400" rtl="0" eaLnBrk="1" latinLnBrk="0" hangingPunct="1"/>
-                      <a:r>
-                        <a:rPr lang="en-US" sz="1200" b="0" kern="1200" dirty="0">
+                        </a:rPr>
+                        <a:t>2019-08-08</a:t>
+                      </a:r>
+                    </a:p>
+                  </a:txBody>
+                  <a:tcPr/>
+                </a:tc>
+                <a:tc>
+                  <a:txBody>
+                    <a:bodyPr/>
+                    <a:lstStyle/>
+                    <a:p>
+                      <a:r>
+                        <a:rPr sz="1200">
                           <a:solidFill>
-                            <a:schemeClr val="tx1">
-                              <a:lumMod val="75000"/>
-                              <a:lumOff val="25000"/>
-                            </a:schemeClr>
+                            <a:srgbClr val="000000"/>
                           </a:solidFill>
-                          <a:latin typeface="+mn-lt"/>
-                          <a:ea typeface="微软雅黑" panose="020B0503020204020204" pitchFamily="34" charset="-122"/>
-                          <a:cs typeface="+mn-cs"/>
-                        </a:rPr>
-                        <a:t>--</a:t>
-                      </a:r>
-                    </a:p>
-                  </a:txBody>
-                  <a:tcPr marL="38100" marR="38100" marT="38100" marB="38100" anchor="ctr">
-                    <a:solidFill>
-                      <a:srgbClr val="FFFFFF"/>
-                    </a:solidFill>
-                  </a:tcPr>
-                </a:tc>
-                <a:extLst>
-                  <a:ext uri="{0D108BD9-81ED-4DB2-BD59-A6C34878D82A}">
-                    <a16:rowId xmlns:a16="http://schemas.microsoft.com/office/drawing/2014/main" val="10009"/>
-                  </a:ext>
-                </a:extLst>
-              </a:tr>
-              <a:tr h="477116">
-                <a:tc>
-                  <a:txBody>
-                    <a:bodyPr/>
-                    <a:lstStyle/>
-                    <a:p>
-                      <a:pPr algn="ctr"/>
-                      <a:r>
-                        <a:rPr sz="1200" b="0">
+                        </a:rPr>
+                        <a:t>板塔结合</a:t>
+                      </a:r>
+                    </a:p>
+                  </a:txBody>
+                  <a:tcPr/>
+                </a:tc>
+                <a:tc>
+                  <a:txBody>
+                    <a:bodyPr/>
+                    <a:lstStyle/>
+                    <a:p>
+                      <a:r>
+                        <a:rPr sz="1200">
                           <a:solidFill>
-                            <a:schemeClr val="tx1">
-                              <a:lumMod val="75000"/>
-                              <a:lumOff val="25000"/>
-                            </a:schemeClr>
+                            <a:srgbClr val="000000"/>
                           </a:solidFill>
-                          <a:latin typeface="+mn-lt"/>
-                          <a:ea typeface="微软雅黑" panose="020B0503020204020204" pitchFamily="34" charset="-122"/>
-                        </a:rPr>
-                        <a:t>10</a:t>
-                      </a:r>
-                    </a:p>
-                  </a:txBody>
-                  <a:tcPr marL="91445" marR="91445" marT="45713" marB="45713" anchor="ctr">
-                    <a:solidFill>
-                      <a:srgbClr val="F6F7F9"/>
-                    </a:solidFill>
-                  </a:tcPr>
-                </a:tc>
-                <a:tc>
-                  <a:txBody>
-                    <a:bodyPr/>
-                    <a:lstStyle/>
-                    <a:p>
-                      <a:pPr marL="0" algn="ctr" defTabSz="914400" rtl="0" eaLnBrk="1" latinLnBrk="0" hangingPunct="1"/>
-                      <a:r>
-                        <a:rPr lang="en-US" sz="1200" b="0" kern="1200" dirty="0">
-                          <a:solidFill>
-                            <a:schemeClr val="tx1">
-                              <a:lumMod val="75000"/>
-                              <a:lumOff val="25000"/>
-                            </a:schemeClr>
-                          </a:solidFill>
-                          <a:latin typeface="+mn-lt"/>
-                          <a:ea typeface="微软雅黑" panose="020B0503020204020204" pitchFamily="34" charset="-122"/>
-                          <a:cs typeface="+mn-cs"/>
-                        </a:rPr>
-                        <a:t>恒邦壹峯</a:t>
-                      </a:r>
-                    </a:p>
-                  </a:txBody>
-                  <a:tcPr marL="38100" marR="38100" marT="38100" marB="38100" anchor="ctr">
-                    <a:solidFill>
-                      <a:srgbClr val="F6F7F9"/>
-                    </a:solidFill>
-                  </a:tcPr>
-                </a:tc>
-                <a:tc>
-                  <a:txBody>
-                    <a:bodyPr/>
-                    <a:lstStyle/>
-                    <a:p>
-                      <a:pPr marL="0" algn="ctr" defTabSz="914400" rtl="0" eaLnBrk="1" latinLnBrk="0" hangingPunct="1"/>
-                      <a:r>
-                        <a:rPr lang="en-US" sz="1200" b="0" kern="1200" dirty="0">
-                          <a:solidFill>
-                            <a:schemeClr val="tx1">
-                              <a:lumMod val="75000"/>
-                              <a:lumOff val="25000"/>
-                            </a:schemeClr>
-                          </a:solidFill>
-                          <a:latin typeface="+mn-lt"/>
-                          <a:ea typeface="微软雅黑" panose="020B0503020204020204" pitchFamily="34" charset="-122"/>
-                          <a:cs typeface="+mn-cs"/>
-                        </a:rPr>
-                        <a:t>2017-04-28</a:t>
-                      </a:r>
-                    </a:p>
-                  </a:txBody>
-                  <a:tcPr marL="38100" marR="38100" marT="38100" marB="38100" anchor="ctr">
-                    <a:solidFill>
-                      <a:srgbClr val="F6F7F9"/>
-                    </a:solidFill>
-                  </a:tcPr>
-                </a:tc>
-                <a:tc>
-                  <a:txBody>
-                    <a:bodyPr/>
-                    <a:lstStyle/>
-                    <a:p>
-                      <a:pPr marL="0" algn="ctr" defTabSz="914400" rtl="0" eaLnBrk="1" latinLnBrk="0" hangingPunct="1"/>
-                      <a:endParaRPr sz="1200" b="0" kern="1200" dirty="0">
-                        <a:solidFill>
-                          <a:schemeClr val="tx1">
-                            <a:lumMod val="75000"/>
-                            <a:lumOff val="25000"/>
-                          </a:schemeClr>
-                        </a:solidFill>
-                        <a:latin typeface="+mn-lt"/>
-                        <a:ea typeface="微软雅黑" panose="020B0503020204020204" pitchFamily="34" charset="-122"/>
-                        <a:cs typeface="+mn-cs"/>
-                      </a:endParaRPr>
-                    </a:p>
-                  </a:txBody>
-                  <a:tcPr marL="91445" marR="91445" marT="45713" marB="45713" anchor="ctr">
-                    <a:solidFill>
-                      <a:srgbClr val="F6F7F9"/>
-                    </a:solidFill>
-                  </a:tcPr>
-                </a:tc>
-                <a:tc>
-                  <a:txBody>
-                    <a:bodyPr/>
-                    <a:lstStyle/>
-                    <a:p>
-                      <a:pPr marL="0" algn="ctr" defTabSz="914400" rtl="0" eaLnBrk="1" latinLnBrk="0" hangingPunct="1"/>
-                      <a:r>
-                        <a:rPr lang="en-US" sz="1200" b="0" kern="1200" dirty="0">
-                          <a:solidFill>
-                            <a:schemeClr val="tx1">
-                              <a:lumMod val="75000"/>
-                              <a:lumOff val="25000"/>
-                            </a:schemeClr>
-                          </a:solidFill>
-                          <a:latin typeface="+mn-lt"/>
-                          <a:ea typeface="微软雅黑" panose="020B0503020204020204" pitchFamily="34" charset="-122"/>
-                          <a:cs typeface="+mn-cs"/>
-                        </a:rPr>
-                        <a:t>--</a:t>
-                      </a:r>
-                    </a:p>
-                  </a:txBody>
-                  <a:tcPr marL="38100" marR="38100" marT="38100" marB="38100" anchor="ctr">
-                    <a:solidFill>
-                      <a:srgbClr val="F6F7F9"/>
-                    </a:solidFill>
-                  </a:tcPr>
-                </a:tc>
-                <a:extLst>
-                  <a:ext uri="{0D108BD9-81ED-4DB2-BD59-A6C34878D82A}">
-                    <a16:rowId xmlns:a16="http://schemas.microsoft.com/office/drawing/2014/main" val="10010"/>
-                  </a:ext>
-                </a:extLst>
+                        </a:rPr>
+                        <a:t>59228.69</a:t>
+                      </a:r>
+                    </a:p>
+                  </a:txBody>
+                  <a:tcPr/>
+                </a:tc>
               </a:tr>
             </a:tbl>
           </a:graphicData>
@@ -15708,1335 +15273,6 @@
           </a:p>
         </p:txBody>
       </p:sp>
-      <p:graphicFrame>
-        <p:nvGraphicFramePr>
-          <p:cNvPr id="55" name="New Table">
-            <a:extLst>
-              <a:ext uri="{FF2B5EF4-FFF2-40B4-BE49-F238E27FC236}">
-                <a16:creationId xmlns:a16="http://schemas.microsoft.com/office/drawing/2014/main" id="{CF24F27A-CE1D-4D0E-892C-672EFAE38EE8}"/>
-              </a:ext>
-            </a:extLst>
-          </p:cNvPr>
-          <p:cNvGraphicFramePr>
-            <a:graphicFrameLocks noGrp="1"/>
-          </p:cNvGraphicFramePr>
-          <p:nvPr>
-            <p:extLst>
-              <p:ext uri="{D42A27DB-BD31-4B8C-83A1-F6EECF244321}">
-                <p14:modId xmlns:p14="http://schemas.microsoft.com/office/powerpoint/2010/main" val="689133888"/>
-              </p:ext>
-            </p:extLst>
-          </p:nvPr>
-        </p:nvGraphicFramePr>
-        <p:xfrm>
-          <a:off x="5814986" y="745067"/>
-          <a:ext cx="3240909" cy="5411226"/>
-        </p:xfrm>
-        <a:graphic>
-          <a:graphicData uri="http://schemas.openxmlformats.org/drawingml/2006/table">
-            <a:tbl>
-              <a:tblPr>
-                <a:tableStyleId>{C083E6E3-FA7D-4D7B-A595-EF9225AFEA82}</a:tableStyleId>
-              </a:tblPr>
-              <a:tblGrid>
-                <a:gridCol w="1080303">
-                  <a:extLst>
-                    <a:ext uri="{9D8B030D-6E8A-4147-A177-3AD203B41FA5}">
-                      <a16:colId xmlns:a16="http://schemas.microsoft.com/office/drawing/2014/main" val="20000"/>
-                    </a:ext>
-                  </a:extLst>
-                </a:gridCol>
-                <a:gridCol w="1080303">
-                  <a:extLst>
-                    <a:ext uri="{9D8B030D-6E8A-4147-A177-3AD203B41FA5}">
-                      <a16:colId xmlns:a16="http://schemas.microsoft.com/office/drawing/2014/main" val="20001"/>
-                    </a:ext>
-                  </a:extLst>
-                </a:gridCol>
-                <a:gridCol w="1080303">
-                  <a:extLst>
-                    <a:ext uri="{9D8B030D-6E8A-4147-A177-3AD203B41FA5}">
-                      <a16:colId xmlns:a16="http://schemas.microsoft.com/office/drawing/2014/main" val="20003"/>
-                    </a:ext>
-                  </a:extLst>
-                </a:gridCol>
-              </a:tblGrid>
-              <a:tr h="477116">
-                <a:tc>
-                  <a:txBody>
-                    <a:bodyPr/>
-                    <a:lstStyle/>
-                    <a:p>
-                      <a:pPr algn="ctr"/>
-                      <a:r>
-                        <a:rPr sz="1200" b="1" dirty="0" err="1">
-                          <a:solidFill>
-                            <a:schemeClr val="tx1">
-                              <a:lumMod val="75000"/>
-                              <a:lumOff val="25000"/>
-                            </a:schemeClr>
-                          </a:solidFill>
-                          <a:latin typeface="+mn-lt"/>
-                          <a:ea typeface="微软雅黑" panose="020B0503020204020204" pitchFamily="34" charset="-122"/>
-                        </a:rPr>
-                        <a:t>编号</a:t>
-                      </a:r>
-                      <a:endParaRPr sz="1200" b="1" dirty="0">
-                        <a:solidFill>
-                          <a:schemeClr val="tx1">
-                            <a:lumMod val="75000"/>
-                            <a:lumOff val="25000"/>
-                          </a:schemeClr>
-                        </a:solidFill>
-                        <a:latin typeface="+mn-lt"/>
-                        <a:ea typeface="微软雅黑" panose="020B0503020204020204" pitchFamily="34" charset="-122"/>
-                      </a:endParaRPr>
-                    </a:p>
-                  </a:txBody>
-                  <a:tcPr marL="91445" marR="91445" marT="45713" marB="45713" anchor="ctr"/>
-                </a:tc>
-                <a:tc>
-                  <a:txBody>
-                    <a:bodyPr/>
-                    <a:lstStyle/>
-                    <a:p>
-                      <a:pPr algn="ctr"/>
-                      <a:r>
-                        <a:rPr sz="1200" b="1" dirty="0" err="1">
-                          <a:solidFill>
-                            <a:schemeClr val="tx1">
-                              <a:lumMod val="75000"/>
-                              <a:lumOff val="25000"/>
-                            </a:schemeClr>
-                          </a:solidFill>
-                          <a:latin typeface="+mn-lt"/>
-                          <a:ea typeface="微软雅黑" panose="020B0503020204020204" pitchFamily="34" charset="-122"/>
-                        </a:rPr>
-                        <a:t>名称</a:t>
-                      </a:r>
-                      <a:endParaRPr sz="1200" b="1" dirty="0">
-                        <a:solidFill>
-                          <a:schemeClr val="tx1">
-                            <a:lumMod val="75000"/>
-                            <a:lumOff val="25000"/>
-                          </a:schemeClr>
-                        </a:solidFill>
-                        <a:latin typeface="+mn-lt"/>
-                        <a:ea typeface="微软雅黑" panose="020B0503020204020204" pitchFamily="34" charset="-122"/>
-                      </a:endParaRPr>
-                    </a:p>
-                  </a:txBody>
-                  <a:tcPr marL="91445" marR="91445" marT="45713" marB="45713" anchor="ctr"/>
-                </a:tc>
-                <a:tc>
-                  <a:txBody>
-                    <a:bodyPr/>
-                    <a:lstStyle/>
-                    <a:p>
-                      <a:pPr algn="ctr"/>
-                      <a:r>
-                        <a:rPr sz="1200" b="1" dirty="0" err="1">
-                          <a:solidFill>
-                            <a:schemeClr val="tx1">
-                              <a:lumMod val="75000"/>
-                              <a:lumOff val="25000"/>
-                            </a:schemeClr>
-                          </a:solidFill>
-                          <a:latin typeface="+mn-lt"/>
-                          <a:ea typeface="微软雅黑" panose="020B0503020204020204" pitchFamily="34" charset="-122"/>
-                        </a:rPr>
-                        <a:t>距离</a:t>
-                      </a:r>
-                      <a:r>
-                        <a:rPr sz="1200" b="1" dirty="0">
-                          <a:solidFill>
-                            <a:schemeClr val="tx1">
-                              <a:lumMod val="75000"/>
-                              <a:lumOff val="25000"/>
-                            </a:schemeClr>
-                          </a:solidFill>
-                          <a:latin typeface="+mn-lt"/>
-                          <a:ea typeface="微软雅黑" panose="020B0503020204020204" pitchFamily="34" charset="-122"/>
-                        </a:rPr>
-                        <a:t>
-(km)</a:t>
-                      </a:r>
-                    </a:p>
-                  </a:txBody>
-                  <a:tcPr marL="91445" marR="91445" marT="45713" marB="45713" anchor="ctr"/>
-                </a:tc>
-                <a:extLst>
-                  <a:ext uri="{0D108BD9-81ED-4DB2-BD59-A6C34878D82A}">
-                    <a16:rowId xmlns:a16="http://schemas.microsoft.com/office/drawing/2014/main" val="10000"/>
-                  </a:ext>
-                </a:extLst>
-              </a:tr>
-              <a:tr h="477116">
-                <a:tc>
-                  <a:txBody>
-                    <a:bodyPr/>
-                    <a:lstStyle/>
-                    <a:p>
-                      <a:pPr algn="ctr"/>
-                      <a:r>
-                        <a:rPr sz="1200" b="0" dirty="0">
-                          <a:solidFill>
-                            <a:schemeClr val="tx1">
-                              <a:lumMod val="75000"/>
-                              <a:lumOff val="25000"/>
-                            </a:schemeClr>
-                          </a:solidFill>
-                          <a:latin typeface="+mn-lt"/>
-                          <a:ea typeface="微软雅黑" panose="020B0503020204020204" pitchFamily="34" charset="-122"/>
-                        </a:rPr>
-                        <a:t>1</a:t>
-                      </a:r>
-                    </a:p>
-                  </a:txBody>
-                  <a:tcPr marL="91445" marR="91445" marT="45713" marB="45713" anchor="ctr">
-                    <a:solidFill>
-                      <a:srgbClr val="FFFFFF"/>
-                    </a:solidFill>
-                  </a:tcPr>
-                </a:tc>
-                <a:tc>
-                  <a:txBody>
-                    <a:bodyPr/>
-                    <a:lstStyle/>
-                    <a:p>
-                      <a:r>
-                        <a:rPr lang="zh-CN" altLang="en-US" sz="1200" dirty="0">
-                          <a:solidFill>
-                            <a:schemeClr val="tx1">
-                              <a:lumMod val="75000"/>
-                              <a:lumOff val="25000"/>
-                            </a:schemeClr>
-                          </a:solidFill>
-                          <a:latin typeface="+mn-lt"/>
-                          <a:ea typeface="微软雅黑" panose="020B0503020204020204" pitchFamily="34" charset="-122"/>
-                        </a:rPr>
-                        <a:t>宝安国际机场（飞机场）</a:t>
-                      </a:r>
-                    </a:p>
-                  </a:txBody>
-                  <a:tcPr marL="91445" marR="91445" marT="45713" marB="45713" anchor="ctr">
-                    <a:solidFill>
-                      <a:srgbClr val="FFFFFF"/>
-                    </a:solidFill>
-                  </a:tcPr>
-                </a:tc>
-                <a:tc>
-                  <a:txBody>
-                    <a:bodyPr/>
-                    <a:lstStyle/>
-                    <a:p>
-                      <a:pPr algn="ctr"/>
-                      <a:r>
-                        <a:rPr sz="1200" b="0" dirty="0">
-                          <a:solidFill>
-                            <a:schemeClr val="tx1">
-                              <a:lumMod val="75000"/>
-                              <a:lumOff val="25000"/>
-                            </a:schemeClr>
-                          </a:solidFill>
-                          <a:latin typeface="+mn-lt"/>
-                          <a:ea typeface="微软雅黑" panose="020B0503020204020204" pitchFamily="34" charset="-122"/>
-                        </a:rPr>
-                        <a:t>0.8</a:t>
-                      </a:r>
-                    </a:p>
-                  </a:txBody>
-                  <a:tcPr marL="91445" marR="91445" marT="45713" marB="45713" anchor="ctr">
-                    <a:solidFill>
-                      <a:srgbClr val="FFFFFF"/>
-                    </a:solidFill>
-                  </a:tcPr>
-                </a:tc>
-                <a:extLst>
-                  <a:ext uri="{0D108BD9-81ED-4DB2-BD59-A6C34878D82A}">
-                    <a16:rowId xmlns:a16="http://schemas.microsoft.com/office/drawing/2014/main" val="10001"/>
-                  </a:ext>
-                </a:extLst>
-              </a:tr>
-              <a:tr h="477116">
-                <a:tc>
-                  <a:txBody>
-                    <a:bodyPr/>
-                    <a:lstStyle/>
-                    <a:p>
-                      <a:pPr algn="ctr"/>
-                      <a:r>
-                        <a:rPr sz="1200" b="0" dirty="0">
-                          <a:solidFill>
-                            <a:schemeClr val="tx1">
-                              <a:lumMod val="75000"/>
-                              <a:lumOff val="25000"/>
-                            </a:schemeClr>
-                          </a:solidFill>
-                          <a:latin typeface="+mn-lt"/>
-                          <a:ea typeface="微软雅黑" panose="020B0503020204020204" pitchFamily="34" charset="-122"/>
-                        </a:rPr>
-                        <a:t>2</a:t>
-                      </a:r>
-                    </a:p>
-                  </a:txBody>
-                  <a:tcPr marL="91445" marR="91445" marT="45713" marB="45713" anchor="ctr">
-                    <a:solidFill>
-                      <a:srgbClr val="F6F7F9"/>
-                    </a:solidFill>
-                  </a:tcPr>
-                </a:tc>
-                <a:tc>
-                  <a:txBody>
-                    <a:bodyPr/>
-                    <a:lstStyle/>
-                    <a:p>
-                      <a:pPr algn="ctr"/>
-                      <a:r>
-                        <a:rPr lang="zh-CN" altLang="en-US" sz="1200" b="0" dirty="0">
-                          <a:solidFill>
-                            <a:schemeClr val="tx1">
-                              <a:lumMod val="75000"/>
-                              <a:lumOff val="25000"/>
-                            </a:schemeClr>
-                          </a:solidFill>
-                          <a:latin typeface="+mn-lt"/>
-                          <a:ea typeface="微软雅黑" panose="020B0503020204020204" pitchFamily="34" charset="-122"/>
-                        </a:rPr>
-                        <a:t>红山</a:t>
-                      </a:r>
-                      <a:r>
-                        <a:rPr lang="en-US" altLang="zh-CN" sz="1200" b="0" dirty="0">
-                          <a:solidFill>
-                            <a:schemeClr val="tx1">
-                              <a:lumMod val="75000"/>
-                              <a:lumOff val="25000"/>
-                            </a:schemeClr>
-                          </a:solidFill>
-                          <a:latin typeface="+mn-lt"/>
-                          <a:ea typeface="微软雅黑" panose="020B0503020204020204" pitchFamily="34" charset="-122"/>
-                        </a:rPr>
-                        <a:t>(</a:t>
-                      </a:r>
-                      <a:r>
-                        <a:rPr lang="zh-CN" altLang="en-US" sz="1200" b="0" dirty="0">
-                          <a:solidFill>
-                            <a:schemeClr val="tx1">
-                              <a:lumMod val="75000"/>
-                              <a:lumOff val="25000"/>
-                            </a:schemeClr>
-                          </a:solidFill>
-                          <a:latin typeface="+mn-lt"/>
-                          <a:ea typeface="微软雅黑" panose="020B0503020204020204" pitchFamily="34" charset="-122"/>
-                        </a:rPr>
-                        <a:t>地铁站</a:t>
-                      </a:r>
-                      <a:r>
-                        <a:rPr lang="en-US" altLang="zh-CN" sz="1200" b="0" dirty="0">
-                          <a:solidFill>
-                            <a:schemeClr val="tx1">
-                              <a:lumMod val="75000"/>
-                              <a:lumOff val="25000"/>
-                            </a:schemeClr>
-                          </a:solidFill>
-                          <a:latin typeface="+mn-lt"/>
-                          <a:ea typeface="微软雅黑" panose="020B0503020204020204" pitchFamily="34" charset="-122"/>
-                        </a:rPr>
-                        <a:t>)</a:t>
-                      </a:r>
-                    </a:p>
-                  </a:txBody>
-                  <a:tcPr marL="91445" marR="91445" marT="45713" marB="45713" anchor="ctr">
-                    <a:solidFill>
-                      <a:srgbClr val="F6F7F9"/>
-                    </a:solidFill>
-                  </a:tcPr>
-                </a:tc>
-                <a:tc>
-                  <a:txBody>
-                    <a:bodyPr/>
-                    <a:lstStyle/>
-                    <a:p>
-                      <a:pPr algn="ctr"/>
-                      <a:r>
-                        <a:rPr sz="1200" b="0" dirty="0">
-                          <a:solidFill>
-                            <a:schemeClr val="tx1">
-                              <a:lumMod val="75000"/>
-                              <a:lumOff val="25000"/>
-                            </a:schemeClr>
-                          </a:solidFill>
-                          <a:latin typeface="+mn-lt"/>
-                          <a:ea typeface="微软雅黑" panose="020B0503020204020204" pitchFamily="34" charset="-122"/>
-                        </a:rPr>
-                        <a:t>0.1</a:t>
-                      </a:r>
-                    </a:p>
-                  </a:txBody>
-                  <a:tcPr marL="91445" marR="91445" marT="45713" marB="45713" anchor="ctr">
-                    <a:solidFill>
-                      <a:srgbClr val="F6F7F9"/>
-                    </a:solidFill>
-                  </a:tcPr>
-                </a:tc>
-                <a:extLst>
-                  <a:ext uri="{0D108BD9-81ED-4DB2-BD59-A6C34878D82A}">
-                    <a16:rowId xmlns:a16="http://schemas.microsoft.com/office/drawing/2014/main" val="10002"/>
-                  </a:ext>
-                </a:extLst>
-              </a:tr>
-              <a:tr h="477116">
-                <a:tc>
-                  <a:txBody>
-                    <a:bodyPr/>
-                    <a:lstStyle/>
-                    <a:p>
-                      <a:pPr algn="ctr"/>
-                      <a:r>
-                        <a:rPr sz="1200" b="0" dirty="0">
-                          <a:solidFill>
-                            <a:schemeClr val="tx1">
-                              <a:lumMod val="75000"/>
-                              <a:lumOff val="25000"/>
-                            </a:schemeClr>
-                          </a:solidFill>
-                          <a:latin typeface="+mn-lt"/>
-                          <a:ea typeface="微软雅黑" panose="020B0503020204020204" pitchFamily="34" charset="-122"/>
-                        </a:rPr>
-                        <a:t>3</a:t>
-                      </a:r>
-                    </a:p>
-                  </a:txBody>
-                  <a:tcPr marL="91445" marR="91445" marT="45713" marB="45713" anchor="ctr">
-                    <a:solidFill>
-                      <a:srgbClr val="FFFFFF"/>
-                    </a:solidFill>
-                  </a:tcPr>
-                </a:tc>
-                <a:tc>
-                  <a:txBody>
-                    <a:bodyPr/>
-                    <a:lstStyle/>
-                    <a:p>
-                      <a:pPr algn="ctr"/>
-                      <a:r>
-                        <a:rPr lang="zh-CN" altLang="en-US" sz="1200" b="0" dirty="0">
-                          <a:solidFill>
-                            <a:schemeClr val="tx1">
-                              <a:lumMod val="75000"/>
-                              <a:lumOff val="25000"/>
-                            </a:schemeClr>
-                          </a:solidFill>
-                          <a:latin typeface="+mn-lt"/>
-                          <a:ea typeface="微软雅黑" panose="020B0503020204020204" pitchFamily="34" charset="-122"/>
-                        </a:rPr>
-                        <a:t>福田火车站（火车站）</a:t>
-                      </a:r>
-                      <a:endParaRPr sz="1200" b="0" dirty="0">
-                        <a:solidFill>
-                          <a:schemeClr val="tx1">
-                            <a:lumMod val="75000"/>
-                            <a:lumOff val="25000"/>
-                          </a:schemeClr>
-                        </a:solidFill>
-                        <a:latin typeface="+mn-lt"/>
-                        <a:ea typeface="微软雅黑" panose="020B0503020204020204" pitchFamily="34" charset="-122"/>
-                      </a:endParaRPr>
-                    </a:p>
-                  </a:txBody>
-                  <a:tcPr marL="91445" marR="91445" marT="45713" marB="45713" anchor="ctr">
-                    <a:solidFill>
-                      <a:srgbClr val="FFFFFF"/>
-                    </a:solidFill>
-                  </a:tcPr>
-                </a:tc>
-                <a:tc>
-                  <a:txBody>
-                    <a:bodyPr/>
-                    <a:lstStyle/>
-                    <a:p>
-                      <a:pPr algn="ctr"/>
-                      <a:r>
-                        <a:rPr sz="1200" b="0">
-                          <a:solidFill>
-                            <a:schemeClr val="tx1">
-                              <a:lumMod val="75000"/>
-                              <a:lumOff val="25000"/>
-                            </a:schemeClr>
-                          </a:solidFill>
-                          <a:latin typeface="+mn-lt"/>
-                          <a:ea typeface="微软雅黑" panose="020B0503020204020204" pitchFamily="34" charset="-122"/>
-                        </a:rPr>
-                        <a:t>0.4</a:t>
-                      </a:r>
-                    </a:p>
-                  </a:txBody>
-                  <a:tcPr marL="91445" marR="91445" marT="45713" marB="45713" anchor="ctr">
-                    <a:solidFill>
-                      <a:srgbClr val="FFFFFF"/>
-                    </a:solidFill>
-                  </a:tcPr>
-                </a:tc>
-                <a:extLst>
-                  <a:ext uri="{0D108BD9-81ED-4DB2-BD59-A6C34878D82A}">
-                    <a16:rowId xmlns:a16="http://schemas.microsoft.com/office/drawing/2014/main" val="10003"/>
-                  </a:ext>
-                </a:extLst>
-              </a:tr>
-              <a:tr h="477116">
-                <a:tc>
-                  <a:txBody>
-                    <a:bodyPr/>
-                    <a:lstStyle/>
-                    <a:p>
-                      <a:pPr algn="ctr"/>
-                      <a:r>
-                        <a:rPr sz="1200" b="0">
-                          <a:solidFill>
-                            <a:schemeClr val="tx1">
-                              <a:lumMod val="75000"/>
-                              <a:lumOff val="25000"/>
-                            </a:schemeClr>
-                          </a:solidFill>
-                          <a:latin typeface="+mn-lt"/>
-                          <a:ea typeface="微软雅黑" panose="020B0503020204020204" pitchFamily="34" charset="-122"/>
-                        </a:rPr>
-                        <a:t>4</a:t>
-                      </a:r>
-                    </a:p>
-                  </a:txBody>
-                  <a:tcPr marL="91445" marR="91445" marT="45713" marB="45713" anchor="ctr">
-                    <a:solidFill>
-                      <a:srgbClr val="F6F7F9"/>
-                    </a:solidFill>
-                  </a:tcPr>
-                </a:tc>
-                <a:tc>
-                  <a:txBody>
-                    <a:bodyPr/>
-                    <a:lstStyle/>
-                    <a:p>
-                      <a:pPr algn="ctr"/>
-                      <a:r>
-                        <a:rPr sz="1200" b="0" dirty="0" err="1">
-                          <a:solidFill>
-                            <a:schemeClr val="tx1">
-                              <a:lumMod val="75000"/>
-                              <a:lumOff val="25000"/>
-                            </a:schemeClr>
-                          </a:solidFill>
-                          <a:latin typeface="+mn-lt"/>
-                          <a:ea typeface="微软雅黑" panose="020B0503020204020204" pitchFamily="34" charset="-122"/>
-                        </a:rPr>
-                        <a:t>龙塘新村西</a:t>
-                      </a:r>
-                      <a:r>
-                        <a:rPr sz="1200" b="0" dirty="0">
-                          <a:solidFill>
-                            <a:schemeClr val="tx1">
-                              <a:lumMod val="75000"/>
-                              <a:lumOff val="25000"/>
-                            </a:schemeClr>
-                          </a:solidFill>
-                          <a:latin typeface="+mn-lt"/>
-                          <a:ea typeface="微软雅黑" panose="020B0503020204020204" pitchFamily="34" charset="-122"/>
-                        </a:rPr>
-                        <a:t>(</a:t>
-                      </a:r>
-                      <a:r>
-                        <a:rPr sz="1200" b="0" dirty="0" err="1">
-                          <a:solidFill>
-                            <a:schemeClr val="tx1">
-                              <a:lumMod val="75000"/>
-                              <a:lumOff val="25000"/>
-                            </a:schemeClr>
-                          </a:solidFill>
-                          <a:latin typeface="+mn-lt"/>
-                          <a:ea typeface="微软雅黑" panose="020B0503020204020204" pitchFamily="34" charset="-122"/>
-                        </a:rPr>
-                        <a:t>公交站</a:t>
-                      </a:r>
-                      <a:r>
-                        <a:rPr sz="1200" b="0" dirty="0">
-                          <a:solidFill>
-                            <a:schemeClr val="tx1">
-                              <a:lumMod val="75000"/>
-                              <a:lumOff val="25000"/>
-                            </a:schemeClr>
-                          </a:solidFill>
-                          <a:latin typeface="+mn-lt"/>
-                          <a:ea typeface="微软雅黑" panose="020B0503020204020204" pitchFamily="34" charset="-122"/>
-                        </a:rPr>
-                        <a:t>)</a:t>
-                      </a:r>
-                    </a:p>
-                  </a:txBody>
-                  <a:tcPr marL="91445" marR="91445" marT="45713" marB="45713" anchor="ctr">
-                    <a:solidFill>
-                      <a:srgbClr val="F6F7F9"/>
-                    </a:solidFill>
-                  </a:tcPr>
-                </a:tc>
-                <a:tc>
-                  <a:txBody>
-                    <a:bodyPr/>
-                    <a:lstStyle/>
-                    <a:p>
-                      <a:pPr algn="ctr"/>
-                      <a:r>
-                        <a:rPr sz="1200" b="0">
-                          <a:solidFill>
-                            <a:schemeClr val="tx1">
-                              <a:lumMod val="75000"/>
-                              <a:lumOff val="25000"/>
-                            </a:schemeClr>
-                          </a:solidFill>
-                          <a:latin typeface="+mn-lt"/>
-                          <a:ea typeface="微软雅黑" panose="020B0503020204020204" pitchFamily="34" charset="-122"/>
-                        </a:rPr>
-                        <a:t>0.4</a:t>
-                      </a:r>
-                    </a:p>
-                  </a:txBody>
-                  <a:tcPr marL="91445" marR="91445" marT="45713" marB="45713" anchor="ctr">
-                    <a:solidFill>
-                      <a:srgbClr val="F6F7F9"/>
-                    </a:solidFill>
-                  </a:tcPr>
-                </a:tc>
-                <a:extLst>
-                  <a:ext uri="{0D108BD9-81ED-4DB2-BD59-A6C34878D82A}">
-                    <a16:rowId xmlns:a16="http://schemas.microsoft.com/office/drawing/2014/main" val="10004"/>
-                  </a:ext>
-                </a:extLst>
-              </a:tr>
-              <a:tr h="477116">
-                <a:tc>
-                  <a:txBody>
-                    <a:bodyPr/>
-                    <a:lstStyle/>
-                    <a:p>
-                      <a:pPr algn="ctr"/>
-                      <a:r>
-                        <a:rPr sz="1200" b="0">
-                          <a:solidFill>
-                            <a:schemeClr val="tx1">
-                              <a:lumMod val="75000"/>
-                              <a:lumOff val="25000"/>
-                            </a:schemeClr>
-                          </a:solidFill>
-                          <a:latin typeface="+mn-lt"/>
-                          <a:ea typeface="微软雅黑" panose="020B0503020204020204" pitchFamily="34" charset="-122"/>
-                        </a:rPr>
-                        <a:t>5</a:t>
-                      </a:r>
-                    </a:p>
-                  </a:txBody>
-                  <a:tcPr marL="91445" marR="91445" marT="45713" marB="45713" anchor="ctr">
-                    <a:solidFill>
-                      <a:srgbClr val="FFFFFF"/>
-                    </a:solidFill>
-                  </a:tcPr>
-                </a:tc>
-                <a:tc>
-                  <a:txBody>
-                    <a:bodyPr/>
-                    <a:lstStyle/>
-                    <a:p>
-                      <a:pPr algn="ctr"/>
-                      <a:r>
-                        <a:rPr sz="1200" b="0" dirty="0" err="1">
-                          <a:solidFill>
-                            <a:schemeClr val="tx1">
-                              <a:lumMod val="75000"/>
-                              <a:lumOff val="25000"/>
-                            </a:schemeClr>
-                          </a:solidFill>
-                          <a:latin typeface="+mn-lt"/>
-                          <a:ea typeface="微软雅黑" panose="020B0503020204020204" pitchFamily="34" charset="-122"/>
-                        </a:rPr>
-                        <a:t>龙华新区大道总站</a:t>
-                      </a:r>
-                      <a:r>
-                        <a:rPr sz="1200" b="0" dirty="0">
-                          <a:solidFill>
-                            <a:schemeClr val="tx1">
-                              <a:lumMod val="75000"/>
-                              <a:lumOff val="25000"/>
-                            </a:schemeClr>
-                          </a:solidFill>
-                          <a:latin typeface="+mn-lt"/>
-                          <a:ea typeface="微软雅黑" panose="020B0503020204020204" pitchFamily="34" charset="-122"/>
-                        </a:rPr>
-                        <a:t>(</a:t>
-                      </a:r>
-                      <a:r>
-                        <a:rPr sz="1200" b="0" dirty="0" err="1">
-                          <a:solidFill>
-                            <a:schemeClr val="tx1">
-                              <a:lumMod val="75000"/>
-                              <a:lumOff val="25000"/>
-                            </a:schemeClr>
-                          </a:solidFill>
-                          <a:latin typeface="+mn-lt"/>
-                          <a:ea typeface="微软雅黑" panose="020B0503020204020204" pitchFamily="34" charset="-122"/>
-                        </a:rPr>
-                        <a:t>公交站</a:t>
-                      </a:r>
-                      <a:r>
-                        <a:rPr sz="1200" b="0" dirty="0">
-                          <a:solidFill>
-                            <a:schemeClr val="tx1">
-                              <a:lumMod val="75000"/>
-                              <a:lumOff val="25000"/>
-                            </a:schemeClr>
-                          </a:solidFill>
-                          <a:latin typeface="+mn-lt"/>
-                          <a:ea typeface="微软雅黑" panose="020B0503020204020204" pitchFamily="34" charset="-122"/>
-                        </a:rPr>
-                        <a:t>)</a:t>
-                      </a:r>
-                    </a:p>
-                  </a:txBody>
-                  <a:tcPr marL="91445" marR="91445" marT="45713" marB="45713" anchor="ctr">
-                    <a:solidFill>
-                      <a:srgbClr val="FFFFFF"/>
-                    </a:solidFill>
-                  </a:tcPr>
-                </a:tc>
-                <a:tc>
-                  <a:txBody>
-                    <a:bodyPr/>
-                    <a:lstStyle/>
-                    <a:p>
-                      <a:pPr algn="ctr"/>
-                      <a:r>
-                        <a:rPr sz="1200" b="0">
-                          <a:solidFill>
-                            <a:schemeClr val="tx1">
-                              <a:lumMod val="75000"/>
-                              <a:lumOff val="25000"/>
-                            </a:schemeClr>
-                          </a:solidFill>
-                          <a:latin typeface="+mn-lt"/>
-                          <a:ea typeface="微软雅黑" panose="020B0503020204020204" pitchFamily="34" charset="-122"/>
-                        </a:rPr>
-                        <a:t>0.5</a:t>
-                      </a:r>
-                    </a:p>
-                  </a:txBody>
-                  <a:tcPr marL="91445" marR="91445" marT="45713" marB="45713" anchor="ctr">
-                    <a:solidFill>
-                      <a:srgbClr val="FFFFFF"/>
-                    </a:solidFill>
-                  </a:tcPr>
-                </a:tc>
-                <a:extLst>
-                  <a:ext uri="{0D108BD9-81ED-4DB2-BD59-A6C34878D82A}">
-                    <a16:rowId xmlns:a16="http://schemas.microsoft.com/office/drawing/2014/main" val="10005"/>
-                  </a:ext>
-                </a:extLst>
-              </a:tr>
-              <a:tr h="477116">
-                <a:tc>
-                  <a:txBody>
-                    <a:bodyPr/>
-                    <a:lstStyle/>
-                    <a:p>
-                      <a:pPr algn="ctr"/>
-                      <a:r>
-                        <a:rPr sz="1200" b="0">
-                          <a:solidFill>
-                            <a:schemeClr val="tx1">
-                              <a:lumMod val="75000"/>
-                              <a:lumOff val="25000"/>
-                            </a:schemeClr>
-                          </a:solidFill>
-                          <a:latin typeface="+mn-lt"/>
-                          <a:ea typeface="微软雅黑" panose="020B0503020204020204" pitchFamily="34" charset="-122"/>
-                        </a:rPr>
-                        <a:t>6</a:t>
-                      </a:r>
-                    </a:p>
-                  </a:txBody>
-                  <a:tcPr marL="91445" marR="91445" marT="45713" marB="45713" anchor="ctr">
-                    <a:solidFill>
-                      <a:srgbClr val="F6F7F9"/>
-                    </a:solidFill>
-                  </a:tcPr>
-                </a:tc>
-                <a:tc>
-                  <a:txBody>
-                    <a:bodyPr/>
-                    <a:lstStyle/>
-                    <a:p>
-                      <a:pPr algn="ctr"/>
-                      <a:r>
-                        <a:rPr sz="1200" b="0" dirty="0" err="1">
-                          <a:solidFill>
-                            <a:schemeClr val="tx1">
-                              <a:lumMod val="75000"/>
-                              <a:lumOff val="25000"/>
-                            </a:schemeClr>
-                          </a:solidFill>
-                          <a:latin typeface="+mn-lt"/>
-                          <a:ea typeface="微软雅黑" panose="020B0503020204020204" pitchFamily="34" charset="-122"/>
-                        </a:rPr>
-                        <a:t>红山地铁站</a:t>
-                      </a:r>
-                      <a:r>
-                        <a:rPr sz="1200" b="0" dirty="0">
-                          <a:solidFill>
-                            <a:schemeClr val="tx1">
-                              <a:lumMod val="75000"/>
-                              <a:lumOff val="25000"/>
-                            </a:schemeClr>
-                          </a:solidFill>
-                          <a:latin typeface="+mn-lt"/>
-                          <a:ea typeface="微软雅黑" panose="020B0503020204020204" pitchFamily="34" charset="-122"/>
-                        </a:rPr>
-                        <a:t>(</a:t>
-                      </a:r>
-                      <a:r>
-                        <a:rPr sz="1200" b="0" dirty="0" err="1">
-                          <a:solidFill>
-                            <a:schemeClr val="tx1">
-                              <a:lumMod val="75000"/>
-                              <a:lumOff val="25000"/>
-                            </a:schemeClr>
-                          </a:solidFill>
-                          <a:latin typeface="+mn-lt"/>
-                          <a:ea typeface="微软雅黑" panose="020B0503020204020204" pitchFamily="34" charset="-122"/>
-                        </a:rPr>
-                        <a:t>公交站</a:t>
-                      </a:r>
-                      <a:r>
-                        <a:rPr sz="1200" b="0" dirty="0">
-                          <a:solidFill>
-                            <a:schemeClr val="tx1">
-                              <a:lumMod val="75000"/>
-                              <a:lumOff val="25000"/>
-                            </a:schemeClr>
-                          </a:solidFill>
-                          <a:latin typeface="+mn-lt"/>
-                          <a:ea typeface="微软雅黑" panose="020B0503020204020204" pitchFamily="34" charset="-122"/>
-                        </a:rPr>
-                        <a:t>)</a:t>
-                      </a:r>
-                    </a:p>
-                  </a:txBody>
-                  <a:tcPr marL="91445" marR="91445" marT="45713" marB="45713" anchor="ctr">
-                    <a:solidFill>
-                      <a:srgbClr val="F6F7F9"/>
-                    </a:solidFill>
-                  </a:tcPr>
-                </a:tc>
-                <a:tc>
-                  <a:txBody>
-                    <a:bodyPr/>
-                    <a:lstStyle/>
-                    <a:p>
-                      <a:pPr algn="ctr"/>
-                      <a:r>
-                        <a:rPr sz="1200" b="0">
-                          <a:solidFill>
-                            <a:schemeClr val="tx1">
-                              <a:lumMod val="75000"/>
-                              <a:lumOff val="25000"/>
-                            </a:schemeClr>
-                          </a:solidFill>
-                          <a:latin typeface="+mn-lt"/>
-                          <a:ea typeface="微软雅黑" panose="020B0503020204020204" pitchFamily="34" charset="-122"/>
-                        </a:rPr>
-                        <a:t>0.5</a:t>
-                      </a:r>
-                    </a:p>
-                  </a:txBody>
-                  <a:tcPr marL="91445" marR="91445" marT="45713" marB="45713" anchor="ctr">
-                    <a:solidFill>
-                      <a:srgbClr val="F6F7F9"/>
-                    </a:solidFill>
-                  </a:tcPr>
-                </a:tc>
-                <a:extLst>
-                  <a:ext uri="{0D108BD9-81ED-4DB2-BD59-A6C34878D82A}">
-                    <a16:rowId xmlns:a16="http://schemas.microsoft.com/office/drawing/2014/main" val="10006"/>
-                  </a:ext>
-                </a:extLst>
-              </a:tr>
-              <a:tr h="477116">
-                <a:tc>
-                  <a:txBody>
-                    <a:bodyPr/>
-                    <a:lstStyle/>
-                    <a:p>
-                      <a:pPr algn="ctr"/>
-                      <a:r>
-                        <a:rPr sz="1200" b="0">
-                          <a:solidFill>
-                            <a:schemeClr val="tx1">
-                              <a:lumMod val="75000"/>
-                              <a:lumOff val="25000"/>
-                            </a:schemeClr>
-                          </a:solidFill>
-                          <a:latin typeface="+mn-lt"/>
-                          <a:ea typeface="微软雅黑" panose="020B0503020204020204" pitchFamily="34" charset="-122"/>
-                        </a:rPr>
-                        <a:t>7</a:t>
-                      </a:r>
-                    </a:p>
-                  </a:txBody>
-                  <a:tcPr marL="91445" marR="91445" marT="45713" marB="45713" anchor="ctr">
-                    <a:solidFill>
-                      <a:srgbClr val="FFFFFF"/>
-                    </a:solidFill>
-                  </a:tcPr>
-                </a:tc>
-                <a:tc>
-                  <a:txBody>
-                    <a:bodyPr/>
-                    <a:lstStyle/>
-                    <a:p>
-                      <a:pPr algn="ctr"/>
-                      <a:r>
-                        <a:rPr sz="1200" b="0" dirty="0" err="1">
-                          <a:solidFill>
-                            <a:schemeClr val="tx1">
-                              <a:lumMod val="75000"/>
-                              <a:lumOff val="25000"/>
-                            </a:schemeClr>
-                          </a:solidFill>
-                          <a:latin typeface="+mn-lt"/>
-                          <a:ea typeface="微软雅黑" panose="020B0503020204020204" pitchFamily="34" charset="-122"/>
-                        </a:rPr>
-                        <a:t>龙塘新村</a:t>
-                      </a:r>
-                      <a:r>
-                        <a:rPr sz="1200" b="0" dirty="0">
-                          <a:solidFill>
-                            <a:schemeClr val="tx1">
-                              <a:lumMod val="75000"/>
-                              <a:lumOff val="25000"/>
-                            </a:schemeClr>
-                          </a:solidFill>
-                          <a:latin typeface="+mn-lt"/>
-                          <a:ea typeface="微软雅黑" panose="020B0503020204020204" pitchFamily="34" charset="-122"/>
-                        </a:rPr>
-                        <a:t>(</a:t>
-                      </a:r>
-                      <a:r>
-                        <a:rPr sz="1200" b="0" dirty="0" err="1">
-                          <a:solidFill>
-                            <a:schemeClr val="tx1">
-                              <a:lumMod val="75000"/>
-                              <a:lumOff val="25000"/>
-                            </a:schemeClr>
-                          </a:solidFill>
-                          <a:latin typeface="+mn-lt"/>
-                          <a:ea typeface="微软雅黑" panose="020B0503020204020204" pitchFamily="34" charset="-122"/>
-                        </a:rPr>
-                        <a:t>公交站</a:t>
-                      </a:r>
-                      <a:r>
-                        <a:rPr sz="1200" b="0" dirty="0">
-                          <a:solidFill>
-                            <a:schemeClr val="tx1">
-                              <a:lumMod val="75000"/>
-                              <a:lumOff val="25000"/>
-                            </a:schemeClr>
-                          </a:solidFill>
-                          <a:latin typeface="+mn-lt"/>
-                          <a:ea typeface="微软雅黑" panose="020B0503020204020204" pitchFamily="34" charset="-122"/>
-                        </a:rPr>
-                        <a:t>)</a:t>
-                      </a:r>
-                    </a:p>
-                  </a:txBody>
-                  <a:tcPr marL="91445" marR="91445" marT="45713" marB="45713" anchor="ctr">
-                    <a:solidFill>
-                      <a:srgbClr val="FFFFFF"/>
-                    </a:solidFill>
-                  </a:tcPr>
-                </a:tc>
-                <a:tc>
-                  <a:txBody>
-                    <a:bodyPr/>
-                    <a:lstStyle/>
-                    <a:p>
-                      <a:pPr algn="ctr"/>
-                      <a:r>
-                        <a:rPr sz="1200" b="0" dirty="0">
-                          <a:solidFill>
-                            <a:schemeClr val="tx1">
-                              <a:lumMod val="75000"/>
-                              <a:lumOff val="25000"/>
-                            </a:schemeClr>
-                          </a:solidFill>
-                          <a:latin typeface="+mn-lt"/>
-                          <a:ea typeface="微软雅黑" panose="020B0503020204020204" pitchFamily="34" charset="-122"/>
-                        </a:rPr>
-                        <a:t>0.6</a:t>
-                      </a:r>
-                    </a:p>
-                  </a:txBody>
-                  <a:tcPr marL="91445" marR="91445" marT="45713" marB="45713" anchor="ctr">
-                    <a:solidFill>
-                      <a:srgbClr val="FFFFFF"/>
-                    </a:solidFill>
-                  </a:tcPr>
-                </a:tc>
-                <a:extLst>
-                  <a:ext uri="{0D108BD9-81ED-4DB2-BD59-A6C34878D82A}">
-                    <a16:rowId xmlns:a16="http://schemas.microsoft.com/office/drawing/2014/main" val="10007"/>
-                  </a:ext>
-                </a:extLst>
-              </a:tr>
-              <a:tr h="477116">
-                <a:tc>
-                  <a:txBody>
-                    <a:bodyPr/>
-                    <a:lstStyle/>
-                    <a:p>
-                      <a:pPr algn="ctr"/>
-                      <a:r>
-                        <a:rPr sz="1200" b="0">
-                          <a:solidFill>
-                            <a:schemeClr val="tx1">
-                              <a:lumMod val="75000"/>
-                              <a:lumOff val="25000"/>
-                            </a:schemeClr>
-                          </a:solidFill>
-                          <a:latin typeface="+mn-lt"/>
-                          <a:ea typeface="微软雅黑" panose="020B0503020204020204" pitchFamily="34" charset="-122"/>
-                        </a:rPr>
-                        <a:t>8</a:t>
-                      </a:r>
-                    </a:p>
-                  </a:txBody>
-                  <a:tcPr marL="91445" marR="91445" marT="45713" marB="45713" anchor="ctr">
-                    <a:solidFill>
-                      <a:srgbClr val="F6F7F9"/>
-                    </a:solidFill>
-                  </a:tcPr>
-                </a:tc>
-                <a:tc>
-                  <a:txBody>
-                    <a:bodyPr/>
-                    <a:lstStyle/>
-                    <a:p>
-                      <a:pPr algn="ctr"/>
-                      <a:r>
-                        <a:rPr sz="1200" b="0" dirty="0" err="1">
-                          <a:solidFill>
-                            <a:schemeClr val="tx1">
-                              <a:lumMod val="75000"/>
-                              <a:lumOff val="25000"/>
-                            </a:schemeClr>
-                          </a:solidFill>
-                          <a:latin typeface="+mn-lt"/>
-                          <a:ea typeface="微软雅黑" panose="020B0503020204020204" pitchFamily="34" charset="-122"/>
-                        </a:rPr>
-                        <a:t>润达圆庭</a:t>
-                      </a:r>
-                      <a:r>
-                        <a:rPr sz="1200" b="0" dirty="0">
-                          <a:solidFill>
-                            <a:schemeClr val="tx1">
-                              <a:lumMod val="75000"/>
-                              <a:lumOff val="25000"/>
-                            </a:schemeClr>
-                          </a:solidFill>
-                          <a:latin typeface="+mn-lt"/>
-                          <a:ea typeface="微软雅黑" panose="020B0503020204020204" pitchFamily="34" charset="-122"/>
-                        </a:rPr>
-                        <a:t>(</a:t>
-                      </a:r>
-                      <a:r>
-                        <a:rPr sz="1200" b="0" dirty="0" err="1">
-                          <a:solidFill>
-                            <a:schemeClr val="tx1">
-                              <a:lumMod val="75000"/>
-                              <a:lumOff val="25000"/>
-                            </a:schemeClr>
-                          </a:solidFill>
-                          <a:latin typeface="+mn-lt"/>
-                          <a:ea typeface="微软雅黑" panose="020B0503020204020204" pitchFamily="34" charset="-122"/>
-                        </a:rPr>
-                        <a:t>公交站</a:t>
-                      </a:r>
-                      <a:r>
-                        <a:rPr sz="1200" b="0" dirty="0">
-                          <a:solidFill>
-                            <a:schemeClr val="tx1">
-                              <a:lumMod val="75000"/>
-                              <a:lumOff val="25000"/>
-                            </a:schemeClr>
-                          </a:solidFill>
-                          <a:latin typeface="+mn-lt"/>
-                          <a:ea typeface="微软雅黑" panose="020B0503020204020204" pitchFamily="34" charset="-122"/>
-                        </a:rPr>
-                        <a:t>)</a:t>
-                      </a:r>
-                    </a:p>
-                  </a:txBody>
-                  <a:tcPr marL="91445" marR="91445" marT="45713" marB="45713" anchor="ctr">
-                    <a:solidFill>
-                      <a:srgbClr val="F6F7F9"/>
-                    </a:solidFill>
-                  </a:tcPr>
-                </a:tc>
-                <a:tc>
-                  <a:txBody>
-                    <a:bodyPr/>
-                    <a:lstStyle/>
-                    <a:p>
-                      <a:pPr algn="ctr"/>
-                      <a:r>
-                        <a:rPr sz="1200" b="0" dirty="0">
-                          <a:solidFill>
-                            <a:schemeClr val="tx1">
-                              <a:lumMod val="75000"/>
-                              <a:lumOff val="25000"/>
-                            </a:schemeClr>
-                          </a:solidFill>
-                          <a:latin typeface="+mn-lt"/>
-                          <a:ea typeface="微软雅黑" panose="020B0503020204020204" pitchFamily="34" charset="-122"/>
-                        </a:rPr>
-                        <a:t>0.6</a:t>
-                      </a:r>
-                    </a:p>
-                  </a:txBody>
-                  <a:tcPr marL="91445" marR="91445" marT="45713" marB="45713" anchor="ctr">
-                    <a:solidFill>
-                      <a:srgbClr val="F6F7F9"/>
-                    </a:solidFill>
-                  </a:tcPr>
-                </a:tc>
-                <a:extLst>
-                  <a:ext uri="{0D108BD9-81ED-4DB2-BD59-A6C34878D82A}">
-                    <a16:rowId xmlns:a16="http://schemas.microsoft.com/office/drawing/2014/main" val="10008"/>
-                  </a:ext>
-                </a:extLst>
-              </a:tr>
-              <a:tr h="477116">
-                <a:tc>
-                  <a:txBody>
-                    <a:bodyPr/>
-                    <a:lstStyle/>
-                    <a:p>
-                      <a:pPr algn="ctr"/>
-                      <a:r>
-                        <a:rPr sz="1200" b="0">
-                          <a:solidFill>
-                            <a:schemeClr val="tx1">
-                              <a:lumMod val="75000"/>
-                              <a:lumOff val="25000"/>
-                            </a:schemeClr>
-                          </a:solidFill>
-                          <a:latin typeface="+mn-lt"/>
-                          <a:ea typeface="微软雅黑" panose="020B0503020204020204" pitchFamily="34" charset="-122"/>
-                        </a:rPr>
-                        <a:t>9</a:t>
-                      </a:r>
-                    </a:p>
-                  </a:txBody>
-                  <a:tcPr marL="91445" marR="91445" marT="45713" marB="45713" anchor="ctr">
-                    <a:solidFill>
-                      <a:srgbClr val="FFFFFF"/>
-                    </a:solidFill>
-                  </a:tcPr>
-                </a:tc>
-                <a:tc>
-                  <a:txBody>
-                    <a:bodyPr/>
-                    <a:lstStyle/>
-                    <a:p>
-                      <a:pPr algn="ctr"/>
-                      <a:r>
-                        <a:rPr sz="1200" b="0" dirty="0" err="1">
-                          <a:solidFill>
-                            <a:schemeClr val="tx1">
-                              <a:lumMod val="75000"/>
-                              <a:lumOff val="25000"/>
-                            </a:schemeClr>
-                          </a:solidFill>
-                          <a:latin typeface="+mn-lt"/>
-                          <a:ea typeface="微软雅黑" panose="020B0503020204020204" pitchFamily="34" charset="-122"/>
-                        </a:rPr>
-                        <a:t>中央原著</a:t>
-                      </a:r>
-                      <a:r>
-                        <a:rPr sz="1200" b="0" dirty="0">
-                          <a:solidFill>
-                            <a:schemeClr val="tx1">
-                              <a:lumMod val="75000"/>
-                              <a:lumOff val="25000"/>
-                            </a:schemeClr>
-                          </a:solidFill>
-                          <a:latin typeface="+mn-lt"/>
-                          <a:ea typeface="微软雅黑" panose="020B0503020204020204" pitchFamily="34" charset="-122"/>
-                        </a:rPr>
-                        <a:t>(</a:t>
-                      </a:r>
-                      <a:r>
-                        <a:rPr sz="1200" b="0" dirty="0" err="1">
-                          <a:solidFill>
-                            <a:schemeClr val="tx1">
-                              <a:lumMod val="75000"/>
-                              <a:lumOff val="25000"/>
-                            </a:schemeClr>
-                          </a:solidFill>
-                          <a:latin typeface="+mn-lt"/>
-                          <a:ea typeface="微软雅黑" panose="020B0503020204020204" pitchFamily="34" charset="-122"/>
-                        </a:rPr>
-                        <a:t>公交站</a:t>
-                      </a:r>
-                      <a:r>
-                        <a:rPr sz="1200" b="0" dirty="0">
-                          <a:solidFill>
-                            <a:schemeClr val="tx1">
-                              <a:lumMod val="75000"/>
-                              <a:lumOff val="25000"/>
-                            </a:schemeClr>
-                          </a:solidFill>
-                          <a:latin typeface="+mn-lt"/>
-                          <a:ea typeface="微软雅黑" panose="020B0503020204020204" pitchFamily="34" charset="-122"/>
-                        </a:rPr>
-                        <a:t>)</a:t>
-                      </a:r>
-                    </a:p>
-                  </a:txBody>
-                  <a:tcPr marL="91445" marR="91445" marT="45713" marB="45713" anchor="ctr">
-                    <a:solidFill>
-                      <a:srgbClr val="FFFFFF"/>
-                    </a:solidFill>
-                  </a:tcPr>
-                </a:tc>
-                <a:tc>
-                  <a:txBody>
-                    <a:bodyPr/>
-                    <a:lstStyle/>
-                    <a:p>
-                      <a:pPr algn="ctr"/>
-                      <a:r>
-                        <a:rPr sz="1200" b="0" dirty="0">
-                          <a:solidFill>
-                            <a:schemeClr val="tx1">
-                              <a:lumMod val="75000"/>
-                              <a:lumOff val="25000"/>
-                            </a:schemeClr>
-                          </a:solidFill>
-                          <a:latin typeface="+mn-lt"/>
-                          <a:ea typeface="微软雅黑" panose="020B0503020204020204" pitchFamily="34" charset="-122"/>
-                        </a:rPr>
-                        <a:t>0.6</a:t>
-                      </a:r>
-                    </a:p>
-                  </a:txBody>
-                  <a:tcPr marL="91445" marR="91445" marT="45713" marB="45713" anchor="ctr">
-                    <a:solidFill>
-                      <a:srgbClr val="FFFFFF"/>
-                    </a:solidFill>
-                  </a:tcPr>
-                </a:tc>
-                <a:extLst>
-                  <a:ext uri="{0D108BD9-81ED-4DB2-BD59-A6C34878D82A}">
-                    <a16:rowId xmlns:a16="http://schemas.microsoft.com/office/drawing/2014/main" val="10009"/>
-                  </a:ext>
-                </a:extLst>
-              </a:tr>
-              <a:tr h="477116">
-                <a:tc>
-                  <a:txBody>
-                    <a:bodyPr/>
-                    <a:lstStyle/>
-                    <a:p>
-                      <a:pPr algn="ctr"/>
-                      <a:r>
-                        <a:rPr sz="1200" b="0">
-                          <a:solidFill>
-                            <a:schemeClr val="tx1">
-                              <a:lumMod val="75000"/>
-                              <a:lumOff val="25000"/>
-                            </a:schemeClr>
-                          </a:solidFill>
-                          <a:latin typeface="+mn-lt"/>
-                          <a:ea typeface="微软雅黑" panose="020B0503020204020204" pitchFamily="34" charset="-122"/>
-                        </a:rPr>
-                        <a:t>10</a:t>
-                      </a:r>
-                    </a:p>
-                  </a:txBody>
-                  <a:tcPr marL="91445" marR="91445" marT="45713" marB="45713" anchor="ctr">
-                    <a:solidFill>
-                      <a:srgbClr val="F6F7F9"/>
-                    </a:solidFill>
-                  </a:tcPr>
-                </a:tc>
-                <a:tc>
-                  <a:txBody>
-                    <a:bodyPr/>
-                    <a:lstStyle/>
-                    <a:p>
-                      <a:pPr algn="ctr"/>
-                      <a:r>
-                        <a:rPr sz="1200" b="0">
-                          <a:solidFill>
-                            <a:schemeClr val="tx1">
-                              <a:lumMod val="75000"/>
-                              <a:lumOff val="25000"/>
-                            </a:schemeClr>
-                          </a:solidFill>
-                          <a:latin typeface="+mn-lt"/>
-                          <a:ea typeface="微软雅黑" panose="020B0503020204020204" pitchFamily="34" charset="-122"/>
-                        </a:rPr>
-                        <a:t>龙塘新村北(公交站)</a:t>
-                      </a:r>
-                    </a:p>
-                  </a:txBody>
-                  <a:tcPr marL="91445" marR="91445" marT="45713" marB="45713" anchor="ctr">
-                    <a:solidFill>
-                      <a:srgbClr val="F6F7F9"/>
-                    </a:solidFill>
-                  </a:tcPr>
-                </a:tc>
-                <a:tc>
-                  <a:txBody>
-                    <a:bodyPr/>
-                    <a:lstStyle/>
-                    <a:p>
-                      <a:pPr algn="ctr"/>
-                      <a:r>
-                        <a:rPr sz="1200" b="0" dirty="0">
-                          <a:solidFill>
-                            <a:schemeClr val="tx1">
-                              <a:lumMod val="75000"/>
-                              <a:lumOff val="25000"/>
-                            </a:schemeClr>
-                          </a:solidFill>
-                          <a:latin typeface="+mn-lt"/>
-                          <a:ea typeface="微软雅黑" panose="020B0503020204020204" pitchFamily="34" charset="-122"/>
-                        </a:rPr>
-                        <a:t>0.7</a:t>
-                      </a:r>
-                    </a:p>
-                  </a:txBody>
-                  <a:tcPr marL="91445" marR="91445" marT="45713" marB="45713" anchor="ctr">
-                    <a:solidFill>
-                      <a:srgbClr val="F6F7F9"/>
-                    </a:solidFill>
-                  </a:tcPr>
-                </a:tc>
-                <a:extLst>
-                  <a:ext uri="{0D108BD9-81ED-4DB2-BD59-A6C34878D82A}">
-                    <a16:rowId xmlns:a16="http://schemas.microsoft.com/office/drawing/2014/main" val="10010"/>
-                  </a:ext>
-                </a:extLst>
-              </a:tr>
-            </a:tbl>
-          </a:graphicData>
-        </a:graphic>
-      </p:graphicFrame>
       <p:pic>
         <p:nvPicPr>
           <p:cNvPr id="94" name="图片 93">
@@ -18666,6 +16902,298 @@
           </p:txBody>
         </p:sp>
       </p:grpSp>
+      <p:graphicFrame>
+        <p:nvGraphicFramePr>
+          <p:cNvPr id="128" name="Table 127"/>
+          <p:cNvGraphicFramePr>
+            <a:graphicFrameLocks noGrp="1"/>
+          </p:cNvGraphicFramePr>
+          <p:nvPr/>
+        </p:nvGraphicFramePr>
+        <p:xfrm>
+          <a:off x="5760000" y="720000"/>
+          <a:ext cx="3240000" cy="720000"/>
+        </p:xfrm>
+        <a:graphic>
+          <a:graphicData uri="http://schemas.openxmlformats.org/drawingml/2006/table">
+            <a:tbl>
+              <a:tblPr firstRow="1" bandRow="1">
+                <a:tableStyleId>{5C22544A-7EE6-4342-B048-85BDC9FD1C3A}</a:tableStyleId>
+              </a:tblPr>
+              <a:tblGrid>
+                <a:gridCol w="720000"/>
+                <a:gridCol w="1440000"/>
+                <a:gridCol w="1080000"/>
+              </a:tblGrid>
+              <a:tr h="144000">
+                <a:tc>
+                  <a:txBody>
+                    <a:bodyPr/>
+                    <a:lstStyle/>
+                    <a:p>
+                      <a:r>
+                        <a:rPr sz="1200">
+                          <a:solidFill>
+                            <a:srgbClr val="000000"/>
+                          </a:solidFill>
+                        </a:rPr>
+                        <a:t>编号</a:t>
+                      </a:r>
+                    </a:p>
+                  </a:txBody>
+                  <a:tcPr/>
+                </a:tc>
+                <a:tc>
+                  <a:txBody>
+                    <a:bodyPr/>
+                    <a:lstStyle/>
+                    <a:p>
+                      <a:r>
+                        <a:rPr sz="1200">
+                          <a:solidFill>
+                            <a:srgbClr val="000000"/>
+                          </a:solidFill>
+                        </a:rPr>
+                        <a:t>名称</a:t>
+                      </a:r>
+                    </a:p>
+                  </a:txBody>
+                  <a:tcPr/>
+                </a:tc>
+                <a:tc>
+                  <a:txBody>
+                    <a:bodyPr/>
+                    <a:lstStyle/>
+                    <a:p>
+                      <a:r>
+                        <a:rPr sz="1200">
+                          <a:solidFill>
+                            <a:srgbClr val="000000"/>
+                          </a:solidFill>
+                        </a:rPr>
+                        <a:t>距离(km)</a:t>
+                      </a:r>
+                    </a:p>
+                  </a:txBody>
+                  <a:tcPr/>
+                </a:tc>
+              </a:tr>
+              <a:tr h="144000">
+                <a:tc>
+                  <a:txBody>
+                    <a:bodyPr/>
+                    <a:lstStyle/>
+                    <a:p>
+                      <a:r>
+                        <a:rPr sz="1200">
+                          <a:solidFill>
+                            <a:srgbClr val="000000"/>
+                          </a:solidFill>
+                        </a:rPr>
+                        <a:t>1</a:t>
+                      </a:r>
+                    </a:p>
+                  </a:txBody>
+                  <a:tcPr/>
+                </a:tc>
+                <a:tc>
+                  <a:txBody>
+                    <a:bodyPr/>
+                    <a:lstStyle/>
+                    <a:p>
+                      <a:r>
+                        <a:rPr sz="1200">
+                          <a:solidFill>
+                            <a:srgbClr val="000000"/>
+                          </a:solidFill>
+                        </a:rPr>
+                        <a:t>宝安国际机场（飞机场）</a:t>
+                      </a:r>
+                    </a:p>
+                  </a:txBody>
+                  <a:tcPr/>
+                </a:tc>
+                <a:tc>
+                  <a:txBody>
+                    <a:bodyPr/>
+                    <a:lstStyle/>
+                    <a:p>
+                      <a:r>
+                        <a:rPr sz="1200">
+                          <a:solidFill>
+                            <a:srgbClr val="000000"/>
+                          </a:solidFill>
+                        </a:rPr>
+                        <a:t>0.8</a:t>
+                      </a:r>
+                    </a:p>
+                  </a:txBody>
+                  <a:tcPr/>
+                </a:tc>
+              </a:tr>
+              <a:tr h="144000">
+                <a:tc>
+                  <a:txBody>
+                    <a:bodyPr/>
+                    <a:lstStyle/>
+                    <a:p>
+                      <a:r>
+                        <a:rPr sz="1200">
+                          <a:solidFill>
+                            <a:srgbClr val="000000"/>
+                          </a:solidFill>
+                        </a:rPr>
+                        <a:t>2</a:t>
+                      </a:r>
+                    </a:p>
+                  </a:txBody>
+                  <a:tcPr/>
+                </a:tc>
+                <a:tc>
+                  <a:txBody>
+                    <a:bodyPr/>
+                    <a:lstStyle/>
+                    <a:p>
+                      <a:r>
+                        <a:rPr sz="1200">
+                          <a:solidFill>
+                            <a:srgbClr val="000000"/>
+                          </a:solidFill>
+                        </a:rPr>
+                        <a:t>龙塘新村西(公交站)</a:t>
+                      </a:r>
+                    </a:p>
+                  </a:txBody>
+                  <a:tcPr/>
+                </a:tc>
+                <a:tc>
+                  <a:txBody>
+                    <a:bodyPr/>
+                    <a:lstStyle/>
+                    <a:p>
+                      <a:r>
+                        <a:rPr sz="1200">
+                          <a:solidFill>
+                            <a:srgbClr val="000000"/>
+                          </a:solidFill>
+                        </a:rPr>
+                        <a:t>1.8</a:t>
+                      </a:r>
+                    </a:p>
+                  </a:txBody>
+                  <a:tcPr/>
+                </a:tc>
+              </a:tr>
+              <a:tr h="144000">
+                <a:tc>
+                  <a:txBody>
+                    <a:bodyPr/>
+                    <a:lstStyle/>
+                    <a:p>
+                      <a:r>
+                        <a:rPr sz="1200">
+                          <a:solidFill>
+                            <a:srgbClr val="000000"/>
+                          </a:solidFill>
+                        </a:rPr>
+                        <a:t>3</a:t>
+                      </a:r>
+                    </a:p>
+                  </a:txBody>
+                  <a:tcPr/>
+                </a:tc>
+                <a:tc>
+                  <a:txBody>
+                    <a:bodyPr/>
+                    <a:lstStyle/>
+                    <a:p>
+                      <a:r>
+                        <a:rPr sz="1200">
+                          <a:solidFill>
+                            <a:srgbClr val="000000"/>
+                          </a:solidFill>
+                        </a:rPr>
+                        <a:t>红山地铁站(公交站)</a:t>
+                      </a:r>
+                    </a:p>
+                  </a:txBody>
+                  <a:tcPr/>
+                </a:tc>
+                <a:tc>
+                  <a:txBody>
+                    <a:bodyPr/>
+                    <a:lstStyle/>
+                    <a:p>
+                      <a:r>
+                        <a:rPr sz="1200">
+                          <a:solidFill>
+                            <a:srgbClr val="000000"/>
+                          </a:solidFill>
+                        </a:rPr>
+                        <a:t>2.8</a:t>
+                      </a:r>
+                    </a:p>
+                  </a:txBody>
+                  <a:tcPr/>
+                </a:tc>
+              </a:tr>
+              <a:tr h="144000">
+                <a:tc>
+                  <a:txBody>
+                    <a:bodyPr/>
+                    <a:lstStyle/>
+                    <a:p>
+                      <a:r>
+                        <a:rPr sz="1200">
+                          <a:solidFill>
+                            <a:srgbClr val="000000"/>
+                          </a:solidFill>
+                        </a:rPr>
+                        <a:t>4</a:t>
+                      </a:r>
+                    </a:p>
+                  </a:txBody>
+                  <a:tcPr/>
+                </a:tc>
+                <a:tc>
+                  <a:txBody>
+                    <a:bodyPr/>
+                    <a:lstStyle/>
+                    <a:p>
+                      <a:r>
+                        <a:rPr sz="1200">
+                          <a:solidFill>
+                            <a:srgbClr val="000000"/>
+                          </a:solidFill>
+                        </a:rPr>
+                        <a:t>深业泰富广场(公交站)</a:t>
+                      </a:r>
+                    </a:p>
+                  </a:txBody>
+                  <a:tcPr/>
+                </a:tc>
+                <a:tc>
+                  <a:txBody>
+                    <a:bodyPr/>
+                    <a:lstStyle/>
+                    <a:p>
+                      <a:r>
+                        <a:rPr sz="1200">
+                          <a:solidFill>
+                            <a:srgbClr val="000000"/>
+                          </a:solidFill>
+                        </a:rPr>
+                        <a:t>3.8</a:t>
+                      </a:r>
+                    </a:p>
+                  </a:txBody>
+                  <a:tcPr/>
+                </a:tc>
+              </a:tr>
+            </a:tbl>
+          </a:graphicData>
+        </a:graphic>
+      </p:graphicFrame>
     </p:spTree>
   </p:cSld>
   <p:clrMapOvr>
@@ -25757,14 +24285,14 @@
           <p:nvPr>
             <p:extLst>
               <p:ext uri="{D42A27DB-BD31-4B8C-83A1-F6EECF244321}">
-                <p14:modId xmlns:p14="http://schemas.microsoft.com/office/powerpoint/2010/main" val="3413467243"/>
+                <p14:modId xmlns:p14="http://schemas.microsoft.com/office/powerpoint/2010/main" val="2414619708"/>
               </p:ext>
             </p:extLst>
           </p:nvPr>
         </p:nvGraphicFramePr>
         <p:xfrm>
-          <a:off x="396554" y="4980776"/>
-          <a:ext cx="3959423" cy="1198880"/>
+          <a:off x="396553" y="4869160"/>
+          <a:ext cx="3959423" cy="1285240"/>
         </p:xfrm>
         <a:graphic>
           <a:graphicData uri="http://schemas.openxmlformats.org/drawingml/2006/table">
@@ -25780,35 +24308,35 @@
                     </a:ext>
                   </a:extLst>
                 </a:gridCol>
-                <a:gridCol w="525552">
+                <a:gridCol w="576064">
                   <a:extLst>
                     <a:ext uri="{9D8B030D-6E8A-4147-A177-3AD203B41FA5}">
                       <a16:colId xmlns:a16="http://schemas.microsoft.com/office/drawing/2014/main" val="4078681538"/>
                     </a:ext>
                   </a:extLst>
                 </a:gridCol>
-                <a:gridCol w="602100">
+                <a:gridCol w="576064">
                   <a:extLst>
                     <a:ext uri="{9D8B030D-6E8A-4147-A177-3AD203B41FA5}">
                       <a16:colId xmlns:a16="http://schemas.microsoft.com/office/drawing/2014/main" val="2915844198"/>
                     </a:ext>
                   </a:extLst>
                 </a:gridCol>
-                <a:gridCol w="535199">
+                <a:gridCol w="576064">
                   <a:extLst>
                     <a:ext uri="{9D8B030D-6E8A-4147-A177-3AD203B41FA5}">
                       <a16:colId xmlns:a16="http://schemas.microsoft.com/office/drawing/2014/main" val="2791978805"/>
                     </a:ext>
                   </a:extLst>
                 </a:gridCol>
-                <a:gridCol w="602100">
+                <a:gridCol w="576064">
                   <a:extLst>
                     <a:ext uri="{9D8B030D-6E8A-4147-A177-3AD203B41FA5}">
                       <a16:colId xmlns:a16="http://schemas.microsoft.com/office/drawing/2014/main" val="741427492"/>
                     </a:ext>
                   </a:extLst>
                 </a:gridCol>
-                <a:gridCol w="615370">
+                <a:gridCol w="576065">
                   <a:extLst>
                     <a:ext uri="{9D8B030D-6E8A-4147-A177-3AD203B41FA5}">
                       <a16:colId xmlns:a16="http://schemas.microsoft.com/office/drawing/2014/main" val="476539010"/>
@@ -25861,10 +24389,7 @@
                       <a:r>
                         <a:rPr lang="en-US" altLang="zh-CN" sz="1200" dirty="0">
                           <a:solidFill>
-                            <a:schemeClr val="tx1">
-                              <a:lumMod val="65000"/>
-                              <a:lumOff val="35000"/>
-                            </a:schemeClr>
+                            <a:srgbClr val="000000"/>
                           </a:solidFill>
                           <a:latin typeface="+mn-lt"/>
                           <a:ea typeface="微软雅黑" panose="020B0503020204020204" pitchFamily="34" charset="-122"/>
@@ -25915,10 +24440,7 @@
                       <a:r>
                         <a:rPr lang="en-US" altLang="zh-CN" sz="1200" dirty="0">
                           <a:solidFill>
-                            <a:schemeClr val="tx1">
-                              <a:lumMod val="65000"/>
-                              <a:lumOff val="35000"/>
-                            </a:schemeClr>
+                            <a:srgbClr val="000000"/>
                           </a:solidFill>
                           <a:latin typeface="+mn-lt"/>
                           <a:ea typeface="微软雅黑" panose="020B0503020204020204" pitchFamily="34" charset="-122"/>
@@ -25969,10 +24491,7 @@
                       <a:r>
                         <a:rPr lang="en-US" altLang="zh-CN" sz="1200" dirty="0">
                           <a:solidFill>
-                            <a:schemeClr val="tx1">
-                              <a:lumMod val="65000"/>
-                              <a:lumOff val="35000"/>
-                            </a:schemeClr>
+                            <a:srgbClr val="000000"/>
                           </a:solidFill>
                           <a:latin typeface="+mn-lt"/>
                           <a:ea typeface="微软雅黑" panose="020B0503020204020204" pitchFamily="34" charset="-122"/>
@@ -26023,10 +24542,7 @@
                       <a:r>
                         <a:rPr lang="en-US" altLang="zh-CN" sz="1200" dirty="0">
                           <a:solidFill>
-                            <a:schemeClr val="tx1">
-                              <a:lumMod val="65000"/>
-                              <a:lumOff val="35000"/>
-                            </a:schemeClr>
+                            <a:srgbClr val="000000"/>
                           </a:solidFill>
                           <a:latin typeface="+mn-lt"/>
                           <a:ea typeface="微软雅黑" panose="020B0503020204020204" pitchFamily="34" charset="-122"/>
@@ -26077,10 +24593,7 @@
                       <a:r>
                         <a:rPr lang="en-US" altLang="zh-CN" sz="1200" dirty="0">
                           <a:solidFill>
-                            <a:schemeClr val="tx1">
-                              <a:lumMod val="65000"/>
-                              <a:lumOff val="35000"/>
-                            </a:schemeClr>
+                            <a:srgbClr val="000000"/>
                           </a:solidFill>
                           <a:latin typeface="+mn-lt"/>
                           <a:ea typeface="微软雅黑" panose="020B0503020204020204" pitchFamily="34" charset="-122"/>
@@ -26153,6 +24666,9 @@
                       </a:pPr>
                       <a:r>
                         <a:rPr lang="zh-CN" altLang="en-US" sz="1200" dirty="0">
+                          <a:solidFill>
+                            <a:srgbClr val="000000"/>
+                          </a:solidFill>
                           <a:latin typeface="+mn-lt"/>
                           <a:ea typeface="微软雅黑" panose="020B0503020204020204" pitchFamily="34" charset="-122"/>
                         </a:rPr>
@@ -26160,6 +24676,9 @@
                       </a:r>
                       <a:r>
                         <a:rPr lang="en-US" altLang="zh-CN" sz="1200" dirty="0">
+                          <a:solidFill>
+                            <a:srgbClr val="000000"/>
+                          </a:solidFill>
                           <a:latin typeface="+mn-lt"/>
                           <a:ea typeface="微软雅黑" panose="020B0503020204020204" pitchFamily="34" charset="-122"/>
                         </a:rPr>
@@ -26167,6 +24686,9 @@
                       </a:r>
                       <a:r>
                         <a:rPr lang="zh-CN" altLang="en-US" sz="1200" dirty="0">
+                          <a:solidFill>
+                            <a:srgbClr val="000000"/>
+                          </a:solidFill>
                           <a:latin typeface="+mn-lt"/>
                           <a:ea typeface="微软雅黑" panose="020B0503020204020204" pitchFamily="34" charset="-122"/>
                         </a:rPr>
@@ -26174,6 +24696,9 @@
                       </a:r>
                       <a:r>
                         <a:rPr lang="en-US" altLang="zh-CN" sz="1200" dirty="0">
+                          <a:solidFill>
+                            <a:srgbClr val="000000"/>
+                          </a:solidFill>
                           <a:latin typeface="+mn-lt"/>
                           <a:ea typeface="微软雅黑" panose="020B0503020204020204" pitchFamily="34" charset="-122"/>
                         </a:rPr>
@@ -26196,11 +24721,14 @@
                     <a:bodyPr/>
                     <a:lstStyle/>
                     <a:p>
-                      <a:pPr algn="ctr"/>
-                      <a:endParaRPr lang="zh-CN" altLang="en-US" sz="1200" dirty="0">
-                        <a:latin typeface="+mn-lt"/>
-                        <a:ea typeface="微软雅黑" panose="020B0503020204020204" pitchFamily="34" charset="-122"/>
-                      </a:endParaRPr>
+                      <a:r>
+                        <a:rPr sz="1200">
+                          <a:solidFill>
+                            <a:srgbClr val="000000"/>
+                          </a:solidFill>
+                        </a:rPr>
+                        <a:t>12</a:t>
+                      </a:r>
                     </a:p>
                   </a:txBody>
                   <a:tcPr anchor="ctr">
@@ -26214,11 +24742,14 @@
                     <a:bodyPr/>
                     <a:lstStyle/>
                     <a:p>
-                      <a:pPr algn="ctr"/>
-                      <a:endParaRPr lang="zh-CN" altLang="en-US" sz="1200" dirty="0">
-                        <a:latin typeface="+mn-lt"/>
-                        <a:ea typeface="微软雅黑" panose="020B0503020204020204" pitchFamily="34" charset="-122"/>
-                      </a:endParaRPr>
+                      <a:r>
+                        <a:rPr sz="1200">
+                          <a:solidFill>
+                            <a:srgbClr val="000000"/>
+                          </a:solidFill>
+                        </a:rPr>
+                        <a:t>13</a:t>
+                      </a:r>
                     </a:p>
                   </a:txBody>
                   <a:tcPr anchor="ctr">
@@ -26232,11 +24763,14 @@
                     <a:bodyPr/>
                     <a:lstStyle/>
                     <a:p>
-                      <a:pPr algn="ctr"/>
-                      <a:endParaRPr lang="zh-CN" altLang="en-US" sz="1200" dirty="0">
-                        <a:latin typeface="+mn-lt"/>
-                        <a:ea typeface="微软雅黑" panose="020B0503020204020204" pitchFamily="34" charset="-122"/>
-                      </a:endParaRPr>
+                      <a:r>
+                        <a:rPr sz="1200">
+                          <a:solidFill>
+                            <a:srgbClr val="000000"/>
+                          </a:solidFill>
+                        </a:rPr>
+                        <a:t>14</a:t>
+                      </a:r>
                     </a:p>
                   </a:txBody>
                   <a:tcPr anchor="ctr">
@@ -26250,11 +24784,14 @@
                     <a:bodyPr/>
                     <a:lstStyle/>
                     <a:p>
-                      <a:pPr algn="ctr"/>
-                      <a:endParaRPr lang="zh-CN" altLang="en-US" sz="1200" dirty="0">
-                        <a:latin typeface="+mn-lt"/>
-                        <a:ea typeface="微软雅黑" panose="020B0503020204020204" pitchFamily="34" charset="-122"/>
-                      </a:endParaRPr>
+                      <a:r>
+                        <a:rPr sz="1200">
+                          <a:solidFill>
+                            <a:srgbClr val="000000"/>
+                          </a:solidFill>
+                        </a:rPr>
+                        <a:t>15</a:t>
+                      </a:r>
                     </a:p>
                   </a:txBody>
                   <a:tcPr anchor="ctr">
@@ -26268,11 +24805,14 @@
                     <a:bodyPr/>
                     <a:lstStyle/>
                     <a:p>
-                      <a:pPr algn="ctr"/>
-                      <a:endParaRPr lang="zh-CN" altLang="en-US" sz="1200" dirty="0">
-                        <a:latin typeface="+mn-lt"/>
-                        <a:ea typeface="微软雅黑" panose="020B0503020204020204" pitchFamily="34" charset="-122"/>
-                      </a:endParaRPr>
+                      <a:r>
+                        <a:rPr sz="1200">
+                          <a:solidFill>
+                            <a:srgbClr val="000000"/>
+                          </a:solidFill>
+                        </a:rPr>
+                        <a:t>16</a:t>
+                      </a:r>
                     </a:p>
                   </a:txBody>
                   <a:tcPr anchor="ctr">
@@ -26312,6 +24852,9 @@
                       </a:pPr>
                       <a:r>
                         <a:rPr lang="zh-CN" altLang="en-US" sz="1200" dirty="0">
+                          <a:solidFill>
+                            <a:srgbClr val="000000"/>
+                          </a:solidFill>
                           <a:latin typeface="+mn-lt"/>
                           <a:ea typeface="微软雅黑" panose="020B0503020204020204" pitchFamily="34" charset="-122"/>
                         </a:rPr>
@@ -26319,6 +24862,9 @@
                       </a:r>
                       <a:r>
                         <a:rPr lang="en-US" altLang="zh-CN" sz="1200" dirty="0">
+                          <a:solidFill>
+                            <a:srgbClr val="000000"/>
+                          </a:solidFill>
                           <a:latin typeface="+mn-lt"/>
                           <a:ea typeface="微软雅黑" panose="020B0503020204020204" pitchFamily="34" charset="-122"/>
                         </a:rPr>
@@ -26337,11 +24883,14 @@
                     <a:bodyPr/>
                     <a:lstStyle/>
                     <a:p>
-                      <a:pPr algn="ctr"/>
-                      <a:endParaRPr lang="zh-CN" altLang="en-US" sz="1200" dirty="0">
-                        <a:latin typeface="+mn-lt"/>
-                        <a:ea typeface="微软雅黑" panose="020B0503020204020204" pitchFamily="34" charset="-122"/>
-                      </a:endParaRPr>
+                      <a:r>
+                        <a:rPr sz="1200">
+                          <a:solidFill>
+                            <a:srgbClr val="000000"/>
+                          </a:solidFill>
+                        </a:rPr>
+                        <a:t>0.2</a:t>
+                      </a:r>
                     </a:p>
                   </a:txBody>
                   <a:tcPr anchor="ctr"/>
@@ -26351,11 +24900,14 @@
                     <a:bodyPr/>
                     <a:lstStyle/>
                     <a:p>
-                      <a:pPr algn="ctr"/>
-                      <a:endParaRPr lang="zh-CN" altLang="en-US" sz="1200" dirty="0">
-                        <a:latin typeface="+mn-lt"/>
-                        <a:ea typeface="微软雅黑" panose="020B0503020204020204" pitchFamily="34" charset="-122"/>
-                      </a:endParaRPr>
+                      <a:r>
+                        <a:rPr sz="1200">
+                          <a:solidFill>
+                            <a:srgbClr val="000000"/>
+                          </a:solidFill>
+                        </a:rPr>
+                        <a:t>0.3</a:t>
+                      </a:r>
                     </a:p>
                   </a:txBody>
                   <a:tcPr anchor="ctr"/>
@@ -26365,11 +24917,14 @@
                     <a:bodyPr/>
                     <a:lstStyle/>
                     <a:p>
-                      <a:pPr algn="ctr"/>
-                      <a:endParaRPr lang="zh-CN" altLang="en-US" sz="1200" dirty="0">
-                        <a:latin typeface="+mn-lt"/>
-                        <a:ea typeface="微软雅黑" panose="020B0503020204020204" pitchFamily="34" charset="-122"/>
-                      </a:endParaRPr>
+                      <a:r>
+                        <a:rPr sz="1200">
+                          <a:solidFill>
+                            <a:srgbClr val="000000"/>
+                          </a:solidFill>
+                        </a:rPr>
+                        <a:t>0.4</a:t>
+                      </a:r>
                     </a:p>
                   </a:txBody>
                   <a:tcPr anchor="ctr"/>
@@ -26379,11 +24934,14 @@
                     <a:bodyPr/>
                     <a:lstStyle/>
                     <a:p>
-                      <a:pPr algn="ctr"/>
-                      <a:endParaRPr lang="zh-CN" altLang="en-US" sz="1200" dirty="0">
-                        <a:latin typeface="+mn-lt"/>
-                        <a:ea typeface="微软雅黑" panose="020B0503020204020204" pitchFamily="34" charset="-122"/>
-                      </a:endParaRPr>
+                      <a:r>
+                        <a:rPr sz="1200">
+                          <a:solidFill>
+                            <a:srgbClr val="000000"/>
+                          </a:solidFill>
+                        </a:rPr>
+                        <a:t>0.5</a:t>
+                      </a:r>
                     </a:p>
                   </a:txBody>
                   <a:tcPr anchor="ctr"/>
@@ -26393,11 +24951,14 @@
                     <a:bodyPr/>
                     <a:lstStyle/>
                     <a:p>
-                      <a:pPr algn="ctr"/>
-                      <a:endParaRPr lang="zh-CN" altLang="en-US" sz="1200" dirty="0">
-                        <a:latin typeface="+mn-lt"/>
-                        <a:ea typeface="微软雅黑" panose="020B0503020204020204" pitchFamily="34" charset="-122"/>
-                      </a:endParaRPr>
+                      <a:r>
+                        <a:rPr sz="1200">
+                          <a:solidFill>
+                            <a:srgbClr val="000000"/>
+                          </a:solidFill>
+                        </a:rPr>
+                        <a:t>0.6</a:t>
+                      </a:r>
                     </a:p>
                   </a:txBody>
                   <a:tcPr anchor="ctr"/>
@@ -26427,14 +24988,14 @@
           <p:nvPr>
             <p:extLst>
               <p:ext uri="{D42A27DB-BD31-4B8C-83A1-F6EECF244321}">
-                <p14:modId xmlns:p14="http://schemas.microsoft.com/office/powerpoint/2010/main" val="2867937737"/>
+                <p14:modId xmlns:p14="http://schemas.microsoft.com/office/powerpoint/2010/main" val="1498838035"/>
               </p:ext>
             </p:extLst>
           </p:nvPr>
         </p:nvGraphicFramePr>
         <p:xfrm>
-          <a:off x="4788024" y="4980776"/>
-          <a:ext cx="3959423" cy="1198880"/>
+          <a:off x="4760189" y="4869160"/>
+          <a:ext cx="3959423" cy="1285240"/>
         </p:xfrm>
         <a:graphic>
           <a:graphicData uri="http://schemas.openxmlformats.org/drawingml/2006/table">
@@ -26531,10 +25092,7 @@
                       <a:r>
                         <a:rPr lang="en-US" altLang="zh-CN" sz="1200" dirty="0">
                           <a:solidFill>
-                            <a:schemeClr val="tx1">
-                              <a:lumMod val="65000"/>
-                              <a:lumOff val="35000"/>
-                            </a:schemeClr>
+                            <a:srgbClr val="000000"/>
                           </a:solidFill>
                           <a:latin typeface="+mn-lt"/>
                           <a:ea typeface="微软雅黑" panose="020B0503020204020204" pitchFamily="34" charset="-122"/>
@@ -26585,10 +25143,7 @@
                       <a:r>
                         <a:rPr lang="en-US" altLang="zh-CN" sz="1200" dirty="0">
                           <a:solidFill>
-                            <a:schemeClr val="tx1">
-                              <a:lumMod val="65000"/>
-                              <a:lumOff val="35000"/>
-                            </a:schemeClr>
+                            <a:srgbClr val="000000"/>
                           </a:solidFill>
                           <a:latin typeface="+mn-lt"/>
                           <a:ea typeface="微软雅黑" panose="020B0503020204020204" pitchFamily="34" charset="-122"/>
@@ -26639,10 +25194,7 @@
                       <a:r>
                         <a:rPr lang="en-US" altLang="zh-CN" sz="1200" dirty="0">
                           <a:solidFill>
-                            <a:schemeClr val="tx1">
-                              <a:lumMod val="65000"/>
-                              <a:lumOff val="35000"/>
-                            </a:schemeClr>
+                            <a:srgbClr val="000000"/>
                           </a:solidFill>
                           <a:latin typeface="+mn-lt"/>
                           <a:ea typeface="微软雅黑" panose="020B0503020204020204" pitchFamily="34" charset="-122"/>
@@ -26693,10 +25245,7 @@
                       <a:r>
                         <a:rPr lang="en-US" altLang="zh-CN" sz="1200" dirty="0">
                           <a:solidFill>
-                            <a:schemeClr val="tx1">
-                              <a:lumMod val="65000"/>
-                              <a:lumOff val="35000"/>
-                            </a:schemeClr>
+                            <a:srgbClr val="000000"/>
                           </a:solidFill>
                           <a:latin typeface="+mn-lt"/>
                           <a:ea typeface="微软雅黑" panose="020B0503020204020204" pitchFamily="34" charset="-122"/>
@@ -26747,10 +25296,7 @@
                       <a:r>
                         <a:rPr lang="en-US" altLang="zh-CN" sz="1200" dirty="0">
                           <a:solidFill>
-                            <a:schemeClr val="tx1">
-                              <a:lumMod val="65000"/>
-                              <a:lumOff val="35000"/>
-                            </a:schemeClr>
+                            <a:srgbClr val="000000"/>
                           </a:solidFill>
                           <a:latin typeface="+mn-lt"/>
                           <a:ea typeface="微软雅黑" panose="020B0503020204020204" pitchFamily="34" charset="-122"/>
@@ -26823,6 +25369,9 @@
                       </a:pPr>
                       <a:r>
                         <a:rPr lang="zh-CN" altLang="en-US" sz="1200" dirty="0">
+                          <a:solidFill>
+                            <a:srgbClr val="000000"/>
+                          </a:solidFill>
                           <a:latin typeface="+mn-lt"/>
                           <a:ea typeface="微软雅黑" panose="020B0503020204020204" pitchFamily="34" charset="-122"/>
                         </a:rPr>
@@ -26830,6 +25379,9 @@
                       </a:r>
                       <a:r>
                         <a:rPr lang="en-US" altLang="zh-CN" sz="1200" dirty="0">
+                          <a:solidFill>
+                            <a:srgbClr val="000000"/>
+                          </a:solidFill>
                           <a:latin typeface="+mn-lt"/>
                           <a:ea typeface="微软雅黑" panose="020B0503020204020204" pitchFamily="34" charset="-122"/>
                         </a:rPr>
@@ -26837,6 +25389,9 @@
                       </a:r>
                       <a:r>
                         <a:rPr lang="zh-CN" altLang="en-US" sz="1200" dirty="0">
+                          <a:solidFill>
+                            <a:srgbClr val="000000"/>
+                          </a:solidFill>
                           <a:latin typeface="+mn-lt"/>
                           <a:ea typeface="微软雅黑" panose="020B0503020204020204" pitchFamily="34" charset="-122"/>
                         </a:rPr>
@@ -26844,6 +25399,9 @@
                       </a:r>
                       <a:r>
                         <a:rPr lang="en-US" altLang="zh-CN" sz="1200" dirty="0">
+                          <a:solidFill>
+                            <a:srgbClr val="000000"/>
+                          </a:solidFill>
                           <a:latin typeface="+mn-lt"/>
                           <a:ea typeface="微软雅黑" panose="020B0503020204020204" pitchFamily="34" charset="-122"/>
                         </a:rPr>
@@ -26866,11 +25424,14 @@
                     <a:bodyPr/>
                     <a:lstStyle/>
                     <a:p>
-                      <a:pPr algn="ctr"/>
-                      <a:endParaRPr lang="zh-CN" altLang="en-US" sz="1200" dirty="0">
-                        <a:latin typeface="+mn-lt"/>
-                        <a:ea typeface="微软雅黑" panose="020B0503020204020204" pitchFamily="34" charset="-122"/>
-                      </a:endParaRPr>
+                      <a:r>
+                        <a:rPr sz="1200">
+                          <a:solidFill>
+                            <a:srgbClr val="000000"/>
+                          </a:solidFill>
+                        </a:rPr>
+                        <a:t>22</a:t>
+                      </a:r>
                     </a:p>
                   </a:txBody>
                   <a:tcPr anchor="ctr">
@@ -26884,11 +25445,14 @@
                     <a:bodyPr/>
                     <a:lstStyle/>
                     <a:p>
-                      <a:pPr algn="ctr"/>
-                      <a:endParaRPr lang="zh-CN" altLang="en-US" sz="1200" dirty="0">
-                        <a:latin typeface="+mn-lt"/>
-                        <a:ea typeface="微软雅黑" panose="020B0503020204020204" pitchFamily="34" charset="-122"/>
-                      </a:endParaRPr>
+                      <a:r>
+                        <a:rPr sz="1200">
+                          <a:solidFill>
+                            <a:srgbClr val="000000"/>
+                          </a:solidFill>
+                        </a:rPr>
+                        <a:t>13</a:t>
+                      </a:r>
                     </a:p>
                   </a:txBody>
                   <a:tcPr anchor="ctr">
@@ -26902,11 +25466,14 @@
                     <a:bodyPr/>
                     <a:lstStyle/>
                     <a:p>
-                      <a:pPr algn="ctr"/>
-                      <a:endParaRPr lang="zh-CN" altLang="en-US" sz="1200" dirty="0">
-                        <a:latin typeface="+mn-lt"/>
-                        <a:ea typeface="微软雅黑" panose="020B0503020204020204" pitchFamily="34" charset="-122"/>
-                      </a:endParaRPr>
+                      <a:r>
+                        <a:rPr sz="1200">
+                          <a:solidFill>
+                            <a:srgbClr val="000000"/>
+                          </a:solidFill>
+                        </a:rPr>
+                        <a:t>14</a:t>
+                      </a:r>
                     </a:p>
                   </a:txBody>
                   <a:tcPr anchor="ctr">
@@ -26920,11 +25487,14 @@
                     <a:bodyPr/>
                     <a:lstStyle/>
                     <a:p>
-                      <a:pPr algn="ctr"/>
-                      <a:endParaRPr lang="zh-CN" altLang="en-US" sz="1200" dirty="0">
-                        <a:latin typeface="+mn-lt"/>
-                        <a:ea typeface="微软雅黑" panose="020B0503020204020204" pitchFamily="34" charset="-122"/>
-                      </a:endParaRPr>
+                      <a:r>
+                        <a:rPr sz="1200">
+                          <a:solidFill>
+                            <a:srgbClr val="000000"/>
+                          </a:solidFill>
+                        </a:rPr>
+                        <a:t>15</a:t>
+                      </a:r>
                     </a:p>
                   </a:txBody>
                   <a:tcPr anchor="ctr">
@@ -26938,11 +25508,14 @@
                     <a:bodyPr/>
                     <a:lstStyle/>
                     <a:p>
-                      <a:pPr algn="ctr"/>
-                      <a:endParaRPr lang="zh-CN" altLang="en-US" sz="1200" dirty="0">
-                        <a:latin typeface="+mn-lt"/>
-                        <a:ea typeface="微软雅黑" panose="020B0503020204020204" pitchFamily="34" charset="-122"/>
-                      </a:endParaRPr>
+                      <a:r>
+                        <a:rPr sz="1200">
+                          <a:solidFill>
+                            <a:srgbClr val="000000"/>
+                          </a:solidFill>
+                        </a:rPr>
+                        <a:t>26</a:t>
+                      </a:r>
                     </a:p>
                   </a:txBody>
                   <a:tcPr anchor="ctr">
@@ -26982,6 +25555,9 @@
                       </a:pPr>
                       <a:r>
                         <a:rPr lang="zh-CN" altLang="en-US" sz="1200" dirty="0">
+                          <a:solidFill>
+                            <a:srgbClr val="000000"/>
+                          </a:solidFill>
                           <a:latin typeface="+mn-lt"/>
                           <a:ea typeface="微软雅黑" panose="020B0503020204020204" pitchFamily="34" charset="-122"/>
                         </a:rPr>
@@ -26989,6 +25565,9 @@
                       </a:r>
                       <a:r>
                         <a:rPr lang="en-US" altLang="zh-CN" sz="1200" dirty="0">
+                          <a:solidFill>
+                            <a:srgbClr val="000000"/>
+                          </a:solidFill>
                           <a:latin typeface="+mn-lt"/>
                           <a:ea typeface="微软雅黑" panose="020B0503020204020204" pitchFamily="34" charset="-122"/>
                         </a:rPr>
@@ -27007,11 +25586,14 @@
                     <a:bodyPr/>
                     <a:lstStyle/>
                     <a:p>
-                      <a:pPr algn="ctr"/>
-                      <a:endParaRPr lang="zh-CN" altLang="en-US" sz="1200" dirty="0">
-                        <a:latin typeface="+mn-lt"/>
-                        <a:ea typeface="微软雅黑" panose="020B0503020204020204" pitchFamily="34" charset="-122"/>
-                      </a:endParaRPr>
+                      <a:r>
+                        <a:rPr sz="1200">
+                          <a:solidFill>
+                            <a:srgbClr val="000000"/>
+                          </a:solidFill>
+                        </a:rPr>
+                        <a:t>2.2</a:t>
+                      </a:r>
                     </a:p>
                   </a:txBody>
                   <a:tcPr anchor="ctr"/>
@@ -27021,11 +25603,14 @@
                     <a:bodyPr/>
                     <a:lstStyle/>
                     <a:p>
-                      <a:pPr algn="ctr"/>
-                      <a:endParaRPr lang="zh-CN" altLang="en-US" sz="1200" dirty="0">
-                        <a:latin typeface="+mn-lt"/>
-                        <a:ea typeface="微软雅黑" panose="020B0503020204020204" pitchFamily="34" charset="-122"/>
-                      </a:endParaRPr>
+                      <a:r>
+                        <a:rPr sz="1200">
+                          <a:solidFill>
+                            <a:srgbClr val="000000"/>
+                          </a:solidFill>
+                        </a:rPr>
+                        <a:t>0.3</a:t>
+                      </a:r>
                     </a:p>
                   </a:txBody>
                   <a:tcPr anchor="ctr"/>
@@ -27035,11 +25620,14 @@
                     <a:bodyPr/>
                     <a:lstStyle/>
                     <a:p>
-                      <a:pPr algn="ctr"/>
-                      <a:endParaRPr lang="zh-CN" altLang="en-US" sz="1200" dirty="0">
-                        <a:latin typeface="+mn-lt"/>
-                        <a:ea typeface="微软雅黑" panose="020B0503020204020204" pitchFamily="34" charset="-122"/>
-                      </a:endParaRPr>
+                      <a:r>
+                        <a:rPr sz="1200">
+                          <a:solidFill>
+                            <a:srgbClr val="000000"/>
+                          </a:solidFill>
+                        </a:rPr>
+                        <a:t>0.4</a:t>
+                      </a:r>
                     </a:p>
                   </a:txBody>
                   <a:tcPr anchor="ctr"/>
@@ -27049,11 +25637,14 @@
                     <a:bodyPr/>
                     <a:lstStyle/>
                     <a:p>
-                      <a:pPr algn="ctr"/>
-                      <a:endParaRPr lang="zh-CN" altLang="en-US" sz="1200" dirty="0">
-                        <a:latin typeface="+mn-lt"/>
-                        <a:ea typeface="微软雅黑" panose="020B0503020204020204" pitchFamily="34" charset="-122"/>
-                      </a:endParaRPr>
+                      <a:r>
+                        <a:rPr sz="1200">
+                          <a:solidFill>
+                            <a:srgbClr val="000000"/>
+                          </a:solidFill>
+                        </a:rPr>
+                        <a:t>0.5</a:t>
+                      </a:r>
                     </a:p>
                   </a:txBody>
                   <a:tcPr anchor="ctr"/>
@@ -27063,11 +25654,14 @@
                     <a:bodyPr/>
                     <a:lstStyle/>
                     <a:p>
-                      <a:pPr algn="ctr"/>
-                      <a:endParaRPr lang="zh-CN" altLang="en-US" sz="1200" dirty="0">
-                        <a:latin typeface="+mn-lt"/>
-                        <a:ea typeface="微软雅黑" panose="020B0503020204020204" pitchFamily="34" charset="-122"/>
-                      </a:endParaRPr>
+                      <a:r>
+                        <a:rPr sz="1200">
+                          <a:solidFill>
+                            <a:srgbClr val="000000"/>
+                          </a:solidFill>
+                        </a:rPr>
+                        <a:t>2.6</a:t>
+                      </a:r>
                     </a:p>
                   </a:txBody>
                   <a:tcPr anchor="ctr"/>
@@ -27418,36 +26012,6 @@
           </a:p>
         </p:txBody>
       </p:sp>
-      <p:pic>
-        <p:nvPicPr>
-          <p:cNvPr id="3" name="图片 2">
-            <a:extLst>
-              <a:ext uri="{FF2B5EF4-FFF2-40B4-BE49-F238E27FC236}">
-                <a16:creationId xmlns:a16="http://schemas.microsoft.com/office/drawing/2014/main" id="{86BFE390-BD67-41D8-8534-C3BB67484158}"/>
-              </a:ext>
-            </a:extLst>
-          </p:cNvPr>
-          <p:cNvPicPr>
-            <a:picLocks noChangeAspect="1"/>
-          </p:cNvPicPr>
-          <p:nvPr/>
-        </p:nvPicPr>
-        <p:blipFill>
-          <a:blip r:embed="rId2"/>
-          <a:stretch>
-            <a:fillRect/>
-          </a:stretch>
-        </p:blipFill>
-        <p:spPr>
-          <a:xfrm>
-            <a:off x="1927258" y="1268760"/>
-            <a:ext cx="5040560" cy="3377606"/>
-          </a:xfrm>
-          <a:prstGeom prst="rect">
-            <a:avLst/>
-          </a:prstGeom>
-        </p:spPr>
-      </p:pic>
       <p:graphicFrame>
         <p:nvGraphicFramePr>
           <p:cNvPr id="9" name="表格 9">
@@ -27886,11 +26450,14 @@
                     <a:bodyPr/>
                     <a:lstStyle/>
                     <a:p>
-                      <a:pPr algn="ctr"/>
-                      <a:endParaRPr lang="zh-CN" altLang="en-US" sz="1200" dirty="0">
-                        <a:latin typeface="+mn-lt"/>
-                        <a:ea typeface="微软雅黑" panose="020B0503020204020204" pitchFamily="34" charset="-122"/>
-                      </a:endParaRPr>
+                      <a:r>
+                        <a:rPr sz="1200">
+                          <a:solidFill>
+                            <a:srgbClr val="000000"/>
+                          </a:solidFill>
+                        </a:rPr>
+                        <a:t>19.2</a:t>
+                      </a:r>
                     </a:p>
                   </a:txBody>
                   <a:tcPr anchor="ctr">
@@ -27904,11 +26471,14 @@
                     <a:bodyPr/>
                     <a:lstStyle/>
                     <a:p>
-                      <a:pPr algn="ctr"/>
-                      <a:endParaRPr lang="zh-CN" altLang="en-US" sz="1200" dirty="0">
-                        <a:latin typeface="+mn-lt"/>
-                        <a:ea typeface="微软雅黑" panose="020B0503020204020204" pitchFamily="34" charset="-122"/>
-                      </a:endParaRPr>
+                      <a:r>
+                        <a:rPr sz="1200">
+                          <a:solidFill>
+                            <a:srgbClr val="000000"/>
+                          </a:solidFill>
+                        </a:rPr>
+                        <a:t>21.4</a:t>
+                      </a:r>
                     </a:p>
                   </a:txBody>
                   <a:tcPr anchor="ctr">
@@ -27922,11 +26492,14 @@
                     <a:bodyPr/>
                     <a:lstStyle/>
                     <a:p>
-                      <a:pPr algn="ctr"/>
-                      <a:endParaRPr lang="zh-CN" altLang="en-US" sz="1200" dirty="0">
-                        <a:latin typeface="+mn-lt"/>
-                        <a:ea typeface="微软雅黑" panose="020B0503020204020204" pitchFamily="34" charset="-122"/>
-                      </a:endParaRPr>
+                      <a:r>
+                        <a:rPr sz="1200">
+                          <a:solidFill>
+                            <a:srgbClr val="000000"/>
+                          </a:solidFill>
+                        </a:rPr>
+                        <a:t>16.7</a:t>
+                      </a:r>
                     </a:p>
                   </a:txBody>
                   <a:tcPr anchor="ctr">
@@ -27940,11 +26513,14 @@
                     <a:bodyPr/>
                     <a:lstStyle/>
                     <a:p>
-                      <a:pPr algn="ctr"/>
-                      <a:endParaRPr lang="zh-CN" altLang="en-US" sz="1200" dirty="0">
-                        <a:latin typeface="+mn-lt"/>
-                        <a:ea typeface="微软雅黑" panose="020B0503020204020204" pitchFamily="34" charset="-122"/>
-                      </a:endParaRPr>
+                      <a:r>
+                        <a:rPr sz="1200">
+                          <a:solidFill>
+                            <a:srgbClr val="000000"/>
+                          </a:solidFill>
+                        </a:rPr>
+                        <a:t>13</a:t>
+                      </a:r>
                     </a:p>
                   </a:txBody>
                   <a:tcPr anchor="ctr">
@@ -27958,11 +26534,14 @@
                     <a:bodyPr/>
                     <a:lstStyle/>
                     <a:p>
-                      <a:pPr algn="ctr"/>
-                      <a:endParaRPr lang="zh-CN" altLang="en-US" sz="1200" dirty="0">
-                        <a:latin typeface="+mn-lt"/>
-                        <a:ea typeface="微软雅黑" panose="020B0503020204020204" pitchFamily="34" charset="-122"/>
-                      </a:endParaRPr>
+                      <a:r>
+                        <a:rPr sz="1200">
+                          <a:solidFill>
+                            <a:srgbClr val="000000"/>
+                          </a:solidFill>
+                        </a:rPr>
+                        <a:t>15</a:t>
+                      </a:r>
                     </a:p>
                   </a:txBody>
                   <a:tcPr anchor="ctr">
@@ -28025,11 +26604,14 @@
                     <a:bodyPr/>
                     <a:lstStyle/>
                     <a:p>
-                      <a:pPr algn="ctr"/>
-                      <a:endParaRPr lang="zh-CN" altLang="en-US" sz="1200" dirty="0">
-                        <a:latin typeface="+mn-lt"/>
-                        <a:ea typeface="微软雅黑" panose="020B0503020204020204" pitchFamily="34" charset="-122"/>
-                      </a:endParaRPr>
+                      <a:r>
+                        <a:rPr sz="1200">
+                          <a:solidFill>
+                            <a:srgbClr val="000000"/>
+                          </a:solidFill>
+                        </a:rPr>
+                        <a:t>9.2</a:t>
+                      </a:r>
                     </a:p>
                   </a:txBody>
                   <a:tcPr anchor="ctr"/>
@@ -28039,11 +26621,14 @@
                     <a:bodyPr/>
                     <a:lstStyle/>
                     <a:p>
-                      <a:pPr algn="ctr"/>
-                      <a:endParaRPr lang="zh-CN" altLang="en-US" sz="1200" dirty="0">
-                        <a:latin typeface="+mn-lt"/>
-                        <a:ea typeface="微软雅黑" panose="020B0503020204020204" pitchFamily="34" charset="-122"/>
-                      </a:endParaRPr>
+                      <a:r>
+                        <a:rPr sz="1200">
+                          <a:solidFill>
+                            <a:srgbClr val="000000"/>
+                          </a:solidFill>
+                        </a:rPr>
+                        <a:t>2.4</a:t>
+                      </a:r>
                     </a:p>
                   </a:txBody>
                   <a:tcPr anchor="ctr"/>
@@ -28053,11 +26638,14 @@
                     <a:bodyPr/>
                     <a:lstStyle/>
                     <a:p>
-                      <a:pPr algn="ctr"/>
-                      <a:endParaRPr lang="zh-CN" altLang="en-US" sz="1200" dirty="0">
-                        <a:latin typeface="+mn-lt"/>
-                        <a:ea typeface="微软雅黑" panose="020B0503020204020204" pitchFamily="34" charset="-122"/>
-                      </a:endParaRPr>
+                      <a:r>
+                        <a:rPr sz="1200">
+                          <a:solidFill>
+                            <a:srgbClr val="000000"/>
+                          </a:solidFill>
+                        </a:rPr>
+                        <a:t>6.7</a:t>
+                      </a:r>
                     </a:p>
                   </a:txBody>
                   <a:tcPr anchor="ctr"/>
@@ -28067,11 +26655,14 @@
                     <a:bodyPr/>
                     <a:lstStyle/>
                     <a:p>
-                      <a:pPr algn="ctr"/>
-                      <a:endParaRPr lang="zh-CN" altLang="en-US" sz="1200" dirty="0">
-                        <a:latin typeface="+mn-lt"/>
-                        <a:ea typeface="微软雅黑" panose="020B0503020204020204" pitchFamily="34" charset="-122"/>
-                      </a:endParaRPr>
+                      <a:r>
+                        <a:rPr sz="1200">
+                          <a:solidFill>
+                            <a:srgbClr val="000000"/>
+                          </a:solidFill>
+                        </a:rPr>
+                        <a:t>12</a:t>
+                      </a:r>
                     </a:p>
                   </a:txBody>
                   <a:tcPr anchor="ctr"/>
@@ -28081,11 +26672,14 @@
                     <a:bodyPr/>
                     <a:lstStyle/>
                     <a:p>
-                      <a:pPr algn="ctr"/>
-                      <a:endParaRPr lang="zh-CN" altLang="en-US" sz="1200" dirty="0">
-                        <a:latin typeface="+mn-lt"/>
-                        <a:ea typeface="微软雅黑" panose="020B0503020204020204" pitchFamily="34" charset="-122"/>
-                      </a:endParaRPr>
+                      <a:r>
+                        <a:rPr sz="1200">
+                          <a:solidFill>
+                            <a:srgbClr val="000000"/>
+                          </a:solidFill>
+                        </a:rPr>
+                        <a:t>13.5</a:t>
+                      </a:r>
                     </a:p>
                   </a:txBody>
                   <a:tcPr anchor="ctr"/>
@@ -28160,11 +26754,14 @@
                     <a:bodyPr/>
                     <a:lstStyle/>
                     <a:p>
-                      <a:pPr algn="ctr"/>
-                      <a:endParaRPr lang="zh-CN" altLang="en-US" sz="1200" dirty="0">
-                        <a:latin typeface="+mn-lt"/>
-                        <a:ea typeface="微软雅黑" panose="020B0503020204020204" pitchFamily="34" charset="-122"/>
-                      </a:endParaRPr>
+                      <a:r>
+                        <a:rPr sz="1200">
+                          <a:solidFill>
+                            <a:srgbClr val="000000"/>
+                          </a:solidFill>
+                        </a:rPr>
+                        <a:t>9.2</a:t>
+                      </a:r>
                     </a:p>
                   </a:txBody>
                   <a:tcPr anchor="ctr"/>
@@ -28174,11 +26771,14 @@
                     <a:bodyPr/>
                     <a:lstStyle/>
                     <a:p>
-                      <a:pPr algn="ctr"/>
-                      <a:endParaRPr lang="zh-CN" altLang="en-US" sz="1200" dirty="0">
-                        <a:latin typeface="+mn-lt"/>
-                        <a:ea typeface="微软雅黑" panose="020B0503020204020204" pitchFamily="34" charset="-122"/>
-                      </a:endParaRPr>
+                      <a:r>
+                        <a:rPr sz="1200">
+                          <a:solidFill>
+                            <a:srgbClr val="000000"/>
+                          </a:solidFill>
+                        </a:rPr>
+                        <a:t>2.4</a:t>
+                      </a:r>
                     </a:p>
                   </a:txBody>
                   <a:tcPr anchor="ctr"/>
@@ -28188,11 +26788,14 @@
                     <a:bodyPr/>
                     <a:lstStyle/>
                     <a:p>
-                      <a:pPr algn="ctr"/>
-                      <a:endParaRPr lang="zh-CN" altLang="en-US" sz="1200" dirty="0">
-                        <a:latin typeface="+mn-lt"/>
-                        <a:ea typeface="微软雅黑" panose="020B0503020204020204" pitchFamily="34" charset="-122"/>
-                      </a:endParaRPr>
+                      <a:r>
+                        <a:rPr sz="1200">
+                          <a:solidFill>
+                            <a:srgbClr val="000000"/>
+                          </a:solidFill>
+                        </a:rPr>
+                        <a:t>6.7</a:t>
+                      </a:r>
                     </a:p>
                   </a:txBody>
                   <a:tcPr anchor="ctr"/>
@@ -28202,11 +26805,14 @@
                     <a:bodyPr/>
                     <a:lstStyle/>
                     <a:p>
-                      <a:pPr algn="ctr"/>
-                      <a:endParaRPr lang="zh-CN" altLang="en-US" sz="1200" dirty="0">
-                        <a:latin typeface="+mn-lt"/>
-                        <a:ea typeface="微软雅黑" panose="020B0503020204020204" pitchFamily="34" charset="-122"/>
-                      </a:endParaRPr>
+                      <a:r>
+                        <a:rPr sz="1200">
+                          <a:solidFill>
+                            <a:srgbClr val="000000"/>
+                          </a:solidFill>
+                        </a:rPr>
+                        <a:t>14.1</a:t>
+                      </a:r>
                     </a:p>
                   </a:txBody>
                   <a:tcPr anchor="ctr"/>
@@ -28216,11 +26822,14 @@
                     <a:bodyPr/>
                     <a:lstStyle/>
                     <a:p>
-                      <a:pPr algn="ctr"/>
-                      <a:endParaRPr lang="zh-CN" altLang="en-US" sz="1200" dirty="0">
-                        <a:latin typeface="+mn-lt"/>
-                        <a:ea typeface="微软雅黑" panose="020B0503020204020204" pitchFamily="34" charset="-122"/>
-                      </a:endParaRPr>
+                      <a:r>
+                        <a:rPr sz="1200">
+                          <a:solidFill>
+                            <a:srgbClr val="000000"/>
+                          </a:solidFill>
+                        </a:rPr>
+                        <a:t>5.2</a:t>
+                      </a:r>
                     </a:p>
                   </a:txBody>
                   <a:tcPr anchor="ctr"/>
@@ -28232,6 +26841,24 @@
                 </a:extLst>
               </a:tr>
             </a:tbl>
+          </a:graphicData>
+        </a:graphic>
+      </p:graphicFrame>
+      <p:graphicFrame>
+        <p:nvGraphicFramePr>
+          <p:cNvPr id="13" name="Chart 12"/>
+          <p:cNvGraphicFramePr>
+            <a:graphicFrameLocks noGrp="1"/>
+          </p:cNvGraphicFramePr>
+          <p:nvPr/>
+        </p:nvGraphicFramePr>
+        <p:xfrm>
+          <a:off x="914400" y="1188720"/>
+          <a:ext cx="7315200" cy="3200400"/>
+        </p:xfrm>
+        <a:graphic>
+          <a:graphicData uri="http://schemas.openxmlformats.org/drawingml/2006/chart">
+            <c:chart xmlns:c="http://schemas.openxmlformats.org/drawingml/2006/chart" r:id="rId2"/>
           </a:graphicData>
         </a:graphic>
       </p:graphicFrame>

--- a/helloWorld/ppt_template/diyun_land_report_result.pptx
+++ b/helloWorld/ppt_template/diyun_land_report_result.pptx
@@ -5,7 +5,7 @@
     <p:sldMasterId id="2147483648" r:id="rId1"/>
   </p:sldMasterIdLst>
   <p:notesMasterIdLst>
-    <p:notesMasterId r:id="rId29"/>
+    <p:notesMasterId r:id="rId30"/>
   </p:notesMasterIdLst>
   <p:sldIdLst>
     <p:sldId id="1207" r:id="rId2"/>
@@ -35,7 +35,7 @@
     <p:sldId id="1223" r:id="rId26"/>
     <p:sldId id="1242" r:id="rId27"/>
     <p:sldId id="1243" r:id="rId28"/>
-    <p:sldId id="1244" r:id="rId34"/>
+    <p:sldId id="1244" r:id="rId29"/>
   </p:sldIdLst>
   <p:sldSz cx="9144000" cy="6858000" type="screen4x3"/>
   <p:notesSz cx="6681788" cy="9812338"/>
@@ -253,8 +253,11 @@
 </file>
 
 <file path=ppt/charts/chart1.xml><?xml version="1.0" encoding="utf-8"?>
-<c:chartSpace xmlns:c="http://schemas.openxmlformats.org/drawingml/2006/chart" xmlns:a="http://schemas.openxmlformats.org/drawingml/2006/main" xmlns:r="http://schemas.openxmlformats.org/officeDocument/2006/relationships">
+<c:chartSpace xmlns:c="http://schemas.openxmlformats.org/drawingml/2006/chart" xmlns:a="http://schemas.openxmlformats.org/drawingml/2006/main" xmlns:r="http://schemas.openxmlformats.org/officeDocument/2006/relationships" xmlns:c16r2="http://schemas.microsoft.com/office/drawing/2015/06/chart">
   <c:date1904 val="0"/>
+  <c:lang val="zh-CN"/>
+  <c:roundedCorners val="1"/>
+  <c:style val="2"/>
   <c:chart>
     <c:title>
       <c:tx>
@@ -268,13 +271,15 @@
           </a:p>
         </c:rich>
       </c:tx>
-      <c:layout/>
       <c:overlay val="0"/>
     </c:title>
+    <c:autoTitleDeleted val="0"/>
     <c:plotArea>
+      <c:layout/>
       <c:barChart>
         <c:barDir val="col"/>
         <c:grouping val="stacked"/>
+        <c:varyColors val="1"/>
         <c:ser>
           <c:idx val="0"/>
           <c:order val="0"/>
@@ -294,6 +299,7 @@
               <a:srgbClr val="FFD700"/>
             </a:solidFill>
           </c:spPr>
+          <c:invertIfNegative val="1"/>
           <c:cat>
             <c:strRef>
               <c:f>Sheet1!$A$2:$A$6</c:f>
@@ -341,6 +347,20 @@
               </c:numCache>
             </c:numRef>
           </c:val>
+          <c:extLst>
+            <c:ext xmlns:c14="http://schemas.microsoft.com/office/drawing/2007/8/2/chart" uri="{6F2FDCE9-48DA-4B69-8628-5D25D57E5C99}">
+              <c14:invertSolidFillFmt>
+                <c14:spPr xmlns:c14="http://schemas.microsoft.com/office/drawing/2007/8/2/chart">
+                  <a:solidFill>
+                    <a:srgbClr val="FFFFFF"/>
+                  </a:solidFill>
+                </c14:spPr>
+              </c14:invertSolidFillFmt>
+            </c:ext>
+            <c:ext xmlns:c16="http://schemas.microsoft.com/office/drawing/2014/chart" uri="{C3380CC4-5D6E-409C-BE32-E72D297353CC}">
+              <c16:uniqueId val="{00000000-3E0B-47A2-A00C-1BD8C37A8CA7}"/>
+            </c:ext>
+          </c:extLst>
         </c:ser>
         <c:ser>
           <c:idx val="1"/>
@@ -361,6 +381,7 @@
               <a:srgbClr val="32CD32"/>
             </a:solidFill>
           </c:spPr>
+          <c:invertIfNegative val="1"/>
           <c:cat>
             <c:strRef>
               <c:f>Sheet1!$A$2:$A$6</c:f>
@@ -391,7 +412,7 @@
                 <c:formatCode>General</c:formatCode>
                 <c:ptCount val="5"/>
                 <c:pt idx="0">
-                  <c:v>9.2</c:v>
+                  <c:v>9.1999999999999993</c:v>
                 </c:pt>
                 <c:pt idx="1">
                   <c:v>2.4</c:v>
@@ -408,6 +429,20 @@
               </c:numCache>
             </c:numRef>
           </c:val>
+          <c:extLst>
+            <c:ext xmlns:c14="http://schemas.microsoft.com/office/drawing/2007/8/2/chart" uri="{6F2FDCE9-48DA-4B69-8628-5D25D57E5C99}">
+              <c14:invertSolidFillFmt>
+                <c14:spPr xmlns:c14="http://schemas.microsoft.com/office/drawing/2007/8/2/chart">
+                  <a:solidFill>
+                    <a:srgbClr val="FFFFFF"/>
+                  </a:solidFill>
+                </c14:spPr>
+              </c14:invertSolidFillFmt>
+            </c:ext>
+            <c:ext xmlns:c16="http://schemas.microsoft.com/office/drawing/2014/chart" uri="{C3380CC4-5D6E-409C-BE32-E72D297353CC}">
+              <c16:uniqueId val="{00000001-3E0B-47A2-A00C-1BD8C37A8CA7}"/>
+            </c:ext>
+          </c:extLst>
         </c:ser>
         <c:ser>
           <c:idx val="2"/>
@@ -428,6 +463,7 @@
               <a:srgbClr val="1E90FF"/>
             </a:solidFill>
           </c:spPr>
+          <c:invertIfNegative val="1"/>
           <c:cat>
             <c:strRef>
               <c:f>Sheet1!$A$2:$A$6</c:f>
@@ -458,7 +494,7 @@
                 <c:formatCode>General</c:formatCode>
                 <c:ptCount val="5"/>
                 <c:pt idx="0">
-                  <c:v>9.2</c:v>
+                  <c:v>9.1999999999999993</c:v>
                 </c:pt>
                 <c:pt idx="1">
                   <c:v>2.4</c:v>
@@ -475,7 +511,30 @@
               </c:numCache>
             </c:numRef>
           </c:val>
+          <c:extLst>
+            <c:ext xmlns:c14="http://schemas.microsoft.com/office/drawing/2007/8/2/chart" uri="{6F2FDCE9-48DA-4B69-8628-5D25D57E5C99}">
+              <c14:invertSolidFillFmt>
+                <c14:spPr xmlns:c14="http://schemas.microsoft.com/office/drawing/2007/8/2/chart">
+                  <a:solidFill>
+                    <a:srgbClr val="FFFFFF"/>
+                  </a:solidFill>
+                </c14:spPr>
+              </c14:invertSolidFillFmt>
+            </c:ext>
+            <c:ext xmlns:c16="http://schemas.microsoft.com/office/drawing/2014/chart" uri="{C3380CC4-5D6E-409C-BE32-E72D297353CC}">
+              <c16:uniqueId val="{00000002-3E0B-47A2-A00C-1BD8C37A8CA7}"/>
+            </c:ext>
+          </c:extLst>
         </c:ser>
+        <c:dLbls>
+          <c:showLegendKey val="0"/>
+          <c:showVal val="0"/>
+          <c:showCatName val="0"/>
+          <c:showSerName val="0"/>
+          <c:showPercent val="0"/>
+          <c:showBubbleSize val="0"/>
+        </c:dLbls>
+        <c:gapWidth val="150"/>
         <c:overlap val="100"/>
         <c:axId val="-2068027336"/>
         <c:axId val="-2113994440"/>
@@ -487,6 +546,7 @@
         </c:scaling>
         <c:delete val="0"/>
         <c:axPos val="b"/>
+        <c:numFmt formatCode="General" sourceLinked="0"/>
         <c:majorTickMark val="out"/>
         <c:minorTickMark val="none"/>
         <c:tickLblPos val="nextTo"/>
@@ -499,22 +559,28 @@
       </c:catAx>
       <c:valAx>
         <c:axId val="-2113994440"/>
-        <c:scaling/>
+        <c:scaling>
+          <c:orientation val="minMax"/>
+        </c:scaling>
         <c:delete val="0"/>
         <c:axPos val="l"/>
         <c:majorGridlines/>
+        <c:numFmt formatCode="General" sourceLinked="1"/>
         <c:majorTickMark val="out"/>
         <c:minorTickMark val="none"/>
         <c:tickLblPos val="nextTo"/>
         <c:crossAx val="-2068027336"/>
         <c:crosses val="autoZero"/>
+        <c:crossBetween val="between"/>
       </c:valAx>
     </c:plotArea>
     <c:legend>
       <c:legendPos val="b"/>
       <c:overlay val="0"/>
     </c:legend>
+    <c:plotVisOnly val="1"/>
     <c:dispBlanksAs val="gap"/>
+    <c:showDLblsOverMax val="1"/>
   </c:chart>
   <c:txPr>
     <a:bodyPr/>
@@ -523,7 +589,7 @@
       <a:pPr>
         <a:defRPr sz="1800"/>
       </a:pPr>
-      <a:endParaRPr lang="en-US"/>
+      <a:endParaRPr lang="zh-CN"/>
     </a:p>
   </c:txPr>
   <c:externalData r:id="rId1">
@@ -533,13 +599,19 @@
 </file>
 
 <file path=ppt/charts/chart2.xml><?xml version="1.0" encoding="utf-8"?>
-<c:chartSpace xmlns:c="http://schemas.openxmlformats.org/drawingml/2006/chart" xmlns:a="http://schemas.openxmlformats.org/drawingml/2006/main" xmlns:r="http://schemas.openxmlformats.org/officeDocument/2006/relationships">
+<c:chartSpace xmlns:c="http://schemas.openxmlformats.org/drawingml/2006/chart" xmlns:a="http://schemas.openxmlformats.org/drawingml/2006/main" xmlns:r="http://schemas.openxmlformats.org/officeDocument/2006/relationships" xmlns:c16r2="http://schemas.microsoft.com/office/drawing/2015/06/chart">
   <c:date1904 val="0"/>
+  <c:lang val="zh-CN"/>
+  <c:roundedCorners val="1"/>
+  <c:style val="2"/>
   <c:chart>
+    <c:autoTitleDeleted val="1"/>
     <c:plotArea>
+      <c:layout/>
       <c:barChart>
         <c:barDir val="col"/>
         <c:grouping val="clustered"/>
+        <c:varyColors val="1"/>
         <c:ser>
           <c:idx val="0"/>
           <c:order val="0"/>
@@ -554,6 +626,7 @@
               </c:strCache>
             </c:strRef>
           </c:tx>
+          <c:invertIfNegative val="1"/>
           <c:cat>
             <c:strRef>
               <c:f>Sheet1!$A$2:$A$4</c:f>
@@ -589,6 +662,11 @@
               </c:numCache>
             </c:numRef>
           </c:val>
+          <c:extLst>
+            <c:ext xmlns:c16="http://schemas.microsoft.com/office/drawing/2014/chart" uri="{C3380CC4-5D6E-409C-BE32-E72D297353CC}">
+              <c16:uniqueId val="{00000000-580B-4411-A0BD-62640FCE54FD}"/>
+            </c:ext>
+          </c:extLst>
         </c:ser>
         <c:ser>
           <c:idx val="1"/>
@@ -604,6 +682,7 @@
               </c:strCache>
             </c:strRef>
           </c:tx>
+          <c:invertIfNegative val="1"/>
           <c:cat>
             <c:strRef>
               <c:f>Sheet1!$A$2:$A$4</c:f>
@@ -628,7 +707,7 @@
                 <c:formatCode>General</c:formatCode>
                 <c:ptCount val="3"/>
                 <c:pt idx="0">
-                  <c:v>9.2</c:v>
+                  <c:v>9.1999999999999993</c:v>
                 </c:pt>
                 <c:pt idx="1">
                   <c:v>2.4</c:v>
@@ -639,7 +718,21 @@
               </c:numCache>
             </c:numRef>
           </c:val>
+          <c:extLst>
+            <c:ext xmlns:c16="http://schemas.microsoft.com/office/drawing/2014/chart" uri="{C3380CC4-5D6E-409C-BE32-E72D297353CC}">
+              <c16:uniqueId val="{00000001-580B-4411-A0BD-62640FCE54FD}"/>
+            </c:ext>
+          </c:extLst>
         </c:ser>
+        <c:dLbls>
+          <c:showLegendKey val="0"/>
+          <c:showVal val="0"/>
+          <c:showCatName val="0"/>
+          <c:showSerName val="0"/>
+          <c:showPercent val="0"/>
+          <c:showBubbleSize val="0"/>
+        </c:dLbls>
+        <c:gapWidth val="150"/>
         <c:axId val="-2068027336"/>
         <c:axId val="-2113994440"/>
       </c:barChart>
@@ -650,6 +743,7 @@
         </c:scaling>
         <c:delete val="0"/>
         <c:axPos val="b"/>
+        <c:numFmt formatCode="General" sourceLinked="0"/>
         <c:majorTickMark val="out"/>
         <c:minorTickMark val="none"/>
         <c:tickLblPos val="nextTo"/>
@@ -662,18 +756,24 @@
       </c:catAx>
       <c:valAx>
         <c:axId val="-2113994440"/>
-        <c:scaling/>
+        <c:scaling>
+          <c:orientation val="minMax"/>
+        </c:scaling>
         <c:delete val="0"/>
         <c:axPos val="l"/>
         <c:majorGridlines/>
+        <c:numFmt formatCode="General" sourceLinked="1"/>
         <c:majorTickMark val="out"/>
         <c:minorTickMark val="none"/>
         <c:tickLblPos val="nextTo"/>
         <c:crossAx val="-2068027336"/>
         <c:crosses val="autoZero"/>
+        <c:crossBetween val="between"/>
       </c:valAx>
     </c:plotArea>
+    <c:plotVisOnly val="1"/>
     <c:dispBlanksAs val="gap"/>
+    <c:showDLblsOverMax val="1"/>
   </c:chart>
   <c:txPr>
     <a:bodyPr/>
@@ -682,7 +782,7 @@
       <a:pPr>
         <a:defRPr sz="1800"/>
       </a:pPr>
-      <a:endParaRPr lang="en-US"/>
+      <a:endParaRPr lang="zh-CN"/>
     </a:p>
   </c:txPr>
   <c:externalData r:id="rId1">
@@ -8632,7 +8732,7 @@
         </p:nvGraphicFramePr>
         <p:xfrm>
           <a:off x="4942789" y="4437112"/>
-          <a:ext cx="3977896" cy="1853374"/>
+          <a:ext cx="3977896" cy="1591333"/>
         </p:xfrm>
         <a:graphic>
           <a:graphicData uri="http://schemas.openxmlformats.org/drawingml/2006/table">
@@ -8895,7 +8995,9 @@
                   <a:txBody>
                     <a:bodyPr/>
                     <a:lstStyle/>
-                    <a:p/>
+                    <a:p>
+                      <a:endParaRPr/>
+                    </a:p>
                   </a:txBody>
                   <a:tcPr marL="91436" marR="91436" marT="45722" marB="45722" anchor="ctr"/>
                 </a:tc>
@@ -13255,7 +13357,7 @@
         </p:nvGraphicFramePr>
         <p:xfrm>
           <a:off x="4860000" y="720000"/>
-          <a:ext cx="4320000" cy="720000"/>
+          <a:ext cx="4320000" cy="5029200"/>
         </p:xfrm>
         <a:graphic>
           <a:graphicData uri="http://schemas.openxmlformats.org/drawingml/2006/table">
@@ -13264,13 +13366,43 @@
                 <a:tableStyleId>{5C22544A-7EE6-4342-B048-85BDC9FD1C3A}</a:tableStyleId>
               </a:tblPr>
               <a:tblGrid>
-                <a:gridCol w="540000"/>
-                <a:gridCol w="1080000"/>
-                <a:gridCol w="1080000"/>
-                <a:gridCol w="720000"/>
-                <a:gridCol w="900000"/>
+                <a:gridCol w="540000">
+                  <a:extLst>
+                    <a:ext uri="{9D8B030D-6E8A-4147-A177-3AD203B41FA5}">
+                      <a16:colId xmlns:a16="http://schemas.microsoft.com/office/drawing/2014/main" val="20000"/>
+                    </a:ext>
+                  </a:extLst>
+                </a:gridCol>
+                <a:gridCol w="1080000">
+                  <a:extLst>
+                    <a:ext uri="{9D8B030D-6E8A-4147-A177-3AD203B41FA5}">
+                      <a16:colId xmlns:a16="http://schemas.microsoft.com/office/drawing/2014/main" val="20001"/>
+                    </a:ext>
+                  </a:extLst>
+                </a:gridCol>
+                <a:gridCol w="1080000">
+                  <a:extLst>
+                    <a:ext uri="{9D8B030D-6E8A-4147-A177-3AD203B41FA5}">
+                      <a16:colId xmlns:a16="http://schemas.microsoft.com/office/drawing/2014/main" val="20002"/>
+                    </a:ext>
+                  </a:extLst>
+                </a:gridCol>
+                <a:gridCol w="720000">
+                  <a:extLst>
+                    <a:ext uri="{9D8B030D-6E8A-4147-A177-3AD203B41FA5}">
+                      <a16:colId xmlns:a16="http://schemas.microsoft.com/office/drawing/2014/main" val="20003"/>
+                    </a:ext>
+                  </a:extLst>
+                </a:gridCol>
+                <a:gridCol w="900000">
+                  <a:extLst>
+                    <a:ext uri="{9D8B030D-6E8A-4147-A177-3AD203B41FA5}">
+                      <a16:colId xmlns:a16="http://schemas.microsoft.com/office/drawing/2014/main" val="20004"/>
+                    </a:ext>
+                  </a:extLst>
+                </a:gridCol>
               </a:tblGrid>
-              <a:tr h="65454">
+              <a:tr h="0">
                 <a:tc>
                   <a:txBody>
                     <a:bodyPr/>
@@ -13356,8 +13488,13 @@
                   </a:txBody>
                   <a:tcPr/>
                 </a:tc>
+                <a:extLst>
+                  <a:ext uri="{0D108BD9-81ED-4DB2-BD59-A6C34878D82A}">
+                    <a16:rowId xmlns:a16="http://schemas.microsoft.com/office/drawing/2014/main" val="10000"/>
+                  </a:ext>
+                </a:extLst>
               </a:tr>
-              <a:tr h="65454">
+              <a:tr h="0">
                 <a:tc>
                   <a:txBody>
                     <a:bodyPr/>
@@ -13443,8 +13580,13 @@
                   </a:txBody>
                   <a:tcPr/>
                 </a:tc>
+                <a:extLst>
+                  <a:ext uri="{0D108BD9-81ED-4DB2-BD59-A6C34878D82A}">
+                    <a16:rowId xmlns:a16="http://schemas.microsoft.com/office/drawing/2014/main" val="10001"/>
+                  </a:ext>
+                </a:extLst>
               </a:tr>
-              <a:tr h="65454">
+              <a:tr h="0">
                 <a:tc>
                   <a:txBody>
                     <a:bodyPr/>
@@ -13530,8 +13672,13 @@
                   </a:txBody>
                   <a:tcPr/>
                 </a:tc>
+                <a:extLst>
+                  <a:ext uri="{0D108BD9-81ED-4DB2-BD59-A6C34878D82A}">
+                    <a16:rowId xmlns:a16="http://schemas.microsoft.com/office/drawing/2014/main" val="10002"/>
+                  </a:ext>
+                </a:extLst>
               </a:tr>
-              <a:tr h="65454">
+              <a:tr h="0">
                 <a:tc>
                   <a:txBody>
                     <a:bodyPr/>
@@ -13617,8 +13764,13 @@
                   </a:txBody>
                   <a:tcPr/>
                 </a:tc>
+                <a:extLst>
+                  <a:ext uri="{0D108BD9-81ED-4DB2-BD59-A6C34878D82A}">
+                    <a16:rowId xmlns:a16="http://schemas.microsoft.com/office/drawing/2014/main" val="10003"/>
+                  </a:ext>
+                </a:extLst>
               </a:tr>
-              <a:tr h="65454">
+              <a:tr h="0">
                 <a:tc>
                   <a:txBody>
                     <a:bodyPr/>
@@ -13704,8 +13856,13 @@
                   </a:txBody>
                   <a:tcPr/>
                 </a:tc>
+                <a:extLst>
+                  <a:ext uri="{0D108BD9-81ED-4DB2-BD59-A6C34878D82A}">
+                    <a16:rowId xmlns:a16="http://schemas.microsoft.com/office/drawing/2014/main" val="10004"/>
+                  </a:ext>
+                </a:extLst>
               </a:tr>
-              <a:tr h="65454">
+              <a:tr h="0">
                 <a:tc>
                   <a:txBody>
                     <a:bodyPr/>
@@ -13791,8 +13948,13 @@
                   </a:txBody>
                   <a:tcPr/>
                 </a:tc>
+                <a:extLst>
+                  <a:ext uri="{0D108BD9-81ED-4DB2-BD59-A6C34878D82A}">
+                    <a16:rowId xmlns:a16="http://schemas.microsoft.com/office/drawing/2014/main" val="10005"/>
+                  </a:ext>
+                </a:extLst>
               </a:tr>
-              <a:tr h="65454">
+              <a:tr h="0">
                 <a:tc>
                   <a:txBody>
                     <a:bodyPr/>
@@ -13878,8 +14040,13 @@
                   </a:txBody>
                   <a:tcPr/>
                 </a:tc>
+                <a:extLst>
+                  <a:ext uri="{0D108BD9-81ED-4DB2-BD59-A6C34878D82A}">
+                    <a16:rowId xmlns:a16="http://schemas.microsoft.com/office/drawing/2014/main" val="10006"/>
+                  </a:ext>
+                </a:extLst>
               </a:tr>
-              <a:tr h="65454">
+              <a:tr h="0">
                 <a:tc>
                   <a:txBody>
                     <a:bodyPr/>
@@ -13965,8 +14132,13 @@
                   </a:txBody>
                   <a:tcPr/>
                 </a:tc>
+                <a:extLst>
+                  <a:ext uri="{0D108BD9-81ED-4DB2-BD59-A6C34878D82A}">
+                    <a16:rowId xmlns:a16="http://schemas.microsoft.com/office/drawing/2014/main" val="10007"/>
+                  </a:ext>
+                </a:extLst>
               </a:tr>
-              <a:tr h="65454">
+              <a:tr h="0">
                 <a:tc>
                   <a:txBody>
                     <a:bodyPr/>
@@ -14052,8 +14224,13 @@
                   </a:txBody>
                   <a:tcPr/>
                 </a:tc>
+                <a:extLst>
+                  <a:ext uri="{0D108BD9-81ED-4DB2-BD59-A6C34878D82A}">
+                    <a16:rowId xmlns:a16="http://schemas.microsoft.com/office/drawing/2014/main" val="10008"/>
+                  </a:ext>
+                </a:extLst>
               </a:tr>
-              <a:tr h="65454">
+              <a:tr h="0">
                 <a:tc>
                   <a:txBody>
                     <a:bodyPr/>
@@ -14139,8 +14316,13 @@
                   </a:txBody>
                   <a:tcPr/>
                 </a:tc>
+                <a:extLst>
+                  <a:ext uri="{0D108BD9-81ED-4DB2-BD59-A6C34878D82A}">
+                    <a16:rowId xmlns:a16="http://schemas.microsoft.com/office/drawing/2014/main" val="10009"/>
+                  </a:ext>
+                </a:extLst>
               </a:tr>
-              <a:tr h="65460">
+              <a:tr h="0">
                 <a:tc>
                   <a:txBody>
                     <a:bodyPr/>
@@ -14226,6 +14408,11 @@
                   </a:txBody>
                   <a:tcPr/>
                 </a:tc>
+                <a:extLst>
+                  <a:ext uri="{0D108BD9-81ED-4DB2-BD59-A6C34878D82A}">
+                    <a16:rowId xmlns:a16="http://schemas.microsoft.com/office/drawing/2014/main" val="10010"/>
+                  </a:ext>
+                </a:extLst>
               </a:tr>
             </a:tbl>
           </a:graphicData>
@@ -16912,7 +17099,7 @@
         </p:nvGraphicFramePr>
         <p:xfrm>
           <a:off x="5760000" y="720000"/>
-          <a:ext cx="3240000" cy="720000"/>
+          <a:ext cx="3240000" cy="2103120"/>
         </p:xfrm>
         <a:graphic>
           <a:graphicData uri="http://schemas.openxmlformats.org/drawingml/2006/table">
@@ -16921,9 +17108,27 @@
                 <a:tableStyleId>{5C22544A-7EE6-4342-B048-85BDC9FD1C3A}</a:tableStyleId>
               </a:tblPr>
               <a:tblGrid>
-                <a:gridCol w="720000"/>
-                <a:gridCol w="1440000"/>
-                <a:gridCol w="1080000"/>
+                <a:gridCol w="720000">
+                  <a:extLst>
+                    <a:ext uri="{9D8B030D-6E8A-4147-A177-3AD203B41FA5}">
+                      <a16:colId xmlns:a16="http://schemas.microsoft.com/office/drawing/2014/main" val="20000"/>
+                    </a:ext>
+                  </a:extLst>
+                </a:gridCol>
+                <a:gridCol w="1440000">
+                  <a:extLst>
+                    <a:ext uri="{9D8B030D-6E8A-4147-A177-3AD203B41FA5}">
+                      <a16:colId xmlns:a16="http://schemas.microsoft.com/office/drawing/2014/main" val="20001"/>
+                    </a:ext>
+                  </a:extLst>
+                </a:gridCol>
+                <a:gridCol w="1080000">
+                  <a:extLst>
+                    <a:ext uri="{9D8B030D-6E8A-4147-A177-3AD203B41FA5}">
+                      <a16:colId xmlns:a16="http://schemas.microsoft.com/office/drawing/2014/main" val="20002"/>
+                    </a:ext>
+                  </a:extLst>
+                </a:gridCol>
               </a:tblGrid>
               <a:tr h="144000">
                 <a:tc>
@@ -16977,6 +17182,11 @@
                   </a:txBody>
                   <a:tcPr/>
                 </a:tc>
+                <a:extLst>
+                  <a:ext uri="{0D108BD9-81ED-4DB2-BD59-A6C34878D82A}">
+                    <a16:rowId xmlns:a16="http://schemas.microsoft.com/office/drawing/2014/main" val="10000"/>
+                  </a:ext>
+                </a:extLst>
               </a:tr>
               <a:tr h="144000">
                 <a:tc>
@@ -17030,6 +17240,11 @@
                   </a:txBody>
                   <a:tcPr/>
                 </a:tc>
+                <a:extLst>
+                  <a:ext uri="{0D108BD9-81ED-4DB2-BD59-A6C34878D82A}">
+                    <a16:rowId xmlns:a16="http://schemas.microsoft.com/office/drawing/2014/main" val="10001"/>
+                  </a:ext>
+                </a:extLst>
               </a:tr>
               <a:tr h="144000">
                 <a:tc>
@@ -17083,6 +17298,11 @@
                   </a:txBody>
                   <a:tcPr/>
                 </a:tc>
+                <a:extLst>
+                  <a:ext uri="{0D108BD9-81ED-4DB2-BD59-A6C34878D82A}">
+                    <a16:rowId xmlns:a16="http://schemas.microsoft.com/office/drawing/2014/main" val="10002"/>
+                  </a:ext>
+                </a:extLst>
               </a:tr>
               <a:tr h="144000">
                 <a:tc>
@@ -17136,6 +17356,11 @@
                   </a:txBody>
                   <a:tcPr/>
                 </a:tc>
+                <a:extLst>
+                  <a:ext uri="{0D108BD9-81ED-4DB2-BD59-A6C34878D82A}">
+                    <a16:rowId xmlns:a16="http://schemas.microsoft.com/office/drawing/2014/main" val="10003"/>
+                  </a:ext>
+                </a:extLst>
               </a:tr>
               <a:tr h="144000">
                 <a:tc>
@@ -17189,6 +17414,11 @@
                   </a:txBody>
                   <a:tcPr/>
                 </a:tc>
+                <a:extLst>
+                  <a:ext uri="{0D108BD9-81ED-4DB2-BD59-A6C34878D82A}">
+                    <a16:rowId xmlns:a16="http://schemas.microsoft.com/office/drawing/2014/main" val="10004"/>
+                  </a:ext>
+                </a:extLst>
               </a:tr>
             </a:tbl>
           </a:graphicData>
@@ -17299,843 +17529,6 @@
           </a:p>
         </p:txBody>
       </p:sp>
-      <p:graphicFrame>
-        <p:nvGraphicFramePr>
-          <p:cNvPr id="55" name="New Table">
-            <a:extLst>
-              <a:ext uri="{FF2B5EF4-FFF2-40B4-BE49-F238E27FC236}">
-                <a16:creationId xmlns:a16="http://schemas.microsoft.com/office/drawing/2014/main" id="{0B10C579-3D7C-4D0A-ABAB-D564559610D9}"/>
-              </a:ext>
-            </a:extLst>
-          </p:cNvPr>
-          <p:cNvGraphicFramePr>
-            <a:graphicFrameLocks noGrp="1"/>
-          </p:cNvGraphicFramePr>
-          <p:nvPr>
-            <p:extLst>
-              <p:ext uri="{D42A27DB-BD31-4B8C-83A1-F6EECF244321}">
-                <p14:modId xmlns:p14="http://schemas.microsoft.com/office/powerpoint/2010/main" val="2032706452"/>
-              </p:ext>
-            </p:extLst>
-          </p:nvPr>
-        </p:nvGraphicFramePr>
-        <p:xfrm>
-          <a:off x="5814986" y="745067"/>
-          <a:ext cx="3240909" cy="3979876"/>
-        </p:xfrm>
-        <a:graphic>
-          <a:graphicData uri="http://schemas.openxmlformats.org/drawingml/2006/table">
-            <a:tbl>
-              <a:tblPr>
-                <a:tableStyleId>{C083E6E3-FA7D-4D7B-A595-EF9225AFEA82}</a:tableStyleId>
-              </a:tblPr>
-              <a:tblGrid>
-                <a:gridCol w="1080303">
-                  <a:extLst>
-                    <a:ext uri="{9D8B030D-6E8A-4147-A177-3AD203B41FA5}">
-                      <a16:colId xmlns:a16="http://schemas.microsoft.com/office/drawing/2014/main" val="20000"/>
-                    </a:ext>
-                  </a:extLst>
-                </a:gridCol>
-                <a:gridCol w="1080303">
-                  <a:extLst>
-                    <a:ext uri="{9D8B030D-6E8A-4147-A177-3AD203B41FA5}">
-                      <a16:colId xmlns:a16="http://schemas.microsoft.com/office/drawing/2014/main" val="20001"/>
-                    </a:ext>
-                  </a:extLst>
-                </a:gridCol>
-                <a:gridCol w="1080303">
-                  <a:extLst>
-                    <a:ext uri="{9D8B030D-6E8A-4147-A177-3AD203B41FA5}">
-                      <a16:colId xmlns:a16="http://schemas.microsoft.com/office/drawing/2014/main" val="20003"/>
-                    </a:ext>
-                  </a:extLst>
-                </a:gridCol>
-              </a:tblGrid>
-              <a:tr h="477116">
-                <a:tc>
-                  <a:txBody>
-                    <a:bodyPr/>
-                    <a:lstStyle/>
-                    <a:p>
-                      <a:pPr algn="ctr"/>
-                      <a:r>
-                        <a:rPr sz="1200" b="1" dirty="0" err="1">
-                          <a:solidFill>
-                            <a:schemeClr val="tx1">
-                              <a:lumMod val="75000"/>
-                              <a:lumOff val="25000"/>
-                            </a:schemeClr>
-                          </a:solidFill>
-                          <a:latin typeface="+mj-lt"/>
-                          <a:ea typeface="微软雅黑" panose="020B0503020204020204" pitchFamily="34" charset="-122"/>
-                        </a:rPr>
-                        <a:t>编号</a:t>
-                      </a:r>
-                      <a:endParaRPr sz="1200" b="1" dirty="0">
-                        <a:solidFill>
-                          <a:schemeClr val="tx1">
-                            <a:lumMod val="75000"/>
-                            <a:lumOff val="25000"/>
-                          </a:schemeClr>
-                        </a:solidFill>
-                        <a:latin typeface="+mj-lt"/>
-                        <a:ea typeface="微软雅黑" panose="020B0503020204020204" pitchFamily="34" charset="-122"/>
-                      </a:endParaRPr>
-                    </a:p>
-                  </a:txBody>
-                  <a:tcPr marL="91445" marR="91445" marT="45713" marB="45713" anchor="ctr"/>
-                </a:tc>
-                <a:tc>
-                  <a:txBody>
-                    <a:bodyPr/>
-                    <a:lstStyle/>
-                    <a:p>
-                      <a:pPr algn="ctr"/>
-                      <a:r>
-                        <a:rPr sz="1200" b="1" dirty="0" err="1">
-                          <a:solidFill>
-                            <a:schemeClr val="tx1">
-                              <a:lumMod val="75000"/>
-                              <a:lumOff val="25000"/>
-                            </a:schemeClr>
-                          </a:solidFill>
-                          <a:latin typeface="+mj-lt"/>
-                          <a:ea typeface="微软雅黑" panose="020B0503020204020204" pitchFamily="34" charset="-122"/>
-                        </a:rPr>
-                        <a:t>名称</a:t>
-                      </a:r>
-                      <a:endParaRPr sz="1200" b="1" dirty="0">
-                        <a:solidFill>
-                          <a:schemeClr val="tx1">
-                            <a:lumMod val="75000"/>
-                            <a:lumOff val="25000"/>
-                          </a:schemeClr>
-                        </a:solidFill>
-                        <a:latin typeface="+mj-lt"/>
-                        <a:ea typeface="微软雅黑" panose="020B0503020204020204" pitchFamily="34" charset="-122"/>
-                      </a:endParaRPr>
-                    </a:p>
-                  </a:txBody>
-                  <a:tcPr marL="91445" marR="91445" marT="45713" marB="45713" anchor="ctr"/>
-                </a:tc>
-                <a:tc>
-                  <a:txBody>
-                    <a:bodyPr/>
-                    <a:lstStyle/>
-                    <a:p>
-                      <a:pPr algn="ctr"/>
-                      <a:r>
-                        <a:rPr sz="1200" b="1" dirty="0" err="1">
-                          <a:solidFill>
-                            <a:schemeClr val="tx1">
-                              <a:lumMod val="75000"/>
-                              <a:lumOff val="25000"/>
-                            </a:schemeClr>
-                          </a:solidFill>
-                          <a:latin typeface="+mj-lt"/>
-                          <a:ea typeface="微软雅黑" panose="020B0503020204020204" pitchFamily="34" charset="-122"/>
-                        </a:rPr>
-                        <a:t>距离</a:t>
-                      </a:r>
-                      <a:r>
-                        <a:rPr sz="1200" b="1" dirty="0">
-                          <a:solidFill>
-                            <a:schemeClr val="tx1">
-                              <a:lumMod val="75000"/>
-                              <a:lumOff val="25000"/>
-                            </a:schemeClr>
-                          </a:solidFill>
-                          <a:latin typeface="+mj-lt"/>
-                          <a:ea typeface="微软雅黑" panose="020B0503020204020204" pitchFamily="34" charset="-122"/>
-                        </a:rPr>
-                        <a:t>
-(km)</a:t>
-                      </a:r>
-                    </a:p>
-                  </a:txBody>
-                  <a:tcPr marL="91445" marR="91445" marT="45713" marB="45713" anchor="ctr"/>
-                </a:tc>
-                <a:extLst>
-                  <a:ext uri="{0D108BD9-81ED-4DB2-BD59-A6C34878D82A}">
-                    <a16:rowId xmlns:a16="http://schemas.microsoft.com/office/drawing/2014/main" val="10000"/>
-                  </a:ext>
-                </a:extLst>
-              </a:tr>
-              <a:tr h="477116">
-                <a:tc>
-                  <a:txBody>
-                    <a:bodyPr/>
-                    <a:lstStyle/>
-                    <a:p>
-                      <a:pPr algn="ctr"/>
-                      <a:r>
-                        <a:rPr sz="1200" b="0" dirty="0">
-                          <a:solidFill>
-                            <a:schemeClr val="tx1">
-                              <a:lumMod val="75000"/>
-                              <a:lumOff val="25000"/>
-                            </a:schemeClr>
-                          </a:solidFill>
-                          <a:latin typeface="+mj-lt"/>
-                          <a:ea typeface="微软雅黑" panose="020B0503020204020204" pitchFamily="34" charset="-122"/>
-                        </a:rPr>
-                        <a:t>1</a:t>
-                      </a:r>
-                    </a:p>
-                  </a:txBody>
-                  <a:tcPr marL="91445" marR="91445" marT="45713" marB="45713" anchor="ctr">
-                    <a:solidFill>
-                      <a:srgbClr val="FFFFFF"/>
-                    </a:solidFill>
-                  </a:tcPr>
-                </a:tc>
-                <a:tc>
-                  <a:txBody>
-                    <a:bodyPr/>
-                    <a:lstStyle/>
-                    <a:p>
-                      <a:pPr algn="ctr"/>
-                      <a:r>
-                        <a:rPr sz="1200" b="0" dirty="0" err="1">
-                          <a:solidFill>
-                            <a:srgbClr val="3A4043"/>
-                          </a:solidFill>
-                          <a:latin typeface="+mj-lt"/>
-                          <a:ea typeface="微软雅黑" panose="020B0503020204020204" pitchFamily="34" charset="-122"/>
-                        </a:rPr>
-                        <a:t>和平实验小学</a:t>
-                      </a:r>
-                      <a:endParaRPr sz="1200" b="0" dirty="0">
-                        <a:solidFill>
-                          <a:srgbClr val="3A4043"/>
-                        </a:solidFill>
-                        <a:latin typeface="+mj-lt"/>
-                        <a:ea typeface="微软雅黑" panose="020B0503020204020204" pitchFamily="34" charset="-122"/>
-                      </a:endParaRPr>
-                    </a:p>
-                  </a:txBody>
-                  <a:tcPr marL="91445" marR="91445" marT="45712" marB="45712" anchor="ctr">
-                    <a:solidFill>
-                      <a:srgbClr val="FFFFFF"/>
-                    </a:solidFill>
-                  </a:tcPr>
-                </a:tc>
-                <a:tc>
-                  <a:txBody>
-                    <a:bodyPr/>
-                    <a:lstStyle/>
-                    <a:p>
-                      <a:pPr algn="ctr"/>
-                      <a:r>
-                        <a:rPr sz="1200" b="0" dirty="0">
-                          <a:solidFill>
-                            <a:schemeClr val="tx1">
-                              <a:lumMod val="75000"/>
-                              <a:lumOff val="25000"/>
-                            </a:schemeClr>
-                          </a:solidFill>
-                          <a:latin typeface="+mj-lt"/>
-                          <a:ea typeface="微软雅黑" panose="020B0503020204020204" pitchFamily="34" charset="-122"/>
-                        </a:rPr>
-                        <a:t>0.8</a:t>
-                      </a:r>
-                    </a:p>
-                  </a:txBody>
-                  <a:tcPr marL="91445" marR="91445" marT="45713" marB="45713" anchor="ctr">
-                    <a:solidFill>
-                      <a:srgbClr val="FFFFFF"/>
-                    </a:solidFill>
-                  </a:tcPr>
-                </a:tc>
-                <a:extLst>
-                  <a:ext uri="{0D108BD9-81ED-4DB2-BD59-A6C34878D82A}">
-                    <a16:rowId xmlns:a16="http://schemas.microsoft.com/office/drawing/2014/main" val="10001"/>
-                  </a:ext>
-                </a:extLst>
-              </a:tr>
-              <a:tr h="477116">
-                <a:tc>
-                  <a:txBody>
-                    <a:bodyPr/>
-                    <a:lstStyle/>
-                    <a:p>
-                      <a:pPr algn="ctr"/>
-                      <a:r>
-                        <a:rPr sz="1200" b="0">
-                          <a:solidFill>
-                            <a:schemeClr val="tx1">
-                              <a:lumMod val="75000"/>
-                              <a:lumOff val="25000"/>
-                            </a:schemeClr>
-                          </a:solidFill>
-                          <a:latin typeface="+mj-lt"/>
-                          <a:ea typeface="微软雅黑" panose="020B0503020204020204" pitchFamily="34" charset="-122"/>
-                        </a:rPr>
-                        <a:t>2</a:t>
-                      </a:r>
-                    </a:p>
-                  </a:txBody>
-                  <a:tcPr marL="91445" marR="91445" marT="45713" marB="45713" anchor="ctr">
-                    <a:solidFill>
-                      <a:srgbClr val="F6F7F9"/>
-                    </a:solidFill>
-                  </a:tcPr>
-                </a:tc>
-                <a:tc>
-                  <a:txBody>
-                    <a:bodyPr/>
-                    <a:lstStyle/>
-                    <a:p>
-                      <a:pPr algn="ctr"/>
-                      <a:r>
-                        <a:rPr sz="1200" b="0" dirty="0" err="1">
-                          <a:solidFill>
-                            <a:srgbClr val="3A4043"/>
-                          </a:solidFill>
-                          <a:latin typeface="+mj-lt"/>
-                          <a:ea typeface="微软雅黑" panose="020B0503020204020204" pitchFamily="34" charset="-122"/>
-                        </a:rPr>
-                        <a:t>民治小学</a:t>
-                      </a:r>
-                      <a:endParaRPr sz="1200" b="0" dirty="0">
-                        <a:solidFill>
-                          <a:srgbClr val="3A4043"/>
-                        </a:solidFill>
-                        <a:latin typeface="+mj-lt"/>
-                        <a:ea typeface="微软雅黑" panose="020B0503020204020204" pitchFamily="34" charset="-122"/>
-                      </a:endParaRPr>
-                    </a:p>
-                  </a:txBody>
-                  <a:tcPr marL="91445" marR="91445" marT="45712" marB="45712" anchor="ctr">
-                    <a:solidFill>
-                      <a:srgbClr val="F6F7F9"/>
-                    </a:solidFill>
-                  </a:tcPr>
-                </a:tc>
-                <a:tc>
-                  <a:txBody>
-                    <a:bodyPr/>
-                    <a:lstStyle/>
-                    <a:p>
-                      <a:pPr algn="ctr"/>
-                      <a:r>
-                        <a:rPr sz="1200" b="0">
-                          <a:solidFill>
-                            <a:schemeClr val="tx1">
-                              <a:lumMod val="75000"/>
-                              <a:lumOff val="25000"/>
-                            </a:schemeClr>
-                          </a:solidFill>
-                          <a:latin typeface="+mj-lt"/>
-                          <a:ea typeface="微软雅黑" panose="020B0503020204020204" pitchFamily="34" charset="-122"/>
-                        </a:rPr>
-                        <a:t>0.1</a:t>
-                      </a:r>
-                    </a:p>
-                  </a:txBody>
-                  <a:tcPr marL="91445" marR="91445" marT="45713" marB="45713" anchor="ctr">
-                    <a:solidFill>
-                      <a:srgbClr val="F6F7F9"/>
-                    </a:solidFill>
-                  </a:tcPr>
-                </a:tc>
-                <a:extLst>
-                  <a:ext uri="{0D108BD9-81ED-4DB2-BD59-A6C34878D82A}">
-                    <a16:rowId xmlns:a16="http://schemas.microsoft.com/office/drawing/2014/main" val="10002"/>
-                  </a:ext>
-                </a:extLst>
-              </a:tr>
-              <a:tr h="477116">
-                <a:tc>
-                  <a:txBody>
-                    <a:bodyPr/>
-                    <a:lstStyle/>
-                    <a:p>
-                      <a:pPr algn="ctr"/>
-                      <a:r>
-                        <a:rPr sz="1200" b="0" dirty="0">
-                          <a:solidFill>
-                            <a:schemeClr val="tx1">
-                              <a:lumMod val="75000"/>
-                              <a:lumOff val="25000"/>
-                            </a:schemeClr>
-                          </a:solidFill>
-                          <a:latin typeface="+mj-lt"/>
-                          <a:ea typeface="微软雅黑" panose="020B0503020204020204" pitchFamily="34" charset="-122"/>
-                        </a:rPr>
-                        <a:t>3</a:t>
-                      </a:r>
-                    </a:p>
-                  </a:txBody>
-                  <a:tcPr marL="91445" marR="91445" marT="45713" marB="45713" anchor="ctr">
-                    <a:solidFill>
-                      <a:srgbClr val="FFFFFF"/>
-                    </a:solidFill>
-                  </a:tcPr>
-                </a:tc>
-                <a:tc>
-                  <a:txBody>
-                    <a:bodyPr/>
-                    <a:lstStyle/>
-                    <a:p>
-                      <a:pPr algn="ctr"/>
-                      <a:r>
-                        <a:rPr sz="1200" b="0" dirty="0" err="1">
-                          <a:solidFill>
-                            <a:srgbClr val="3A4043"/>
-                          </a:solidFill>
-                          <a:latin typeface="+mj-lt"/>
-                          <a:ea typeface="微软雅黑" panose="020B0503020204020204" pitchFamily="34" charset="-122"/>
-                        </a:rPr>
-                        <a:t>伟民小学</a:t>
-                      </a:r>
-                      <a:endParaRPr sz="1200" b="0" dirty="0">
-                        <a:solidFill>
-                          <a:srgbClr val="3A4043"/>
-                        </a:solidFill>
-                        <a:latin typeface="+mj-lt"/>
-                        <a:ea typeface="微软雅黑" panose="020B0503020204020204" pitchFamily="34" charset="-122"/>
-                      </a:endParaRPr>
-                    </a:p>
-                  </a:txBody>
-                  <a:tcPr marL="91445" marR="91445" marT="45712" marB="45712" anchor="ctr">
-                    <a:solidFill>
-                      <a:srgbClr val="FFFFFF"/>
-                    </a:solidFill>
-                  </a:tcPr>
-                </a:tc>
-                <a:tc>
-                  <a:txBody>
-                    <a:bodyPr/>
-                    <a:lstStyle/>
-                    <a:p>
-                      <a:pPr algn="ctr"/>
-                      <a:r>
-                        <a:rPr sz="1200" b="0">
-                          <a:solidFill>
-                            <a:schemeClr val="tx1">
-                              <a:lumMod val="75000"/>
-                              <a:lumOff val="25000"/>
-                            </a:schemeClr>
-                          </a:solidFill>
-                          <a:latin typeface="+mj-lt"/>
-                          <a:ea typeface="微软雅黑" panose="020B0503020204020204" pitchFamily="34" charset="-122"/>
-                        </a:rPr>
-                        <a:t>0.4</a:t>
-                      </a:r>
-                    </a:p>
-                  </a:txBody>
-                  <a:tcPr marL="91445" marR="91445" marT="45713" marB="45713" anchor="ctr">
-                    <a:solidFill>
-                      <a:srgbClr val="FFFFFF"/>
-                    </a:solidFill>
-                  </a:tcPr>
-                </a:tc>
-                <a:extLst>
-                  <a:ext uri="{0D108BD9-81ED-4DB2-BD59-A6C34878D82A}">
-                    <a16:rowId xmlns:a16="http://schemas.microsoft.com/office/drawing/2014/main" val="10003"/>
-                  </a:ext>
-                </a:extLst>
-              </a:tr>
-              <a:tr h="477116">
-                <a:tc>
-                  <a:txBody>
-                    <a:bodyPr/>
-                    <a:lstStyle/>
-                    <a:p>
-                      <a:pPr algn="ctr"/>
-                      <a:r>
-                        <a:rPr sz="1200" b="0">
-                          <a:solidFill>
-                            <a:schemeClr val="tx1">
-                              <a:lumMod val="75000"/>
-                              <a:lumOff val="25000"/>
-                            </a:schemeClr>
-                          </a:solidFill>
-                          <a:latin typeface="+mj-lt"/>
-                          <a:ea typeface="微软雅黑" panose="020B0503020204020204" pitchFamily="34" charset="-122"/>
-                        </a:rPr>
-                        <a:t>4</a:t>
-                      </a:r>
-                    </a:p>
-                  </a:txBody>
-                  <a:tcPr marL="91445" marR="91445" marT="45713" marB="45713" anchor="ctr">
-                    <a:solidFill>
-                      <a:srgbClr val="F6F7F9"/>
-                    </a:solidFill>
-                  </a:tcPr>
-                </a:tc>
-                <a:tc>
-                  <a:txBody>
-                    <a:bodyPr/>
-                    <a:lstStyle/>
-                    <a:p>
-                      <a:pPr algn="ctr"/>
-                      <a:r>
-                        <a:rPr sz="1200" b="0" dirty="0" err="1">
-                          <a:solidFill>
-                            <a:srgbClr val="3A4043"/>
-                          </a:solidFill>
-                          <a:latin typeface="+mj-lt"/>
-                          <a:ea typeface="微软雅黑" panose="020B0503020204020204" pitchFamily="34" charset="-122"/>
-                        </a:rPr>
-                        <a:t>六一学校</a:t>
-                      </a:r>
-                      <a:endParaRPr sz="1200" b="0" dirty="0">
-                        <a:solidFill>
-                          <a:srgbClr val="3A4043"/>
-                        </a:solidFill>
-                        <a:latin typeface="+mj-lt"/>
-                        <a:ea typeface="微软雅黑" panose="020B0503020204020204" pitchFamily="34" charset="-122"/>
-                      </a:endParaRPr>
-                    </a:p>
-                  </a:txBody>
-                  <a:tcPr marL="91445" marR="91445" marT="45712" marB="45712" anchor="ctr">
-                    <a:solidFill>
-                      <a:srgbClr val="F6F7F9"/>
-                    </a:solidFill>
-                  </a:tcPr>
-                </a:tc>
-                <a:tc>
-                  <a:txBody>
-                    <a:bodyPr/>
-                    <a:lstStyle/>
-                    <a:p>
-                      <a:pPr algn="ctr"/>
-                      <a:r>
-                        <a:rPr sz="1200" b="0">
-                          <a:solidFill>
-                            <a:schemeClr val="tx1">
-                              <a:lumMod val="75000"/>
-                              <a:lumOff val="25000"/>
-                            </a:schemeClr>
-                          </a:solidFill>
-                          <a:latin typeface="+mj-lt"/>
-                          <a:ea typeface="微软雅黑" panose="020B0503020204020204" pitchFamily="34" charset="-122"/>
-                        </a:rPr>
-                        <a:t>0.4</a:t>
-                      </a:r>
-                    </a:p>
-                  </a:txBody>
-                  <a:tcPr marL="91445" marR="91445" marT="45713" marB="45713" anchor="ctr">
-                    <a:solidFill>
-                      <a:srgbClr val="F6F7F9"/>
-                    </a:solidFill>
-                  </a:tcPr>
-                </a:tc>
-                <a:extLst>
-                  <a:ext uri="{0D108BD9-81ED-4DB2-BD59-A6C34878D82A}">
-                    <a16:rowId xmlns:a16="http://schemas.microsoft.com/office/drawing/2014/main" val="10004"/>
-                  </a:ext>
-                </a:extLst>
-              </a:tr>
-              <a:tr h="477116">
-                <a:tc>
-                  <a:txBody>
-                    <a:bodyPr/>
-                    <a:lstStyle/>
-                    <a:p>
-                      <a:pPr algn="ctr"/>
-                      <a:r>
-                        <a:rPr sz="1200" b="0">
-                          <a:solidFill>
-                            <a:schemeClr val="tx1">
-                              <a:lumMod val="75000"/>
-                              <a:lumOff val="25000"/>
-                            </a:schemeClr>
-                          </a:solidFill>
-                          <a:latin typeface="+mj-lt"/>
-                          <a:ea typeface="微软雅黑" panose="020B0503020204020204" pitchFamily="34" charset="-122"/>
-                        </a:rPr>
-                        <a:t>5</a:t>
-                      </a:r>
-                    </a:p>
-                  </a:txBody>
-                  <a:tcPr marL="91445" marR="91445" marT="45713" marB="45713" anchor="ctr">
-                    <a:solidFill>
-                      <a:srgbClr val="FFFFFF"/>
-                    </a:solidFill>
-                  </a:tcPr>
-                </a:tc>
-                <a:tc>
-                  <a:txBody>
-                    <a:bodyPr/>
-                    <a:lstStyle/>
-                    <a:p>
-                      <a:pPr algn="ctr"/>
-                      <a:r>
-                        <a:rPr sz="1200" b="0">
-                          <a:solidFill>
-                            <a:srgbClr val="3A4043"/>
-                          </a:solidFill>
-                          <a:latin typeface="+mj-lt"/>
-                          <a:ea typeface="微软雅黑" panose="020B0503020204020204" pitchFamily="34" charset="-122"/>
-                        </a:rPr>
-                        <a:t>上芬小学</a:t>
-                      </a:r>
-                    </a:p>
-                  </a:txBody>
-                  <a:tcPr marL="91445" marR="91445" marT="45712" marB="45712" anchor="ctr">
-                    <a:solidFill>
-                      <a:srgbClr val="FFFFFF"/>
-                    </a:solidFill>
-                  </a:tcPr>
-                </a:tc>
-                <a:tc>
-                  <a:txBody>
-                    <a:bodyPr/>
-                    <a:lstStyle/>
-                    <a:p>
-                      <a:pPr algn="ctr"/>
-                      <a:r>
-                        <a:rPr sz="1200" b="0">
-                          <a:solidFill>
-                            <a:schemeClr val="tx1">
-                              <a:lumMod val="75000"/>
-                              <a:lumOff val="25000"/>
-                            </a:schemeClr>
-                          </a:solidFill>
-                          <a:latin typeface="+mj-lt"/>
-                          <a:ea typeface="微软雅黑" panose="020B0503020204020204" pitchFamily="34" charset="-122"/>
-                        </a:rPr>
-                        <a:t>0.5</a:t>
-                      </a:r>
-                    </a:p>
-                  </a:txBody>
-                  <a:tcPr marL="91445" marR="91445" marT="45713" marB="45713" anchor="ctr">
-                    <a:solidFill>
-                      <a:srgbClr val="FFFFFF"/>
-                    </a:solidFill>
-                  </a:tcPr>
-                </a:tc>
-                <a:extLst>
-                  <a:ext uri="{0D108BD9-81ED-4DB2-BD59-A6C34878D82A}">
-                    <a16:rowId xmlns:a16="http://schemas.microsoft.com/office/drawing/2014/main" val="10005"/>
-                  </a:ext>
-                </a:extLst>
-              </a:tr>
-              <a:tr h="477116">
-                <a:tc>
-                  <a:txBody>
-                    <a:bodyPr/>
-                    <a:lstStyle/>
-                    <a:p>
-                      <a:pPr algn="ctr"/>
-                      <a:r>
-                        <a:rPr sz="1200" b="0">
-                          <a:solidFill>
-                            <a:schemeClr val="tx1">
-                              <a:lumMod val="75000"/>
-                              <a:lumOff val="25000"/>
-                            </a:schemeClr>
-                          </a:solidFill>
-                          <a:latin typeface="+mj-lt"/>
-                          <a:ea typeface="微软雅黑" panose="020B0503020204020204" pitchFamily="34" charset="-122"/>
-                        </a:rPr>
-                        <a:t>6</a:t>
-                      </a:r>
-                    </a:p>
-                  </a:txBody>
-                  <a:tcPr marL="91445" marR="91445" marT="45713" marB="45713" anchor="ctr">
-                    <a:solidFill>
-                      <a:srgbClr val="F6F7F9"/>
-                    </a:solidFill>
-                  </a:tcPr>
-                </a:tc>
-                <a:tc>
-                  <a:txBody>
-                    <a:bodyPr/>
-                    <a:lstStyle/>
-                    <a:p>
-                      <a:pPr algn="ctr"/>
-                      <a:r>
-                        <a:rPr sz="1200" b="0">
-                          <a:solidFill>
-                            <a:srgbClr val="3A4043"/>
-                          </a:solidFill>
-                          <a:latin typeface="+mj-lt"/>
-                          <a:ea typeface="微软雅黑" panose="020B0503020204020204" pitchFamily="34" charset="-122"/>
-                        </a:rPr>
-                        <a:t>民顺小学</a:t>
-                      </a:r>
-                    </a:p>
-                  </a:txBody>
-                  <a:tcPr marL="91445" marR="91445" marT="45712" marB="45712" anchor="ctr">
-                    <a:solidFill>
-                      <a:srgbClr val="F6F7F9"/>
-                    </a:solidFill>
-                  </a:tcPr>
-                </a:tc>
-                <a:tc>
-                  <a:txBody>
-                    <a:bodyPr/>
-                    <a:lstStyle/>
-                    <a:p>
-                      <a:pPr algn="ctr"/>
-                      <a:r>
-                        <a:rPr sz="1200" b="0">
-                          <a:solidFill>
-                            <a:schemeClr val="tx1">
-                              <a:lumMod val="75000"/>
-                              <a:lumOff val="25000"/>
-                            </a:schemeClr>
-                          </a:solidFill>
-                          <a:latin typeface="+mj-lt"/>
-                          <a:ea typeface="微软雅黑" panose="020B0503020204020204" pitchFamily="34" charset="-122"/>
-                        </a:rPr>
-                        <a:t>0.5</a:t>
-                      </a:r>
-                    </a:p>
-                  </a:txBody>
-                  <a:tcPr marL="91445" marR="91445" marT="45713" marB="45713" anchor="ctr">
-                    <a:solidFill>
-                      <a:srgbClr val="F6F7F9"/>
-                    </a:solidFill>
-                  </a:tcPr>
-                </a:tc>
-                <a:extLst>
-                  <a:ext uri="{0D108BD9-81ED-4DB2-BD59-A6C34878D82A}">
-                    <a16:rowId xmlns:a16="http://schemas.microsoft.com/office/drawing/2014/main" val="10006"/>
-                  </a:ext>
-                </a:extLst>
-              </a:tr>
-              <a:tr h="477116">
-                <a:tc>
-                  <a:txBody>
-                    <a:bodyPr/>
-                    <a:lstStyle/>
-                    <a:p>
-                      <a:pPr algn="ctr"/>
-                      <a:r>
-                        <a:rPr sz="1200" b="0">
-                          <a:solidFill>
-                            <a:schemeClr val="tx1">
-                              <a:lumMod val="75000"/>
-                              <a:lumOff val="25000"/>
-                            </a:schemeClr>
-                          </a:solidFill>
-                          <a:latin typeface="+mj-lt"/>
-                          <a:ea typeface="微软雅黑" panose="020B0503020204020204" pitchFamily="34" charset="-122"/>
-                        </a:rPr>
-                        <a:t>7</a:t>
-                      </a:r>
-                    </a:p>
-                  </a:txBody>
-                  <a:tcPr marL="91445" marR="91445" marT="45713" marB="45713" anchor="ctr">
-                    <a:solidFill>
-                      <a:srgbClr val="FFFFFF"/>
-                    </a:solidFill>
-                  </a:tcPr>
-                </a:tc>
-                <a:tc>
-                  <a:txBody>
-                    <a:bodyPr/>
-                    <a:lstStyle/>
-                    <a:p>
-                      <a:pPr algn="ctr"/>
-                      <a:r>
-                        <a:rPr sz="1200" b="0" dirty="0" err="1">
-                          <a:solidFill>
-                            <a:srgbClr val="3A4043"/>
-                          </a:solidFill>
-                          <a:latin typeface="+mj-lt"/>
-                          <a:ea typeface="微软雅黑" panose="020B0503020204020204" pitchFamily="34" charset="-122"/>
-                        </a:rPr>
-                        <a:t>深圳高级中学</a:t>
-                      </a:r>
-                      <a:r>
-                        <a:rPr sz="1200" b="0" dirty="0">
-                          <a:solidFill>
-                            <a:srgbClr val="3A4043"/>
-                          </a:solidFill>
-                          <a:latin typeface="+mj-lt"/>
-                          <a:ea typeface="微软雅黑" panose="020B0503020204020204" pitchFamily="34" charset="-122"/>
-                        </a:rPr>
-                        <a:t>(</a:t>
-                      </a:r>
-                      <a:r>
-                        <a:rPr sz="1200" b="0" dirty="0" err="1">
-                          <a:solidFill>
-                            <a:srgbClr val="3A4043"/>
-                          </a:solidFill>
-                          <a:latin typeface="+mj-lt"/>
-                          <a:ea typeface="微软雅黑" panose="020B0503020204020204" pitchFamily="34" charset="-122"/>
-                        </a:rPr>
-                        <a:t>集团</a:t>
-                      </a:r>
-                      <a:r>
-                        <a:rPr sz="1200" b="0" dirty="0">
-                          <a:solidFill>
-                            <a:srgbClr val="3A4043"/>
-                          </a:solidFill>
-                          <a:latin typeface="+mj-lt"/>
-                          <a:ea typeface="微软雅黑" panose="020B0503020204020204" pitchFamily="34" charset="-122"/>
-                        </a:rPr>
-                        <a:t>)</a:t>
-                      </a:r>
-                      <a:r>
-                        <a:rPr sz="1200" b="0" dirty="0" err="1">
-                          <a:solidFill>
-                            <a:srgbClr val="3A4043"/>
-                          </a:solidFill>
-                          <a:latin typeface="+mj-lt"/>
-                          <a:ea typeface="微软雅黑" panose="020B0503020204020204" pitchFamily="34" charset="-122"/>
-                        </a:rPr>
-                        <a:t>北校区</a:t>
-                      </a:r>
-                      <a:endParaRPr sz="1200" b="0" dirty="0">
-                        <a:solidFill>
-                          <a:srgbClr val="3A4043"/>
-                        </a:solidFill>
-                        <a:latin typeface="+mj-lt"/>
-                        <a:ea typeface="微软雅黑" panose="020B0503020204020204" pitchFamily="34" charset="-122"/>
-                      </a:endParaRPr>
-                    </a:p>
-                  </a:txBody>
-                  <a:tcPr marL="91445" marR="91445" marT="45712" marB="45712" anchor="ctr">
-                    <a:solidFill>
-                      <a:srgbClr val="FFFFFF"/>
-                    </a:solidFill>
-                  </a:tcPr>
-                </a:tc>
-                <a:tc>
-                  <a:txBody>
-                    <a:bodyPr/>
-                    <a:lstStyle/>
-                    <a:p>
-                      <a:pPr algn="ctr"/>
-                      <a:r>
-                        <a:rPr sz="1200" b="0" dirty="0">
-                          <a:solidFill>
-                            <a:schemeClr val="tx1">
-                              <a:lumMod val="75000"/>
-                              <a:lumOff val="25000"/>
-                            </a:schemeClr>
-                          </a:solidFill>
-                          <a:latin typeface="+mj-lt"/>
-                          <a:ea typeface="微软雅黑" panose="020B0503020204020204" pitchFamily="34" charset="-122"/>
-                        </a:rPr>
-                        <a:t>0.6</a:t>
-                      </a:r>
-                    </a:p>
-                  </a:txBody>
-                  <a:tcPr marL="91445" marR="91445" marT="45713" marB="45713" anchor="ctr">
-                    <a:solidFill>
-                      <a:srgbClr val="FFFFFF"/>
-                    </a:solidFill>
-                  </a:tcPr>
-                </a:tc>
-                <a:extLst>
-                  <a:ext uri="{0D108BD9-81ED-4DB2-BD59-A6C34878D82A}">
-                    <a16:rowId xmlns:a16="http://schemas.microsoft.com/office/drawing/2014/main" val="10007"/>
-                  </a:ext>
-                </a:extLst>
-              </a:tr>
-            </a:tbl>
-          </a:graphicData>
-        </a:graphic>
-      </p:graphicFrame>
       <p:grpSp>
         <p:nvGrpSpPr>
           <p:cNvPr id="56" name="组合 5">
@@ -19419,6 +18812,341 @@
           </p:txBody>
         </p:sp>
       </p:grpSp>
+      <p:graphicFrame>
+        <p:nvGraphicFramePr>
+          <p:cNvPr id="93" name="Table 92"/>
+          <p:cNvGraphicFramePr>
+            <a:graphicFrameLocks noGrp="1"/>
+          </p:cNvGraphicFramePr>
+          <p:nvPr/>
+        </p:nvGraphicFramePr>
+        <p:xfrm>
+          <a:off x="5760000" y="720000"/>
+          <a:ext cx="3240000" cy="1554480"/>
+        </p:xfrm>
+        <a:graphic>
+          <a:graphicData uri="http://schemas.openxmlformats.org/drawingml/2006/table">
+            <a:tbl>
+              <a:tblPr firstRow="1" bandRow="1">
+                <a:tableStyleId>{5C22544A-7EE6-4342-B048-85BDC9FD1C3A}</a:tableStyleId>
+              </a:tblPr>
+              <a:tblGrid>
+                <a:gridCol w="720000">
+                  <a:extLst>
+                    <a:ext uri="{9D8B030D-6E8A-4147-A177-3AD203B41FA5}">
+                      <a16:colId xmlns:a16="http://schemas.microsoft.com/office/drawing/2014/main" val="20000"/>
+                    </a:ext>
+                  </a:extLst>
+                </a:gridCol>
+                <a:gridCol w="1440000">
+                  <a:extLst>
+                    <a:ext uri="{9D8B030D-6E8A-4147-A177-3AD203B41FA5}">
+                      <a16:colId xmlns:a16="http://schemas.microsoft.com/office/drawing/2014/main" val="20001"/>
+                    </a:ext>
+                  </a:extLst>
+                </a:gridCol>
+                <a:gridCol w="1080000">
+                  <a:extLst>
+                    <a:ext uri="{9D8B030D-6E8A-4147-A177-3AD203B41FA5}">
+                      <a16:colId xmlns:a16="http://schemas.microsoft.com/office/drawing/2014/main" val="20002"/>
+                    </a:ext>
+                  </a:extLst>
+                </a:gridCol>
+              </a:tblGrid>
+              <a:tr h="144000">
+                <a:tc>
+                  <a:txBody>
+                    <a:bodyPr/>
+                    <a:lstStyle/>
+                    <a:p>
+                      <a:r>
+                        <a:rPr sz="1200">
+                          <a:solidFill>
+                            <a:srgbClr val="000000"/>
+                          </a:solidFill>
+                        </a:rPr>
+                        <a:t>编号</a:t>
+                      </a:r>
+                    </a:p>
+                  </a:txBody>
+                  <a:tcPr/>
+                </a:tc>
+                <a:tc>
+                  <a:txBody>
+                    <a:bodyPr/>
+                    <a:lstStyle/>
+                    <a:p>
+                      <a:r>
+                        <a:rPr sz="1200">
+                          <a:solidFill>
+                            <a:srgbClr val="000000"/>
+                          </a:solidFill>
+                        </a:rPr>
+                        <a:t>名称</a:t>
+                      </a:r>
+                    </a:p>
+                  </a:txBody>
+                  <a:tcPr/>
+                </a:tc>
+                <a:tc>
+                  <a:txBody>
+                    <a:bodyPr/>
+                    <a:lstStyle/>
+                    <a:p>
+                      <a:r>
+                        <a:rPr sz="1200">
+                          <a:solidFill>
+                            <a:srgbClr val="000000"/>
+                          </a:solidFill>
+                        </a:rPr>
+                        <a:t>距离(km)</a:t>
+                      </a:r>
+                    </a:p>
+                  </a:txBody>
+                  <a:tcPr/>
+                </a:tc>
+                <a:extLst>
+                  <a:ext uri="{0D108BD9-81ED-4DB2-BD59-A6C34878D82A}">
+                    <a16:rowId xmlns:a16="http://schemas.microsoft.com/office/drawing/2014/main" val="10000"/>
+                  </a:ext>
+                </a:extLst>
+              </a:tr>
+              <a:tr h="144000">
+                <a:tc>
+                  <a:txBody>
+                    <a:bodyPr/>
+                    <a:lstStyle/>
+                    <a:p>
+                      <a:r>
+                        <a:rPr sz="1200">
+                          <a:solidFill>
+                            <a:srgbClr val="000000"/>
+                          </a:solidFill>
+                        </a:rPr>
+                        <a:t>1</a:t>
+                      </a:r>
+                    </a:p>
+                  </a:txBody>
+                  <a:tcPr/>
+                </a:tc>
+                <a:tc>
+                  <a:txBody>
+                    <a:bodyPr/>
+                    <a:lstStyle/>
+                    <a:p>
+                      <a:r>
+                        <a:rPr sz="1200">
+                          <a:solidFill>
+                            <a:srgbClr val="000000"/>
+                          </a:solidFill>
+                        </a:rPr>
+                        <a:t>和平实验小学</a:t>
+                      </a:r>
+                    </a:p>
+                  </a:txBody>
+                  <a:tcPr/>
+                </a:tc>
+                <a:tc>
+                  <a:txBody>
+                    <a:bodyPr/>
+                    <a:lstStyle/>
+                    <a:p>
+                      <a:r>
+                        <a:rPr sz="1200">
+                          <a:solidFill>
+                            <a:srgbClr val="000000"/>
+                          </a:solidFill>
+                        </a:rPr>
+                        <a:t>0.8</a:t>
+                      </a:r>
+                    </a:p>
+                  </a:txBody>
+                  <a:tcPr/>
+                </a:tc>
+                <a:extLst>
+                  <a:ext uri="{0D108BD9-81ED-4DB2-BD59-A6C34878D82A}">
+                    <a16:rowId xmlns:a16="http://schemas.microsoft.com/office/drawing/2014/main" val="10001"/>
+                  </a:ext>
+                </a:extLst>
+              </a:tr>
+              <a:tr h="144000">
+                <a:tc>
+                  <a:txBody>
+                    <a:bodyPr/>
+                    <a:lstStyle/>
+                    <a:p>
+                      <a:r>
+                        <a:rPr sz="1200">
+                          <a:solidFill>
+                            <a:srgbClr val="000000"/>
+                          </a:solidFill>
+                        </a:rPr>
+                        <a:t>2</a:t>
+                      </a:r>
+                    </a:p>
+                  </a:txBody>
+                  <a:tcPr/>
+                </a:tc>
+                <a:tc>
+                  <a:txBody>
+                    <a:bodyPr/>
+                    <a:lstStyle/>
+                    <a:p>
+                      <a:r>
+                        <a:rPr sz="1200">
+                          <a:solidFill>
+                            <a:srgbClr val="000000"/>
+                          </a:solidFill>
+                        </a:rPr>
+                        <a:t>民治小学</a:t>
+                      </a:r>
+                    </a:p>
+                  </a:txBody>
+                  <a:tcPr/>
+                </a:tc>
+                <a:tc>
+                  <a:txBody>
+                    <a:bodyPr/>
+                    <a:lstStyle/>
+                    <a:p>
+                      <a:r>
+                        <a:rPr sz="1200">
+                          <a:solidFill>
+                            <a:srgbClr val="000000"/>
+                          </a:solidFill>
+                        </a:rPr>
+                        <a:t>1.8</a:t>
+                      </a:r>
+                    </a:p>
+                  </a:txBody>
+                  <a:tcPr/>
+                </a:tc>
+                <a:extLst>
+                  <a:ext uri="{0D108BD9-81ED-4DB2-BD59-A6C34878D82A}">
+                    <a16:rowId xmlns:a16="http://schemas.microsoft.com/office/drawing/2014/main" val="10002"/>
+                  </a:ext>
+                </a:extLst>
+              </a:tr>
+              <a:tr h="144000">
+                <a:tc>
+                  <a:txBody>
+                    <a:bodyPr/>
+                    <a:lstStyle/>
+                    <a:p>
+                      <a:r>
+                        <a:rPr sz="1200">
+                          <a:solidFill>
+                            <a:srgbClr val="000000"/>
+                          </a:solidFill>
+                        </a:rPr>
+                        <a:t>3</a:t>
+                      </a:r>
+                    </a:p>
+                  </a:txBody>
+                  <a:tcPr/>
+                </a:tc>
+                <a:tc>
+                  <a:txBody>
+                    <a:bodyPr/>
+                    <a:lstStyle/>
+                    <a:p>
+                      <a:r>
+                        <a:rPr sz="1200">
+                          <a:solidFill>
+                            <a:srgbClr val="000000"/>
+                          </a:solidFill>
+                        </a:rPr>
+                        <a:t>深圳高级中学(集团)北校区</a:t>
+                      </a:r>
+                    </a:p>
+                  </a:txBody>
+                  <a:tcPr/>
+                </a:tc>
+                <a:tc>
+                  <a:txBody>
+                    <a:bodyPr/>
+                    <a:lstStyle/>
+                    <a:p>
+                      <a:r>
+                        <a:rPr sz="1200">
+                          <a:solidFill>
+                            <a:srgbClr val="000000"/>
+                          </a:solidFill>
+                        </a:rPr>
+                        <a:t>2.8</a:t>
+                      </a:r>
+                    </a:p>
+                  </a:txBody>
+                  <a:tcPr/>
+                </a:tc>
+                <a:extLst>
+                  <a:ext uri="{0D108BD9-81ED-4DB2-BD59-A6C34878D82A}">
+                    <a16:rowId xmlns:a16="http://schemas.microsoft.com/office/drawing/2014/main" val="10003"/>
+                  </a:ext>
+                </a:extLst>
+              </a:tr>
+              <a:tr h="144000">
+                <a:tc>
+                  <a:txBody>
+                    <a:bodyPr/>
+                    <a:lstStyle/>
+                    <a:p>
+                      <a:r>
+                        <a:rPr sz="1200">
+                          <a:solidFill>
+                            <a:srgbClr val="000000"/>
+                          </a:solidFill>
+                        </a:rPr>
+                        <a:t>4</a:t>
+                      </a:r>
+                    </a:p>
+                  </a:txBody>
+                  <a:tcPr/>
+                </a:tc>
+                <a:tc>
+                  <a:txBody>
+                    <a:bodyPr/>
+                    <a:lstStyle/>
+                    <a:p>
+                      <a:r>
+                        <a:rPr sz="1200">
+                          <a:solidFill>
+                            <a:srgbClr val="000000"/>
+                          </a:solidFill>
+                        </a:rPr>
+                        <a:t>希望中学</a:t>
+                      </a:r>
+                    </a:p>
+                  </a:txBody>
+                  <a:tcPr/>
+                </a:tc>
+                <a:tc>
+                  <a:txBody>
+                    <a:bodyPr/>
+                    <a:lstStyle/>
+                    <a:p>
+                      <a:r>
+                        <a:rPr sz="1200">
+                          <a:solidFill>
+                            <a:srgbClr val="000000"/>
+                          </a:solidFill>
+                        </a:rPr>
+                        <a:t>3.8</a:t>
+                      </a:r>
+                    </a:p>
+                  </a:txBody>
+                  <a:tcPr/>
+                </a:tc>
+                <a:extLst>
+                  <a:ext uri="{0D108BD9-81ED-4DB2-BD59-A6C34878D82A}">
+                    <a16:rowId xmlns:a16="http://schemas.microsoft.com/office/drawing/2014/main" val="10004"/>
+                  </a:ext>
+                </a:extLst>
+              </a:tr>
+            </a:tbl>
+          </a:graphicData>
+        </a:graphic>
+      </p:graphicFrame>
     </p:spTree>
     <p:extLst>
       <p:ext uri="{BB962C8B-B14F-4D97-AF65-F5344CB8AC3E}">
@@ -19499,347 +19227,6 @@
           </a:p>
         </p:txBody>
       </p:sp>
-      <p:graphicFrame>
-        <p:nvGraphicFramePr>
-          <p:cNvPr id="55" name="New Table">
-            <a:extLst>
-              <a:ext uri="{FF2B5EF4-FFF2-40B4-BE49-F238E27FC236}">
-                <a16:creationId xmlns:a16="http://schemas.microsoft.com/office/drawing/2014/main" id="{F5C88DF3-F6B9-4513-8162-E7A45D4509A4}"/>
-              </a:ext>
-            </a:extLst>
-          </p:cNvPr>
-          <p:cNvGraphicFramePr>
-            <a:graphicFrameLocks noGrp="1"/>
-          </p:cNvGraphicFramePr>
-          <p:nvPr>
-            <p:extLst>
-              <p:ext uri="{D42A27DB-BD31-4B8C-83A1-F6EECF244321}">
-                <p14:modId xmlns:p14="http://schemas.microsoft.com/office/powerpoint/2010/main" val="592045279"/>
-              </p:ext>
-            </p:extLst>
-          </p:nvPr>
-        </p:nvGraphicFramePr>
-        <p:xfrm>
-          <a:off x="5796136" y="745067"/>
-          <a:ext cx="3259758" cy="1431348"/>
-        </p:xfrm>
-        <a:graphic>
-          <a:graphicData uri="http://schemas.openxmlformats.org/drawingml/2006/table">
-            <a:tbl>
-              <a:tblPr>
-                <a:tableStyleId>{C083E6E3-FA7D-4D7B-A595-EF9225AFEA82}</a:tableStyleId>
-              </a:tblPr>
-              <a:tblGrid>
-                <a:gridCol w="1086586">
-                  <a:extLst>
-                    <a:ext uri="{9D8B030D-6E8A-4147-A177-3AD203B41FA5}">
-                      <a16:colId xmlns:a16="http://schemas.microsoft.com/office/drawing/2014/main" val="20000"/>
-                    </a:ext>
-                  </a:extLst>
-                </a:gridCol>
-                <a:gridCol w="1086586">
-                  <a:extLst>
-                    <a:ext uri="{9D8B030D-6E8A-4147-A177-3AD203B41FA5}">
-                      <a16:colId xmlns:a16="http://schemas.microsoft.com/office/drawing/2014/main" val="20001"/>
-                    </a:ext>
-                  </a:extLst>
-                </a:gridCol>
-                <a:gridCol w="1086586">
-                  <a:extLst>
-                    <a:ext uri="{9D8B030D-6E8A-4147-A177-3AD203B41FA5}">
-                      <a16:colId xmlns:a16="http://schemas.microsoft.com/office/drawing/2014/main" val="20003"/>
-                    </a:ext>
-                  </a:extLst>
-                </a:gridCol>
-              </a:tblGrid>
-              <a:tr h="477116">
-                <a:tc>
-                  <a:txBody>
-                    <a:bodyPr/>
-                    <a:lstStyle/>
-                    <a:p>
-                      <a:pPr algn="ctr"/>
-                      <a:r>
-                        <a:rPr sz="1200" b="1" dirty="0" err="1">
-                          <a:solidFill>
-                            <a:schemeClr val="tx1">
-                              <a:lumMod val="75000"/>
-                              <a:lumOff val="25000"/>
-                            </a:schemeClr>
-                          </a:solidFill>
-                          <a:latin typeface="+mn-lt"/>
-                          <a:ea typeface="微软雅黑" panose="020B0503020204020204" pitchFamily="34" charset="-122"/>
-                        </a:rPr>
-                        <a:t>编号</a:t>
-                      </a:r>
-                      <a:endParaRPr sz="1200" b="1" dirty="0">
-                        <a:solidFill>
-                          <a:schemeClr val="tx1">
-                            <a:lumMod val="75000"/>
-                            <a:lumOff val="25000"/>
-                          </a:schemeClr>
-                        </a:solidFill>
-                        <a:latin typeface="+mn-lt"/>
-                        <a:ea typeface="微软雅黑" panose="020B0503020204020204" pitchFamily="34" charset="-122"/>
-                      </a:endParaRPr>
-                    </a:p>
-                  </a:txBody>
-                  <a:tcPr marL="91445" marR="91445" marT="45713" marB="45713" anchor="ctr"/>
-                </a:tc>
-                <a:tc>
-                  <a:txBody>
-                    <a:bodyPr/>
-                    <a:lstStyle/>
-                    <a:p>
-                      <a:pPr algn="ctr"/>
-                      <a:r>
-                        <a:rPr sz="1200" b="1" dirty="0" err="1">
-                          <a:solidFill>
-                            <a:schemeClr val="tx1">
-                              <a:lumMod val="75000"/>
-                              <a:lumOff val="25000"/>
-                            </a:schemeClr>
-                          </a:solidFill>
-                          <a:latin typeface="+mn-lt"/>
-                          <a:ea typeface="微软雅黑" panose="020B0503020204020204" pitchFamily="34" charset="-122"/>
-                        </a:rPr>
-                        <a:t>名称</a:t>
-                      </a:r>
-                      <a:endParaRPr sz="1200" b="1" dirty="0">
-                        <a:solidFill>
-                          <a:schemeClr val="tx1">
-                            <a:lumMod val="75000"/>
-                            <a:lumOff val="25000"/>
-                          </a:schemeClr>
-                        </a:solidFill>
-                        <a:latin typeface="+mn-lt"/>
-                        <a:ea typeface="微软雅黑" panose="020B0503020204020204" pitchFamily="34" charset="-122"/>
-                      </a:endParaRPr>
-                    </a:p>
-                  </a:txBody>
-                  <a:tcPr marL="91445" marR="91445" marT="45713" marB="45713" anchor="ctr"/>
-                </a:tc>
-                <a:tc>
-                  <a:txBody>
-                    <a:bodyPr/>
-                    <a:lstStyle/>
-                    <a:p>
-                      <a:pPr algn="ctr"/>
-                      <a:r>
-                        <a:rPr sz="1200" b="1" dirty="0" err="1">
-                          <a:solidFill>
-                            <a:schemeClr val="tx1">
-                              <a:lumMod val="75000"/>
-                              <a:lumOff val="25000"/>
-                            </a:schemeClr>
-                          </a:solidFill>
-                          <a:latin typeface="+mn-lt"/>
-                          <a:ea typeface="微软雅黑" panose="020B0503020204020204" pitchFamily="34" charset="-122"/>
-                        </a:rPr>
-                        <a:t>距离</a:t>
-                      </a:r>
-                      <a:r>
-                        <a:rPr sz="1200" b="1" dirty="0">
-                          <a:solidFill>
-                            <a:schemeClr val="tx1">
-                              <a:lumMod val="75000"/>
-                              <a:lumOff val="25000"/>
-                            </a:schemeClr>
-                          </a:solidFill>
-                          <a:latin typeface="+mn-lt"/>
-                          <a:ea typeface="微软雅黑" panose="020B0503020204020204" pitchFamily="34" charset="-122"/>
-                        </a:rPr>
-                        <a:t>
-(km)</a:t>
-                      </a:r>
-                    </a:p>
-                  </a:txBody>
-                  <a:tcPr marL="91445" marR="91445" marT="45713" marB="45713" anchor="ctr"/>
-                </a:tc>
-                <a:extLst>
-                  <a:ext uri="{0D108BD9-81ED-4DB2-BD59-A6C34878D82A}">
-                    <a16:rowId xmlns:a16="http://schemas.microsoft.com/office/drawing/2014/main" val="10000"/>
-                  </a:ext>
-                </a:extLst>
-              </a:tr>
-              <a:tr h="477116">
-                <a:tc>
-                  <a:txBody>
-                    <a:bodyPr/>
-                    <a:lstStyle/>
-                    <a:p>
-                      <a:pPr algn="ctr"/>
-                      <a:r>
-                        <a:rPr sz="1200" b="0">
-                          <a:solidFill>
-                            <a:schemeClr val="tx1">
-                              <a:lumMod val="75000"/>
-                              <a:lumOff val="25000"/>
-                            </a:schemeClr>
-                          </a:solidFill>
-                          <a:latin typeface="+mn-lt"/>
-                          <a:ea typeface="微软雅黑" panose="020B0503020204020204" pitchFamily="34" charset="-122"/>
-                        </a:rPr>
-                        <a:t>1</a:t>
-                      </a:r>
-                    </a:p>
-                  </a:txBody>
-                  <a:tcPr marL="91445" marR="91445" marT="45713" marB="45713" anchor="ctr">
-                    <a:solidFill>
-                      <a:srgbClr val="FFFFFF"/>
-                    </a:solidFill>
-                  </a:tcPr>
-                </a:tc>
-                <a:tc>
-                  <a:txBody>
-                    <a:bodyPr/>
-                    <a:lstStyle/>
-                    <a:p>
-                      <a:r>
-                        <a:rPr lang="zh-CN" altLang="en-US" sz="1200" dirty="0">
-                          <a:solidFill>
-                            <a:schemeClr val="tx1">
-                              <a:lumMod val="75000"/>
-                              <a:lumOff val="25000"/>
-                            </a:schemeClr>
-                          </a:solidFill>
-                          <a:latin typeface="+mn-lt"/>
-                          <a:ea typeface="微软雅黑" panose="020B0503020204020204" pitchFamily="34" charset="-122"/>
-                        </a:rPr>
-                        <a:t>深圳市第一人民医院</a:t>
-                      </a:r>
-                    </a:p>
-                  </a:txBody>
-                  <a:tcPr marL="91445" marR="91445" marT="45713" marB="45713" anchor="ctr">
-                    <a:solidFill>
-                      <a:srgbClr val="FFFFFF"/>
-                    </a:solidFill>
-                  </a:tcPr>
-                </a:tc>
-                <a:tc>
-                  <a:txBody>
-                    <a:bodyPr/>
-                    <a:lstStyle/>
-                    <a:p>
-                      <a:pPr algn="ctr"/>
-                      <a:r>
-                        <a:rPr sz="1200" b="0" dirty="0">
-                          <a:solidFill>
-                            <a:schemeClr val="tx1">
-                              <a:lumMod val="75000"/>
-                              <a:lumOff val="25000"/>
-                            </a:schemeClr>
-                          </a:solidFill>
-                          <a:latin typeface="+mn-lt"/>
-                          <a:ea typeface="微软雅黑" panose="020B0503020204020204" pitchFamily="34" charset="-122"/>
-                        </a:rPr>
-                        <a:t>0.8</a:t>
-                      </a:r>
-                    </a:p>
-                  </a:txBody>
-                  <a:tcPr marL="91445" marR="91445" marT="45713" marB="45713" anchor="ctr">
-                    <a:solidFill>
-                      <a:srgbClr val="FFFFFF"/>
-                    </a:solidFill>
-                  </a:tcPr>
-                </a:tc>
-                <a:extLst>
-                  <a:ext uri="{0D108BD9-81ED-4DB2-BD59-A6C34878D82A}">
-                    <a16:rowId xmlns:a16="http://schemas.microsoft.com/office/drawing/2014/main" val="10001"/>
-                  </a:ext>
-                </a:extLst>
-              </a:tr>
-              <a:tr h="477116">
-                <a:tc>
-                  <a:txBody>
-                    <a:bodyPr/>
-                    <a:lstStyle/>
-                    <a:p>
-                      <a:pPr algn="ctr"/>
-                      <a:r>
-                        <a:rPr sz="1200" b="0">
-                          <a:solidFill>
-                            <a:schemeClr val="tx1">
-                              <a:lumMod val="75000"/>
-                              <a:lumOff val="25000"/>
-                            </a:schemeClr>
-                          </a:solidFill>
-                          <a:latin typeface="+mn-lt"/>
-                          <a:ea typeface="微软雅黑" panose="020B0503020204020204" pitchFamily="34" charset="-122"/>
-                        </a:rPr>
-                        <a:t>2</a:t>
-                      </a:r>
-                    </a:p>
-                  </a:txBody>
-                  <a:tcPr marL="91445" marR="91445" marT="45713" marB="45713" anchor="ctr">
-                    <a:solidFill>
-                      <a:srgbClr val="F6F7F9"/>
-                    </a:solidFill>
-                  </a:tcPr>
-                </a:tc>
-                <a:tc>
-                  <a:txBody>
-                    <a:bodyPr/>
-                    <a:lstStyle/>
-                    <a:p>
-                      <a:r>
-                        <a:rPr lang="zh-CN" altLang="en-US" sz="1200" dirty="0">
-                          <a:solidFill>
-                            <a:schemeClr val="tx1">
-                              <a:lumMod val="75000"/>
-                              <a:lumOff val="25000"/>
-                            </a:schemeClr>
-                          </a:solidFill>
-                          <a:latin typeface="+mn-lt"/>
-                          <a:ea typeface="微软雅黑" panose="020B0503020204020204" pitchFamily="34" charset="-122"/>
-                        </a:rPr>
-                        <a:t>龙岗人民医院</a:t>
-                      </a:r>
-                    </a:p>
-                  </a:txBody>
-                  <a:tcPr marL="91445" marR="91445" marT="45713" marB="45713" anchor="ctr">
-                    <a:solidFill>
-                      <a:srgbClr val="F6F7F9"/>
-                    </a:solidFill>
-                  </a:tcPr>
-                </a:tc>
-                <a:tc>
-                  <a:txBody>
-                    <a:bodyPr/>
-                    <a:lstStyle/>
-                    <a:p>
-                      <a:pPr algn="ctr"/>
-                      <a:r>
-                        <a:rPr sz="1200" b="0" dirty="0">
-                          <a:solidFill>
-                            <a:schemeClr val="tx1">
-                              <a:lumMod val="75000"/>
-                              <a:lumOff val="25000"/>
-                            </a:schemeClr>
-                          </a:solidFill>
-                          <a:latin typeface="+mn-lt"/>
-                          <a:ea typeface="微软雅黑" panose="020B0503020204020204" pitchFamily="34" charset="-122"/>
-                        </a:rPr>
-                        <a:t>0.1</a:t>
-                      </a:r>
-                    </a:p>
-                  </a:txBody>
-                  <a:tcPr marL="91445" marR="91445" marT="45713" marB="45713" anchor="ctr">
-                    <a:solidFill>
-                      <a:srgbClr val="F6F7F9"/>
-                    </a:solidFill>
-                  </a:tcPr>
-                </a:tc>
-                <a:extLst>
-                  <a:ext uri="{0D108BD9-81ED-4DB2-BD59-A6C34878D82A}">
-                    <a16:rowId xmlns:a16="http://schemas.microsoft.com/office/drawing/2014/main" val="10002"/>
-                  </a:ext>
-                </a:extLst>
-              </a:tr>
-            </a:tbl>
-          </a:graphicData>
-        </a:graphic>
-      </p:graphicFrame>
       <p:pic>
         <p:nvPicPr>
           <p:cNvPr id="94" name="图片 93">
@@ -20322,6 +19709,341 @@
           </p:txBody>
         </p:sp>
       </p:grpSp>
+      <p:graphicFrame>
+        <p:nvGraphicFramePr>
+          <p:cNvPr id="128" name="Table 127"/>
+          <p:cNvGraphicFramePr>
+            <a:graphicFrameLocks noGrp="1"/>
+          </p:cNvGraphicFramePr>
+          <p:nvPr/>
+        </p:nvGraphicFramePr>
+        <p:xfrm>
+          <a:off x="5760000" y="720000"/>
+          <a:ext cx="3240000" cy="1920240"/>
+        </p:xfrm>
+        <a:graphic>
+          <a:graphicData uri="http://schemas.openxmlformats.org/drawingml/2006/table">
+            <a:tbl>
+              <a:tblPr firstRow="1" bandRow="1">
+                <a:tableStyleId>{5C22544A-7EE6-4342-B048-85BDC9FD1C3A}</a:tableStyleId>
+              </a:tblPr>
+              <a:tblGrid>
+                <a:gridCol w="720000">
+                  <a:extLst>
+                    <a:ext uri="{9D8B030D-6E8A-4147-A177-3AD203B41FA5}">
+                      <a16:colId xmlns:a16="http://schemas.microsoft.com/office/drawing/2014/main" val="20000"/>
+                    </a:ext>
+                  </a:extLst>
+                </a:gridCol>
+                <a:gridCol w="1440000">
+                  <a:extLst>
+                    <a:ext uri="{9D8B030D-6E8A-4147-A177-3AD203B41FA5}">
+                      <a16:colId xmlns:a16="http://schemas.microsoft.com/office/drawing/2014/main" val="20001"/>
+                    </a:ext>
+                  </a:extLst>
+                </a:gridCol>
+                <a:gridCol w="1080000">
+                  <a:extLst>
+                    <a:ext uri="{9D8B030D-6E8A-4147-A177-3AD203B41FA5}">
+                      <a16:colId xmlns:a16="http://schemas.microsoft.com/office/drawing/2014/main" val="20002"/>
+                    </a:ext>
+                  </a:extLst>
+                </a:gridCol>
+              </a:tblGrid>
+              <a:tr h="144000">
+                <a:tc>
+                  <a:txBody>
+                    <a:bodyPr/>
+                    <a:lstStyle/>
+                    <a:p>
+                      <a:r>
+                        <a:rPr sz="1200">
+                          <a:solidFill>
+                            <a:srgbClr val="000000"/>
+                          </a:solidFill>
+                        </a:rPr>
+                        <a:t>编号</a:t>
+                      </a:r>
+                    </a:p>
+                  </a:txBody>
+                  <a:tcPr/>
+                </a:tc>
+                <a:tc>
+                  <a:txBody>
+                    <a:bodyPr/>
+                    <a:lstStyle/>
+                    <a:p>
+                      <a:r>
+                        <a:rPr sz="1200">
+                          <a:solidFill>
+                            <a:srgbClr val="000000"/>
+                          </a:solidFill>
+                        </a:rPr>
+                        <a:t>名称</a:t>
+                      </a:r>
+                    </a:p>
+                  </a:txBody>
+                  <a:tcPr/>
+                </a:tc>
+                <a:tc>
+                  <a:txBody>
+                    <a:bodyPr/>
+                    <a:lstStyle/>
+                    <a:p>
+                      <a:r>
+                        <a:rPr sz="1200">
+                          <a:solidFill>
+                            <a:srgbClr val="000000"/>
+                          </a:solidFill>
+                        </a:rPr>
+                        <a:t>距离(km)</a:t>
+                      </a:r>
+                    </a:p>
+                  </a:txBody>
+                  <a:tcPr/>
+                </a:tc>
+                <a:extLst>
+                  <a:ext uri="{0D108BD9-81ED-4DB2-BD59-A6C34878D82A}">
+                    <a16:rowId xmlns:a16="http://schemas.microsoft.com/office/drawing/2014/main" val="10000"/>
+                  </a:ext>
+                </a:extLst>
+              </a:tr>
+              <a:tr h="144000">
+                <a:tc>
+                  <a:txBody>
+                    <a:bodyPr/>
+                    <a:lstStyle/>
+                    <a:p>
+                      <a:r>
+                        <a:rPr sz="1200">
+                          <a:solidFill>
+                            <a:srgbClr val="000000"/>
+                          </a:solidFill>
+                        </a:rPr>
+                        <a:t>1</a:t>
+                      </a:r>
+                    </a:p>
+                  </a:txBody>
+                  <a:tcPr/>
+                </a:tc>
+                <a:tc>
+                  <a:txBody>
+                    <a:bodyPr/>
+                    <a:lstStyle/>
+                    <a:p>
+                      <a:r>
+                        <a:rPr sz="1200">
+                          <a:solidFill>
+                            <a:srgbClr val="000000"/>
+                          </a:solidFill>
+                        </a:rPr>
+                        <a:t>深圳市第一人民医院</a:t>
+                      </a:r>
+                    </a:p>
+                  </a:txBody>
+                  <a:tcPr/>
+                </a:tc>
+                <a:tc>
+                  <a:txBody>
+                    <a:bodyPr/>
+                    <a:lstStyle/>
+                    <a:p>
+                      <a:r>
+                        <a:rPr sz="1200">
+                          <a:solidFill>
+                            <a:srgbClr val="000000"/>
+                          </a:solidFill>
+                        </a:rPr>
+                        <a:t>0.8</a:t>
+                      </a:r>
+                    </a:p>
+                  </a:txBody>
+                  <a:tcPr/>
+                </a:tc>
+                <a:extLst>
+                  <a:ext uri="{0D108BD9-81ED-4DB2-BD59-A6C34878D82A}">
+                    <a16:rowId xmlns:a16="http://schemas.microsoft.com/office/drawing/2014/main" val="10001"/>
+                  </a:ext>
+                </a:extLst>
+              </a:tr>
+              <a:tr h="144000">
+                <a:tc>
+                  <a:txBody>
+                    <a:bodyPr/>
+                    <a:lstStyle/>
+                    <a:p>
+                      <a:r>
+                        <a:rPr sz="1200">
+                          <a:solidFill>
+                            <a:srgbClr val="000000"/>
+                          </a:solidFill>
+                        </a:rPr>
+                        <a:t>2</a:t>
+                      </a:r>
+                    </a:p>
+                  </a:txBody>
+                  <a:tcPr/>
+                </a:tc>
+                <a:tc>
+                  <a:txBody>
+                    <a:bodyPr/>
+                    <a:lstStyle/>
+                    <a:p>
+                      <a:r>
+                        <a:rPr sz="1200">
+                          <a:solidFill>
+                            <a:srgbClr val="000000"/>
+                          </a:solidFill>
+                        </a:rPr>
+                        <a:t>龙岗人民医院</a:t>
+                      </a:r>
+                    </a:p>
+                  </a:txBody>
+                  <a:tcPr/>
+                </a:tc>
+                <a:tc>
+                  <a:txBody>
+                    <a:bodyPr/>
+                    <a:lstStyle/>
+                    <a:p>
+                      <a:r>
+                        <a:rPr sz="1200">
+                          <a:solidFill>
+                            <a:srgbClr val="000000"/>
+                          </a:solidFill>
+                        </a:rPr>
+                        <a:t>1.8</a:t>
+                      </a:r>
+                    </a:p>
+                  </a:txBody>
+                  <a:tcPr/>
+                </a:tc>
+                <a:extLst>
+                  <a:ext uri="{0D108BD9-81ED-4DB2-BD59-A6C34878D82A}">
+                    <a16:rowId xmlns:a16="http://schemas.microsoft.com/office/drawing/2014/main" val="10002"/>
+                  </a:ext>
+                </a:extLst>
+              </a:tr>
+              <a:tr h="144000">
+                <a:tc>
+                  <a:txBody>
+                    <a:bodyPr/>
+                    <a:lstStyle/>
+                    <a:p>
+                      <a:r>
+                        <a:rPr sz="1200">
+                          <a:solidFill>
+                            <a:srgbClr val="000000"/>
+                          </a:solidFill>
+                        </a:rPr>
+                        <a:t>3</a:t>
+                      </a:r>
+                    </a:p>
+                  </a:txBody>
+                  <a:tcPr/>
+                </a:tc>
+                <a:tc>
+                  <a:txBody>
+                    <a:bodyPr/>
+                    <a:lstStyle/>
+                    <a:p>
+                      <a:r>
+                        <a:rPr sz="1200">
+                          <a:solidFill>
+                            <a:srgbClr val="000000"/>
+                          </a:solidFill>
+                        </a:rPr>
+                        <a:t>香港中文大学附属第一人民医院</a:t>
+                      </a:r>
+                    </a:p>
+                  </a:txBody>
+                  <a:tcPr/>
+                </a:tc>
+                <a:tc>
+                  <a:txBody>
+                    <a:bodyPr/>
+                    <a:lstStyle/>
+                    <a:p>
+                      <a:r>
+                        <a:rPr sz="1200">
+                          <a:solidFill>
+                            <a:srgbClr val="000000"/>
+                          </a:solidFill>
+                        </a:rPr>
+                        <a:t>2.8</a:t>
+                      </a:r>
+                    </a:p>
+                  </a:txBody>
+                  <a:tcPr/>
+                </a:tc>
+                <a:extLst>
+                  <a:ext uri="{0D108BD9-81ED-4DB2-BD59-A6C34878D82A}">
+                    <a16:rowId xmlns:a16="http://schemas.microsoft.com/office/drawing/2014/main" val="10003"/>
+                  </a:ext>
+                </a:extLst>
+              </a:tr>
+              <a:tr h="144000">
+                <a:tc>
+                  <a:txBody>
+                    <a:bodyPr/>
+                    <a:lstStyle/>
+                    <a:p>
+                      <a:r>
+                        <a:rPr sz="1200">
+                          <a:solidFill>
+                            <a:srgbClr val="000000"/>
+                          </a:solidFill>
+                        </a:rPr>
+                        <a:t>4</a:t>
+                      </a:r>
+                    </a:p>
+                  </a:txBody>
+                  <a:tcPr/>
+                </a:tc>
+                <a:tc>
+                  <a:txBody>
+                    <a:bodyPr/>
+                    <a:lstStyle/>
+                    <a:p>
+                      <a:r>
+                        <a:rPr sz="1200">
+                          <a:solidFill>
+                            <a:srgbClr val="000000"/>
+                          </a:solidFill>
+                        </a:rPr>
+                        <a:t>南方科技大学附属第一人民医院</a:t>
+                      </a:r>
+                    </a:p>
+                  </a:txBody>
+                  <a:tcPr/>
+                </a:tc>
+                <a:tc>
+                  <a:txBody>
+                    <a:bodyPr/>
+                    <a:lstStyle/>
+                    <a:p>
+                      <a:r>
+                        <a:rPr sz="1200">
+                          <a:solidFill>
+                            <a:srgbClr val="000000"/>
+                          </a:solidFill>
+                        </a:rPr>
+                        <a:t>3.8</a:t>
+                      </a:r>
+                    </a:p>
+                  </a:txBody>
+                  <a:tcPr/>
+                </a:tc>
+                <a:extLst>
+                  <a:ext uri="{0D108BD9-81ED-4DB2-BD59-A6C34878D82A}">
+                    <a16:rowId xmlns:a16="http://schemas.microsoft.com/office/drawing/2014/main" val="10004"/>
+                  </a:ext>
+                </a:extLst>
+              </a:tr>
+            </a:tbl>
+          </a:graphicData>
+        </a:graphic>
+      </p:graphicFrame>
     </p:spTree>
     <p:extLst>
       <p:ext uri="{BB962C8B-B14F-4D97-AF65-F5344CB8AC3E}">
@@ -20402,698 +20124,6 @@
           </a:p>
         </p:txBody>
       </p:sp>
-      <p:graphicFrame>
-        <p:nvGraphicFramePr>
-          <p:cNvPr id="55" name="New Table">
-            <a:extLst>
-              <a:ext uri="{FF2B5EF4-FFF2-40B4-BE49-F238E27FC236}">
-                <a16:creationId xmlns:a16="http://schemas.microsoft.com/office/drawing/2014/main" id="{2489164E-8A43-4337-80C7-C6ABD37D56D6}"/>
-              </a:ext>
-            </a:extLst>
-          </p:cNvPr>
-          <p:cNvGraphicFramePr>
-            <a:graphicFrameLocks noGrp="1"/>
-          </p:cNvGraphicFramePr>
-          <p:nvPr>
-            <p:extLst>
-              <p:ext uri="{D42A27DB-BD31-4B8C-83A1-F6EECF244321}">
-                <p14:modId xmlns:p14="http://schemas.microsoft.com/office/powerpoint/2010/main" val="50937532"/>
-              </p:ext>
-            </p:extLst>
-          </p:nvPr>
-        </p:nvGraphicFramePr>
-        <p:xfrm>
-          <a:off x="5794744" y="745067"/>
-          <a:ext cx="3261150" cy="2862696"/>
-        </p:xfrm>
-        <a:graphic>
-          <a:graphicData uri="http://schemas.openxmlformats.org/drawingml/2006/table">
-            <a:tbl>
-              <a:tblPr>
-                <a:tableStyleId>{C083E6E3-FA7D-4D7B-A595-EF9225AFEA82}</a:tableStyleId>
-              </a:tblPr>
-              <a:tblGrid>
-                <a:gridCol w="1087050">
-                  <a:extLst>
-                    <a:ext uri="{9D8B030D-6E8A-4147-A177-3AD203B41FA5}">
-                      <a16:colId xmlns:a16="http://schemas.microsoft.com/office/drawing/2014/main" val="20000"/>
-                    </a:ext>
-                  </a:extLst>
-                </a:gridCol>
-                <a:gridCol w="1087050">
-                  <a:extLst>
-                    <a:ext uri="{9D8B030D-6E8A-4147-A177-3AD203B41FA5}">
-                      <a16:colId xmlns:a16="http://schemas.microsoft.com/office/drawing/2014/main" val="20001"/>
-                    </a:ext>
-                  </a:extLst>
-                </a:gridCol>
-                <a:gridCol w="1087050">
-                  <a:extLst>
-                    <a:ext uri="{9D8B030D-6E8A-4147-A177-3AD203B41FA5}">
-                      <a16:colId xmlns:a16="http://schemas.microsoft.com/office/drawing/2014/main" val="20003"/>
-                    </a:ext>
-                  </a:extLst>
-                </a:gridCol>
-              </a:tblGrid>
-              <a:tr h="477116">
-                <a:tc>
-                  <a:txBody>
-                    <a:bodyPr/>
-                    <a:lstStyle/>
-                    <a:p>
-                      <a:pPr algn="ctr"/>
-                      <a:r>
-                        <a:rPr sz="1200" b="1" dirty="0" err="1">
-                          <a:solidFill>
-                            <a:schemeClr val="tx1">
-                              <a:lumMod val="75000"/>
-                              <a:lumOff val="25000"/>
-                            </a:schemeClr>
-                          </a:solidFill>
-                          <a:latin typeface="+mn-lt"/>
-                          <a:ea typeface="微软雅黑" panose="020B0503020204020204" pitchFamily="34" charset="-122"/>
-                        </a:rPr>
-                        <a:t>编号</a:t>
-                      </a:r>
-                      <a:endParaRPr sz="1200" b="1" dirty="0">
-                        <a:solidFill>
-                          <a:schemeClr val="tx1">
-                            <a:lumMod val="75000"/>
-                            <a:lumOff val="25000"/>
-                          </a:schemeClr>
-                        </a:solidFill>
-                        <a:latin typeface="+mn-lt"/>
-                        <a:ea typeface="微软雅黑" panose="020B0503020204020204" pitchFamily="34" charset="-122"/>
-                      </a:endParaRPr>
-                    </a:p>
-                  </a:txBody>
-                  <a:tcPr marL="91445" marR="91445" marT="45713" marB="45713" anchor="ctr"/>
-                </a:tc>
-                <a:tc>
-                  <a:txBody>
-                    <a:bodyPr/>
-                    <a:lstStyle/>
-                    <a:p>
-                      <a:pPr algn="ctr"/>
-                      <a:r>
-                        <a:rPr sz="1200" b="1" dirty="0" err="1">
-                          <a:solidFill>
-                            <a:schemeClr val="tx1">
-                              <a:lumMod val="75000"/>
-                              <a:lumOff val="25000"/>
-                            </a:schemeClr>
-                          </a:solidFill>
-                          <a:latin typeface="+mn-lt"/>
-                          <a:ea typeface="微软雅黑" panose="020B0503020204020204" pitchFamily="34" charset="-122"/>
-                        </a:rPr>
-                        <a:t>名称</a:t>
-                      </a:r>
-                      <a:endParaRPr sz="1200" b="1" dirty="0">
-                        <a:solidFill>
-                          <a:schemeClr val="tx1">
-                            <a:lumMod val="75000"/>
-                            <a:lumOff val="25000"/>
-                          </a:schemeClr>
-                        </a:solidFill>
-                        <a:latin typeface="+mn-lt"/>
-                        <a:ea typeface="微软雅黑" panose="020B0503020204020204" pitchFamily="34" charset="-122"/>
-                      </a:endParaRPr>
-                    </a:p>
-                  </a:txBody>
-                  <a:tcPr marL="91445" marR="91445" marT="45713" marB="45713" anchor="ctr"/>
-                </a:tc>
-                <a:tc>
-                  <a:txBody>
-                    <a:bodyPr/>
-                    <a:lstStyle/>
-                    <a:p>
-                      <a:pPr algn="ctr"/>
-                      <a:r>
-                        <a:rPr sz="1200" b="1" dirty="0" err="1">
-                          <a:solidFill>
-                            <a:schemeClr val="tx1">
-                              <a:lumMod val="75000"/>
-                              <a:lumOff val="25000"/>
-                            </a:schemeClr>
-                          </a:solidFill>
-                          <a:latin typeface="+mn-lt"/>
-                          <a:ea typeface="微软雅黑" panose="020B0503020204020204" pitchFamily="34" charset="-122"/>
-                        </a:rPr>
-                        <a:t>距离</a:t>
-                      </a:r>
-                      <a:r>
-                        <a:rPr sz="1200" b="1" dirty="0">
-                          <a:solidFill>
-                            <a:schemeClr val="tx1">
-                              <a:lumMod val="75000"/>
-                              <a:lumOff val="25000"/>
-                            </a:schemeClr>
-                          </a:solidFill>
-                          <a:latin typeface="+mn-lt"/>
-                          <a:ea typeface="微软雅黑" panose="020B0503020204020204" pitchFamily="34" charset="-122"/>
-                        </a:rPr>
-                        <a:t>
-(km)</a:t>
-                      </a:r>
-                    </a:p>
-                  </a:txBody>
-                  <a:tcPr marL="91445" marR="91445" marT="45713" marB="45713" anchor="ctr"/>
-                </a:tc>
-                <a:extLst>
-                  <a:ext uri="{0D108BD9-81ED-4DB2-BD59-A6C34878D82A}">
-                    <a16:rowId xmlns:a16="http://schemas.microsoft.com/office/drawing/2014/main" val="10000"/>
-                  </a:ext>
-                </a:extLst>
-              </a:tr>
-              <a:tr h="477116">
-                <a:tc>
-                  <a:txBody>
-                    <a:bodyPr/>
-                    <a:lstStyle/>
-                    <a:p>
-                      <a:pPr algn="ctr"/>
-                      <a:r>
-                        <a:rPr sz="1200" b="0" dirty="0">
-                          <a:solidFill>
-                            <a:schemeClr val="tx1">
-                              <a:lumMod val="75000"/>
-                              <a:lumOff val="25000"/>
-                            </a:schemeClr>
-                          </a:solidFill>
-                          <a:latin typeface="+mn-lt"/>
-                          <a:ea typeface="微软雅黑" panose="020B0503020204020204" pitchFamily="34" charset="-122"/>
-                        </a:rPr>
-                        <a:t>1</a:t>
-                      </a:r>
-                    </a:p>
-                  </a:txBody>
-                  <a:tcPr marL="91445" marR="91445" marT="45713" marB="45713" anchor="ctr">
-                    <a:solidFill>
-                      <a:srgbClr val="FFFFFF"/>
-                    </a:solidFill>
-                  </a:tcPr>
-                </a:tc>
-                <a:tc>
-                  <a:txBody>
-                    <a:bodyPr/>
-                    <a:lstStyle/>
-                    <a:p>
-                      <a:pPr algn="ctr"/>
-                      <a:r>
-                        <a:rPr sz="1200" b="0" dirty="0" err="1">
-                          <a:solidFill>
-                            <a:schemeClr val="tx1">
-                              <a:lumMod val="75000"/>
-                              <a:lumOff val="25000"/>
-                            </a:schemeClr>
-                          </a:solidFill>
-                          <a:latin typeface="+mn-lt"/>
-                          <a:ea typeface="微软雅黑" panose="020B0503020204020204" pitchFamily="34" charset="-122"/>
-                        </a:rPr>
-                        <a:t>九方购物中心</a:t>
-                      </a:r>
-                      <a:r>
-                        <a:rPr sz="1200" b="0" dirty="0">
-                          <a:solidFill>
-                            <a:schemeClr val="tx1">
-                              <a:lumMod val="75000"/>
-                              <a:lumOff val="25000"/>
-                            </a:schemeClr>
-                          </a:solidFill>
-                          <a:latin typeface="+mn-lt"/>
-                          <a:ea typeface="微软雅黑" panose="020B0503020204020204" pitchFamily="34" charset="-122"/>
-                        </a:rPr>
-                        <a:t>(</a:t>
-                      </a:r>
-                      <a:r>
-                        <a:rPr sz="1200" b="0" dirty="0" err="1">
-                          <a:solidFill>
-                            <a:schemeClr val="tx1">
-                              <a:lumMod val="75000"/>
-                              <a:lumOff val="25000"/>
-                            </a:schemeClr>
-                          </a:solidFill>
-                          <a:latin typeface="+mn-lt"/>
-                          <a:ea typeface="微软雅黑" panose="020B0503020204020204" pitchFamily="34" charset="-122"/>
-                        </a:rPr>
-                        <a:t>人民路</a:t>
-                      </a:r>
-                      <a:r>
-                        <a:rPr sz="1200" b="0" dirty="0">
-                          <a:solidFill>
-                            <a:schemeClr val="tx1">
-                              <a:lumMod val="75000"/>
-                              <a:lumOff val="25000"/>
-                            </a:schemeClr>
-                          </a:solidFill>
-                          <a:latin typeface="+mn-lt"/>
-                          <a:ea typeface="微软雅黑" panose="020B0503020204020204" pitchFamily="34" charset="-122"/>
-                        </a:rPr>
-                        <a:t>)</a:t>
-                      </a:r>
-                    </a:p>
-                  </a:txBody>
-                  <a:tcPr marL="91445" marR="91445" marT="45710" marB="45710" anchor="ctr">
-                    <a:solidFill>
-                      <a:srgbClr val="FFFFFF"/>
-                    </a:solidFill>
-                  </a:tcPr>
-                </a:tc>
-                <a:tc>
-                  <a:txBody>
-                    <a:bodyPr/>
-                    <a:lstStyle/>
-                    <a:p>
-                      <a:pPr algn="ctr"/>
-                      <a:r>
-                        <a:rPr sz="1200" b="0" dirty="0">
-                          <a:solidFill>
-                            <a:schemeClr val="tx1">
-                              <a:lumMod val="75000"/>
-                              <a:lumOff val="25000"/>
-                            </a:schemeClr>
-                          </a:solidFill>
-                          <a:latin typeface="+mn-lt"/>
-                          <a:ea typeface="微软雅黑" panose="020B0503020204020204" pitchFamily="34" charset="-122"/>
-                        </a:rPr>
-                        <a:t>0.8</a:t>
-                      </a:r>
-                    </a:p>
-                  </a:txBody>
-                  <a:tcPr marL="91445" marR="91445" marT="45713" marB="45713" anchor="ctr">
-                    <a:solidFill>
-                      <a:srgbClr val="FFFFFF"/>
-                    </a:solidFill>
-                  </a:tcPr>
-                </a:tc>
-                <a:extLst>
-                  <a:ext uri="{0D108BD9-81ED-4DB2-BD59-A6C34878D82A}">
-                    <a16:rowId xmlns:a16="http://schemas.microsoft.com/office/drawing/2014/main" val="10001"/>
-                  </a:ext>
-                </a:extLst>
-              </a:tr>
-              <a:tr h="477116">
-                <a:tc>
-                  <a:txBody>
-                    <a:bodyPr/>
-                    <a:lstStyle/>
-                    <a:p>
-                      <a:pPr algn="ctr"/>
-                      <a:r>
-                        <a:rPr sz="1200" b="0" dirty="0">
-                          <a:solidFill>
-                            <a:schemeClr val="tx1">
-                              <a:lumMod val="75000"/>
-                              <a:lumOff val="25000"/>
-                            </a:schemeClr>
-                          </a:solidFill>
-                          <a:latin typeface="+mn-lt"/>
-                          <a:ea typeface="微软雅黑" panose="020B0503020204020204" pitchFamily="34" charset="-122"/>
-                        </a:rPr>
-                        <a:t>2</a:t>
-                      </a:r>
-                    </a:p>
-                  </a:txBody>
-                  <a:tcPr marL="91445" marR="91445" marT="45713" marB="45713" anchor="ctr">
-                    <a:solidFill>
-                      <a:srgbClr val="F6F7F9"/>
-                    </a:solidFill>
-                  </a:tcPr>
-                </a:tc>
-                <a:tc>
-                  <a:txBody>
-                    <a:bodyPr/>
-                    <a:lstStyle/>
-                    <a:p>
-                      <a:pPr algn="ctr"/>
-                      <a:r>
-                        <a:rPr sz="1200" b="0" dirty="0" err="1">
-                          <a:solidFill>
-                            <a:schemeClr val="tx1">
-                              <a:lumMod val="75000"/>
-                              <a:lumOff val="25000"/>
-                            </a:schemeClr>
-                          </a:solidFill>
-                          <a:latin typeface="+mn-lt"/>
-                          <a:ea typeface="微软雅黑" panose="020B0503020204020204" pitchFamily="34" charset="-122"/>
-                        </a:rPr>
-                        <a:t>中海环宇新天地</a:t>
-                      </a:r>
-                      <a:endParaRPr sz="1200" b="0" dirty="0">
-                        <a:solidFill>
-                          <a:schemeClr val="tx1">
-                            <a:lumMod val="75000"/>
-                            <a:lumOff val="25000"/>
-                          </a:schemeClr>
-                        </a:solidFill>
-                        <a:latin typeface="+mn-lt"/>
-                        <a:ea typeface="微软雅黑" panose="020B0503020204020204" pitchFamily="34" charset="-122"/>
-                      </a:endParaRPr>
-                    </a:p>
-                  </a:txBody>
-                  <a:tcPr marL="91445" marR="91445" marT="45710" marB="45710" anchor="ctr">
-                    <a:solidFill>
-                      <a:srgbClr val="F6F7F9"/>
-                    </a:solidFill>
-                  </a:tcPr>
-                </a:tc>
-                <a:tc>
-                  <a:txBody>
-                    <a:bodyPr/>
-                    <a:lstStyle/>
-                    <a:p>
-                      <a:pPr algn="ctr"/>
-                      <a:r>
-                        <a:rPr sz="1200" b="0">
-                          <a:solidFill>
-                            <a:schemeClr val="tx1">
-                              <a:lumMod val="75000"/>
-                              <a:lumOff val="25000"/>
-                            </a:schemeClr>
-                          </a:solidFill>
-                          <a:latin typeface="+mn-lt"/>
-                          <a:ea typeface="微软雅黑" panose="020B0503020204020204" pitchFamily="34" charset="-122"/>
-                        </a:rPr>
-                        <a:t>0.1</a:t>
-                      </a:r>
-                    </a:p>
-                  </a:txBody>
-                  <a:tcPr marL="91445" marR="91445" marT="45713" marB="45713" anchor="ctr">
-                    <a:solidFill>
-                      <a:srgbClr val="F6F7F9"/>
-                    </a:solidFill>
-                  </a:tcPr>
-                </a:tc>
-                <a:extLst>
-                  <a:ext uri="{0D108BD9-81ED-4DB2-BD59-A6C34878D82A}">
-                    <a16:rowId xmlns:a16="http://schemas.microsoft.com/office/drawing/2014/main" val="10002"/>
-                  </a:ext>
-                </a:extLst>
-              </a:tr>
-              <a:tr h="477116">
-                <a:tc>
-                  <a:txBody>
-                    <a:bodyPr/>
-                    <a:lstStyle/>
-                    <a:p>
-                      <a:pPr algn="ctr"/>
-                      <a:r>
-                        <a:rPr sz="1200" b="0" dirty="0">
-                          <a:solidFill>
-                            <a:schemeClr val="tx1">
-                              <a:lumMod val="75000"/>
-                              <a:lumOff val="25000"/>
-                            </a:schemeClr>
-                          </a:solidFill>
-                          <a:latin typeface="+mn-lt"/>
-                          <a:ea typeface="微软雅黑" panose="020B0503020204020204" pitchFamily="34" charset="-122"/>
-                        </a:rPr>
-                        <a:t>3</a:t>
-                      </a:r>
-                    </a:p>
-                  </a:txBody>
-                  <a:tcPr marL="91445" marR="91445" marT="45713" marB="45713" anchor="ctr">
-                    <a:solidFill>
-                      <a:srgbClr val="FFFFFF"/>
-                    </a:solidFill>
-                  </a:tcPr>
-                </a:tc>
-                <a:tc>
-                  <a:txBody>
-                    <a:bodyPr/>
-                    <a:lstStyle/>
-                    <a:p>
-                      <a:pPr algn="ctr"/>
-                      <a:r>
-                        <a:rPr sz="1200" b="0" dirty="0" err="1">
-                          <a:solidFill>
-                            <a:schemeClr val="tx1">
-                              <a:lumMod val="75000"/>
-                              <a:lumOff val="25000"/>
-                            </a:schemeClr>
-                          </a:solidFill>
-                          <a:latin typeface="+mn-lt"/>
-                          <a:ea typeface="微软雅黑" panose="020B0503020204020204" pitchFamily="34" charset="-122"/>
-                        </a:rPr>
-                        <a:t>U·ONE优城</a:t>
-                      </a:r>
-                      <a:endParaRPr sz="1200" b="0" dirty="0">
-                        <a:solidFill>
-                          <a:schemeClr val="tx1">
-                            <a:lumMod val="75000"/>
-                            <a:lumOff val="25000"/>
-                          </a:schemeClr>
-                        </a:solidFill>
-                        <a:latin typeface="+mn-lt"/>
-                        <a:ea typeface="微软雅黑" panose="020B0503020204020204" pitchFamily="34" charset="-122"/>
-                      </a:endParaRPr>
-                    </a:p>
-                  </a:txBody>
-                  <a:tcPr marL="91445" marR="91445" marT="45710" marB="45710" anchor="ctr">
-                    <a:solidFill>
-                      <a:srgbClr val="FFFFFF"/>
-                    </a:solidFill>
-                  </a:tcPr>
-                </a:tc>
-                <a:tc>
-                  <a:txBody>
-                    <a:bodyPr/>
-                    <a:lstStyle/>
-                    <a:p>
-                      <a:pPr algn="ctr"/>
-                      <a:r>
-                        <a:rPr sz="1200" b="0">
-                          <a:solidFill>
-                            <a:schemeClr val="tx1">
-                              <a:lumMod val="75000"/>
-                              <a:lumOff val="25000"/>
-                            </a:schemeClr>
-                          </a:solidFill>
-                          <a:latin typeface="+mn-lt"/>
-                          <a:ea typeface="微软雅黑" panose="020B0503020204020204" pitchFamily="34" charset="-122"/>
-                        </a:rPr>
-                        <a:t>0.4</a:t>
-                      </a:r>
-                    </a:p>
-                  </a:txBody>
-                  <a:tcPr marL="91445" marR="91445" marT="45713" marB="45713" anchor="ctr">
-                    <a:solidFill>
-                      <a:srgbClr val="FFFFFF"/>
-                    </a:solidFill>
-                  </a:tcPr>
-                </a:tc>
-                <a:extLst>
-                  <a:ext uri="{0D108BD9-81ED-4DB2-BD59-A6C34878D82A}">
-                    <a16:rowId xmlns:a16="http://schemas.microsoft.com/office/drawing/2014/main" val="10003"/>
-                  </a:ext>
-                </a:extLst>
-              </a:tr>
-              <a:tr h="477116">
-                <a:tc>
-                  <a:txBody>
-                    <a:bodyPr/>
-                    <a:lstStyle/>
-                    <a:p>
-                      <a:pPr algn="ctr"/>
-                      <a:r>
-                        <a:rPr sz="1200" b="0">
-                          <a:solidFill>
-                            <a:schemeClr val="tx1">
-                              <a:lumMod val="75000"/>
-                              <a:lumOff val="25000"/>
-                            </a:schemeClr>
-                          </a:solidFill>
-                          <a:latin typeface="+mn-lt"/>
-                          <a:ea typeface="微软雅黑" panose="020B0503020204020204" pitchFamily="34" charset="-122"/>
-                        </a:rPr>
-                        <a:t>4</a:t>
-                      </a:r>
-                    </a:p>
-                  </a:txBody>
-                  <a:tcPr marL="91445" marR="91445" marT="45713" marB="45713" anchor="ctr">
-                    <a:solidFill>
-                      <a:srgbClr val="F6F7F9"/>
-                    </a:solidFill>
-                  </a:tcPr>
-                </a:tc>
-                <a:tc>
-                  <a:txBody>
-                    <a:bodyPr/>
-                    <a:lstStyle/>
-                    <a:p>
-                      <a:pPr algn="ctr"/>
-                      <a:r>
-                        <a:rPr sz="1200" b="0" dirty="0" err="1">
-                          <a:solidFill>
-                            <a:schemeClr val="tx1">
-                              <a:lumMod val="75000"/>
-                              <a:lumOff val="25000"/>
-                            </a:schemeClr>
-                          </a:solidFill>
-                          <a:latin typeface="+mn-lt"/>
-                          <a:ea typeface="微软雅黑" panose="020B0503020204020204" pitchFamily="34" charset="-122"/>
-                        </a:rPr>
-                        <a:t>嘉熙业广场</a:t>
-                      </a:r>
-                      <a:endParaRPr sz="1200" b="0" dirty="0">
-                        <a:solidFill>
-                          <a:schemeClr val="tx1">
-                            <a:lumMod val="75000"/>
-                            <a:lumOff val="25000"/>
-                          </a:schemeClr>
-                        </a:solidFill>
-                        <a:latin typeface="+mn-lt"/>
-                        <a:ea typeface="微软雅黑" panose="020B0503020204020204" pitchFamily="34" charset="-122"/>
-                      </a:endParaRPr>
-                    </a:p>
-                  </a:txBody>
-                  <a:tcPr marL="91445" marR="91445" marT="45710" marB="45710" anchor="ctr">
-                    <a:solidFill>
-                      <a:srgbClr val="F6F7F9"/>
-                    </a:solidFill>
-                  </a:tcPr>
-                </a:tc>
-                <a:tc>
-                  <a:txBody>
-                    <a:bodyPr/>
-                    <a:lstStyle/>
-                    <a:p>
-                      <a:pPr algn="ctr"/>
-                      <a:r>
-                        <a:rPr sz="1200" b="0">
-                          <a:solidFill>
-                            <a:schemeClr val="tx1">
-                              <a:lumMod val="75000"/>
-                              <a:lumOff val="25000"/>
-                            </a:schemeClr>
-                          </a:solidFill>
-                          <a:latin typeface="+mn-lt"/>
-                          <a:ea typeface="微软雅黑" panose="020B0503020204020204" pitchFamily="34" charset="-122"/>
-                        </a:rPr>
-                        <a:t>0.4</a:t>
-                      </a:r>
-                    </a:p>
-                  </a:txBody>
-                  <a:tcPr marL="91445" marR="91445" marT="45713" marB="45713" anchor="ctr">
-                    <a:solidFill>
-                      <a:srgbClr val="F6F7F9"/>
-                    </a:solidFill>
-                  </a:tcPr>
-                </a:tc>
-                <a:extLst>
-                  <a:ext uri="{0D108BD9-81ED-4DB2-BD59-A6C34878D82A}">
-                    <a16:rowId xmlns:a16="http://schemas.microsoft.com/office/drawing/2014/main" val="10004"/>
-                  </a:ext>
-                </a:extLst>
-              </a:tr>
-              <a:tr h="477116">
-                <a:tc>
-                  <a:txBody>
-                    <a:bodyPr/>
-                    <a:lstStyle/>
-                    <a:p>
-                      <a:pPr algn="ctr"/>
-                      <a:r>
-                        <a:rPr sz="1200" b="0">
-                          <a:solidFill>
-                            <a:schemeClr val="tx1">
-                              <a:lumMod val="75000"/>
-                              <a:lumOff val="25000"/>
-                            </a:schemeClr>
-                          </a:solidFill>
-                          <a:latin typeface="+mn-lt"/>
-                          <a:ea typeface="微软雅黑" panose="020B0503020204020204" pitchFamily="34" charset="-122"/>
-                        </a:rPr>
-                        <a:t>5</a:t>
-                      </a:r>
-                    </a:p>
-                  </a:txBody>
-                  <a:tcPr marL="91445" marR="91445" marT="45713" marB="45713" anchor="ctr">
-                    <a:solidFill>
-                      <a:srgbClr val="FFFFFF"/>
-                    </a:solidFill>
-                  </a:tcPr>
-                </a:tc>
-                <a:tc>
-                  <a:txBody>
-                    <a:bodyPr/>
-                    <a:lstStyle/>
-                    <a:p>
-                      <a:pPr marL="0" marR="0" lvl="0" indent="0" algn="ctr" defTabSz="914400" rtl="0" eaLnBrk="1" fontAlgn="auto" latinLnBrk="0" hangingPunct="1">
-                        <a:lnSpc>
-                          <a:spcPct val="100000"/>
-                        </a:lnSpc>
-                        <a:spcBef>
-                          <a:spcPts val="0"/>
-                        </a:spcBef>
-                        <a:spcAft>
-                          <a:spcPts val="0"/>
-                        </a:spcAft>
-                        <a:buClrTx/>
-                        <a:buSzTx/>
-                        <a:buFontTx/>
-                        <a:buNone/>
-                        <a:tabLst/>
-                        <a:defRPr/>
-                      </a:pPr>
-                      <a:r>
-                        <a:rPr lang="zh-CN" altLang="en-US" sz="1200" dirty="0">
-                          <a:solidFill>
-                            <a:schemeClr val="tx1">
-                              <a:lumMod val="75000"/>
-                              <a:lumOff val="25000"/>
-                            </a:schemeClr>
-                          </a:solidFill>
-                          <a:latin typeface="+mn-lt"/>
-                          <a:ea typeface="微软雅黑" panose="020B0503020204020204" pitchFamily="34" charset="-122"/>
-                        </a:rPr>
-                        <a:t>汇龙时代广场</a:t>
-                      </a:r>
-                    </a:p>
-                  </a:txBody>
-                  <a:tcPr marL="91445" marR="91445" marT="45713" marB="45713" anchor="ctr">
-                    <a:solidFill>
-                      <a:srgbClr val="FFFFFF"/>
-                    </a:solidFill>
-                  </a:tcPr>
-                </a:tc>
-                <a:tc>
-                  <a:txBody>
-                    <a:bodyPr/>
-                    <a:lstStyle/>
-                    <a:p>
-                      <a:pPr algn="ctr"/>
-                      <a:r>
-                        <a:rPr sz="1200" b="0" dirty="0">
-                          <a:solidFill>
-                            <a:schemeClr val="tx1">
-                              <a:lumMod val="75000"/>
-                              <a:lumOff val="25000"/>
-                            </a:schemeClr>
-                          </a:solidFill>
-                          <a:latin typeface="+mn-lt"/>
-                          <a:ea typeface="微软雅黑" panose="020B0503020204020204" pitchFamily="34" charset="-122"/>
-                        </a:rPr>
-                        <a:t>0.5</a:t>
-                      </a:r>
-                    </a:p>
-                  </a:txBody>
-                  <a:tcPr marL="91445" marR="91445" marT="45713" marB="45713" anchor="ctr">
-                    <a:solidFill>
-                      <a:srgbClr val="FFFFFF"/>
-                    </a:solidFill>
-                  </a:tcPr>
-                </a:tc>
-                <a:extLst>
-                  <a:ext uri="{0D108BD9-81ED-4DB2-BD59-A6C34878D82A}">
-                    <a16:rowId xmlns:a16="http://schemas.microsoft.com/office/drawing/2014/main" val="10005"/>
-                  </a:ext>
-                </a:extLst>
-              </a:tr>
-            </a:tbl>
-          </a:graphicData>
-        </a:graphic>
-      </p:graphicFrame>
       <p:pic>
         <p:nvPicPr>
           <p:cNvPr id="95" name="图片 94">
@@ -22235,6 +21265,341 @@
           </p:txBody>
         </p:sp>
       </p:grpSp>
+      <p:graphicFrame>
+        <p:nvGraphicFramePr>
+          <p:cNvPr id="129" name="Table 128"/>
+          <p:cNvGraphicFramePr>
+            <a:graphicFrameLocks noGrp="1"/>
+          </p:cNvGraphicFramePr>
+          <p:nvPr/>
+        </p:nvGraphicFramePr>
+        <p:xfrm>
+          <a:off x="5760000" y="720000"/>
+          <a:ext cx="3240000" cy="1554480"/>
+        </p:xfrm>
+        <a:graphic>
+          <a:graphicData uri="http://schemas.openxmlformats.org/drawingml/2006/table">
+            <a:tbl>
+              <a:tblPr firstRow="1" bandRow="1">
+                <a:tableStyleId>{5C22544A-7EE6-4342-B048-85BDC9FD1C3A}</a:tableStyleId>
+              </a:tblPr>
+              <a:tblGrid>
+                <a:gridCol w="720000">
+                  <a:extLst>
+                    <a:ext uri="{9D8B030D-6E8A-4147-A177-3AD203B41FA5}">
+                      <a16:colId xmlns:a16="http://schemas.microsoft.com/office/drawing/2014/main" val="20000"/>
+                    </a:ext>
+                  </a:extLst>
+                </a:gridCol>
+                <a:gridCol w="1440000">
+                  <a:extLst>
+                    <a:ext uri="{9D8B030D-6E8A-4147-A177-3AD203B41FA5}">
+                      <a16:colId xmlns:a16="http://schemas.microsoft.com/office/drawing/2014/main" val="20001"/>
+                    </a:ext>
+                  </a:extLst>
+                </a:gridCol>
+                <a:gridCol w="1080000">
+                  <a:extLst>
+                    <a:ext uri="{9D8B030D-6E8A-4147-A177-3AD203B41FA5}">
+                      <a16:colId xmlns:a16="http://schemas.microsoft.com/office/drawing/2014/main" val="20002"/>
+                    </a:ext>
+                  </a:extLst>
+                </a:gridCol>
+              </a:tblGrid>
+              <a:tr h="144000">
+                <a:tc>
+                  <a:txBody>
+                    <a:bodyPr/>
+                    <a:lstStyle/>
+                    <a:p>
+                      <a:r>
+                        <a:rPr sz="1200">
+                          <a:solidFill>
+                            <a:srgbClr val="000000"/>
+                          </a:solidFill>
+                        </a:rPr>
+                        <a:t>编号</a:t>
+                      </a:r>
+                    </a:p>
+                  </a:txBody>
+                  <a:tcPr/>
+                </a:tc>
+                <a:tc>
+                  <a:txBody>
+                    <a:bodyPr/>
+                    <a:lstStyle/>
+                    <a:p>
+                      <a:r>
+                        <a:rPr sz="1200">
+                          <a:solidFill>
+                            <a:srgbClr val="000000"/>
+                          </a:solidFill>
+                        </a:rPr>
+                        <a:t>名称</a:t>
+                      </a:r>
+                    </a:p>
+                  </a:txBody>
+                  <a:tcPr/>
+                </a:tc>
+                <a:tc>
+                  <a:txBody>
+                    <a:bodyPr/>
+                    <a:lstStyle/>
+                    <a:p>
+                      <a:r>
+                        <a:rPr sz="1200">
+                          <a:solidFill>
+                            <a:srgbClr val="000000"/>
+                          </a:solidFill>
+                        </a:rPr>
+                        <a:t>距离(km)</a:t>
+                      </a:r>
+                    </a:p>
+                  </a:txBody>
+                  <a:tcPr/>
+                </a:tc>
+                <a:extLst>
+                  <a:ext uri="{0D108BD9-81ED-4DB2-BD59-A6C34878D82A}">
+                    <a16:rowId xmlns:a16="http://schemas.microsoft.com/office/drawing/2014/main" val="10000"/>
+                  </a:ext>
+                </a:extLst>
+              </a:tr>
+              <a:tr h="144000">
+                <a:tc>
+                  <a:txBody>
+                    <a:bodyPr/>
+                    <a:lstStyle/>
+                    <a:p>
+                      <a:r>
+                        <a:rPr sz="1200">
+                          <a:solidFill>
+                            <a:srgbClr val="000000"/>
+                          </a:solidFill>
+                        </a:rPr>
+                        <a:t>1</a:t>
+                      </a:r>
+                    </a:p>
+                  </a:txBody>
+                  <a:tcPr/>
+                </a:tc>
+                <a:tc>
+                  <a:txBody>
+                    <a:bodyPr/>
+                    <a:lstStyle/>
+                    <a:p>
+                      <a:r>
+                        <a:rPr sz="1200">
+                          <a:solidFill>
+                            <a:srgbClr val="000000"/>
+                          </a:solidFill>
+                        </a:rPr>
+                        <a:t>九方购物中心(人民路)</a:t>
+                      </a:r>
+                    </a:p>
+                  </a:txBody>
+                  <a:tcPr/>
+                </a:tc>
+                <a:tc>
+                  <a:txBody>
+                    <a:bodyPr/>
+                    <a:lstStyle/>
+                    <a:p>
+                      <a:r>
+                        <a:rPr sz="1200">
+                          <a:solidFill>
+                            <a:srgbClr val="000000"/>
+                          </a:solidFill>
+                        </a:rPr>
+                        <a:t>0.8</a:t>
+                      </a:r>
+                    </a:p>
+                  </a:txBody>
+                  <a:tcPr/>
+                </a:tc>
+                <a:extLst>
+                  <a:ext uri="{0D108BD9-81ED-4DB2-BD59-A6C34878D82A}">
+                    <a16:rowId xmlns:a16="http://schemas.microsoft.com/office/drawing/2014/main" val="10001"/>
+                  </a:ext>
+                </a:extLst>
+              </a:tr>
+              <a:tr h="144000">
+                <a:tc>
+                  <a:txBody>
+                    <a:bodyPr/>
+                    <a:lstStyle/>
+                    <a:p>
+                      <a:r>
+                        <a:rPr sz="1200">
+                          <a:solidFill>
+                            <a:srgbClr val="000000"/>
+                          </a:solidFill>
+                        </a:rPr>
+                        <a:t>2</a:t>
+                      </a:r>
+                    </a:p>
+                  </a:txBody>
+                  <a:tcPr/>
+                </a:tc>
+                <a:tc>
+                  <a:txBody>
+                    <a:bodyPr/>
+                    <a:lstStyle/>
+                    <a:p>
+                      <a:r>
+                        <a:rPr sz="1200">
+                          <a:solidFill>
+                            <a:srgbClr val="000000"/>
+                          </a:solidFill>
+                        </a:rPr>
+                        <a:t>中海环宇新天地</a:t>
+                      </a:r>
+                    </a:p>
+                  </a:txBody>
+                  <a:tcPr/>
+                </a:tc>
+                <a:tc>
+                  <a:txBody>
+                    <a:bodyPr/>
+                    <a:lstStyle/>
+                    <a:p>
+                      <a:r>
+                        <a:rPr sz="1200">
+                          <a:solidFill>
+                            <a:srgbClr val="000000"/>
+                          </a:solidFill>
+                        </a:rPr>
+                        <a:t>1.8</a:t>
+                      </a:r>
+                    </a:p>
+                  </a:txBody>
+                  <a:tcPr/>
+                </a:tc>
+                <a:extLst>
+                  <a:ext uri="{0D108BD9-81ED-4DB2-BD59-A6C34878D82A}">
+                    <a16:rowId xmlns:a16="http://schemas.microsoft.com/office/drawing/2014/main" val="10002"/>
+                  </a:ext>
+                </a:extLst>
+              </a:tr>
+              <a:tr h="144000">
+                <a:tc>
+                  <a:txBody>
+                    <a:bodyPr/>
+                    <a:lstStyle/>
+                    <a:p>
+                      <a:r>
+                        <a:rPr sz="1200">
+                          <a:solidFill>
+                            <a:srgbClr val="000000"/>
+                          </a:solidFill>
+                        </a:rPr>
+                        <a:t>3</a:t>
+                      </a:r>
+                    </a:p>
+                  </a:txBody>
+                  <a:tcPr/>
+                </a:tc>
+                <a:tc>
+                  <a:txBody>
+                    <a:bodyPr/>
+                    <a:lstStyle/>
+                    <a:p>
+                      <a:r>
+                        <a:rPr sz="1200">
+                          <a:solidFill>
+                            <a:srgbClr val="000000"/>
+                          </a:solidFill>
+                        </a:rPr>
+                        <a:t>U·ONE优城</a:t>
+                      </a:r>
+                    </a:p>
+                  </a:txBody>
+                  <a:tcPr/>
+                </a:tc>
+                <a:tc>
+                  <a:txBody>
+                    <a:bodyPr/>
+                    <a:lstStyle/>
+                    <a:p>
+                      <a:r>
+                        <a:rPr sz="1200">
+                          <a:solidFill>
+                            <a:srgbClr val="000000"/>
+                          </a:solidFill>
+                        </a:rPr>
+                        <a:t>2.8</a:t>
+                      </a:r>
+                    </a:p>
+                  </a:txBody>
+                  <a:tcPr/>
+                </a:tc>
+                <a:extLst>
+                  <a:ext uri="{0D108BD9-81ED-4DB2-BD59-A6C34878D82A}">
+                    <a16:rowId xmlns:a16="http://schemas.microsoft.com/office/drawing/2014/main" val="10003"/>
+                  </a:ext>
+                </a:extLst>
+              </a:tr>
+              <a:tr h="144000">
+                <a:tc>
+                  <a:txBody>
+                    <a:bodyPr/>
+                    <a:lstStyle/>
+                    <a:p>
+                      <a:r>
+                        <a:rPr sz="1200">
+                          <a:solidFill>
+                            <a:srgbClr val="000000"/>
+                          </a:solidFill>
+                        </a:rPr>
+                        <a:t>4</a:t>
+                      </a:r>
+                    </a:p>
+                  </a:txBody>
+                  <a:tcPr/>
+                </a:tc>
+                <a:tc>
+                  <a:txBody>
+                    <a:bodyPr/>
+                    <a:lstStyle/>
+                    <a:p>
+                      <a:r>
+                        <a:rPr sz="1200">
+                          <a:solidFill>
+                            <a:srgbClr val="000000"/>
+                          </a:solidFill>
+                        </a:rPr>
+                        <a:t>汇龙时代广场</a:t>
+                      </a:r>
+                    </a:p>
+                  </a:txBody>
+                  <a:tcPr/>
+                </a:tc>
+                <a:tc>
+                  <a:txBody>
+                    <a:bodyPr/>
+                    <a:lstStyle/>
+                    <a:p>
+                      <a:r>
+                        <a:rPr sz="1200">
+                          <a:solidFill>
+                            <a:srgbClr val="000000"/>
+                          </a:solidFill>
+                        </a:rPr>
+                        <a:t>3.8</a:t>
+                      </a:r>
+                    </a:p>
+                  </a:txBody>
+                  <a:tcPr/>
+                </a:tc>
+                <a:extLst>
+                  <a:ext uri="{0D108BD9-81ED-4DB2-BD59-A6C34878D82A}">
+                    <a16:rowId xmlns:a16="http://schemas.microsoft.com/office/drawing/2014/main" val="10004"/>
+                  </a:ext>
+                </a:extLst>
+              </a:tr>
+            </a:tbl>
+          </a:graphicData>
+        </a:graphic>
+      </p:graphicFrame>
     </p:spTree>
     <p:extLst>
       <p:ext uri="{BB962C8B-B14F-4D97-AF65-F5344CB8AC3E}">
@@ -22315,347 +21680,6 @@
           </a:p>
         </p:txBody>
       </p:sp>
-      <p:graphicFrame>
-        <p:nvGraphicFramePr>
-          <p:cNvPr id="96" name="New Table">
-            <a:extLst>
-              <a:ext uri="{FF2B5EF4-FFF2-40B4-BE49-F238E27FC236}">
-                <a16:creationId xmlns:a16="http://schemas.microsoft.com/office/drawing/2014/main" id="{23C73494-72FF-4652-ADC1-B9F2C95B7FD7}"/>
-              </a:ext>
-            </a:extLst>
-          </p:cNvPr>
-          <p:cNvGraphicFramePr>
-            <a:graphicFrameLocks noGrp="1"/>
-          </p:cNvGraphicFramePr>
-          <p:nvPr>
-            <p:extLst>
-              <p:ext uri="{D42A27DB-BD31-4B8C-83A1-F6EECF244321}">
-                <p14:modId xmlns:p14="http://schemas.microsoft.com/office/powerpoint/2010/main" val="23253416"/>
-              </p:ext>
-            </p:extLst>
-          </p:nvPr>
-        </p:nvGraphicFramePr>
-        <p:xfrm>
-          <a:off x="5794744" y="745067"/>
-          <a:ext cx="3261150" cy="1431348"/>
-        </p:xfrm>
-        <a:graphic>
-          <a:graphicData uri="http://schemas.openxmlformats.org/drawingml/2006/table">
-            <a:tbl>
-              <a:tblPr>
-                <a:tableStyleId>{C083E6E3-FA7D-4D7B-A595-EF9225AFEA82}</a:tableStyleId>
-              </a:tblPr>
-              <a:tblGrid>
-                <a:gridCol w="1087050">
-                  <a:extLst>
-                    <a:ext uri="{9D8B030D-6E8A-4147-A177-3AD203B41FA5}">
-                      <a16:colId xmlns:a16="http://schemas.microsoft.com/office/drawing/2014/main" val="20000"/>
-                    </a:ext>
-                  </a:extLst>
-                </a:gridCol>
-                <a:gridCol w="1087050">
-                  <a:extLst>
-                    <a:ext uri="{9D8B030D-6E8A-4147-A177-3AD203B41FA5}">
-                      <a16:colId xmlns:a16="http://schemas.microsoft.com/office/drawing/2014/main" val="20001"/>
-                    </a:ext>
-                  </a:extLst>
-                </a:gridCol>
-                <a:gridCol w="1087050">
-                  <a:extLst>
-                    <a:ext uri="{9D8B030D-6E8A-4147-A177-3AD203B41FA5}">
-                      <a16:colId xmlns:a16="http://schemas.microsoft.com/office/drawing/2014/main" val="20003"/>
-                    </a:ext>
-                  </a:extLst>
-                </a:gridCol>
-              </a:tblGrid>
-              <a:tr h="477116">
-                <a:tc>
-                  <a:txBody>
-                    <a:bodyPr/>
-                    <a:lstStyle/>
-                    <a:p>
-                      <a:pPr algn="ctr"/>
-                      <a:r>
-                        <a:rPr sz="1200" b="1" dirty="0" err="1">
-                          <a:solidFill>
-                            <a:schemeClr val="tx1">
-                              <a:lumMod val="75000"/>
-                              <a:lumOff val="25000"/>
-                            </a:schemeClr>
-                          </a:solidFill>
-                          <a:latin typeface="+mn-lt"/>
-                          <a:ea typeface="微软雅黑" panose="020B0503020204020204" pitchFamily="34" charset="-122"/>
-                        </a:rPr>
-                        <a:t>编号</a:t>
-                      </a:r>
-                      <a:endParaRPr sz="1200" b="1" dirty="0">
-                        <a:solidFill>
-                          <a:schemeClr val="tx1">
-                            <a:lumMod val="75000"/>
-                            <a:lumOff val="25000"/>
-                          </a:schemeClr>
-                        </a:solidFill>
-                        <a:latin typeface="+mn-lt"/>
-                        <a:ea typeface="微软雅黑" panose="020B0503020204020204" pitchFamily="34" charset="-122"/>
-                      </a:endParaRPr>
-                    </a:p>
-                  </a:txBody>
-                  <a:tcPr marL="91445" marR="91445" marT="45713" marB="45713" anchor="ctr"/>
-                </a:tc>
-                <a:tc>
-                  <a:txBody>
-                    <a:bodyPr/>
-                    <a:lstStyle/>
-                    <a:p>
-                      <a:pPr algn="ctr"/>
-                      <a:r>
-                        <a:rPr sz="1200" b="1" dirty="0" err="1">
-                          <a:solidFill>
-                            <a:schemeClr val="tx1">
-                              <a:lumMod val="75000"/>
-                              <a:lumOff val="25000"/>
-                            </a:schemeClr>
-                          </a:solidFill>
-                          <a:latin typeface="+mn-lt"/>
-                          <a:ea typeface="微软雅黑" panose="020B0503020204020204" pitchFamily="34" charset="-122"/>
-                        </a:rPr>
-                        <a:t>名称</a:t>
-                      </a:r>
-                      <a:endParaRPr sz="1200" b="1" dirty="0">
-                        <a:solidFill>
-                          <a:schemeClr val="tx1">
-                            <a:lumMod val="75000"/>
-                            <a:lumOff val="25000"/>
-                          </a:schemeClr>
-                        </a:solidFill>
-                        <a:latin typeface="+mn-lt"/>
-                        <a:ea typeface="微软雅黑" panose="020B0503020204020204" pitchFamily="34" charset="-122"/>
-                      </a:endParaRPr>
-                    </a:p>
-                  </a:txBody>
-                  <a:tcPr marL="91445" marR="91445" marT="45713" marB="45713" anchor="ctr"/>
-                </a:tc>
-                <a:tc>
-                  <a:txBody>
-                    <a:bodyPr/>
-                    <a:lstStyle/>
-                    <a:p>
-                      <a:pPr algn="ctr"/>
-                      <a:r>
-                        <a:rPr sz="1200" b="1" dirty="0" err="1">
-                          <a:solidFill>
-                            <a:schemeClr val="tx1">
-                              <a:lumMod val="75000"/>
-                              <a:lumOff val="25000"/>
-                            </a:schemeClr>
-                          </a:solidFill>
-                          <a:latin typeface="+mn-lt"/>
-                          <a:ea typeface="微软雅黑" panose="020B0503020204020204" pitchFamily="34" charset="-122"/>
-                        </a:rPr>
-                        <a:t>距离</a:t>
-                      </a:r>
-                      <a:r>
-                        <a:rPr sz="1200" b="1" dirty="0">
-                          <a:solidFill>
-                            <a:schemeClr val="tx1">
-                              <a:lumMod val="75000"/>
-                              <a:lumOff val="25000"/>
-                            </a:schemeClr>
-                          </a:solidFill>
-                          <a:latin typeface="+mn-lt"/>
-                          <a:ea typeface="微软雅黑" panose="020B0503020204020204" pitchFamily="34" charset="-122"/>
-                        </a:rPr>
-                        <a:t>
-(km)</a:t>
-                      </a:r>
-                    </a:p>
-                  </a:txBody>
-                  <a:tcPr marL="91445" marR="91445" marT="45713" marB="45713" anchor="ctr"/>
-                </a:tc>
-                <a:extLst>
-                  <a:ext uri="{0D108BD9-81ED-4DB2-BD59-A6C34878D82A}">
-                    <a16:rowId xmlns:a16="http://schemas.microsoft.com/office/drawing/2014/main" val="10000"/>
-                  </a:ext>
-                </a:extLst>
-              </a:tr>
-              <a:tr h="477116">
-                <a:tc>
-                  <a:txBody>
-                    <a:bodyPr/>
-                    <a:lstStyle/>
-                    <a:p>
-                      <a:pPr algn="ctr"/>
-                      <a:r>
-                        <a:rPr sz="1200" b="0" dirty="0">
-                          <a:solidFill>
-                            <a:schemeClr val="tx1">
-                              <a:lumMod val="75000"/>
-                              <a:lumOff val="25000"/>
-                            </a:schemeClr>
-                          </a:solidFill>
-                          <a:latin typeface="+mn-lt"/>
-                          <a:ea typeface="微软雅黑" panose="020B0503020204020204" pitchFamily="34" charset="-122"/>
-                        </a:rPr>
-                        <a:t>1</a:t>
-                      </a:r>
-                    </a:p>
-                  </a:txBody>
-                  <a:tcPr marL="91445" marR="91445" marT="45713" marB="45713" anchor="ctr">
-                    <a:solidFill>
-                      <a:srgbClr val="FFFFFF"/>
-                    </a:solidFill>
-                  </a:tcPr>
-                </a:tc>
-                <a:tc>
-                  <a:txBody>
-                    <a:bodyPr/>
-                    <a:lstStyle/>
-                    <a:p>
-                      <a:r>
-                        <a:rPr lang="zh-CN" altLang="en-US" sz="1200" dirty="0">
-                          <a:solidFill>
-                            <a:schemeClr val="tx1">
-                              <a:lumMod val="75000"/>
-                              <a:lumOff val="25000"/>
-                            </a:schemeClr>
-                          </a:solidFill>
-                          <a:latin typeface="+mn-lt"/>
-                          <a:ea typeface="微软雅黑" panose="020B0503020204020204" pitchFamily="34" charset="-122"/>
-                        </a:rPr>
-                        <a:t>深圳市福田区政府</a:t>
-                      </a:r>
-                    </a:p>
-                  </a:txBody>
-                  <a:tcPr marL="91445" marR="91445" marT="45713" marB="45713" anchor="ctr">
-                    <a:solidFill>
-                      <a:srgbClr val="FFFFFF"/>
-                    </a:solidFill>
-                  </a:tcPr>
-                </a:tc>
-                <a:tc>
-                  <a:txBody>
-                    <a:bodyPr/>
-                    <a:lstStyle/>
-                    <a:p>
-                      <a:pPr algn="ctr"/>
-                      <a:r>
-                        <a:rPr sz="1200" b="0" dirty="0">
-                          <a:solidFill>
-                            <a:schemeClr val="tx1">
-                              <a:lumMod val="75000"/>
-                              <a:lumOff val="25000"/>
-                            </a:schemeClr>
-                          </a:solidFill>
-                          <a:latin typeface="+mn-lt"/>
-                          <a:ea typeface="微软雅黑" panose="020B0503020204020204" pitchFamily="34" charset="-122"/>
-                        </a:rPr>
-                        <a:t>0.8</a:t>
-                      </a:r>
-                    </a:p>
-                  </a:txBody>
-                  <a:tcPr marL="91445" marR="91445" marT="45713" marB="45713" anchor="ctr">
-                    <a:solidFill>
-                      <a:srgbClr val="FFFFFF"/>
-                    </a:solidFill>
-                  </a:tcPr>
-                </a:tc>
-                <a:extLst>
-                  <a:ext uri="{0D108BD9-81ED-4DB2-BD59-A6C34878D82A}">
-                    <a16:rowId xmlns:a16="http://schemas.microsoft.com/office/drawing/2014/main" val="10001"/>
-                  </a:ext>
-                </a:extLst>
-              </a:tr>
-              <a:tr h="477116">
-                <a:tc>
-                  <a:txBody>
-                    <a:bodyPr/>
-                    <a:lstStyle/>
-                    <a:p>
-                      <a:pPr algn="ctr"/>
-                      <a:r>
-                        <a:rPr sz="1200" b="0" dirty="0">
-                          <a:solidFill>
-                            <a:schemeClr val="tx1">
-                              <a:lumMod val="75000"/>
-                              <a:lumOff val="25000"/>
-                            </a:schemeClr>
-                          </a:solidFill>
-                          <a:latin typeface="+mn-lt"/>
-                          <a:ea typeface="微软雅黑" panose="020B0503020204020204" pitchFamily="34" charset="-122"/>
-                        </a:rPr>
-                        <a:t>2</a:t>
-                      </a:r>
-                    </a:p>
-                  </a:txBody>
-                  <a:tcPr marL="91445" marR="91445" marT="45713" marB="45713" anchor="ctr">
-                    <a:solidFill>
-                      <a:srgbClr val="F6F7F9"/>
-                    </a:solidFill>
-                  </a:tcPr>
-                </a:tc>
-                <a:tc>
-                  <a:txBody>
-                    <a:bodyPr/>
-                    <a:lstStyle/>
-                    <a:p>
-                      <a:r>
-                        <a:rPr lang="zh-CN" altLang="en-US" sz="1200" dirty="0">
-                          <a:solidFill>
-                            <a:schemeClr val="tx1">
-                              <a:lumMod val="75000"/>
-                              <a:lumOff val="25000"/>
-                            </a:schemeClr>
-                          </a:solidFill>
-                          <a:latin typeface="+mn-lt"/>
-                          <a:ea typeface="微软雅黑" panose="020B0503020204020204" pitchFamily="34" charset="-122"/>
-                        </a:rPr>
-                        <a:t>宝山街道居委会</a:t>
-                      </a:r>
-                    </a:p>
-                  </a:txBody>
-                  <a:tcPr marL="91445" marR="91445" marT="45713" marB="45713" anchor="ctr">
-                    <a:solidFill>
-                      <a:srgbClr val="F6F7F9"/>
-                    </a:solidFill>
-                  </a:tcPr>
-                </a:tc>
-                <a:tc>
-                  <a:txBody>
-                    <a:bodyPr/>
-                    <a:lstStyle/>
-                    <a:p>
-                      <a:pPr algn="ctr"/>
-                      <a:r>
-                        <a:rPr sz="1200" b="0" dirty="0">
-                          <a:solidFill>
-                            <a:schemeClr val="tx1">
-                              <a:lumMod val="75000"/>
-                              <a:lumOff val="25000"/>
-                            </a:schemeClr>
-                          </a:solidFill>
-                          <a:latin typeface="+mn-lt"/>
-                          <a:ea typeface="微软雅黑" panose="020B0503020204020204" pitchFamily="34" charset="-122"/>
-                        </a:rPr>
-                        <a:t>0.1</a:t>
-                      </a:r>
-                    </a:p>
-                  </a:txBody>
-                  <a:tcPr marL="91445" marR="91445" marT="45713" marB="45713" anchor="ctr">
-                    <a:solidFill>
-                      <a:srgbClr val="F6F7F9"/>
-                    </a:solidFill>
-                  </a:tcPr>
-                </a:tc>
-                <a:extLst>
-                  <a:ext uri="{0D108BD9-81ED-4DB2-BD59-A6C34878D82A}">
-                    <a16:rowId xmlns:a16="http://schemas.microsoft.com/office/drawing/2014/main" val="10002"/>
-                  </a:ext>
-                </a:extLst>
-              </a:tr>
-            </a:tbl>
-          </a:graphicData>
-        </a:graphic>
-      </p:graphicFrame>
       <p:pic>
         <p:nvPicPr>
           <p:cNvPr id="97" name="图片 96">
@@ -23314,6 +22338,341 @@
           </p:txBody>
         </p:sp>
       </p:grpSp>
+      <p:graphicFrame>
+        <p:nvGraphicFramePr>
+          <p:cNvPr id="164" name="Table 163"/>
+          <p:cNvGraphicFramePr>
+            <a:graphicFrameLocks noGrp="1"/>
+          </p:cNvGraphicFramePr>
+          <p:nvPr/>
+        </p:nvGraphicFramePr>
+        <p:xfrm>
+          <a:off x="5760000" y="720000"/>
+          <a:ext cx="3240000" cy="1371600"/>
+        </p:xfrm>
+        <a:graphic>
+          <a:graphicData uri="http://schemas.openxmlformats.org/drawingml/2006/table">
+            <a:tbl>
+              <a:tblPr firstRow="1" bandRow="1">
+                <a:tableStyleId>{5C22544A-7EE6-4342-B048-85BDC9FD1C3A}</a:tableStyleId>
+              </a:tblPr>
+              <a:tblGrid>
+                <a:gridCol w="720000">
+                  <a:extLst>
+                    <a:ext uri="{9D8B030D-6E8A-4147-A177-3AD203B41FA5}">
+                      <a16:colId xmlns:a16="http://schemas.microsoft.com/office/drawing/2014/main" val="20000"/>
+                    </a:ext>
+                  </a:extLst>
+                </a:gridCol>
+                <a:gridCol w="1440000">
+                  <a:extLst>
+                    <a:ext uri="{9D8B030D-6E8A-4147-A177-3AD203B41FA5}">
+                      <a16:colId xmlns:a16="http://schemas.microsoft.com/office/drawing/2014/main" val="20001"/>
+                    </a:ext>
+                  </a:extLst>
+                </a:gridCol>
+                <a:gridCol w="1080000">
+                  <a:extLst>
+                    <a:ext uri="{9D8B030D-6E8A-4147-A177-3AD203B41FA5}">
+                      <a16:colId xmlns:a16="http://schemas.microsoft.com/office/drawing/2014/main" val="20002"/>
+                    </a:ext>
+                  </a:extLst>
+                </a:gridCol>
+              </a:tblGrid>
+              <a:tr h="144000">
+                <a:tc>
+                  <a:txBody>
+                    <a:bodyPr/>
+                    <a:lstStyle/>
+                    <a:p>
+                      <a:r>
+                        <a:rPr sz="1200">
+                          <a:solidFill>
+                            <a:srgbClr val="000000"/>
+                          </a:solidFill>
+                        </a:rPr>
+                        <a:t>编号</a:t>
+                      </a:r>
+                    </a:p>
+                  </a:txBody>
+                  <a:tcPr/>
+                </a:tc>
+                <a:tc>
+                  <a:txBody>
+                    <a:bodyPr/>
+                    <a:lstStyle/>
+                    <a:p>
+                      <a:r>
+                        <a:rPr sz="1200">
+                          <a:solidFill>
+                            <a:srgbClr val="000000"/>
+                          </a:solidFill>
+                        </a:rPr>
+                        <a:t>名称</a:t>
+                      </a:r>
+                    </a:p>
+                  </a:txBody>
+                  <a:tcPr/>
+                </a:tc>
+                <a:tc>
+                  <a:txBody>
+                    <a:bodyPr/>
+                    <a:lstStyle/>
+                    <a:p>
+                      <a:r>
+                        <a:rPr sz="1200">
+                          <a:solidFill>
+                            <a:srgbClr val="000000"/>
+                          </a:solidFill>
+                        </a:rPr>
+                        <a:t>距离(km)</a:t>
+                      </a:r>
+                    </a:p>
+                  </a:txBody>
+                  <a:tcPr/>
+                </a:tc>
+                <a:extLst>
+                  <a:ext uri="{0D108BD9-81ED-4DB2-BD59-A6C34878D82A}">
+                    <a16:rowId xmlns:a16="http://schemas.microsoft.com/office/drawing/2014/main" val="10000"/>
+                  </a:ext>
+                </a:extLst>
+              </a:tr>
+              <a:tr h="144000">
+                <a:tc>
+                  <a:txBody>
+                    <a:bodyPr/>
+                    <a:lstStyle/>
+                    <a:p>
+                      <a:r>
+                        <a:rPr sz="1200">
+                          <a:solidFill>
+                            <a:srgbClr val="000000"/>
+                          </a:solidFill>
+                        </a:rPr>
+                        <a:t>1</a:t>
+                      </a:r>
+                    </a:p>
+                  </a:txBody>
+                  <a:tcPr/>
+                </a:tc>
+                <a:tc>
+                  <a:txBody>
+                    <a:bodyPr/>
+                    <a:lstStyle/>
+                    <a:p>
+                      <a:r>
+                        <a:rPr sz="1200">
+                          <a:solidFill>
+                            <a:srgbClr val="000000"/>
+                          </a:solidFill>
+                        </a:rPr>
+                        <a:t>深圳市福田区政府</a:t>
+                      </a:r>
+                    </a:p>
+                  </a:txBody>
+                  <a:tcPr/>
+                </a:tc>
+                <a:tc>
+                  <a:txBody>
+                    <a:bodyPr/>
+                    <a:lstStyle/>
+                    <a:p>
+                      <a:r>
+                        <a:rPr sz="1200">
+                          <a:solidFill>
+                            <a:srgbClr val="000000"/>
+                          </a:solidFill>
+                        </a:rPr>
+                        <a:t>0.8</a:t>
+                      </a:r>
+                    </a:p>
+                  </a:txBody>
+                  <a:tcPr/>
+                </a:tc>
+                <a:extLst>
+                  <a:ext uri="{0D108BD9-81ED-4DB2-BD59-A6C34878D82A}">
+                    <a16:rowId xmlns:a16="http://schemas.microsoft.com/office/drawing/2014/main" val="10001"/>
+                  </a:ext>
+                </a:extLst>
+              </a:tr>
+              <a:tr h="144000">
+                <a:tc>
+                  <a:txBody>
+                    <a:bodyPr/>
+                    <a:lstStyle/>
+                    <a:p>
+                      <a:r>
+                        <a:rPr sz="1200">
+                          <a:solidFill>
+                            <a:srgbClr val="000000"/>
+                          </a:solidFill>
+                        </a:rPr>
+                        <a:t>2</a:t>
+                      </a:r>
+                    </a:p>
+                  </a:txBody>
+                  <a:tcPr/>
+                </a:tc>
+                <a:tc>
+                  <a:txBody>
+                    <a:bodyPr/>
+                    <a:lstStyle/>
+                    <a:p>
+                      <a:r>
+                        <a:rPr sz="1200">
+                          <a:solidFill>
+                            <a:srgbClr val="000000"/>
+                          </a:solidFill>
+                        </a:rPr>
+                        <a:t>深圳市南山区政府</a:t>
+                      </a:r>
+                    </a:p>
+                  </a:txBody>
+                  <a:tcPr/>
+                </a:tc>
+                <a:tc>
+                  <a:txBody>
+                    <a:bodyPr/>
+                    <a:lstStyle/>
+                    <a:p>
+                      <a:r>
+                        <a:rPr sz="1200">
+                          <a:solidFill>
+                            <a:srgbClr val="000000"/>
+                          </a:solidFill>
+                        </a:rPr>
+                        <a:t>1.8</a:t>
+                      </a:r>
+                    </a:p>
+                  </a:txBody>
+                  <a:tcPr/>
+                </a:tc>
+                <a:extLst>
+                  <a:ext uri="{0D108BD9-81ED-4DB2-BD59-A6C34878D82A}">
+                    <a16:rowId xmlns:a16="http://schemas.microsoft.com/office/drawing/2014/main" val="10002"/>
+                  </a:ext>
+                </a:extLst>
+              </a:tr>
+              <a:tr h="144000">
+                <a:tc>
+                  <a:txBody>
+                    <a:bodyPr/>
+                    <a:lstStyle/>
+                    <a:p>
+                      <a:r>
+                        <a:rPr sz="1200">
+                          <a:solidFill>
+                            <a:srgbClr val="000000"/>
+                          </a:solidFill>
+                        </a:rPr>
+                        <a:t>3</a:t>
+                      </a:r>
+                    </a:p>
+                  </a:txBody>
+                  <a:tcPr/>
+                </a:tc>
+                <a:tc>
+                  <a:txBody>
+                    <a:bodyPr/>
+                    <a:lstStyle/>
+                    <a:p>
+                      <a:r>
+                        <a:rPr sz="1200">
+                          <a:solidFill>
+                            <a:srgbClr val="000000"/>
+                          </a:solidFill>
+                        </a:rPr>
+                        <a:t>深圳市宝安区政府</a:t>
+                      </a:r>
+                    </a:p>
+                  </a:txBody>
+                  <a:tcPr/>
+                </a:tc>
+                <a:tc>
+                  <a:txBody>
+                    <a:bodyPr/>
+                    <a:lstStyle/>
+                    <a:p>
+                      <a:r>
+                        <a:rPr sz="1200">
+                          <a:solidFill>
+                            <a:srgbClr val="000000"/>
+                          </a:solidFill>
+                        </a:rPr>
+                        <a:t>2.8</a:t>
+                      </a:r>
+                    </a:p>
+                  </a:txBody>
+                  <a:tcPr/>
+                </a:tc>
+                <a:extLst>
+                  <a:ext uri="{0D108BD9-81ED-4DB2-BD59-A6C34878D82A}">
+                    <a16:rowId xmlns:a16="http://schemas.microsoft.com/office/drawing/2014/main" val="10003"/>
+                  </a:ext>
+                </a:extLst>
+              </a:tr>
+              <a:tr h="144000">
+                <a:tc>
+                  <a:txBody>
+                    <a:bodyPr/>
+                    <a:lstStyle/>
+                    <a:p>
+                      <a:r>
+                        <a:rPr sz="1200">
+                          <a:solidFill>
+                            <a:srgbClr val="000000"/>
+                          </a:solidFill>
+                        </a:rPr>
+                        <a:t>4</a:t>
+                      </a:r>
+                    </a:p>
+                  </a:txBody>
+                  <a:tcPr/>
+                </a:tc>
+                <a:tc>
+                  <a:txBody>
+                    <a:bodyPr/>
+                    <a:lstStyle/>
+                    <a:p>
+                      <a:r>
+                        <a:rPr sz="1200">
+                          <a:solidFill>
+                            <a:srgbClr val="000000"/>
+                          </a:solidFill>
+                        </a:rPr>
+                        <a:t>宝山街道居委会</a:t>
+                      </a:r>
+                    </a:p>
+                  </a:txBody>
+                  <a:tcPr/>
+                </a:tc>
+                <a:tc>
+                  <a:txBody>
+                    <a:bodyPr/>
+                    <a:lstStyle/>
+                    <a:p>
+                      <a:r>
+                        <a:rPr sz="1200">
+                          <a:solidFill>
+                            <a:srgbClr val="000000"/>
+                          </a:solidFill>
+                        </a:rPr>
+                        <a:t>3.8</a:t>
+                      </a:r>
+                    </a:p>
+                  </a:txBody>
+                  <a:tcPr/>
+                </a:tc>
+                <a:extLst>
+                  <a:ext uri="{0D108BD9-81ED-4DB2-BD59-A6C34878D82A}">
+                    <a16:rowId xmlns:a16="http://schemas.microsoft.com/office/drawing/2014/main" val="10004"/>
+                  </a:ext>
+                </a:extLst>
+              </a:tr>
+            </a:tbl>
+          </a:graphicData>
+        </a:graphic>
+      </p:graphicFrame>
     </p:spTree>
     <p:extLst>
       <p:ext uri="{BB962C8B-B14F-4D97-AF65-F5344CB8AC3E}">
@@ -23490,7 +22849,7 @@
 </file>
 
 <file path=ppt/slides/slide28.xml><?xml version="1.0" encoding="utf-8"?>
-<p:sld xmlns:a="http://schemas.openxmlformats.org/drawingml/2006/main" xmlns:p="http://schemas.openxmlformats.org/presentationml/2006/main" xmlns:r="http://schemas.openxmlformats.org/officeDocument/2006/relationships">
+<p:sld xmlns:a="http://schemas.openxmlformats.org/drawingml/2006/main" xmlns:r="http://schemas.openxmlformats.org/officeDocument/2006/relationships" xmlns:p="http://schemas.openxmlformats.org/presentationml/2006/main">
   <p:cSld>
     <p:spTree>
       <p:nvGrpSpPr>
@@ -23498,7 +22857,14 @@
         <p:cNvGrpSpPr/>
         <p:nvPr/>
       </p:nvGrpSpPr>
-      <p:grpSpPr/>
+      <p:grpSpPr>
+        <a:xfrm>
+          <a:off x="0" y="0"/>
+          <a:ext cx="0" cy="0"/>
+          <a:chOff x="0" y="0"/>
+          <a:chExt cx="0" cy="0"/>
+        </a:xfrm>
+      </p:grpSpPr>
       <p:sp>
         <p:nvSpPr>
           <p:cNvPr id="2" name="Content Placeholder 1"/>
@@ -23506,14 +22872,16 @@
             <a:spLocks noGrp="1"/>
           </p:cNvSpPr>
           <p:nvPr>
-            <p:ph idx="13" sz="quarter"/>
+            <p:ph sz="quarter" idx="13"/>
           </p:nvPr>
         </p:nvSpPr>
         <p:spPr/>
         <p:txBody>
           <a:bodyPr/>
           <a:lstStyle/>
-          <a:p/>
+          <a:p>
+            <a:endParaRPr/>
+          </a:p>
         </p:txBody>
       </p:sp>
       <p:graphicFrame>
@@ -23530,7 +22898,7 @@
         </p:xfrm>
         <a:graphic>
           <a:graphicData uri="http://schemas.openxmlformats.org/drawingml/2006/chart">
-            <c:chart xmlns:c="http://schemas.openxmlformats.org/drawingml/2006/chart" r:id="rId2"/>
+            <c:chart xmlns:c="http://schemas.openxmlformats.org/drawingml/2006/chart" xmlns:r="http://schemas.openxmlformats.org/officeDocument/2006/relationships" r:id="rId2"/>
           </a:graphicData>
         </a:graphic>
       </p:graphicFrame>
@@ -23553,17 +22921,43 @@
                 <a:tableStyleId>{5C22544A-7EE6-4342-B048-85BDC9FD1C3A}</a:tableStyleId>
               </a:tblPr>
               <a:tblGrid>
-                <a:gridCol w="1080000"/>
-                <a:gridCol w="1080000"/>
-                <a:gridCol w="1080000"/>
-                <a:gridCol w="1080000"/>
+                <a:gridCol w="1080000">
+                  <a:extLst>
+                    <a:ext uri="{9D8B030D-6E8A-4147-A177-3AD203B41FA5}">
+                      <a16:colId xmlns:a16="http://schemas.microsoft.com/office/drawing/2014/main" val="20000"/>
+                    </a:ext>
+                  </a:extLst>
+                </a:gridCol>
+                <a:gridCol w="1080000">
+                  <a:extLst>
+                    <a:ext uri="{9D8B030D-6E8A-4147-A177-3AD203B41FA5}">
+                      <a16:colId xmlns:a16="http://schemas.microsoft.com/office/drawing/2014/main" val="20001"/>
+                    </a:ext>
+                  </a:extLst>
+                </a:gridCol>
+                <a:gridCol w="1080000">
+                  <a:extLst>
+                    <a:ext uri="{9D8B030D-6E8A-4147-A177-3AD203B41FA5}">
+                      <a16:colId xmlns:a16="http://schemas.microsoft.com/office/drawing/2014/main" val="20002"/>
+                    </a:ext>
+                  </a:extLst>
+                </a:gridCol>
+                <a:gridCol w="1080000">
+                  <a:extLst>
+                    <a:ext uri="{9D8B030D-6E8A-4147-A177-3AD203B41FA5}">
+                      <a16:colId xmlns:a16="http://schemas.microsoft.com/office/drawing/2014/main" val="20003"/>
+                    </a:ext>
+                  </a:extLst>
+                </a:gridCol>
               </a:tblGrid>
-              <a:tr h="72000">
-                <a:tc>
-                  <a:txBody>
-                    <a:bodyPr/>
-                    <a:lstStyle/>
-                    <a:p/>
+              <a:tr h="0">
+                <a:tc>
+                  <a:txBody>
+                    <a:bodyPr/>
+                    <a:lstStyle/>
+                    <a:p>
+                      <a:endParaRPr/>
+                    </a:p>
                   </a:txBody>
                   <a:tcPr/>
                 </a:tc>
@@ -23603,8 +22997,13 @@
                   </a:txBody>
                   <a:tcPr/>
                 </a:tc>
+                <a:extLst>
+                  <a:ext uri="{0D108BD9-81ED-4DB2-BD59-A6C34878D82A}">
+                    <a16:rowId xmlns:a16="http://schemas.microsoft.com/office/drawing/2014/main" val="10000"/>
+                  </a:ext>
+                </a:extLst>
               </a:tr>
-              <a:tr h="72000">
+              <a:tr h="0">
                 <a:tc>
                   <a:txBody>
                     <a:bodyPr/>
@@ -23653,8 +23052,13 @@
                   </a:txBody>
                   <a:tcPr/>
                 </a:tc>
+                <a:extLst>
+                  <a:ext uri="{0D108BD9-81ED-4DB2-BD59-A6C34878D82A}">
+                    <a16:rowId xmlns:a16="http://schemas.microsoft.com/office/drawing/2014/main" val="10001"/>
+                  </a:ext>
+                </a:extLst>
               </a:tr>
-              <a:tr h="72000">
+              <a:tr h="0">
                 <a:tc>
                   <a:txBody>
                     <a:bodyPr/>
@@ -23703,8 +23107,13 @@
                   </a:txBody>
                   <a:tcPr/>
                 </a:tc>
+                <a:extLst>
+                  <a:ext uri="{0D108BD9-81ED-4DB2-BD59-A6C34878D82A}">
+                    <a16:rowId xmlns:a16="http://schemas.microsoft.com/office/drawing/2014/main" val="10002"/>
+                  </a:ext>
+                </a:extLst>
               </a:tr>
-              <a:tr h="72000">
+              <a:tr h="0">
                 <a:tc>
                   <a:txBody>
                     <a:bodyPr/>
@@ -23753,6 +23162,11 @@
                   </a:txBody>
                   <a:tcPr/>
                 </a:tc>
+                <a:extLst>
+                  <a:ext uri="{0D108BD9-81ED-4DB2-BD59-A6C34878D82A}">
+                    <a16:rowId xmlns:a16="http://schemas.microsoft.com/office/drawing/2014/main" val="10003"/>
+                  </a:ext>
+                </a:extLst>
               </a:tr>
             </a:tbl>
           </a:graphicData>
@@ -26858,7 +26272,7 @@
         </p:xfrm>
         <a:graphic>
           <a:graphicData uri="http://schemas.openxmlformats.org/drawingml/2006/chart">
-            <c:chart xmlns:c="http://schemas.openxmlformats.org/drawingml/2006/chart" r:id="rId2"/>
+            <c:chart xmlns:c="http://schemas.openxmlformats.org/drawingml/2006/chart" xmlns:r="http://schemas.openxmlformats.org/officeDocument/2006/relationships" r:id="rId2"/>
           </a:graphicData>
         </a:graphic>
       </p:graphicFrame>

--- a/helloWorld/ppt_template/diyun_land_report_result.pptx
+++ b/helloWorld/ppt_template/diyun_land_report_result.pptx
@@ -5,7 +5,7 @@
     <p:sldMasterId id="2147483648" r:id="rId1"/>
   </p:sldMasterIdLst>
   <p:notesMasterIdLst>
-    <p:notesMasterId r:id="rId30"/>
+    <p:notesMasterId r:id="rId29"/>
   </p:notesMasterIdLst>
   <p:sldIdLst>
     <p:sldId id="1207" r:id="rId2"/>
@@ -35,7 +35,7 @@
     <p:sldId id="1223" r:id="rId26"/>
     <p:sldId id="1242" r:id="rId27"/>
     <p:sldId id="1243" r:id="rId28"/>
-    <p:sldId id="1244" r:id="rId29"/>
+    <p:sldId id="1244" r:id="rId34"/>
   </p:sldIdLst>
   <p:sldSz cx="9144000" cy="6858000" type="screen4x3"/>
   <p:notesSz cx="6681788" cy="9812338"/>
@@ -253,11 +253,8 @@
 </file>
 
 <file path=ppt/charts/chart1.xml><?xml version="1.0" encoding="utf-8"?>
-<c:chartSpace xmlns:c="http://schemas.openxmlformats.org/drawingml/2006/chart" xmlns:a="http://schemas.openxmlformats.org/drawingml/2006/main" xmlns:r="http://schemas.openxmlformats.org/officeDocument/2006/relationships" xmlns:c16r2="http://schemas.microsoft.com/office/drawing/2015/06/chart">
+<c:chartSpace xmlns:c="http://schemas.openxmlformats.org/drawingml/2006/chart" xmlns:a="http://schemas.openxmlformats.org/drawingml/2006/main" xmlns:r="http://schemas.openxmlformats.org/officeDocument/2006/relationships">
   <c:date1904 val="0"/>
-  <c:lang val="zh-CN"/>
-  <c:roundedCorners val="1"/>
-  <c:style val="2"/>
   <c:chart>
     <c:title>
       <c:tx>
@@ -271,15 +268,13 @@
           </a:p>
         </c:rich>
       </c:tx>
+      <c:layout/>
       <c:overlay val="0"/>
     </c:title>
-    <c:autoTitleDeleted val="0"/>
     <c:plotArea>
-      <c:layout/>
       <c:barChart>
         <c:barDir val="col"/>
         <c:grouping val="stacked"/>
-        <c:varyColors val="1"/>
         <c:ser>
           <c:idx val="0"/>
           <c:order val="0"/>
@@ -299,7 +294,6 @@
               <a:srgbClr val="FFD700"/>
             </a:solidFill>
           </c:spPr>
-          <c:invertIfNegative val="1"/>
           <c:cat>
             <c:strRef>
               <c:f>Sheet1!$A$2:$A$6</c:f>
@@ -347,20 +341,6 @@
               </c:numCache>
             </c:numRef>
           </c:val>
-          <c:extLst>
-            <c:ext xmlns:c14="http://schemas.microsoft.com/office/drawing/2007/8/2/chart" uri="{6F2FDCE9-48DA-4B69-8628-5D25D57E5C99}">
-              <c14:invertSolidFillFmt>
-                <c14:spPr xmlns:c14="http://schemas.microsoft.com/office/drawing/2007/8/2/chart">
-                  <a:solidFill>
-                    <a:srgbClr val="FFFFFF"/>
-                  </a:solidFill>
-                </c14:spPr>
-              </c14:invertSolidFillFmt>
-            </c:ext>
-            <c:ext xmlns:c16="http://schemas.microsoft.com/office/drawing/2014/chart" uri="{C3380CC4-5D6E-409C-BE32-E72D297353CC}">
-              <c16:uniqueId val="{00000000-3E0B-47A2-A00C-1BD8C37A8CA7}"/>
-            </c:ext>
-          </c:extLst>
         </c:ser>
         <c:ser>
           <c:idx val="1"/>
@@ -381,7 +361,6 @@
               <a:srgbClr val="32CD32"/>
             </a:solidFill>
           </c:spPr>
-          <c:invertIfNegative val="1"/>
           <c:cat>
             <c:strRef>
               <c:f>Sheet1!$A$2:$A$6</c:f>
@@ -412,7 +391,7 @@
                 <c:formatCode>General</c:formatCode>
                 <c:ptCount val="5"/>
                 <c:pt idx="0">
-                  <c:v>9.1999999999999993</c:v>
+                  <c:v>9.2</c:v>
                 </c:pt>
                 <c:pt idx="1">
                   <c:v>2.4</c:v>
@@ -429,20 +408,6 @@
               </c:numCache>
             </c:numRef>
           </c:val>
-          <c:extLst>
-            <c:ext xmlns:c14="http://schemas.microsoft.com/office/drawing/2007/8/2/chart" uri="{6F2FDCE9-48DA-4B69-8628-5D25D57E5C99}">
-              <c14:invertSolidFillFmt>
-                <c14:spPr xmlns:c14="http://schemas.microsoft.com/office/drawing/2007/8/2/chart">
-                  <a:solidFill>
-                    <a:srgbClr val="FFFFFF"/>
-                  </a:solidFill>
-                </c14:spPr>
-              </c14:invertSolidFillFmt>
-            </c:ext>
-            <c:ext xmlns:c16="http://schemas.microsoft.com/office/drawing/2014/chart" uri="{C3380CC4-5D6E-409C-BE32-E72D297353CC}">
-              <c16:uniqueId val="{00000001-3E0B-47A2-A00C-1BD8C37A8CA7}"/>
-            </c:ext>
-          </c:extLst>
         </c:ser>
         <c:ser>
           <c:idx val="2"/>
@@ -463,7 +428,6 @@
               <a:srgbClr val="1E90FF"/>
             </a:solidFill>
           </c:spPr>
-          <c:invertIfNegative val="1"/>
           <c:cat>
             <c:strRef>
               <c:f>Sheet1!$A$2:$A$6</c:f>
@@ -494,7 +458,7 @@
                 <c:formatCode>General</c:formatCode>
                 <c:ptCount val="5"/>
                 <c:pt idx="0">
-                  <c:v>9.1999999999999993</c:v>
+                  <c:v>9.2</c:v>
                 </c:pt>
                 <c:pt idx="1">
                   <c:v>2.4</c:v>
@@ -511,30 +475,7 @@
               </c:numCache>
             </c:numRef>
           </c:val>
-          <c:extLst>
-            <c:ext xmlns:c14="http://schemas.microsoft.com/office/drawing/2007/8/2/chart" uri="{6F2FDCE9-48DA-4B69-8628-5D25D57E5C99}">
-              <c14:invertSolidFillFmt>
-                <c14:spPr xmlns:c14="http://schemas.microsoft.com/office/drawing/2007/8/2/chart">
-                  <a:solidFill>
-                    <a:srgbClr val="FFFFFF"/>
-                  </a:solidFill>
-                </c14:spPr>
-              </c14:invertSolidFillFmt>
-            </c:ext>
-            <c:ext xmlns:c16="http://schemas.microsoft.com/office/drawing/2014/chart" uri="{C3380CC4-5D6E-409C-BE32-E72D297353CC}">
-              <c16:uniqueId val="{00000002-3E0B-47A2-A00C-1BD8C37A8CA7}"/>
-            </c:ext>
-          </c:extLst>
         </c:ser>
-        <c:dLbls>
-          <c:showLegendKey val="0"/>
-          <c:showVal val="0"/>
-          <c:showCatName val="0"/>
-          <c:showSerName val="0"/>
-          <c:showPercent val="0"/>
-          <c:showBubbleSize val="0"/>
-        </c:dLbls>
-        <c:gapWidth val="150"/>
         <c:overlap val="100"/>
         <c:axId val="-2068027336"/>
         <c:axId val="-2113994440"/>
@@ -546,7 +487,6 @@
         </c:scaling>
         <c:delete val="0"/>
         <c:axPos val="b"/>
-        <c:numFmt formatCode="General" sourceLinked="0"/>
         <c:majorTickMark val="out"/>
         <c:minorTickMark val="none"/>
         <c:tickLblPos val="nextTo"/>
@@ -559,28 +499,22 @@
       </c:catAx>
       <c:valAx>
         <c:axId val="-2113994440"/>
-        <c:scaling>
-          <c:orientation val="minMax"/>
-        </c:scaling>
+        <c:scaling/>
         <c:delete val="0"/>
         <c:axPos val="l"/>
         <c:majorGridlines/>
-        <c:numFmt formatCode="General" sourceLinked="1"/>
         <c:majorTickMark val="out"/>
         <c:minorTickMark val="none"/>
         <c:tickLblPos val="nextTo"/>
         <c:crossAx val="-2068027336"/>
         <c:crosses val="autoZero"/>
-        <c:crossBetween val="between"/>
       </c:valAx>
     </c:plotArea>
     <c:legend>
       <c:legendPos val="b"/>
       <c:overlay val="0"/>
     </c:legend>
-    <c:plotVisOnly val="1"/>
     <c:dispBlanksAs val="gap"/>
-    <c:showDLblsOverMax val="1"/>
   </c:chart>
   <c:txPr>
     <a:bodyPr/>
@@ -589,200 +523,7 @@
       <a:pPr>
         <a:defRPr sz="1800"/>
       </a:pPr>
-      <a:endParaRPr lang="zh-CN"/>
-    </a:p>
-  </c:txPr>
-  <c:externalData r:id="rId1">
-    <c:autoUpdate val="0"/>
-  </c:externalData>
-</c:chartSpace>
-</file>
-
-<file path=ppt/charts/chart2.xml><?xml version="1.0" encoding="utf-8"?>
-<c:chartSpace xmlns:c="http://schemas.openxmlformats.org/drawingml/2006/chart" xmlns:a="http://schemas.openxmlformats.org/drawingml/2006/main" xmlns:r="http://schemas.openxmlformats.org/officeDocument/2006/relationships" xmlns:c16r2="http://schemas.microsoft.com/office/drawing/2015/06/chart">
-  <c:date1904 val="0"/>
-  <c:lang val="zh-CN"/>
-  <c:roundedCorners val="1"/>
-  <c:style val="2"/>
-  <c:chart>
-    <c:autoTitleDeleted val="1"/>
-    <c:plotArea>
-      <c:layout/>
-      <c:barChart>
-        <c:barDir val="col"/>
-        <c:grouping val="clustered"/>
-        <c:varyColors val="1"/>
-        <c:ser>
-          <c:idx val="0"/>
-          <c:order val="0"/>
-          <c:tx>
-            <c:strRef>
-              <c:f>Sheet1!$B$1</c:f>
-              <c:strCache>
-                <c:ptCount val="1"/>
-                <c:pt idx="0">
-                  <c:v>Series 1</c:v>
-                </c:pt>
-              </c:strCache>
-            </c:strRef>
-          </c:tx>
-          <c:invertIfNegative val="1"/>
-          <c:cat>
-            <c:strRef>
-              <c:f>Sheet1!$A$2:$A$4</c:f>
-              <c:strCache>
-                <c:ptCount val="3"/>
-                <c:pt idx="0">
-                  <c:v>East</c:v>
-                </c:pt>
-                <c:pt idx="1">
-                  <c:v>West</c:v>
-                </c:pt>
-                <c:pt idx="2">
-                  <c:v>Midwest</c:v>
-                </c:pt>
-              </c:strCache>
-            </c:strRef>
-          </c:cat>
-          <c:val>
-            <c:numRef>
-              <c:f>Sheet1!$B$2:$B$4</c:f>
-              <c:numCache>
-                <c:formatCode>General</c:formatCode>
-                <c:ptCount val="3"/>
-                <c:pt idx="0">
-                  <c:v>19.2</c:v>
-                </c:pt>
-                <c:pt idx="1">
-                  <c:v>21.4</c:v>
-                </c:pt>
-                <c:pt idx="2">
-                  <c:v>16.7</c:v>
-                </c:pt>
-              </c:numCache>
-            </c:numRef>
-          </c:val>
-          <c:extLst>
-            <c:ext xmlns:c16="http://schemas.microsoft.com/office/drawing/2014/chart" uri="{C3380CC4-5D6E-409C-BE32-E72D297353CC}">
-              <c16:uniqueId val="{00000000-580B-4411-A0BD-62640FCE54FD}"/>
-            </c:ext>
-          </c:extLst>
-        </c:ser>
-        <c:ser>
-          <c:idx val="1"/>
-          <c:order val="1"/>
-          <c:tx>
-            <c:strRef>
-              <c:f>Sheet1!$C$1</c:f>
-              <c:strCache>
-                <c:ptCount val="1"/>
-                <c:pt idx="0">
-                  <c:v>Series 2</c:v>
-                </c:pt>
-              </c:strCache>
-            </c:strRef>
-          </c:tx>
-          <c:invertIfNegative val="1"/>
-          <c:cat>
-            <c:strRef>
-              <c:f>Sheet1!$A$2:$A$4</c:f>
-              <c:strCache>
-                <c:ptCount val="3"/>
-                <c:pt idx="0">
-                  <c:v>East</c:v>
-                </c:pt>
-                <c:pt idx="1">
-                  <c:v>West</c:v>
-                </c:pt>
-                <c:pt idx="2">
-                  <c:v>Midwest</c:v>
-                </c:pt>
-              </c:strCache>
-            </c:strRef>
-          </c:cat>
-          <c:val>
-            <c:numRef>
-              <c:f>Sheet1!$C$2:$C$4</c:f>
-              <c:numCache>
-                <c:formatCode>General</c:formatCode>
-                <c:ptCount val="3"/>
-                <c:pt idx="0">
-                  <c:v>9.1999999999999993</c:v>
-                </c:pt>
-                <c:pt idx="1">
-                  <c:v>2.4</c:v>
-                </c:pt>
-                <c:pt idx="2">
-                  <c:v>6.7</c:v>
-                </c:pt>
-              </c:numCache>
-            </c:numRef>
-          </c:val>
-          <c:extLst>
-            <c:ext xmlns:c16="http://schemas.microsoft.com/office/drawing/2014/chart" uri="{C3380CC4-5D6E-409C-BE32-E72D297353CC}">
-              <c16:uniqueId val="{00000001-580B-4411-A0BD-62640FCE54FD}"/>
-            </c:ext>
-          </c:extLst>
-        </c:ser>
-        <c:dLbls>
-          <c:showLegendKey val="0"/>
-          <c:showVal val="0"/>
-          <c:showCatName val="0"/>
-          <c:showSerName val="0"/>
-          <c:showPercent val="0"/>
-          <c:showBubbleSize val="0"/>
-        </c:dLbls>
-        <c:gapWidth val="150"/>
-        <c:axId val="-2068027336"/>
-        <c:axId val="-2113994440"/>
-      </c:barChart>
-      <c:catAx>
-        <c:axId val="-2068027336"/>
-        <c:scaling>
-          <c:orientation val="minMax"/>
-        </c:scaling>
-        <c:delete val="0"/>
-        <c:axPos val="b"/>
-        <c:numFmt formatCode="General" sourceLinked="0"/>
-        <c:majorTickMark val="out"/>
-        <c:minorTickMark val="none"/>
-        <c:tickLblPos val="nextTo"/>
-        <c:crossAx val="-2113994440"/>
-        <c:crosses val="autoZero"/>
-        <c:auto val="1"/>
-        <c:lblAlgn val="ctr"/>
-        <c:lblOffset val="100"/>
-        <c:noMultiLvlLbl val="0"/>
-      </c:catAx>
-      <c:valAx>
-        <c:axId val="-2113994440"/>
-        <c:scaling>
-          <c:orientation val="minMax"/>
-        </c:scaling>
-        <c:delete val="0"/>
-        <c:axPos val="l"/>
-        <c:majorGridlines/>
-        <c:numFmt formatCode="General" sourceLinked="1"/>
-        <c:majorTickMark val="out"/>
-        <c:minorTickMark val="none"/>
-        <c:tickLblPos val="nextTo"/>
-        <c:crossAx val="-2068027336"/>
-        <c:crosses val="autoZero"/>
-        <c:crossBetween val="between"/>
-      </c:valAx>
-    </c:plotArea>
-    <c:plotVisOnly val="1"/>
-    <c:dispBlanksAs val="gap"/>
-    <c:showDLblsOverMax val="1"/>
-  </c:chart>
-  <c:txPr>
-    <a:bodyPr/>
-    <a:lstStyle/>
-    <a:p>
-      <a:pPr>
-        <a:defRPr sz="1800"/>
-      </a:pPr>
-      <a:endParaRPr lang="zh-CN"/>
+      <a:endParaRPr lang="en-US"/>
     </a:p>
   </c:txPr>
   <c:externalData r:id="rId1">
@@ -8732,7 +8473,7 @@
         </p:nvGraphicFramePr>
         <p:xfrm>
           <a:off x="4942789" y="4437112"/>
-          <a:ext cx="3977896" cy="1591333"/>
+          <a:ext cx="3977896" cy="1853374"/>
         </p:xfrm>
         <a:graphic>
           <a:graphicData uri="http://schemas.openxmlformats.org/drawingml/2006/table">
@@ -8996,7 +8737,14 @@
                     <a:bodyPr/>
                     <a:lstStyle/>
                     <a:p>
-                      <a:endParaRPr/>
+                      <a:r>
+                        <a:rPr sz="1200">
+                          <a:solidFill>
+                            <a:srgbClr val="000000"/>
+                          </a:solidFill>
+                        </a:rPr>
+                        <a:t>0.13</a:t>
+                      </a:r>
                     </a:p>
                   </a:txBody>
                   <a:tcPr marL="91436" marR="91436" marT="45722" marB="45722" anchor="ctr"/>
@@ -13357,7 +13105,7 @@
         </p:nvGraphicFramePr>
         <p:xfrm>
           <a:off x="4860000" y="720000"/>
-          <a:ext cx="4320000" cy="5029200"/>
+          <a:ext cx="4320000" cy="720000"/>
         </p:xfrm>
         <a:graphic>
           <a:graphicData uri="http://schemas.openxmlformats.org/drawingml/2006/table">
@@ -13366,43 +13114,13 @@
                 <a:tableStyleId>{5C22544A-7EE6-4342-B048-85BDC9FD1C3A}</a:tableStyleId>
               </a:tblPr>
               <a:tblGrid>
-                <a:gridCol w="540000">
-                  <a:extLst>
-                    <a:ext uri="{9D8B030D-6E8A-4147-A177-3AD203B41FA5}">
-                      <a16:colId xmlns:a16="http://schemas.microsoft.com/office/drawing/2014/main" val="20000"/>
-                    </a:ext>
-                  </a:extLst>
-                </a:gridCol>
-                <a:gridCol w="1080000">
-                  <a:extLst>
-                    <a:ext uri="{9D8B030D-6E8A-4147-A177-3AD203B41FA5}">
-                      <a16:colId xmlns:a16="http://schemas.microsoft.com/office/drawing/2014/main" val="20001"/>
-                    </a:ext>
-                  </a:extLst>
-                </a:gridCol>
-                <a:gridCol w="1080000">
-                  <a:extLst>
-                    <a:ext uri="{9D8B030D-6E8A-4147-A177-3AD203B41FA5}">
-                      <a16:colId xmlns:a16="http://schemas.microsoft.com/office/drawing/2014/main" val="20002"/>
-                    </a:ext>
-                  </a:extLst>
-                </a:gridCol>
-                <a:gridCol w="720000">
-                  <a:extLst>
-                    <a:ext uri="{9D8B030D-6E8A-4147-A177-3AD203B41FA5}">
-                      <a16:colId xmlns:a16="http://schemas.microsoft.com/office/drawing/2014/main" val="20003"/>
-                    </a:ext>
-                  </a:extLst>
-                </a:gridCol>
-                <a:gridCol w="900000">
-                  <a:extLst>
-                    <a:ext uri="{9D8B030D-6E8A-4147-A177-3AD203B41FA5}">
-                      <a16:colId xmlns:a16="http://schemas.microsoft.com/office/drawing/2014/main" val="20004"/>
-                    </a:ext>
-                  </a:extLst>
-                </a:gridCol>
+                <a:gridCol w="540000"/>
+                <a:gridCol w="1080000"/>
+                <a:gridCol w="1080000"/>
+                <a:gridCol w="720000"/>
+                <a:gridCol w="900000"/>
               </a:tblGrid>
-              <a:tr h="0">
+              <a:tr h="65454">
                 <a:tc>
                   <a:txBody>
                     <a:bodyPr/>
@@ -13488,13 +13206,8 @@
                   </a:txBody>
                   <a:tcPr/>
                 </a:tc>
-                <a:extLst>
-                  <a:ext uri="{0D108BD9-81ED-4DB2-BD59-A6C34878D82A}">
-                    <a16:rowId xmlns:a16="http://schemas.microsoft.com/office/drawing/2014/main" val="10000"/>
-                  </a:ext>
-                </a:extLst>
               </a:tr>
-              <a:tr h="0">
+              <a:tr h="65454">
                 <a:tc>
                   <a:txBody>
                     <a:bodyPr/>
@@ -13580,13 +13293,8 @@
                   </a:txBody>
                   <a:tcPr/>
                 </a:tc>
-                <a:extLst>
-                  <a:ext uri="{0D108BD9-81ED-4DB2-BD59-A6C34878D82A}">
-                    <a16:rowId xmlns:a16="http://schemas.microsoft.com/office/drawing/2014/main" val="10001"/>
-                  </a:ext>
-                </a:extLst>
               </a:tr>
-              <a:tr h="0">
+              <a:tr h="65454">
                 <a:tc>
                   <a:txBody>
                     <a:bodyPr/>
@@ -13672,13 +13380,8 @@
                   </a:txBody>
                   <a:tcPr/>
                 </a:tc>
-                <a:extLst>
-                  <a:ext uri="{0D108BD9-81ED-4DB2-BD59-A6C34878D82A}">
-                    <a16:rowId xmlns:a16="http://schemas.microsoft.com/office/drawing/2014/main" val="10002"/>
-                  </a:ext>
-                </a:extLst>
               </a:tr>
-              <a:tr h="0">
+              <a:tr h="65454">
                 <a:tc>
                   <a:txBody>
                     <a:bodyPr/>
@@ -13764,13 +13467,8 @@
                   </a:txBody>
                   <a:tcPr/>
                 </a:tc>
-                <a:extLst>
-                  <a:ext uri="{0D108BD9-81ED-4DB2-BD59-A6C34878D82A}">
-                    <a16:rowId xmlns:a16="http://schemas.microsoft.com/office/drawing/2014/main" val="10003"/>
-                  </a:ext>
-                </a:extLst>
               </a:tr>
-              <a:tr h="0">
+              <a:tr h="65454">
                 <a:tc>
                   <a:txBody>
                     <a:bodyPr/>
@@ -13856,13 +13554,8 @@
                   </a:txBody>
                   <a:tcPr/>
                 </a:tc>
-                <a:extLst>
-                  <a:ext uri="{0D108BD9-81ED-4DB2-BD59-A6C34878D82A}">
-                    <a16:rowId xmlns:a16="http://schemas.microsoft.com/office/drawing/2014/main" val="10004"/>
-                  </a:ext>
-                </a:extLst>
               </a:tr>
-              <a:tr h="0">
+              <a:tr h="65454">
                 <a:tc>
                   <a:txBody>
                     <a:bodyPr/>
@@ -13948,13 +13641,8 @@
                   </a:txBody>
                   <a:tcPr/>
                 </a:tc>
-                <a:extLst>
-                  <a:ext uri="{0D108BD9-81ED-4DB2-BD59-A6C34878D82A}">
-                    <a16:rowId xmlns:a16="http://schemas.microsoft.com/office/drawing/2014/main" val="10005"/>
-                  </a:ext>
-                </a:extLst>
               </a:tr>
-              <a:tr h="0">
+              <a:tr h="65454">
                 <a:tc>
                   <a:txBody>
                     <a:bodyPr/>
@@ -14040,13 +13728,8 @@
                   </a:txBody>
                   <a:tcPr/>
                 </a:tc>
-                <a:extLst>
-                  <a:ext uri="{0D108BD9-81ED-4DB2-BD59-A6C34878D82A}">
-                    <a16:rowId xmlns:a16="http://schemas.microsoft.com/office/drawing/2014/main" val="10006"/>
-                  </a:ext>
-                </a:extLst>
               </a:tr>
-              <a:tr h="0">
+              <a:tr h="65454">
                 <a:tc>
                   <a:txBody>
                     <a:bodyPr/>
@@ -14132,13 +13815,8 @@
                   </a:txBody>
                   <a:tcPr/>
                 </a:tc>
-                <a:extLst>
-                  <a:ext uri="{0D108BD9-81ED-4DB2-BD59-A6C34878D82A}">
-                    <a16:rowId xmlns:a16="http://schemas.microsoft.com/office/drawing/2014/main" val="10007"/>
-                  </a:ext>
-                </a:extLst>
               </a:tr>
-              <a:tr h="0">
+              <a:tr h="65454">
                 <a:tc>
                   <a:txBody>
                     <a:bodyPr/>
@@ -14224,13 +13902,8 @@
                   </a:txBody>
                   <a:tcPr/>
                 </a:tc>
-                <a:extLst>
-                  <a:ext uri="{0D108BD9-81ED-4DB2-BD59-A6C34878D82A}">
-                    <a16:rowId xmlns:a16="http://schemas.microsoft.com/office/drawing/2014/main" val="10008"/>
-                  </a:ext>
-                </a:extLst>
               </a:tr>
-              <a:tr h="0">
+              <a:tr h="65454">
                 <a:tc>
                   <a:txBody>
                     <a:bodyPr/>
@@ -14316,13 +13989,8 @@
                   </a:txBody>
                   <a:tcPr/>
                 </a:tc>
-                <a:extLst>
-                  <a:ext uri="{0D108BD9-81ED-4DB2-BD59-A6C34878D82A}">
-                    <a16:rowId xmlns:a16="http://schemas.microsoft.com/office/drawing/2014/main" val="10009"/>
-                  </a:ext>
-                </a:extLst>
               </a:tr>
-              <a:tr h="0">
+              <a:tr h="65460">
                 <a:tc>
                   <a:txBody>
                     <a:bodyPr/>
@@ -14408,11 +14076,6 @@
                   </a:txBody>
                   <a:tcPr/>
                 </a:tc>
-                <a:extLst>
-                  <a:ext uri="{0D108BD9-81ED-4DB2-BD59-A6C34878D82A}">
-                    <a16:rowId xmlns:a16="http://schemas.microsoft.com/office/drawing/2014/main" val="10010"/>
-                  </a:ext>
-                </a:extLst>
               </a:tr>
             </a:tbl>
           </a:graphicData>
@@ -17099,7 +16762,7 @@
         </p:nvGraphicFramePr>
         <p:xfrm>
           <a:off x="5760000" y="720000"/>
-          <a:ext cx="3240000" cy="2103120"/>
+          <a:ext cx="3240000" cy="720000"/>
         </p:xfrm>
         <a:graphic>
           <a:graphicData uri="http://schemas.openxmlformats.org/drawingml/2006/table">
@@ -17108,27 +16771,9 @@
                 <a:tableStyleId>{5C22544A-7EE6-4342-B048-85BDC9FD1C3A}</a:tableStyleId>
               </a:tblPr>
               <a:tblGrid>
-                <a:gridCol w="720000">
-                  <a:extLst>
-                    <a:ext uri="{9D8B030D-6E8A-4147-A177-3AD203B41FA5}">
-                      <a16:colId xmlns:a16="http://schemas.microsoft.com/office/drawing/2014/main" val="20000"/>
-                    </a:ext>
-                  </a:extLst>
-                </a:gridCol>
-                <a:gridCol w="1440000">
-                  <a:extLst>
-                    <a:ext uri="{9D8B030D-6E8A-4147-A177-3AD203B41FA5}">
-                      <a16:colId xmlns:a16="http://schemas.microsoft.com/office/drawing/2014/main" val="20001"/>
-                    </a:ext>
-                  </a:extLst>
-                </a:gridCol>
-                <a:gridCol w="1080000">
-                  <a:extLst>
-                    <a:ext uri="{9D8B030D-6E8A-4147-A177-3AD203B41FA5}">
-                      <a16:colId xmlns:a16="http://schemas.microsoft.com/office/drawing/2014/main" val="20002"/>
-                    </a:ext>
-                  </a:extLst>
-                </a:gridCol>
+                <a:gridCol w="720000"/>
+                <a:gridCol w="1440000"/>
+                <a:gridCol w="1080000"/>
               </a:tblGrid>
               <a:tr h="144000">
                 <a:tc>
@@ -17182,11 +16827,6 @@
                   </a:txBody>
                   <a:tcPr/>
                 </a:tc>
-                <a:extLst>
-                  <a:ext uri="{0D108BD9-81ED-4DB2-BD59-A6C34878D82A}">
-                    <a16:rowId xmlns:a16="http://schemas.microsoft.com/office/drawing/2014/main" val="10000"/>
-                  </a:ext>
-                </a:extLst>
               </a:tr>
               <a:tr h="144000">
                 <a:tc>
@@ -17240,11 +16880,6 @@
                   </a:txBody>
                   <a:tcPr/>
                 </a:tc>
-                <a:extLst>
-                  <a:ext uri="{0D108BD9-81ED-4DB2-BD59-A6C34878D82A}">
-                    <a16:rowId xmlns:a16="http://schemas.microsoft.com/office/drawing/2014/main" val="10001"/>
-                  </a:ext>
-                </a:extLst>
               </a:tr>
               <a:tr h="144000">
                 <a:tc>
@@ -17298,11 +16933,6 @@
                   </a:txBody>
                   <a:tcPr/>
                 </a:tc>
-                <a:extLst>
-                  <a:ext uri="{0D108BD9-81ED-4DB2-BD59-A6C34878D82A}">
-                    <a16:rowId xmlns:a16="http://schemas.microsoft.com/office/drawing/2014/main" val="10002"/>
-                  </a:ext>
-                </a:extLst>
               </a:tr>
               <a:tr h="144000">
                 <a:tc>
@@ -17356,11 +16986,6 @@
                   </a:txBody>
                   <a:tcPr/>
                 </a:tc>
-                <a:extLst>
-                  <a:ext uri="{0D108BD9-81ED-4DB2-BD59-A6C34878D82A}">
-                    <a16:rowId xmlns:a16="http://schemas.microsoft.com/office/drawing/2014/main" val="10003"/>
-                  </a:ext>
-                </a:extLst>
               </a:tr>
               <a:tr h="144000">
                 <a:tc>
@@ -17414,11 +17039,6 @@
                   </a:txBody>
                   <a:tcPr/>
                 </a:tc>
-                <a:extLst>
-                  <a:ext uri="{0D108BD9-81ED-4DB2-BD59-A6C34878D82A}">
-                    <a16:rowId xmlns:a16="http://schemas.microsoft.com/office/drawing/2014/main" val="10004"/>
-                  </a:ext>
-                </a:extLst>
               </a:tr>
             </a:tbl>
           </a:graphicData>
@@ -18822,7 +18442,7 @@
         </p:nvGraphicFramePr>
         <p:xfrm>
           <a:off x="5760000" y="720000"/>
-          <a:ext cx="3240000" cy="1554480"/>
+          <a:ext cx="3240000" cy="720000"/>
         </p:xfrm>
         <a:graphic>
           <a:graphicData uri="http://schemas.openxmlformats.org/drawingml/2006/table">
@@ -18831,27 +18451,9 @@
                 <a:tableStyleId>{5C22544A-7EE6-4342-B048-85BDC9FD1C3A}</a:tableStyleId>
               </a:tblPr>
               <a:tblGrid>
-                <a:gridCol w="720000">
-                  <a:extLst>
-                    <a:ext uri="{9D8B030D-6E8A-4147-A177-3AD203B41FA5}">
-                      <a16:colId xmlns:a16="http://schemas.microsoft.com/office/drawing/2014/main" val="20000"/>
-                    </a:ext>
-                  </a:extLst>
-                </a:gridCol>
-                <a:gridCol w="1440000">
-                  <a:extLst>
-                    <a:ext uri="{9D8B030D-6E8A-4147-A177-3AD203B41FA5}">
-                      <a16:colId xmlns:a16="http://schemas.microsoft.com/office/drawing/2014/main" val="20001"/>
-                    </a:ext>
-                  </a:extLst>
-                </a:gridCol>
-                <a:gridCol w="1080000">
-                  <a:extLst>
-                    <a:ext uri="{9D8B030D-6E8A-4147-A177-3AD203B41FA5}">
-                      <a16:colId xmlns:a16="http://schemas.microsoft.com/office/drawing/2014/main" val="20002"/>
-                    </a:ext>
-                  </a:extLst>
-                </a:gridCol>
+                <a:gridCol w="720000"/>
+                <a:gridCol w="1440000"/>
+                <a:gridCol w="1080000"/>
               </a:tblGrid>
               <a:tr h="144000">
                 <a:tc>
@@ -18905,11 +18507,6 @@
                   </a:txBody>
                   <a:tcPr/>
                 </a:tc>
-                <a:extLst>
-                  <a:ext uri="{0D108BD9-81ED-4DB2-BD59-A6C34878D82A}">
-                    <a16:rowId xmlns:a16="http://schemas.microsoft.com/office/drawing/2014/main" val="10000"/>
-                  </a:ext>
-                </a:extLst>
               </a:tr>
               <a:tr h="144000">
                 <a:tc>
@@ -18963,11 +18560,6 @@
                   </a:txBody>
                   <a:tcPr/>
                 </a:tc>
-                <a:extLst>
-                  <a:ext uri="{0D108BD9-81ED-4DB2-BD59-A6C34878D82A}">
-                    <a16:rowId xmlns:a16="http://schemas.microsoft.com/office/drawing/2014/main" val="10001"/>
-                  </a:ext>
-                </a:extLst>
               </a:tr>
               <a:tr h="144000">
                 <a:tc>
@@ -19021,11 +18613,6 @@
                   </a:txBody>
                   <a:tcPr/>
                 </a:tc>
-                <a:extLst>
-                  <a:ext uri="{0D108BD9-81ED-4DB2-BD59-A6C34878D82A}">
-                    <a16:rowId xmlns:a16="http://schemas.microsoft.com/office/drawing/2014/main" val="10002"/>
-                  </a:ext>
-                </a:extLst>
               </a:tr>
               <a:tr h="144000">
                 <a:tc>
@@ -19079,11 +18666,6 @@
                   </a:txBody>
                   <a:tcPr/>
                 </a:tc>
-                <a:extLst>
-                  <a:ext uri="{0D108BD9-81ED-4DB2-BD59-A6C34878D82A}">
-                    <a16:rowId xmlns:a16="http://schemas.microsoft.com/office/drawing/2014/main" val="10003"/>
-                  </a:ext>
-                </a:extLst>
               </a:tr>
               <a:tr h="144000">
                 <a:tc>
@@ -19137,11 +18719,6 @@
                   </a:txBody>
                   <a:tcPr/>
                 </a:tc>
-                <a:extLst>
-                  <a:ext uri="{0D108BD9-81ED-4DB2-BD59-A6C34878D82A}">
-                    <a16:rowId xmlns:a16="http://schemas.microsoft.com/office/drawing/2014/main" val="10004"/>
-                  </a:ext>
-                </a:extLst>
               </a:tr>
             </a:tbl>
           </a:graphicData>
@@ -19719,7 +19296,7 @@
         </p:nvGraphicFramePr>
         <p:xfrm>
           <a:off x="5760000" y="720000"/>
-          <a:ext cx="3240000" cy="1920240"/>
+          <a:ext cx="3240000" cy="720000"/>
         </p:xfrm>
         <a:graphic>
           <a:graphicData uri="http://schemas.openxmlformats.org/drawingml/2006/table">
@@ -19728,27 +19305,9 @@
                 <a:tableStyleId>{5C22544A-7EE6-4342-B048-85BDC9FD1C3A}</a:tableStyleId>
               </a:tblPr>
               <a:tblGrid>
-                <a:gridCol w="720000">
-                  <a:extLst>
-                    <a:ext uri="{9D8B030D-6E8A-4147-A177-3AD203B41FA5}">
-                      <a16:colId xmlns:a16="http://schemas.microsoft.com/office/drawing/2014/main" val="20000"/>
-                    </a:ext>
-                  </a:extLst>
-                </a:gridCol>
-                <a:gridCol w="1440000">
-                  <a:extLst>
-                    <a:ext uri="{9D8B030D-6E8A-4147-A177-3AD203B41FA5}">
-                      <a16:colId xmlns:a16="http://schemas.microsoft.com/office/drawing/2014/main" val="20001"/>
-                    </a:ext>
-                  </a:extLst>
-                </a:gridCol>
-                <a:gridCol w="1080000">
-                  <a:extLst>
-                    <a:ext uri="{9D8B030D-6E8A-4147-A177-3AD203B41FA5}">
-                      <a16:colId xmlns:a16="http://schemas.microsoft.com/office/drawing/2014/main" val="20002"/>
-                    </a:ext>
-                  </a:extLst>
-                </a:gridCol>
+                <a:gridCol w="720000"/>
+                <a:gridCol w="1440000"/>
+                <a:gridCol w="1080000"/>
               </a:tblGrid>
               <a:tr h="144000">
                 <a:tc>
@@ -19802,11 +19361,6 @@
                   </a:txBody>
                   <a:tcPr/>
                 </a:tc>
-                <a:extLst>
-                  <a:ext uri="{0D108BD9-81ED-4DB2-BD59-A6C34878D82A}">
-                    <a16:rowId xmlns:a16="http://schemas.microsoft.com/office/drawing/2014/main" val="10000"/>
-                  </a:ext>
-                </a:extLst>
               </a:tr>
               <a:tr h="144000">
                 <a:tc>
@@ -19860,11 +19414,6 @@
                   </a:txBody>
                   <a:tcPr/>
                 </a:tc>
-                <a:extLst>
-                  <a:ext uri="{0D108BD9-81ED-4DB2-BD59-A6C34878D82A}">
-                    <a16:rowId xmlns:a16="http://schemas.microsoft.com/office/drawing/2014/main" val="10001"/>
-                  </a:ext>
-                </a:extLst>
               </a:tr>
               <a:tr h="144000">
                 <a:tc>
@@ -19918,11 +19467,6 @@
                   </a:txBody>
                   <a:tcPr/>
                 </a:tc>
-                <a:extLst>
-                  <a:ext uri="{0D108BD9-81ED-4DB2-BD59-A6C34878D82A}">
-                    <a16:rowId xmlns:a16="http://schemas.microsoft.com/office/drawing/2014/main" val="10002"/>
-                  </a:ext>
-                </a:extLst>
               </a:tr>
               <a:tr h="144000">
                 <a:tc>
@@ -19976,11 +19520,6 @@
                   </a:txBody>
                   <a:tcPr/>
                 </a:tc>
-                <a:extLst>
-                  <a:ext uri="{0D108BD9-81ED-4DB2-BD59-A6C34878D82A}">
-                    <a16:rowId xmlns:a16="http://schemas.microsoft.com/office/drawing/2014/main" val="10003"/>
-                  </a:ext>
-                </a:extLst>
               </a:tr>
               <a:tr h="144000">
                 <a:tc>
@@ -20034,11 +19573,6 @@
                   </a:txBody>
                   <a:tcPr/>
                 </a:tc>
-                <a:extLst>
-                  <a:ext uri="{0D108BD9-81ED-4DB2-BD59-A6C34878D82A}">
-                    <a16:rowId xmlns:a16="http://schemas.microsoft.com/office/drawing/2014/main" val="10004"/>
-                  </a:ext>
-                </a:extLst>
               </a:tr>
             </a:tbl>
           </a:graphicData>
@@ -21275,7 +20809,7 @@
         </p:nvGraphicFramePr>
         <p:xfrm>
           <a:off x="5760000" y="720000"/>
-          <a:ext cx="3240000" cy="1554480"/>
+          <a:ext cx="3240000" cy="720000"/>
         </p:xfrm>
         <a:graphic>
           <a:graphicData uri="http://schemas.openxmlformats.org/drawingml/2006/table">
@@ -21284,27 +20818,9 @@
                 <a:tableStyleId>{5C22544A-7EE6-4342-B048-85BDC9FD1C3A}</a:tableStyleId>
               </a:tblPr>
               <a:tblGrid>
-                <a:gridCol w="720000">
-                  <a:extLst>
-                    <a:ext uri="{9D8B030D-6E8A-4147-A177-3AD203B41FA5}">
-                      <a16:colId xmlns:a16="http://schemas.microsoft.com/office/drawing/2014/main" val="20000"/>
-                    </a:ext>
-                  </a:extLst>
-                </a:gridCol>
-                <a:gridCol w="1440000">
-                  <a:extLst>
-                    <a:ext uri="{9D8B030D-6E8A-4147-A177-3AD203B41FA5}">
-                      <a16:colId xmlns:a16="http://schemas.microsoft.com/office/drawing/2014/main" val="20001"/>
-                    </a:ext>
-                  </a:extLst>
-                </a:gridCol>
-                <a:gridCol w="1080000">
-                  <a:extLst>
-                    <a:ext uri="{9D8B030D-6E8A-4147-A177-3AD203B41FA5}">
-                      <a16:colId xmlns:a16="http://schemas.microsoft.com/office/drawing/2014/main" val="20002"/>
-                    </a:ext>
-                  </a:extLst>
-                </a:gridCol>
+                <a:gridCol w="720000"/>
+                <a:gridCol w="1440000"/>
+                <a:gridCol w="1080000"/>
               </a:tblGrid>
               <a:tr h="144000">
                 <a:tc>
@@ -21358,11 +20874,6 @@
                   </a:txBody>
                   <a:tcPr/>
                 </a:tc>
-                <a:extLst>
-                  <a:ext uri="{0D108BD9-81ED-4DB2-BD59-A6C34878D82A}">
-                    <a16:rowId xmlns:a16="http://schemas.microsoft.com/office/drawing/2014/main" val="10000"/>
-                  </a:ext>
-                </a:extLst>
               </a:tr>
               <a:tr h="144000">
                 <a:tc>
@@ -21416,11 +20927,6 @@
                   </a:txBody>
                   <a:tcPr/>
                 </a:tc>
-                <a:extLst>
-                  <a:ext uri="{0D108BD9-81ED-4DB2-BD59-A6C34878D82A}">
-                    <a16:rowId xmlns:a16="http://schemas.microsoft.com/office/drawing/2014/main" val="10001"/>
-                  </a:ext>
-                </a:extLst>
               </a:tr>
               <a:tr h="144000">
                 <a:tc>
@@ -21474,11 +20980,6 @@
                   </a:txBody>
                   <a:tcPr/>
                 </a:tc>
-                <a:extLst>
-                  <a:ext uri="{0D108BD9-81ED-4DB2-BD59-A6C34878D82A}">
-                    <a16:rowId xmlns:a16="http://schemas.microsoft.com/office/drawing/2014/main" val="10002"/>
-                  </a:ext>
-                </a:extLst>
               </a:tr>
               <a:tr h="144000">
                 <a:tc>
@@ -21532,11 +21033,6 @@
                   </a:txBody>
                   <a:tcPr/>
                 </a:tc>
-                <a:extLst>
-                  <a:ext uri="{0D108BD9-81ED-4DB2-BD59-A6C34878D82A}">
-                    <a16:rowId xmlns:a16="http://schemas.microsoft.com/office/drawing/2014/main" val="10003"/>
-                  </a:ext>
-                </a:extLst>
               </a:tr>
               <a:tr h="144000">
                 <a:tc>
@@ -21590,11 +21086,6 @@
                   </a:txBody>
                   <a:tcPr/>
                 </a:tc>
-                <a:extLst>
-                  <a:ext uri="{0D108BD9-81ED-4DB2-BD59-A6C34878D82A}">
-                    <a16:rowId xmlns:a16="http://schemas.microsoft.com/office/drawing/2014/main" val="10004"/>
-                  </a:ext>
-                </a:extLst>
               </a:tr>
             </a:tbl>
           </a:graphicData>
@@ -22348,7 +21839,7 @@
         </p:nvGraphicFramePr>
         <p:xfrm>
           <a:off x="5760000" y="720000"/>
-          <a:ext cx="3240000" cy="1371600"/>
+          <a:ext cx="3240000" cy="720000"/>
         </p:xfrm>
         <a:graphic>
           <a:graphicData uri="http://schemas.openxmlformats.org/drawingml/2006/table">
@@ -22357,27 +21848,9 @@
                 <a:tableStyleId>{5C22544A-7EE6-4342-B048-85BDC9FD1C3A}</a:tableStyleId>
               </a:tblPr>
               <a:tblGrid>
-                <a:gridCol w="720000">
-                  <a:extLst>
-                    <a:ext uri="{9D8B030D-6E8A-4147-A177-3AD203B41FA5}">
-                      <a16:colId xmlns:a16="http://schemas.microsoft.com/office/drawing/2014/main" val="20000"/>
-                    </a:ext>
-                  </a:extLst>
-                </a:gridCol>
-                <a:gridCol w="1440000">
-                  <a:extLst>
-                    <a:ext uri="{9D8B030D-6E8A-4147-A177-3AD203B41FA5}">
-                      <a16:colId xmlns:a16="http://schemas.microsoft.com/office/drawing/2014/main" val="20001"/>
-                    </a:ext>
-                  </a:extLst>
-                </a:gridCol>
-                <a:gridCol w="1080000">
-                  <a:extLst>
-                    <a:ext uri="{9D8B030D-6E8A-4147-A177-3AD203B41FA5}">
-                      <a16:colId xmlns:a16="http://schemas.microsoft.com/office/drawing/2014/main" val="20002"/>
-                    </a:ext>
-                  </a:extLst>
-                </a:gridCol>
+                <a:gridCol w="720000"/>
+                <a:gridCol w="1440000"/>
+                <a:gridCol w="1080000"/>
               </a:tblGrid>
               <a:tr h="144000">
                 <a:tc>
@@ -22431,11 +21904,6 @@
                   </a:txBody>
                   <a:tcPr/>
                 </a:tc>
-                <a:extLst>
-                  <a:ext uri="{0D108BD9-81ED-4DB2-BD59-A6C34878D82A}">
-                    <a16:rowId xmlns:a16="http://schemas.microsoft.com/office/drawing/2014/main" val="10000"/>
-                  </a:ext>
-                </a:extLst>
               </a:tr>
               <a:tr h="144000">
                 <a:tc>
@@ -22489,11 +21957,6 @@
                   </a:txBody>
                   <a:tcPr/>
                 </a:tc>
-                <a:extLst>
-                  <a:ext uri="{0D108BD9-81ED-4DB2-BD59-A6C34878D82A}">
-                    <a16:rowId xmlns:a16="http://schemas.microsoft.com/office/drawing/2014/main" val="10001"/>
-                  </a:ext>
-                </a:extLst>
               </a:tr>
               <a:tr h="144000">
                 <a:tc>
@@ -22547,11 +22010,6 @@
                   </a:txBody>
                   <a:tcPr/>
                 </a:tc>
-                <a:extLst>
-                  <a:ext uri="{0D108BD9-81ED-4DB2-BD59-A6C34878D82A}">
-                    <a16:rowId xmlns:a16="http://schemas.microsoft.com/office/drawing/2014/main" val="10002"/>
-                  </a:ext>
-                </a:extLst>
               </a:tr>
               <a:tr h="144000">
                 <a:tc>
@@ -22605,11 +22063,6 @@
                   </a:txBody>
                   <a:tcPr/>
                 </a:tc>
-                <a:extLst>
-                  <a:ext uri="{0D108BD9-81ED-4DB2-BD59-A6C34878D82A}">
-                    <a16:rowId xmlns:a16="http://schemas.microsoft.com/office/drawing/2014/main" val="10003"/>
-                  </a:ext>
-                </a:extLst>
               </a:tr>
               <a:tr h="144000">
                 <a:tc>
@@ -22663,11 +22116,6 @@
                   </a:txBody>
                   <a:tcPr/>
                 </a:tc>
-                <a:extLst>
-                  <a:ext uri="{0D108BD9-81ED-4DB2-BD59-A6C34878D82A}">
-                    <a16:rowId xmlns:a16="http://schemas.microsoft.com/office/drawing/2014/main" val="10004"/>
-                  </a:ext>
-                </a:extLst>
               </a:tr>
             </a:tbl>
           </a:graphicData>
@@ -22849,7 +22297,7 @@
 </file>
 
 <file path=ppt/slides/slide28.xml><?xml version="1.0" encoding="utf-8"?>
-<p:sld xmlns:a="http://schemas.openxmlformats.org/drawingml/2006/main" xmlns:r="http://schemas.openxmlformats.org/officeDocument/2006/relationships" xmlns:p="http://schemas.openxmlformats.org/presentationml/2006/main">
+<p:sld xmlns:a="http://schemas.openxmlformats.org/drawingml/2006/main" xmlns:p="http://schemas.openxmlformats.org/presentationml/2006/main" xmlns:r="http://schemas.openxmlformats.org/officeDocument/2006/relationships">
   <p:cSld>
     <p:spTree>
       <p:nvGrpSpPr>
@@ -22857,14 +22305,7 @@
         <p:cNvGrpSpPr/>
         <p:nvPr/>
       </p:nvGrpSpPr>
-      <p:grpSpPr>
-        <a:xfrm>
-          <a:off x="0" y="0"/>
-          <a:ext cx="0" cy="0"/>
-          <a:chOff x="0" y="0"/>
-          <a:chExt cx="0" cy="0"/>
-        </a:xfrm>
-      </p:grpSpPr>
+      <p:grpSpPr/>
       <p:sp>
         <p:nvSpPr>
           <p:cNvPr id="2" name="Content Placeholder 1"/>
@@ -22872,16 +22313,14 @@
             <a:spLocks noGrp="1"/>
           </p:cNvSpPr>
           <p:nvPr>
-            <p:ph sz="quarter" idx="13"/>
+            <p:ph idx="13" sz="quarter"/>
           </p:nvPr>
         </p:nvSpPr>
         <p:spPr/>
         <p:txBody>
           <a:bodyPr/>
           <a:lstStyle/>
-          <a:p>
-            <a:endParaRPr/>
-          </a:p>
+          <a:p/>
         </p:txBody>
       </p:sp>
       <p:graphicFrame>
@@ -22893,12 +22332,12 @@
           <p:nvPr/>
         </p:nvGraphicFramePr>
         <p:xfrm>
-          <a:off x="182880" y="914400"/>
-          <a:ext cx="4114800" cy="3200400"/>
+          <a:off x="914400" y="1188720"/>
+          <a:ext cx="7315200" cy="3200400"/>
         </p:xfrm>
         <a:graphic>
           <a:graphicData uri="http://schemas.openxmlformats.org/drawingml/2006/chart">
-            <c:chart xmlns:c="http://schemas.openxmlformats.org/drawingml/2006/chart" xmlns:r="http://schemas.openxmlformats.org/officeDocument/2006/relationships" r:id="rId2"/>
+            <c:chart xmlns:c="http://schemas.openxmlformats.org/drawingml/2006/chart" r:id="rId2"/>
           </a:graphicData>
         </a:graphic>
       </p:graphicFrame>
@@ -22921,43 +22360,17 @@
                 <a:tableStyleId>{5C22544A-7EE6-4342-B048-85BDC9FD1C3A}</a:tableStyleId>
               </a:tblPr>
               <a:tblGrid>
-                <a:gridCol w="1080000">
-                  <a:extLst>
-                    <a:ext uri="{9D8B030D-6E8A-4147-A177-3AD203B41FA5}">
-                      <a16:colId xmlns:a16="http://schemas.microsoft.com/office/drawing/2014/main" val="20000"/>
-                    </a:ext>
-                  </a:extLst>
-                </a:gridCol>
-                <a:gridCol w="1080000">
-                  <a:extLst>
-                    <a:ext uri="{9D8B030D-6E8A-4147-A177-3AD203B41FA5}">
-                      <a16:colId xmlns:a16="http://schemas.microsoft.com/office/drawing/2014/main" val="20001"/>
-                    </a:ext>
-                  </a:extLst>
-                </a:gridCol>
-                <a:gridCol w="1080000">
-                  <a:extLst>
-                    <a:ext uri="{9D8B030D-6E8A-4147-A177-3AD203B41FA5}">
-                      <a16:colId xmlns:a16="http://schemas.microsoft.com/office/drawing/2014/main" val="20002"/>
-                    </a:ext>
-                  </a:extLst>
-                </a:gridCol>
-                <a:gridCol w="1080000">
-                  <a:extLst>
-                    <a:ext uri="{9D8B030D-6E8A-4147-A177-3AD203B41FA5}">
-                      <a16:colId xmlns:a16="http://schemas.microsoft.com/office/drawing/2014/main" val="20003"/>
-                    </a:ext>
-                  </a:extLst>
-                </a:gridCol>
+                <a:gridCol w="1080000"/>
+                <a:gridCol w="1080000"/>
+                <a:gridCol w="1080000"/>
+                <a:gridCol w="1080000"/>
               </a:tblGrid>
-              <a:tr h="0">
-                <a:tc>
-                  <a:txBody>
-                    <a:bodyPr/>
-                    <a:lstStyle/>
-                    <a:p>
-                      <a:endParaRPr/>
-                    </a:p>
+              <a:tr h="72000">
+                <a:tc>
+                  <a:txBody>
+                    <a:bodyPr/>
+                    <a:lstStyle/>
+                    <a:p/>
                   </a:txBody>
                   <a:tcPr/>
                 </a:tc>
@@ -22997,13 +22410,8 @@
                   </a:txBody>
                   <a:tcPr/>
                 </a:tc>
-                <a:extLst>
-                  <a:ext uri="{0D108BD9-81ED-4DB2-BD59-A6C34878D82A}">
-                    <a16:rowId xmlns:a16="http://schemas.microsoft.com/office/drawing/2014/main" val="10000"/>
-                  </a:ext>
-                </a:extLst>
               </a:tr>
-              <a:tr h="0">
+              <a:tr h="72000">
                 <a:tc>
                   <a:txBody>
                     <a:bodyPr/>
@@ -23052,13 +22460,8 @@
                   </a:txBody>
                   <a:tcPr/>
                 </a:tc>
-                <a:extLst>
-                  <a:ext uri="{0D108BD9-81ED-4DB2-BD59-A6C34878D82A}">
-                    <a16:rowId xmlns:a16="http://schemas.microsoft.com/office/drawing/2014/main" val="10001"/>
-                  </a:ext>
-                </a:extLst>
               </a:tr>
-              <a:tr h="0">
+              <a:tr h="72000">
                 <a:tc>
                   <a:txBody>
                     <a:bodyPr/>
@@ -23107,13 +22510,8 @@
                   </a:txBody>
                   <a:tcPr/>
                 </a:tc>
-                <a:extLst>
-                  <a:ext uri="{0D108BD9-81ED-4DB2-BD59-A6C34878D82A}">
-                    <a16:rowId xmlns:a16="http://schemas.microsoft.com/office/drawing/2014/main" val="10002"/>
-                  </a:ext>
-                </a:extLst>
               </a:tr>
-              <a:tr h="0">
+              <a:tr h="72000">
                 <a:tc>
                   <a:txBody>
                     <a:bodyPr/>
@@ -23162,11 +22560,6 @@
                   </a:txBody>
                   <a:tcPr/>
                 </a:tc>
-                <a:extLst>
-                  <a:ext uri="{0D108BD9-81ED-4DB2-BD59-A6C34878D82A}">
-                    <a16:rowId xmlns:a16="http://schemas.microsoft.com/office/drawing/2014/main" val="10003"/>
-                  </a:ext>
-                </a:extLst>
               </a:tr>
             </a:tbl>
           </a:graphicData>
@@ -24141,7 +23534,7 @@
                             <a:srgbClr val="000000"/>
                           </a:solidFill>
                         </a:rPr>
-                        <a:t>12</a:t>
+                        <a:t>32230645</a:t>
                       </a:r>
                     </a:p>
                   </a:txBody>
@@ -24162,7 +23555,7 @@
                             <a:srgbClr val="000000"/>
                           </a:solidFill>
                         </a:rPr>
-                        <a:t>13</a:t>
+                        <a:t>34649427</a:t>
                       </a:r>
                     </a:p>
                   </a:txBody>
@@ -24183,7 +23576,7 @@
                             <a:srgbClr val="000000"/>
                           </a:solidFill>
                         </a:rPr>
-                        <a:t>14</a:t>
+                        <a:t>37155228</a:t>
                       </a:r>
                     </a:p>
                   </a:txBody>
@@ -24204,7 +23597,7 @@
                             <a:srgbClr val="000000"/>
                           </a:solidFill>
                         </a:rPr>
-                        <a:t>15</a:t>
+                        <a:t>39784758</a:t>
                       </a:r>
                     </a:p>
                   </a:txBody>
@@ -24225,7 +23618,7 @@
                             <a:srgbClr val="000000"/>
                           </a:solidFill>
                         </a:rPr>
-                        <a:t>16</a:t>
+                        <a:t>46177993</a:t>
                       </a:r>
                     </a:p>
                   </a:txBody>
@@ -24303,7 +23696,7 @@
                             <a:srgbClr val="000000"/>
                           </a:solidFill>
                         </a:rPr>
-                        <a:t>0.2</a:t>
+                        <a:t>6.5</a:t>
                       </a:r>
                     </a:p>
                   </a:txBody>
@@ -24320,7 +23713,7 @@
                             <a:srgbClr val="000000"/>
                           </a:solidFill>
                         </a:rPr>
-                        <a:t>0.3</a:t>
+                        <a:t>6</a:t>
                       </a:r>
                     </a:p>
                   </a:txBody>
@@ -24337,7 +23730,7 @@
                             <a:srgbClr val="000000"/>
                           </a:solidFill>
                         </a:rPr>
-                        <a:t>0.4</a:t>
+                        <a:t>6</a:t>
                       </a:r>
                     </a:p>
                   </a:txBody>
@@ -24354,7 +23747,7 @@
                             <a:srgbClr val="000000"/>
                           </a:solidFill>
                         </a:rPr>
-                        <a:t>0.5</a:t>
+                        <a:t>7</a:t>
                       </a:r>
                     </a:p>
                   </a:txBody>
@@ -24371,7 +23764,7 @@
                             <a:srgbClr val="000000"/>
                           </a:solidFill>
                         </a:rPr>
-                        <a:t>0.6</a:t>
+                        <a:t>5</a:t>
                       </a:r>
                     </a:p>
                   </a:txBody>
@@ -24844,7 +24237,7 @@
                             <a:srgbClr val="000000"/>
                           </a:solidFill>
                         </a:rPr>
-                        <a:t>22</a:t>
+                        <a:t>24000</a:t>
                       </a:r>
                     </a:p>
                   </a:txBody>
@@ -24865,7 +24258,7 @@
                             <a:srgbClr val="000000"/>
                           </a:solidFill>
                         </a:rPr>
-                        <a:t>13</a:t>
+                        <a:t>25000</a:t>
                       </a:r>
                     </a:p>
                   </a:txBody>
@@ -24886,7 +24279,7 @@
                             <a:srgbClr val="000000"/>
                           </a:solidFill>
                         </a:rPr>
-                        <a:t>14</a:t>
+                        <a:t>26000</a:t>
                       </a:r>
                     </a:p>
                   </a:txBody>
@@ -24907,7 +24300,7 @@
                             <a:srgbClr val="000000"/>
                           </a:solidFill>
                         </a:rPr>
-                        <a:t>15</a:t>
+                        <a:t>27000</a:t>
                       </a:r>
                     </a:p>
                   </a:txBody>
@@ -24928,7 +24321,7 @@
                             <a:srgbClr val="000000"/>
                           </a:solidFill>
                         </a:rPr>
-                        <a:t>26</a:t>
+                        <a:t>28000</a:t>
                       </a:r>
                     </a:p>
                   </a:txBody>
@@ -25006,7 +24399,7 @@
                             <a:srgbClr val="000000"/>
                           </a:solidFill>
                         </a:rPr>
-                        <a:t>2.2</a:t>
+                        <a:t>1.4</a:t>
                       </a:r>
                     </a:p>
                   </a:txBody>
@@ -25023,7 +24416,7 @@
                             <a:srgbClr val="000000"/>
                           </a:solidFill>
                         </a:rPr>
-                        <a:t>0.3</a:t>
+                        <a:t>1.5</a:t>
                       </a:r>
                     </a:p>
                   </a:txBody>
@@ -25040,7 +24433,7 @@
                             <a:srgbClr val="000000"/>
                           </a:solidFill>
                         </a:rPr>
-                        <a:t>0.4</a:t>
+                        <a:t>1.6</a:t>
                       </a:r>
                     </a:p>
                   </a:txBody>
@@ -25057,7 +24450,7 @@
                             <a:srgbClr val="000000"/>
                           </a:solidFill>
                         </a:rPr>
-                        <a:t>0.5</a:t>
+                        <a:t>1.7</a:t>
                       </a:r>
                     </a:p>
                   </a:txBody>
@@ -25074,7 +24467,7 @@
                             <a:srgbClr val="000000"/>
                           </a:solidFill>
                         </a:rPr>
-                        <a:t>2.6</a:t>
+                        <a:t>1.8</a:t>
                       </a:r>
                     </a:p>
                   </a:txBody>
@@ -25114,6 +24507,30 @@
           <a:xfrm>
             <a:off x="681928" y="1154210"/>
             <a:ext cx="3495675" cy="3600450"/>
+          </a:xfrm>
+          <a:prstGeom prst="rect">
+            <a:avLst/>
+          </a:prstGeom>
+        </p:spPr>
+      </p:pic>
+      <p:pic>
+        <p:nvPicPr>
+          <p:cNvPr id="18" name="Picture 17" descr="slide4_chart1.png"/>
+          <p:cNvPicPr>
+            <a:picLocks noChangeAspect="1"/>
+          </p:cNvPicPr>
+          <p:nvPr/>
+        </p:nvPicPr>
+        <p:blipFill>
+          <a:blip r:embed="rId4"/>
+          <a:stretch>
+            <a:fillRect/>
+          </a:stretch>
+        </p:blipFill>
+        <p:spPr>
+          <a:xfrm>
+            <a:off x="457200" y="914400"/>
+            <a:ext cx="3657600" cy="3657600"/>
           </a:xfrm>
           <a:prstGeom prst="rect">
             <a:avLst/>
@@ -25870,7 +25287,7 @@
                             <a:srgbClr val="000000"/>
                           </a:solidFill>
                         </a:rPr>
-                        <a:t>19.2</a:t>
+                        <a:t>6504.0</a:t>
                       </a:r>
                     </a:p>
                   </a:txBody>
@@ -25891,7 +25308,7 @@
                             <a:srgbClr val="000000"/>
                           </a:solidFill>
                         </a:rPr>
-                        <a:t>21.4</a:t>
+                        <a:t>5279.0</a:t>
                       </a:r>
                     </a:p>
                   </a:txBody>
@@ -25912,7 +25329,7 @@
                             <a:srgbClr val="000000"/>
                           </a:solidFill>
                         </a:rPr>
-                        <a:t>16.7</a:t>
+                        <a:t>7584.0</a:t>
                       </a:r>
                     </a:p>
                   </a:txBody>
@@ -25933,7 +25350,7 @@
                             <a:srgbClr val="000000"/>
                           </a:solidFill>
                         </a:rPr>
-                        <a:t>13</a:t>
+                        <a:t>8250.0</a:t>
                       </a:r>
                     </a:p>
                   </a:txBody>
@@ -25954,7 +25371,7 @@
                             <a:srgbClr val="000000"/>
                           </a:solidFill>
                         </a:rPr>
-                        <a:t>15</a:t>
+                        <a:t>19551.0</a:t>
                       </a:r>
                     </a:p>
                   </a:txBody>
@@ -26024,7 +25441,7 @@
                             <a:srgbClr val="000000"/>
                           </a:solidFill>
                         </a:rPr>
-                        <a:t>9.2</a:t>
+                        <a:t>6657909.0</a:t>
                       </a:r>
                     </a:p>
                   </a:txBody>
@@ -26041,7 +25458,7 @@
                             <a:srgbClr val="000000"/>
                           </a:solidFill>
                         </a:rPr>
-                        <a:t>2.4</a:t>
+                        <a:t>7824462.0</a:t>
                       </a:r>
                     </a:p>
                   </a:txBody>
@@ -26058,7 +25475,7 @@
                             <a:srgbClr val="000000"/>
                           </a:solidFill>
                         </a:rPr>
-                        <a:t>6.7</a:t>
+                        <a:t>7676087.0</a:t>
                       </a:r>
                     </a:p>
                   </a:txBody>
@@ -26075,7 +25492,7 @@
                             <a:srgbClr val="000000"/>
                           </a:solidFill>
                         </a:rPr>
-                        <a:t>12</a:t>
+                        <a:t>8315513.0</a:t>
                       </a:r>
                     </a:p>
                   </a:txBody>
@@ -26092,7 +25509,7 @@
                             <a:srgbClr val="000000"/>
                           </a:solidFill>
                         </a:rPr>
-                        <a:t>13.5</a:t>
+                        <a:t>9810979.0</a:t>
                       </a:r>
                     </a:p>
                   </a:txBody>
@@ -26174,7 +25591,7 @@
                             <a:srgbClr val="000000"/>
                           </a:solidFill>
                         </a:rPr>
-                        <a:t>9.2</a:t>
+                        <a:t>83151073.0</a:t>
                       </a:r>
                     </a:p>
                   </a:txBody>
@@ -26191,7 +25608,7 @@
                             <a:srgbClr val="000000"/>
                           </a:solidFill>
                         </a:rPr>
-                        <a:t>2.4</a:t>
+                        <a:t>92194729.0</a:t>
                       </a:r>
                     </a:p>
                   </a:txBody>
@@ -26208,7 +25625,7 @@
                             <a:srgbClr val="000000"/>
                           </a:solidFill>
                         </a:rPr>
-                        <a:t>6.7</a:t>
+                        <a:t>103287649.0</a:t>
                       </a:r>
                     </a:p>
                   </a:txBody>
@@ -26225,7 +25642,7 @@
                             <a:srgbClr val="000000"/>
                           </a:solidFill>
                         </a:rPr>
-                        <a:t>14.1</a:t>
+                        <a:t>117607690.0</a:t>
                       </a:r>
                     </a:p>
                   </a:txBody>
@@ -26242,7 +25659,7 @@
                             <a:srgbClr val="000000"/>
                           </a:solidFill>
                         </a:rPr>
-                        <a:t>5.2</a:t>
+                        <a:t>131523886.0</a:t>
                       </a:r>
                     </a:p>
                   </a:txBody>
@@ -26258,24 +25675,30 @@
           </a:graphicData>
         </a:graphic>
       </p:graphicFrame>
-      <p:graphicFrame>
-        <p:nvGraphicFramePr>
-          <p:cNvPr id="13" name="Chart 12"/>
-          <p:cNvGraphicFramePr>
-            <a:graphicFrameLocks noGrp="1"/>
-          </p:cNvGraphicFramePr>
+      <p:pic>
+        <p:nvPicPr>
+          <p:cNvPr id="13" name="Picture 12" descr="3industries.png"/>
+          <p:cNvPicPr>
+            <a:picLocks noChangeAspect="1"/>
+          </p:cNvPicPr>
           <p:nvPr/>
-        </p:nvGraphicFramePr>
-        <p:xfrm>
-          <a:off x="914400" y="1188720"/>
-          <a:ext cx="7315200" cy="3200400"/>
-        </p:xfrm>
-        <a:graphic>
-          <a:graphicData uri="http://schemas.openxmlformats.org/drawingml/2006/chart">
-            <c:chart xmlns:c="http://schemas.openxmlformats.org/drawingml/2006/chart" xmlns:r="http://schemas.openxmlformats.org/officeDocument/2006/relationships" r:id="rId2"/>
-          </a:graphicData>
-        </a:graphic>
-      </p:graphicFrame>
+        </p:nvPicPr>
+        <p:blipFill>
+          <a:blip r:embed="rId2"/>
+          <a:stretch>
+            <a:fillRect/>
+          </a:stretch>
+        </p:blipFill>
+        <p:spPr>
+          <a:xfrm>
+            <a:off x="914400" y="1188720"/>
+            <a:ext cx="7315200" cy="3200400"/>
+          </a:xfrm>
+          <a:prstGeom prst="rect">
+            <a:avLst/>
+          </a:prstGeom>
+        </p:spPr>
+      </p:pic>
     </p:spTree>
     <p:extLst>
       <p:ext uri="{BB962C8B-B14F-4D97-AF65-F5344CB8AC3E}">

--- a/helloWorld/ppt_template/diyun_land_report_result.pptx
+++ b/helloWorld/ppt_template/diyun_land_report_result.pptx
@@ -23047,36 +23047,6 @@
           </a:p>
         </p:txBody>
       </p:sp>
-      <p:pic>
-        <p:nvPicPr>
-          <p:cNvPr id="14" name="图片 13">
-            <a:extLst>
-              <a:ext uri="{FF2B5EF4-FFF2-40B4-BE49-F238E27FC236}">
-                <a16:creationId xmlns:a16="http://schemas.microsoft.com/office/drawing/2014/main" id="{EA6165B3-700D-49CA-B590-E54A85C62C4A}"/>
-              </a:ext>
-            </a:extLst>
-          </p:cNvPr>
-          <p:cNvPicPr>
-            <a:picLocks noChangeAspect="1"/>
-          </p:cNvPicPr>
-          <p:nvPr/>
-        </p:nvPicPr>
-        <p:blipFill>
-          <a:blip r:embed="rId2"/>
-          <a:stretch>
-            <a:fillRect/>
-          </a:stretch>
-        </p:blipFill>
-        <p:spPr>
-          <a:xfrm>
-            <a:off x="4992064" y="1154210"/>
-            <a:ext cx="3495675" cy="3600450"/>
-          </a:xfrm>
-          <a:prstGeom prst="rect">
-            <a:avLst/>
-          </a:prstGeom>
-        </p:spPr>
-      </p:pic>
       <p:graphicFrame>
         <p:nvGraphicFramePr>
           <p:cNvPr id="16" name="表格 15">
@@ -23730,7 +23700,7 @@
                             <a:srgbClr val="000000"/>
                           </a:solidFill>
                         </a:rPr>
-                        <a:t>6</a:t>
+                        <a:t>6.3</a:t>
                       </a:r>
                     </a:p>
                   </a:txBody>
@@ -24485,13 +24455,31 @@
       </p:graphicFrame>
       <p:pic>
         <p:nvPicPr>
-          <p:cNvPr id="5" name="图片 4">
-            <a:extLst>
-              <a:ext uri="{FF2B5EF4-FFF2-40B4-BE49-F238E27FC236}">
-                <a16:creationId xmlns:a16="http://schemas.microsoft.com/office/drawing/2014/main" id="{EC4C1A4A-03A2-4733-85F1-D27E5B155A53}"/>
-              </a:ext>
-            </a:extLst>
-          </p:cNvPr>
+          <p:cNvPr id="18" name="Picture 17" descr="slide4_chart1.png"/>
+          <p:cNvPicPr>
+            <a:picLocks noChangeAspect="1"/>
+          </p:cNvPicPr>
+          <p:nvPr/>
+        </p:nvPicPr>
+        <p:blipFill>
+          <a:blip r:embed="rId2"/>
+          <a:stretch>
+            <a:fillRect/>
+          </a:stretch>
+        </p:blipFill>
+        <p:spPr>
+          <a:xfrm>
+            <a:off x="457200" y="914400"/>
+            <a:ext cx="3657600" cy="3657600"/>
+          </a:xfrm>
+          <a:prstGeom prst="rect">
+            <a:avLst/>
+          </a:prstGeom>
+        </p:spPr>
+      </p:pic>
+      <p:pic>
+        <p:nvPicPr>
+          <p:cNvPr id="19" name="Picture 18" descr="slide4_chart2.png"/>
           <p:cNvPicPr>
             <a:picLocks noChangeAspect="1"/>
           </p:cNvPicPr>
@@ -24505,31 +24493,7 @@
         </p:blipFill>
         <p:spPr>
           <a:xfrm>
-            <a:off x="681928" y="1154210"/>
-            <a:ext cx="3495675" cy="3600450"/>
-          </a:xfrm>
-          <a:prstGeom prst="rect">
-            <a:avLst/>
-          </a:prstGeom>
-        </p:spPr>
-      </p:pic>
-      <p:pic>
-        <p:nvPicPr>
-          <p:cNvPr id="18" name="Picture 17" descr="slide4_chart1.png"/>
-          <p:cNvPicPr>
-            <a:picLocks noChangeAspect="1"/>
-          </p:cNvPicPr>
-          <p:nvPr/>
-        </p:nvPicPr>
-        <p:blipFill>
-          <a:blip r:embed="rId4"/>
-          <a:stretch>
-            <a:fillRect/>
-          </a:stretch>
-        </p:blipFill>
-        <p:spPr>
-          <a:xfrm>
-            <a:off x="457200" y="914400"/>
+            <a:off x="4572000" y="914400"/>
             <a:ext cx="3657600" cy="3657600"/>
           </a:xfrm>
           <a:prstGeom prst="rect">
@@ -24719,7 +24683,7 @@
         <p:spPr>
           <a:xfrm>
             <a:off x="396553" y="575731"/>
-            <a:ext cx="8494910" cy="738664"/>
+            <a:ext cx="8494910" cy="954107"/>
           </a:xfrm>
           <a:prstGeom prst="rect">
             <a:avLst/>
@@ -24732,114 +24696,9 @@
           <a:lstStyle/>
           <a:p>
             <a:r>
-              <a:rPr lang="en-US" altLang="zh-CN" dirty="0" err="1">
-                <a:solidFill>
-                  <a:srgbClr val="000000"/>
-                </a:solidFill>
-                <a:latin typeface="+mn-lt"/>
-                <a:ea typeface="Arial" panose="020B0604020202020204" pitchFamily="34" charset="-122"/>
-                <a:cs typeface="Arial" panose="020B0604020202020204" pitchFamily="34" charset="-120"/>
-              </a:rPr>
-              <a:t>全市第</a:t>
+              <a:t>2017年，全市第一产业生产总值为19551.0亿元，占全市生产总值0.00%；第二产业生产总值为9810979.0亿元，占全市生产总值7.00%；第三产业生产总值为131523886.0亿元，占全市生产总值93.00%。
+</a:t>
             </a:r>
-            <a:r>
-              <a:rPr lang="zh-CN" altLang="en-US" dirty="0">
-                <a:solidFill>
-                  <a:srgbClr val="000000"/>
-                </a:solidFill>
-                <a:latin typeface="+mn-lt"/>
-                <a:ea typeface="Arial" panose="020B0604020202020204" pitchFamily="34" charset="-122"/>
-                <a:cs typeface="Arial" panose="020B0604020202020204" pitchFamily="34" charset="-120"/>
-              </a:rPr>
-              <a:t>一</a:t>
-            </a:r>
-            <a:r>
-              <a:rPr lang="en-US" altLang="zh-CN" dirty="0">
-                <a:solidFill>
-                  <a:srgbClr val="000000"/>
-                </a:solidFill>
-                <a:latin typeface="+mn-lt"/>
-                <a:ea typeface="Arial" panose="020B0604020202020204" pitchFamily="34" charset="-122"/>
-                <a:cs typeface="Arial" panose="020B0604020202020204" pitchFamily="34" charset="-120"/>
-              </a:rPr>
-              <a:t>产业生产总值为14237.94亿元，占全市生产总值58.8%</a:t>
-            </a:r>
-            <a:r>
-              <a:rPr lang="zh-CN" altLang="en-US" dirty="0">
-                <a:solidFill>
-                  <a:srgbClr val="000000"/>
-                </a:solidFill>
-                <a:latin typeface="+mn-lt"/>
-                <a:ea typeface="Arial" panose="020B0604020202020204" pitchFamily="34" charset="-122"/>
-                <a:cs typeface="Arial" panose="020B0604020202020204" pitchFamily="34" charset="-120"/>
-              </a:rPr>
-              <a:t>；</a:t>
-            </a:r>
-            <a:r>
-              <a:rPr lang="en-US" altLang="zh-CN" dirty="0">
-                <a:solidFill>
-                  <a:srgbClr val="000000"/>
-                </a:solidFill>
-                <a:latin typeface="+mn-lt"/>
-                <a:ea typeface="Arial" panose="020B0604020202020204" pitchFamily="34" charset="-122"/>
-                <a:cs typeface="Arial" panose="020B0604020202020204" pitchFamily="34" charset="-120"/>
-              </a:rPr>
-              <a:t>第</a:t>
-            </a:r>
-            <a:r>
-              <a:rPr lang="zh-CN" altLang="en-US" dirty="0">
-                <a:solidFill>
-                  <a:srgbClr val="000000"/>
-                </a:solidFill>
-                <a:latin typeface="+mn-lt"/>
-                <a:ea typeface="Arial" panose="020B0604020202020204" pitchFamily="34" charset="-122"/>
-                <a:cs typeface="Arial" panose="020B0604020202020204" pitchFamily="34" charset="-120"/>
-              </a:rPr>
-              <a:t>二</a:t>
-            </a:r>
-            <a:r>
-              <a:rPr lang="en-US" altLang="zh-CN" dirty="0">
-                <a:solidFill>
-                  <a:srgbClr val="000000"/>
-                </a:solidFill>
-                <a:latin typeface="+mn-lt"/>
-                <a:ea typeface="Arial" panose="020B0604020202020204" pitchFamily="34" charset="-122"/>
-                <a:cs typeface="Arial" panose="020B0604020202020204" pitchFamily="34" charset="-120"/>
-              </a:rPr>
-              <a:t>产业生产总值为14237.94亿元，占全市生产总值58.8%</a:t>
-            </a:r>
-            <a:r>
-              <a:rPr lang="zh-CN" altLang="en-US" dirty="0">
-                <a:solidFill>
-                  <a:srgbClr val="000000"/>
-                </a:solidFill>
-                <a:latin typeface="+mn-lt"/>
-                <a:ea typeface="Arial" panose="020B0604020202020204" pitchFamily="34" charset="-122"/>
-                <a:cs typeface="Arial" panose="020B0604020202020204" pitchFamily="34" charset="-120"/>
-              </a:rPr>
-              <a:t>；</a:t>
-            </a:r>
-            <a:r>
-              <a:rPr lang="en-US" altLang="zh-CN" dirty="0">
-                <a:solidFill>
-                  <a:srgbClr val="000000"/>
-                </a:solidFill>
-                <a:latin typeface="+mn-lt"/>
-                <a:ea typeface="Arial" panose="020B0604020202020204" pitchFamily="34" charset="-122"/>
-                <a:cs typeface="Arial" panose="020B0604020202020204" pitchFamily="34" charset="-120"/>
-              </a:rPr>
-              <a:t>第三产业生产总值为14237.94亿元，占全市生产总值58.8%。</a:t>
-            </a:r>
-            <a:endParaRPr lang="zh-CN" altLang="en-US" dirty="0">
-              <a:latin typeface="+mn-lt"/>
-              <a:ea typeface="微软雅黑" panose="020B0503020204020204" pitchFamily="34" charset="-122"/>
-            </a:endParaRPr>
-          </a:p>
-          <a:p>
-            <a:endParaRPr lang="zh-CN" altLang="en-US" dirty="0">
-              <a:latin typeface="+mn-lt"/>
-              <a:ea typeface="微软雅黑" panose="020B0503020204020204" pitchFamily="34" charset="-122"/>
-            </a:endParaRPr>
           </a:p>
         </p:txBody>
       </p:sp>
@@ -24958,30 +24817,14 @@
                     <a:bodyPr/>
                     <a:lstStyle/>
                     <a:p>
-                      <a:pPr algn="ctr"/>
-                      <a:r>
-                        <a:rPr lang="en-US" altLang="zh-CN" sz="1200" dirty="0">
-                          <a:solidFill>
-                            <a:schemeClr val="tx1">
-                              <a:lumMod val="65000"/>
-                              <a:lumOff val="35000"/>
-                            </a:schemeClr>
-                          </a:solidFill>
-                          <a:latin typeface="+mn-lt"/>
-                          <a:ea typeface="微软雅黑" panose="020B0503020204020204" pitchFamily="34" charset="-122"/>
-                        </a:rPr>
-                        <a:t>2014</a:t>
-                      </a:r>
-                      <a:endParaRPr lang="zh-CN" altLang="en-US" sz="1200" dirty="0">
-                        <a:solidFill>
-                          <a:schemeClr val="tx1">
-                            <a:lumMod val="65000"/>
-                            <a:lumOff val="35000"/>
-                          </a:schemeClr>
-                        </a:solidFill>
-                        <a:latin typeface="+mn-lt"/>
-                        <a:ea typeface="微软雅黑" panose="020B0503020204020204" pitchFamily="34" charset="-122"/>
-                      </a:endParaRPr>
+                      <a:r>
+                        <a:rPr sz="1200">
+                          <a:solidFill>
+                            <a:srgbClr val="000000"/>
+                          </a:solidFill>
+                        </a:rPr>
+                        <a:t>2013</a:t>
+                      </a:r>
                     </a:p>
                   </a:txBody>
                   <a:tcPr anchor="ctr">
@@ -25012,30 +24855,14 @@
                     <a:bodyPr/>
                     <a:lstStyle/>
                     <a:p>
-                      <a:pPr algn="ctr"/>
-                      <a:r>
-                        <a:rPr lang="en-US" altLang="zh-CN" sz="1200" dirty="0">
-                          <a:solidFill>
-                            <a:schemeClr val="tx1">
-                              <a:lumMod val="65000"/>
-                              <a:lumOff val="35000"/>
-                            </a:schemeClr>
-                          </a:solidFill>
-                          <a:latin typeface="+mn-lt"/>
-                          <a:ea typeface="微软雅黑" panose="020B0503020204020204" pitchFamily="34" charset="-122"/>
-                        </a:rPr>
-                        <a:t>2015</a:t>
-                      </a:r>
-                      <a:endParaRPr lang="zh-CN" altLang="en-US" sz="1200" dirty="0">
-                        <a:solidFill>
-                          <a:schemeClr val="tx1">
-                            <a:lumMod val="65000"/>
-                            <a:lumOff val="35000"/>
-                          </a:schemeClr>
-                        </a:solidFill>
-                        <a:latin typeface="+mn-lt"/>
-                        <a:ea typeface="微软雅黑" panose="020B0503020204020204" pitchFamily="34" charset="-122"/>
-                      </a:endParaRPr>
+                      <a:r>
+                        <a:rPr sz="1200">
+                          <a:solidFill>
+                            <a:srgbClr val="000000"/>
+                          </a:solidFill>
+                        </a:rPr>
+                        <a:t>2014</a:t>
+                      </a:r>
                     </a:p>
                   </a:txBody>
                   <a:tcPr anchor="ctr">
@@ -25066,30 +24893,14 @@
                     <a:bodyPr/>
                     <a:lstStyle/>
                     <a:p>
-                      <a:pPr algn="ctr"/>
-                      <a:r>
-                        <a:rPr lang="en-US" altLang="zh-CN" sz="1200" dirty="0">
-                          <a:solidFill>
-                            <a:schemeClr val="tx1">
-                              <a:lumMod val="65000"/>
-                              <a:lumOff val="35000"/>
-                            </a:schemeClr>
-                          </a:solidFill>
-                          <a:latin typeface="+mn-lt"/>
-                          <a:ea typeface="微软雅黑" panose="020B0503020204020204" pitchFamily="34" charset="-122"/>
-                        </a:rPr>
-                        <a:t>2016</a:t>
-                      </a:r>
-                      <a:endParaRPr lang="zh-CN" altLang="en-US" sz="1200" dirty="0">
-                        <a:solidFill>
-                          <a:schemeClr val="tx1">
-                            <a:lumMod val="65000"/>
-                            <a:lumOff val="35000"/>
-                          </a:schemeClr>
-                        </a:solidFill>
-                        <a:latin typeface="+mn-lt"/>
-                        <a:ea typeface="微软雅黑" panose="020B0503020204020204" pitchFamily="34" charset="-122"/>
-                      </a:endParaRPr>
+                      <a:r>
+                        <a:rPr sz="1200">
+                          <a:solidFill>
+                            <a:srgbClr val="000000"/>
+                          </a:solidFill>
+                        </a:rPr>
+                        <a:t>2015</a:t>
+                      </a:r>
                     </a:p>
                   </a:txBody>
                   <a:tcPr anchor="ctr">
@@ -25120,30 +24931,14 @@
                     <a:bodyPr/>
                     <a:lstStyle/>
                     <a:p>
-                      <a:pPr algn="ctr"/>
-                      <a:r>
-                        <a:rPr lang="en-US" altLang="zh-CN" sz="1200" dirty="0">
-                          <a:solidFill>
-                            <a:schemeClr val="tx1">
-                              <a:lumMod val="65000"/>
-                              <a:lumOff val="35000"/>
-                            </a:schemeClr>
-                          </a:solidFill>
-                          <a:latin typeface="+mn-lt"/>
-                          <a:ea typeface="微软雅黑" panose="020B0503020204020204" pitchFamily="34" charset="-122"/>
-                        </a:rPr>
-                        <a:t>2017</a:t>
-                      </a:r>
-                      <a:endParaRPr lang="zh-CN" altLang="en-US" sz="1200" dirty="0">
-                        <a:solidFill>
-                          <a:schemeClr val="tx1">
-                            <a:lumMod val="65000"/>
-                            <a:lumOff val="35000"/>
-                          </a:schemeClr>
-                        </a:solidFill>
-                        <a:latin typeface="+mn-lt"/>
-                        <a:ea typeface="微软雅黑" panose="020B0503020204020204" pitchFamily="34" charset="-122"/>
-                      </a:endParaRPr>
+                      <a:r>
+                        <a:rPr sz="1200">
+                          <a:solidFill>
+                            <a:srgbClr val="000000"/>
+                          </a:solidFill>
+                        </a:rPr>
+                        <a:t>2016</a:t>
+                      </a:r>
                     </a:p>
                   </a:txBody>
                   <a:tcPr anchor="ctr">
@@ -25174,30 +24969,14 @@
                     <a:bodyPr/>
                     <a:lstStyle/>
                     <a:p>
-                      <a:pPr algn="ctr"/>
-                      <a:r>
-                        <a:rPr lang="en-US" altLang="zh-CN" sz="1200" dirty="0">
-                          <a:solidFill>
-                            <a:schemeClr val="tx1">
-                              <a:lumMod val="65000"/>
-                              <a:lumOff val="35000"/>
-                            </a:schemeClr>
-                          </a:solidFill>
-                          <a:latin typeface="+mn-lt"/>
-                          <a:ea typeface="微软雅黑" panose="020B0503020204020204" pitchFamily="34" charset="-122"/>
-                        </a:rPr>
-                        <a:t>2018</a:t>
-                      </a:r>
-                      <a:endParaRPr lang="zh-CN" altLang="en-US" sz="1200" dirty="0">
-                        <a:solidFill>
-                          <a:schemeClr val="tx1">
-                            <a:lumMod val="65000"/>
-                            <a:lumOff val="35000"/>
-                          </a:schemeClr>
-                        </a:solidFill>
-                        <a:latin typeface="+mn-lt"/>
-                        <a:ea typeface="微软雅黑" panose="020B0503020204020204" pitchFamily="34" charset="-122"/>
-                      </a:endParaRPr>
+                      <a:r>
+                        <a:rPr sz="1200">
+                          <a:solidFill>
+                            <a:srgbClr val="000000"/>
+                          </a:solidFill>
+                        </a:rPr>
+                        <a:t>2017</a:t>
+                      </a:r>
                     </a:p>
                   </a:txBody>
                   <a:tcPr anchor="ctr">
@@ -25691,7 +25470,7 @@
         </p:blipFill>
         <p:spPr>
           <a:xfrm>
-            <a:off x="914400" y="1188720"/>
+            <a:off x="914400" y="1280160"/>
             <a:ext cx="7315200" cy="3200400"/>
           </a:xfrm>
           <a:prstGeom prst="rect">
@@ -25886,7 +25665,7 @@
         <p:spPr>
           <a:xfrm>
             <a:off x="396553" y="575731"/>
-            <a:ext cx="8494910" cy="307777"/>
+            <a:ext cx="8494910" cy="523220"/>
           </a:xfrm>
           <a:prstGeom prst="rect">
             <a:avLst/>
@@ -25899,69 +25678,8 @@
           <a:lstStyle/>
           <a:p>
             <a:r>
-              <a:rPr lang="en-US" altLang="zh-CN" dirty="0">
-                <a:solidFill>
-                  <a:srgbClr val="000000"/>
-                </a:solidFill>
-                <a:ea typeface="Arial" panose="020B0604020202020204" pitchFamily="34" charset="-122"/>
-                <a:cs typeface="Arial" panose="020B0604020202020204" pitchFamily="34" charset="-120"/>
-              </a:rPr>
-              <a:t> 2018年，深圳市常住人口为1302.66万人，户籍人口为422.61万人。</a:t>
+              <a:t> 2018年，广东省深圳市常住人口为1252.83万人，户籍人口为434.72万人。人口密度为6234人/平方千米。</a:t>
             </a:r>
-            <a:r>
-              <a:rPr lang="zh-CN" altLang="en-US" dirty="0">
-                <a:solidFill>
-                  <a:srgbClr val="000000"/>
-                </a:solidFill>
-                <a:ea typeface="Arial" panose="020B0604020202020204" pitchFamily="34" charset="-122"/>
-                <a:cs typeface="Arial" panose="020B0604020202020204" pitchFamily="34" charset="-120"/>
-              </a:rPr>
-              <a:t>人口密度为</a:t>
-            </a:r>
-            <a:r>
-              <a:rPr lang="en-US" altLang="zh-CN" dirty="0">
-                <a:solidFill>
-                  <a:srgbClr val="000000"/>
-                </a:solidFill>
-                <a:ea typeface="Arial" panose="020B0604020202020204" pitchFamily="34" charset="-122"/>
-                <a:cs typeface="Arial" panose="020B0604020202020204" pitchFamily="34" charset="-120"/>
-              </a:rPr>
-              <a:t>1653</a:t>
-            </a:r>
-            <a:r>
-              <a:rPr lang="zh-CN" altLang="en-US" dirty="0">
-                <a:solidFill>
-                  <a:srgbClr val="000000"/>
-                </a:solidFill>
-                <a:ea typeface="Arial" panose="020B0604020202020204" pitchFamily="34" charset="-122"/>
-                <a:cs typeface="Arial" panose="020B0604020202020204" pitchFamily="34" charset="-120"/>
-              </a:rPr>
-              <a:t>人</a:t>
-            </a:r>
-            <a:r>
-              <a:rPr lang="en-US" altLang="zh-CN" dirty="0">
-                <a:solidFill>
-                  <a:srgbClr val="000000"/>
-                </a:solidFill>
-                <a:ea typeface="Arial" panose="020B0604020202020204" pitchFamily="34" charset="-122"/>
-                <a:cs typeface="Arial" panose="020B0604020202020204" pitchFamily="34" charset="-120"/>
-              </a:rPr>
-              <a:t>/</a:t>
-            </a:r>
-            <a:r>
-              <a:rPr lang="zh-CN" altLang="en-US" dirty="0">
-                <a:solidFill>
-                  <a:srgbClr val="000000"/>
-                </a:solidFill>
-                <a:ea typeface="Arial" panose="020B0604020202020204" pitchFamily="34" charset="-122"/>
-                <a:cs typeface="Arial" panose="020B0604020202020204" pitchFamily="34" charset="-120"/>
-              </a:rPr>
-              <a:t>平方千米。</a:t>
-            </a:r>
-            <a:endParaRPr lang="zh-CN" altLang="en-US" dirty="0">
-              <a:latin typeface="微软雅黑" panose="020B0503020204020204" pitchFamily="34" charset="-122"/>
-              <a:ea typeface="微软雅黑" panose="020B0503020204020204" pitchFamily="34" charset="-122"/>
-            </a:endParaRPr>
           </a:p>
         </p:txBody>
       </p:sp>
@@ -26080,30 +25798,14 @@
                     <a:bodyPr/>
                     <a:lstStyle/>
                     <a:p>
-                      <a:pPr algn="ctr"/>
-                      <a:r>
-                        <a:rPr lang="en-US" altLang="zh-CN" sz="1200" dirty="0">
-                          <a:solidFill>
-                            <a:schemeClr val="tx1">
-                              <a:lumMod val="65000"/>
-                              <a:lumOff val="35000"/>
-                            </a:schemeClr>
-                          </a:solidFill>
-                          <a:latin typeface="+mn-lt"/>
-                          <a:ea typeface="微软雅黑" panose="020B0503020204020204" pitchFamily="34" charset="-122"/>
-                        </a:rPr>
-                        <a:t>2014</a:t>
-                      </a:r>
-                      <a:endParaRPr lang="zh-CN" altLang="en-US" sz="1200" dirty="0">
-                        <a:solidFill>
-                          <a:schemeClr val="tx1">
-                            <a:lumMod val="65000"/>
-                            <a:lumOff val="35000"/>
-                          </a:schemeClr>
-                        </a:solidFill>
-                        <a:latin typeface="+mn-lt"/>
-                        <a:ea typeface="微软雅黑" panose="020B0503020204020204" pitchFamily="34" charset="-122"/>
-                      </a:endParaRPr>
+                      <a:r>
+                        <a:rPr sz="1200">
+                          <a:solidFill>
+                            <a:srgbClr val="000000"/>
+                          </a:solidFill>
+                        </a:rPr>
+                        <a:t>2013</a:t>
+                      </a:r>
                     </a:p>
                   </a:txBody>
                   <a:tcPr anchor="ctr">
@@ -26134,30 +25836,14 @@
                     <a:bodyPr/>
                     <a:lstStyle/>
                     <a:p>
-                      <a:pPr algn="ctr"/>
-                      <a:r>
-                        <a:rPr lang="en-US" altLang="zh-CN" sz="1200" dirty="0">
-                          <a:solidFill>
-                            <a:schemeClr val="tx1">
-                              <a:lumMod val="65000"/>
-                              <a:lumOff val="35000"/>
-                            </a:schemeClr>
-                          </a:solidFill>
-                          <a:latin typeface="+mn-lt"/>
-                          <a:ea typeface="微软雅黑" panose="020B0503020204020204" pitchFamily="34" charset="-122"/>
-                        </a:rPr>
-                        <a:t>2015</a:t>
-                      </a:r>
-                      <a:endParaRPr lang="zh-CN" altLang="en-US" sz="1200" dirty="0">
-                        <a:solidFill>
-                          <a:schemeClr val="tx1">
-                            <a:lumMod val="65000"/>
-                            <a:lumOff val="35000"/>
-                          </a:schemeClr>
-                        </a:solidFill>
-                        <a:latin typeface="+mn-lt"/>
-                        <a:ea typeface="微软雅黑" panose="020B0503020204020204" pitchFamily="34" charset="-122"/>
-                      </a:endParaRPr>
+                      <a:r>
+                        <a:rPr sz="1200">
+                          <a:solidFill>
+                            <a:srgbClr val="000000"/>
+                          </a:solidFill>
+                        </a:rPr>
+                        <a:t>2014</a:t>
+                      </a:r>
                     </a:p>
                   </a:txBody>
                   <a:tcPr anchor="ctr">
@@ -26188,30 +25874,14 @@
                     <a:bodyPr/>
                     <a:lstStyle/>
                     <a:p>
-                      <a:pPr algn="ctr"/>
-                      <a:r>
-                        <a:rPr lang="en-US" altLang="zh-CN" sz="1200" dirty="0">
-                          <a:solidFill>
-                            <a:schemeClr val="tx1">
-                              <a:lumMod val="65000"/>
-                              <a:lumOff val="35000"/>
-                            </a:schemeClr>
-                          </a:solidFill>
-                          <a:latin typeface="+mn-lt"/>
-                          <a:ea typeface="微软雅黑" panose="020B0503020204020204" pitchFamily="34" charset="-122"/>
-                        </a:rPr>
-                        <a:t>2016</a:t>
-                      </a:r>
-                      <a:endParaRPr lang="zh-CN" altLang="en-US" sz="1200" dirty="0">
-                        <a:solidFill>
-                          <a:schemeClr val="tx1">
-                            <a:lumMod val="65000"/>
-                            <a:lumOff val="35000"/>
-                          </a:schemeClr>
-                        </a:solidFill>
-                        <a:latin typeface="+mn-lt"/>
-                        <a:ea typeface="微软雅黑" panose="020B0503020204020204" pitchFamily="34" charset="-122"/>
-                      </a:endParaRPr>
+                      <a:r>
+                        <a:rPr sz="1200">
+                          <a:solidFill>
+                            <a:srgbClr val="000000"/>
+                          </a:solidFill>
+                        </a:rPr>
+                        <a:t>2015</a:t>
+                      </a:r>
                     </a:p>
                   </a:txBody>
                   <a:tcPr anchor="ctr">
@@ -26242,30 +25912,14 @@
                     <a:bodyPr/>
                     <a:lstStyle/>
                     <a:p>
-                      <a:pPr algn="ctr"/>
-                      <a:r>
-                        <a:rPr lang="en-US" altLang="zh-CN" sz="1200" dirty="0">
-                          <a:solidFill>
-                            <a:schemeClr val="tx1">
-                              <a:lumMod val="65000"/>
-                              <a:lumOff val="35000"/>
-                            </a:schemeClr>
-                          </a:solidFill>
-                          <a:latin typeface="+mn-lt"/>
-                          <a:ea typeface="微软雅黑" panose="020B0503020204020204" pitchFamily="34" charset="-122"/>
-                        </a:rPr>
-                        <a:t>2017</a:t>
-                      </a:r>
-                      <a:endParaRPr lang="zh-CN" altLang="en-US" sz="1200" dirty="0">
-                        <a:solidFill>
-                          <a:schemeClr val="tx1">
-                            <a:lumMod val="65000"/>
-                            <a:lumOff val="35000"/>
-                          </a:schemeClr>
-                        </a:solidFill>
-                        <a:latin typeface="+mn-lt"/>
-                        <a:ea typeface="微软雅黑" panose="020B0503020204020204" pitchFamily="34" charset="-122"/>
-                      </a:endParaRPr>
+                      <a:r>
+                        <a:rPr sz="1200">
+                          <a:solidFill>
+                            <a:srgbClr val="000000"/>
+                          </a:solidFill>
+                        </a:rPr>
+                        <a:t>2016</a:t>
+                      </a:r>
                     </a:p>
                   </a:txBody>
                   <a:tcPr anchor="ctr">
@@ -26296,30 +25950,14 @@
                     <a:bodyPr/>
                     <a:lstStyle/>
                     <a:p>
-                      <a:pPr algn="ctr"/>
-                      <a:r>
-                        <a:rPr lang="en-US" altLang="zh-CN" sz="1200" dirty="0">
-                          <a:solidFill>
-                            <a:schemeClr val="tx1">
-                              <a:lumMod val="65000"/>
-                              <a:lumOff val="35000"/>
-                            </a:schemeClr>
-                          </a:solidFill>
-                          <a:latin typeface="+mn-lt"/>
-                          <a:ea typeface="微软雅黑" panose="020B0503020204020204" pitchFamily="34" charset="-122"/>
-                        </a:rPr>
-                        <a:t>2018</a:t>
-                      </a:r>
-                      <a:endParaRPr lang="zh-CN" altLang="en-US" sz="1200" dirty="0">
-                        <a:solidFill>
-                          <a:schemeClr val="tx1">
-                            <a:lumMod val="65000"/>
-                            <a:lumOff val="35000"/>
-                          </a:schemeClr>
-                        </a:solidFill>
-                        <a:latin typeface="+mn-lt"/>
-                        <a:ea typeface="微软雅黑" panose="020B0503020204020204" pitchFamily="34" charset="-122"/>
-                      </a:endParaRPr>
+                      <a:r>
+                        <a:rPr sz="1200">
+                          <a:solidFill>
+                            <a:srgbClr val="000000"/>
+                          </a:solidFill>
+                        </a:rPr>
+                        <a:t>2017</a:t>
+                      </a:r>
                     </a:p>
                   </a:txBody>
                   <a:tcPr anchor="ctr">
@@ -26403,11 +26041,14 @@
                     <a:bodyPr/>
                     <a:lstStyle/>
                     <a:p>
-                      <a:pPr algn="ctr"/>
-                      <a:endParaRPr lang="zh-CN" altLang="en-US" sz="1200" dirty="0">
-                        <a:latin typeface="+mn-lt"/>
-                        <a:ea typeface="微软雅黑" panose="020B0503020204020204" pitchFamily="34" charset="-122"/>
-                      </a:endParaRPr>
+                      <a:r>
+                        <a:rPr sz="1200">
+                          <a:solidFill>
+                            <a:srgbClr val="000000"/>
+                          </a:solidFill>
+                        </a:rPr>
+                        <a:t>1062.89</a:t>
+                      </a:r>
                     </a:p>
                   </a:txBody>
                   <a:tcPr anchor="ctr">
@@ -26421,11 +26062,14 @@
                     <a:bodyPr/>
                     <a:lstStyle/>
                     <a:p>
-                      <a:pPr algn="ctr"/>
-                      <a:endParaRPr lang="zh-CN" altLang="en-US" sz="1200" dirty="0">
-                        <a:latin typeface="+mn-lt"/>
-                        <a:ea typeface="微软雅黑" panose="020B0503020204020204" pitchFamily="34" charset="-122"/>
-                      </a:endParaRPr>
+                      <a:r>
+                        <a:rPr sz="1200">
+                          <a:solidFill>
+                            <a:srgbClr val="000000"/>
+                          </a:solidFill>
+                        </a:rPr>
+                        <a:t>1077.89</a:t>
+                      </a:r>
                     </a:p>
                   </a:txBody>
                   <a:tcPr anchor="ctr">
@@ -26439,11 +26083,14 @@
                     <a:bodyPr/>
                     <a:lstStyle/>
                     <a:p>
-                      <a:pPr algn="ctr"/>
-                      <a:endParaRPr lang="zh-CN" altLang="en-US" sz="1200" dirty="0">
-                        <a:latin typeface="+mn-lt"/>
-                        <a:ea typeface="微软雅黑" panose="020B0503020204020204" pitchFamily="34" charset="-122"/>
-                      </a:endParaRPr>
+                      <a:r>
+                        <a:rPr sz="1200">
+                          <a:solidFill>
+                            <a:srgbClr val="000000"/>
+                          </a:solidFill>
+                        </a:rPr>
+                        <a:t>1137.87</a:t>
+                      </a:r>
                     </a:p>
                   </a:txBody>
                   <a:tcPr anchor="ctr">
@@ -26457,11 +26104,14 @@
                     <a:bodyPr/>
                     <a:lstStyle/>
                     <a:p>
-                      <a:pPr algn="ctr"/>
-                      <a:endParaRPr lang="zh-CN" altLang="en-US" sz="1200" dirty="0">
-                        <a:latin typeface="+mn-lt"/>
-                        <a:ea typeface="微软雅黑" panose="020B0503020204020204" pitchFamily="34" charset="-122"/>
-                      </a:endParaRPr>
+                      <a:r>
+                        <a:rPr sz="1200">
+                          <a:solidFill>
+                            <a:srgbClr val="000000"/>
+                          </a:solidFill>
+                        </a:rPr>
+                        <a:t>1190.84</a:t>
+                      </a:r>
                     </a:p>
                   </a:txBody>
                   <a:tcPr anchor="ctr">
@@ -26475,11 +26125,14 @@
                     <a:bodyPr/>
                     <a:lstStyle/>
                     <a:p>
-                      <a:pPr algn="ctr"/>
-                      <a:endParaRPr lang="zh-CN" altLang="en-US" sz="1200" dirty="0">
-                        <a:latin typeface="+mn-lt"/>
-                        <a:ea typeface="微软雅黑" panose="020B0503020204020204" pitchFamily="34" charset="-122"/>
-                      </a:endParaRPr>
+                      <a:r>
+                        <a:rPr sz="1200">
+                          <a:solidFill>
+                            <a:srgbClr val="000000"/>
+                          </a:solidFill>
+                        </a:rPr>
+                        <a:t>1252.83</a:t>
+                      </a:r>
                     </a:p>
                   </a:txBody>
                   <a:tcPr anchor="ctr">
@@ -26542,11 +26195,14 @@
                     <a:bodyPr/>
                     <a:lstStyle/>
                     <a:p>
-                      <a:pPr algn="ctr"/>
-                      <a:endParaRPr lang="zh-CN" altLang="en-US" sz="1200" dirty="0">
-                        <a:latin typeface="+mn-lt"/>
-                        <a:ea typeface="微软雅黑" panose="020B0503020204020204" pitchFamily="34" charset="-122"/>
-                      </a:endParaRPr>
+                      <a:r>
+                        <a:rPr sz="1200">
+                          <a:solidFill>
+                            <a:srgbClr val="000000"/>
+                          </a:solidFill>
+                        </a:rPr>
+                        <a:t>310.47</a:t>
+                      </a:r>
                     </a:p>
                   </a:txBody>
                   <a:tcPr anchor="ctr"/>
@@ -26556,11 +26212,14 @@
                     <a:bodyPr/>
                     <a:lstStyle/>
                     <a:p>
-                      <a:pPr algn="ctr"/>
-                      <a:endParaRPr lang="zh-CN" altLang="en-US" sz="1200" dirty="0">
-                        <a:latin typeface="+mn-lt"/>
-                        <a:ea typeface="微软雅黑" panose="020B0503020204020204" pitchFamily="34" charset="-122"/>
-                      </a:endParaRPr>
+                      <a:r>
+                        <a:rPr sz="1200">
+                          <a:solidFill>
+                            <a:srgbClr val="000000"/>
+                          </a:solidFill>
+                        </a:rPr>
+                        <a:t>332.21</a:t>
+                      </a:r>
                     </a:p>
                   </a:txBody>
                   <a:tcPr anchor="ctr"/>
@@ -26570,11 +26229,14 @@
                     <a:bodyPr/>
                     <a:lstStyle/>
                     <a:p>
-                      <a:pPr algn="ctr"/>
-                      <a:endParaRPr lang="zh-CN" altLang="en-US" sz="1200" dirty="0">
-                        <a:latin typeface="+mn-lt"/>
-                        <a:ea typeface="微软雅黑" panose="020B0503020204020204" pitchFamily="34" charset="-122"/>
-                      </a:endParaRPr>
+                      <a:r>
+                        <a:rPr sz="1200">
+                          <a:solidFill>
+                            <a:srgbClr val="000000"/>
+                          </a:solidFill>
+                        </a:rPr>
+                        <a:t>332.21</a:t>
+                      </a:r>
                     </a:p>
                   </a:txBody>
                   <a:tcPr anchor="ctr"/>
@@ -26584,11 +26246,14 @@
                     <a:bodyPr/>
                     <a:lstStyle/>
                     <a:p>
-                      <a:pPr algn="ctr"/>
-                      <a:endParaRPr lang="zh-CN" altLang="en-US" sz="1200" dirty="0">
-                        <a:latin typeface="+mn-lt"/>
-                        <a:ea typeface="微软雅黑" panose="020B0503020204020204" pitchFamily="34" charset="-122"/>
-                      </a:endParaRPr>
+                      <a:r>
+                        <a:rPr sz="1200">
+                          <a:solidFill>
+                            <a:srgbClr val="000000"/>
+                          </a:solidFill>
+                        </a:rPr>
+                        <a:t>384.52</a:t>
+                      </a:r>
                     </a:p>
                   </a:txBody>
                   <a:tcPr anchor="ctr"/>
@@ -26598,11 +26263,14 @@
                     <a:bodyPr/>
                     <a:lstStyle/>
                     <a:p>
-                      <a:pPr algn="ctr"/>
-                      <a:endParaRPr lang="zh-CN" altLang="en-US" sz="1200" dirty="0">
-                        <a:latin typeface="+mn-lt"/>
-                        <a:ea typeface="微软雅黑" panose="020B0503020204020204" pitchFamily="34" charset="-122"/>
-                      </a:endParaRPr>
+                      <a:r>
+                        <a:rPr sz="1200">
+                          <a:solidFill>
+                            <a:srgbClr val="000000"/>
+                          </a:solidFill>
+                        </a:rPr>
+                        <a:t>434.72</a:t>
+                      </a:r>
                     </a:p>
                   </a:txBody>
                   <a:tcPr anchor="ctr"/>
@@ -26691,11 +26359,14 @@
                     <a:bodyPr/>
                     <a:lstStyle/>
                     <a:p>
-                      <a:pPr algn="ctr"/>
-                      <a:endParaRPr lang="zh-CN" altLang="en-US" sz="1200" dirty="0">
-                        <a:latin typeface="+mn-lt"/>
-                        <a:ea typeface="微软雅黑" panose="020B0503020204020204" pitchFamily="34" charset="-122"/>
-                      </a:endParaRPr>
+                      <a:r>
+                        <a:rPr sz="1200">
+                          <a:solidFill>
+                            <a:srgbClr val="000000"/>
+                          </a:solidFill>
+                        </a:rPr>
+                        <a:t>5323</a:t>
+                      </a:r>
                     </a:p>
                   </a:txBody>
                   <a:tcPr anchor="ctr"/>
@@ -26705,11 +26376,14 @@
                     <a:bodyPr/>
                     <a:lstStyle/>
                     <a:p>
-                      <a:pPr algn="ctr"/>
-                      <a:endParaRPr lang="zh-CN" altLang="en-US" sz="1200" dirty="0">
-                        <a:latin typeface="+mn-lt"/>
-                        <a:ea typeface="微软雅黑" panose="020B0503020204020204" pitchFamily="34" charset="-122"/>
-                      </a:endParaRPr>
+                      <a:r>
+                        <a:rPr sz="1200">
+                          <a:solidFill>
+                            <a:srgbClr val="000000"/>
+                          </a:solidFill>
+                        </a:rPr>
+                        <a:t>5398</a:t>
+                      </a:r>
                     </a:p>
                   </a:txBody>
                   <a:tcPr anchor="ctr"/>
@@ -26719,11 +26393,14 @@
                     <a:bodyPr/>
                     <a:lstStyle/>
                     <a:p>
-                      <a:pPr algn="ctr"/>
-                      <a:endParaRPr lang="zh-CN" altLang="en-US" sz="1200" dirty="0">
-                        <a:latin typeface="+mn-lt"/>
-                        <a:ea typeface="微软雅黑" panose="020B0503020204020204" pitchFamily="34" charset="-122"/>
-                      </a:endParaRPr>
+                      <a:r>
+                        <a:rPr sz="1200">
+                          <a:solidFill>
+                            <a:srgbClr val="000000"/>
+                          </a:solidFill>
+                        </a:rPr>
+                        <a:t>5697</a:t>
+                      </a:r>
                     </a:p>
                   </a:txBody>
                   <a:tcPr anchor="ctr"/>
@@ -26733,11 +26410,14 @@
                     <a:bodyPr/>
                     <a:lstStyle/>
                     <a:p>
-                      <a:pPr algn="ctr"/>
-                      <a:endParaRPr lang="zh-CN" altLang="en-US" sz="1200" dirty="0">
-                        <a:latin typeface="+mn-lt"/>
-                        <a:ea typeface="微软雅黑" panose="020B0503020204020204" pitchFamily="34" charset="-122"/>
-                      </a:endParaRPr>
+                      <a:r>
+                        <a:rPr sz="1200">
+                          <a:solidFill>
+                            <a:srgbClr val="000000"/>
+                          </a:solidFill>
+                        </a:rPr>
+                        <a:t>5962</a:t>
+                      </a:r>
                     </a:p>
                   </a:txBody>
                   <a:tcPr anchor="ctr"/>
@@ -26747,11 +26427,14 @@
                     <a:bodyPr/>
                     <a:lstStyle/>
                     <a:p>
-                      <a:pPr algn="ctr"/>
-                      <a:endParaRPr lang="zh-CN" altLang="en-US" sz="1200" dirty="0">
-                        <a:latin typeface="+mn-lt"/>
-                        <a:ea typeface="微软雅黑" panose="020B0503020204020204" pitchFamily="34" charset="-122"/>
-                      </a:endParaRPr>
+                      <a:r>
+                        <a:rPr sz="1200">
+                          <a:solidFill>
+                            <a:srgbClr val="000000"/>
+                          </a:solidFill>
+                        </a:rPr>
+                        <a:t>6234</a:t>
+                      </a:r>
                     </a:p>
                   </a:txBody>
                   <a:tcPr anchor="ctr"/>
@@ -26768,13 +26451,7 @@
       </p:graphicFrame>
       <p:pic>
         <p:nvPicPr>
-          <p:cNvPr id="5" name="图片 4">
-            <a:extLst>
-              <a:ext uri="{FF2B5EF4-FFF2-40B4-BE49-F238E27FC236}">
-                <a16:creationId xmlns:a16="http://schemas.microsoft.com/office/drawing/2014/main" id="{6ECF9A17-78EE-4C33-82FF-17D7482651F6}"/>
-              </a:ext>
-            </a:extLst>
-          </p:cNvPr>
+          <p:cNvPr id="13" name="Picture 12" descr="slide6_chart1.png"/>
           <p:cNvPicPr>
             <a:picLocks noChangeAspect="1"/>
           </p:cNvPicPr>
@@ -26788,8 +26465,8 @@
         </p:blipFill>
         <p:spPr>
           <a:xfrm>
-            <a:off x="1547664" y="1152525"/>
-            <a:ext cx="5781675" cy="3295650"/>
+            <a:off x="1371600" y="914400"/>
+            <a:ext cx="6400800" cy="3657600"/>
           </a:xfrm>
           <a:prstGeom prst="rect">
             <a:avLst/>
@@ -26826,36 +26503,6 @@
           <a:chExt cx="0" cy="0"/>
         </a:xfrm>
       </p:grpSpPr>
-      <p:pic>
-        <p:nvPicPr>
-          <p:cNvPr id="11" name="图片 10">
-            <a:extLst>
-              <a:ext uri="{FF2B5EF4-FFF2-40B4-BE49-F238E27FC236}">
-                <a16:creationId xmlns:a16="http://schemas.microsoft.com/office/drawing/2014/main" id="{C1666C42-C64B-493F-9B0C-DBBE6480861E}"/>
-              </a:ext>
-            </a:extLst>
-          </p:cNvPr>
-          <p:cNvPicPr>
-            <a:picLocks noChangeAspect="1"/>
-          </p:cNvPicPr>
-          <p:nvPr/>
-        </p:nvPicPr>
-        <p:blipFill>
-          <a:blip r:embed="rId2"/>
-          <a:stretch>
-            <a:fillRect/>
-          </a:stretch>
-        </p:blipFill>
-        <p:spPr>
-          <a:xfrm>
-            <a:off x="2219325" y="908720"/>
-            <a:ext cx="4705350" cy="3714750"/>
-          </a:xfrm>
-          <a:prstGeom prst="rect">
-            <a:avLst/>
-          </a:prstGeom>
-        </p:spPr>
-      </p:pic>
       <p:sp>
         <p:nvSpPr>
           <p:cNvPr id="2" name="内容占位符 1"/>
@@ -27026,99 +26673,8 @@
           <a:lstStyle/>
           <a:p>
             <a:r>
-              <a:rPr lang="en-US" altLang="zh-CN" dirty="0" err="1">
-                <a:solidFill>
-                  <a:srgbClr val="000000"/>
-                </a:solidFill>
-                <a:ea typeface="Arial" panose="020B0604020202020204" pitchFamily="34" charset="-122"/>
-                <a:cs typeface="Arial" panose="020B0604020202020204" pitchFamily="34" charset="-120"/>
-              </a:rPr>
-              <a:t>全市城镇人均可支配收入为</a:t>
+              <a:t>2017,全市人均可支配收入为52938.0元，较上年同比为增长9.0%；人均消费支出为38320.12元，人均消费支出/人均可支配收入约为72.0%。</a:t>
             </a:r>
-            <a:r>
-              <a:rPr lang="en-US" altLang="zh-CN" dirty="0">
-                <a:solidFill>
-                  <a:srgbClr val="000000"/>
-                </a:solidFill>
-                <a:ea typeface="Arial" panose="020B0604020202020204" pitchFamily="34" charset="-122"/>
-                <a:cs typeface="Arial" panose="020B0604020202020204" pitchFamily="34" charset="-120"/>
-              </a:rPr>
-              <a:t>--元，较上年同比为减少100%</a:t>
-            </a:r>
-            <a:r>
-              <a:rPr lang="zh-CN" altLang="en-US" dirty="0">
-                <a:solidFill>
-                  <a:srgbClr val="000000"/>
-                </a:solidFill>
-                <a:ea typeface="Arial" panose="020B0604020202020204" pitchFamily="34" charset="-122"/>
-                <a:cs typeface="Arial" panose="020B0604020202020204" pitchFamily="34" charset="-120"/>
-              </a:rPr>
-              <a:t>；</a:t>
-            </a:r>
-            <a:r>
-              <a:rPr lang="en-US" altLang="zh-CN" dirty="0" err="1">
-                <a:solidFill>
-                  <a:srgbClr val="000000"/>
-                </a:solidFill>
-                <a:ea typeface="Arial" panose="020B0604020202020204" pitchFamily="34" charset="-122"/>
-                <a:cs typeface="Arial" panose="020B0604020202020204" pitchFamily="34" charset="-120"/>
-              </a:rPr>
-              <a:t>人均消费支出为</a:t>
-            </a:r>
-            <a:r>
-              <a:rPr lang="en-US" altLang="zh-CN" dirty="0">
-                <a:solidFill>
-                  <a:srgbClr val="000000"/>
-                </a:solidFill>
-                <a:ea typeface="Arial" panose="020B0604020202020204" pitchFamily="34" charset="-122"/>
-                <a:cs typeface="Arial" panose="020B0604020202020204" pitchFamily="34" charset="-120"/>
-              </a:rPr>
-              <a:t>--</a:t>
-            </a:r>
-            <a:r>
-              <a:rPr lang="en-US" altLang="zh-CN" dirty="0" err="1">
-                <a:solidFill>
-                  <a:srgbClr val="000000"/>
-                </a:solidFill>
-                <a:ea typeface="Arial" panose="020B0604020202020204" pitchFamily="34" charset="-122"/>
-                <a:cs typeface="Arial" panose="020B0604020202020204" pitchFamily="34" charset="-120"/>
-              </a:rPr>
-              <a:t>元，人均消费支出</a:t>
-            </a:r>
-            <a:r>
-              <a:rPr lang="en-US" altLang="zh-CN" dirty="0">
-                <a:solidFill>
-                  <a:srgbClr val="000000"/>
-                </a:solidFill>
-                <a:ea typeface="Arial" panose="020B0604020202020204" pitchFamily="34" charset="-122"/>
-                <a:cs typeface="Arial" panose="020B0604020202020204" pitchFamily="34" charset="-120"/>
-              </a:rPr>
-              <a:t>/</a:t>
-            </a:r>
-            <a:r>
-              <a:rPr lang="en-US" altLang="zh-CN" dirty="0" err="1">
-                <a:solidFill>
-                  <a:srgbClr val="000000"/>
-                </a:solidFill>
-                <a:ea typeface="Arial" panose="020B0604020202020204" pitchFamily="34" charset="-122"/>
-                <a:cs typeface="Arial" panose="020B0604020202020204" pitchFamily="34" charset="-120"/>
-              </a:rPr>
-              <a:t>人均可支配收入约为</a:t>
-            </a:r>
-            <a:r>
-              <a:rPr lang="en-US" altLang="zh-CN" dirty="0">
-                <a:solidFill>
-                  <a:srgbClr val="000000"/>
-                </a:solidFill>
-                <a:ea typeface="Arial" panose="020B0604020202020204" pitchFamily="34" charset="-122"/>
-                <a:cs typeface="Arial" panose="020B0604020202020204" pitchFamily="34" charset="-120"/>
-              </a:rPr>
-              <a:t>--%。</a:t>
-            </a:r>
-            <a:endParaRPr lang="zh-CN" altLang="en-US" dirty="0">
-              <a:latin typeface="微软雅黑" panose="020B0503020204020204" pitchFamily="34" charset="-122"/>
-              <a:ea typeface="微软雅黑" panose="020B0503020204020204" pitchFamily="34" charset="-122"/>
-            </a:endParaRPr>
           </a:p>
         </p:txBody>
       </p:sp>
@@ -27237,30 +26793,14 @@
                     <a:bodyPr/>
                     <a:lstStyle/>
                     <a:p>
-                      <a:pPr algn="ctr"/>
-                      <a:r>
-                        <a:rPr lang="en-US" altLang="zh-CN" sz="1200" dirty="0">
-                          <a:solidFill>
-                            <a:schemeClr val="tx1">
-                              <a:lumMod val="65000"/>
-                              <a:lumOff val="35000"/>
-                            </a:schemeClr>
-                          </a:solidFill>
-                          <a:latin typeface="+mn-lt"/>
-                          <a:ea typeface="微软雅黑" panose="020B0503020204020204" pitchFamily="34" charset="-122"/>
-                        </a:rPr>
-                        <a:t>2014</a:t>
-                      </a:r>
-                      <a:endParaRPr lang="zh-CN" altLang="en-US" sz="1200" dirty="0">
-                        <a:solidFill>
-                          <a:schemeClr val="tx1">
-                            <a:lumMod val="65000"/>
-                            <a:lumOff val="35000"/>
-                          </a:schemeClr>
-                        </a:solidFill>
-                        <a:latin typeface="+mn-lt"/>
-                        <a:ea typeface="微软雅黑" panose="020B0503020204020204" pitchFamily="34" charset="-122"/>
-                      </a:endParaRPr>
+                      <a:r>
+                        <a:rPr sz="1200">
+                          <a:solidFill>
+                            <a:srgbClr val="000000"/>
+                          </a:solidFill>
+                        </a:rPr>
+                        <a:t>2013</a:t>
+                      </a:r>
                     </a:p>
                   </a:txBody>
                   <a:tcPr anchor="ctr">
@@ -27291,30 +26831,14 @@
                     <a:bodyPr/>
                     <a:lstStyle/>
                     <a:p>
-                      <a:pPr algn="ctr"/>
-                      <a:r>
-                        <a:rPr lang="en-US" altLang="zh-CN" sz="1200" dirty="0">
-                          <a:solidFill>
-                            <a:schemeClr val="tx1">
-                              <a:lumMod val="65000"/>
-                              <a:lumOff val="35000"/>
-                            </a:schemeClr>
-                          </a:solidFill>
-                          <a:latin typeface="+mn-lt"/>
-                          <a:ea typeface="微软雅黑" panose="020B0503020204020204" pitchFamily="34" charset="-122"/>
-                        </a:rPr>
-                        <a:t>2015</a:t>
-                      </a:r>
-                      <a:endParaRPr lang="zh-CN" altLang="en-US" sz="1200" dirty="0">
-                        <a:solidFill>
-                          <a:schemeClr val="tx1">
-                            <a:lumMod val="65000"/>
-                            <a:lumOff val="35000"/>
-                          </a:schemeClr>
-                        </a:solidFill>
-                        <a:latin typeface="+mn-lt"/>
-                        <a:ea typeface="微软雅黑" panose="020B0503020204020204" pitchFamily="34" charset="-122"/>
-                      </a:endParaRPr>
+                      <a:r>
+                        <a:rPr sz="1200">
+                          <a:solidFill>
+                            <a:srgbClr val="000000"/>
+                          </a:solidFill>
+                        </a:rPr>
+                        <a:t>2014</a:t>
+                      </a:r>
                     </a:p>
                   </a:txBody>
                   <a:tcPr anchor="ctr">
@@ -27345,30 +26869,14 @@
                     <a:bodyPr/>
                     <a:lstStyle/>
                     <a:p>
-                      <a:pPr algn="ctr"/>
-                      <a:r>
-                        <a:rPr lang="en-US" altLang="zh-CN" sz="1200" dirty="0">
-                          <a:solidFill>
-                            <a:schemeClr val="tx1">
-                              <a:lumMod val="65000"/>
-                              <a:lumOff val="35000"/>
-                            </a:schemeClr>
-                          </a:solidFill>
-                          <a:latin typeface="+mn-lt"/>
-                          <a:ea typeface="微软雅黑" panose="020B0503020204020204" pitchFamily="34" charset="-122"/>
-                        </a:rPr>
-                        <a:t>2016</a:t>
-                      </a:r>
-                      <a:endParaRPr lang="zh-CN" altLang="en-US" sz="1200" dirty="0">
-                        <a:solidFill>
-                          <a:schemeClr val="tx1">
-                            <a:lumMod val="65000"/>
-                            <a:lumOff val="35000"/>
-                          </a:schemeClr>
-                        </a:solidFill>
-                        <a:latin typeface="+mn-lt"/>
-                        <a:ea typeface="微软雅黑" panose="020B0503020204020204" pitchFamily="34" charset="-122"/>
-                      </a:endParaRPr>
+                      <a:r>
+                        <a:rPr sz="1200">
+                          <a:solidFill>
+                            <a:srgbClr val="000000"/>
+                          </a:solidFill>
+                        </a:rPr>
+                        <a:t>2015</a:t>
+                      </a:r>
                     </a:p>
                   </a:txBody>
                   <a:tcPr anchor="ctr">
@@ -27399,30 +26907,14 @@
                     <a:bodyPr/>
                     <a:lstStyle/>
                     <a:p>
-                      <a:pPr algn="ctr"/>
-                      <a:r>
-                        <a:rPr lang="en-US" altLang="zh-CN" sz="1200" dirty="0">
-                          <a:solidFill>
-                            <a:schemeClr val="tx1">
-                              <a:lumMod val="65000"/>
-                              <a:lumOff val="35000"/>
-                            </a:schemeClr>
-                          </a:solidFill>
-                          <a:latin typeface="+mn-lt"/>
-                          <a:ea typeface="微软雅黑" panose="020B0503020204020204" pitchFamily="34" charset="-122"/>
-                        </a:rPr>
-                        <a:t>2017</a:t>
-                      </a:r>
-                      <a:endParaRPr lang="zh-CN" altLang="en-US" sz="1200" dirty="0">
-                        <a:solidFill>
-                          <a:schemeClr val="tx1">
-                            <a:lumMod val="65000"/>
-                            <a:lumOff val="35000"/>
-                          </a:schemeClr>
-                        </a:solidFill>
-                        <a:latin typeface="+mn-lt"/>
-                        <a:ea typeface="微软雅黑" panose="020B0503020204020204" pitchFamily="34" charset="-122"/>
-                      </a:endParaRPr>
+                      <a:r>
+                        <a:rPr sz="1200">
+                          <a:solidFill>
+                            <a:srgbClr val="000000"/>
+                          </a:solidFill>
+                        </a:rPr>
+                        <a:t>2016</a:t>
+                      </a:r>
                     </a:p>
                   </a:txBody>
                   <a:tcPr anchor="ctr">
@@ -27453,30 +26945,14 @@
                     <a:bodyPr/>
                     <a:lstStyle/>
                     <a:p>
-                      <a:pPr algn="ctr"/>
-                      <a:r>
-                        <a:rPr lang="en-US" altLang="zh-CN" sz="1200" dirty="0">
-                          <a:solidFill>
-                            <a:schemeClr val="tx1">
-                              <a:lumMod val="65000"/>
-                              <a:lumOff val="35000"/>
-                            </a:schemeClr>
-                          </a:solidFill>
-                          <a:latin typeface="+mn-lt"/>
-                          <a:ea typeface="微软雅黑" panose="020B0503020204020204" pitchFamily="34" charset="-122"/>
-                        </a:rPr>
-                        <a:t>2018</a:t>
-                      </a:r>
-                      <a:endParaRPr lang="zh-CN" altLang="en-US" sz="1200" dirty="0">
-                        <a:solidFill>
-                          <a:schemeClr val="tx1">
-                            <a:lumMod val="65000"/>
-                            <a:lumOff val="35000"/>
-                          </a:schemeClr>
-                        </a:solidFill>
-                        <a:latin typeface="+mn-lt"/>
-                        <a:ea typeface="微软雅黑" panose="020B0503020204020204" pitchFamily="34" charset="-122"/>
-                      </a:endParaRPr>
+                      <a:r>
+                        <a:rPr sz="1200">
+                          <a:solidFill>
+                            <a:srgbClr val="000000"/>
+                          </a:solidFill>
+                        </a:rPr>
+                        <a:t>2017</a:t>
+                      </a:r>
                     </a:p>
                   </a:txBody>
                   <a:tcPr anchor="ctr">
@@ -27560,11 +27036,14 @@
                     <a:bodyPr/>
                     <a:lstStyle/>
                     <a:p>
-                      <a:pPr algn="ctr"/>
-                      <a:endParaRPr lang="zh-CN" altLang="en-US" sz="1200" dirty="0">
-                        <a:latin typeface="+mn-lt"/>
-                        <a:ea typeface="微软雅黑" panose="020B0503020204020204" pitchFamily="34" charset="-122"/>
-                      </a:endParaRPr>
+                      <a:r>
+                        <a:rPr sz="1200">
+                          <a:solidFill>
+                            <a:srgbClr val="000000"/>
+                          </a:solidFill>
+                        </a:rPr>
+                        <a:t>44653.1</a:t>
+                      </a:r>
                     </a:p>
                   </a:txBody>
                   <a:tcPr anchor="ctr">
@@ -27578,11 +27057,14 @@
                     <a:bodyPr/>
                     <a:lstStyle/>
                     <a:p>
-                      <a:pPr algn="ctr"/>
-                      <a:endParaRPr lang="zh-CN" altLang="en-US" sz="1200" dirty="0">
-                        <a:latin typeface="+mn-lt"/>
-                        <a:ea typeface="微软雅黑" panose="020B0503020204020204" pitchFamily="34" charset="-122"/>
-                      </a:endParaRPr>
+                      <a:r>
+                        <a:rPr sz="1200">
+                          <a:solidFill>
+                            <a:srgbClr val="000000"/>
+                          </a:solidFill>
+                        </a:rPr>
+                        <a:t>40948.0</a:t>
+                      </a:r>
                     </a:p>
                   </a:txBody>
                   <a:tcPr anchor="ctr">
@@ -27596,11 +27078,14 @@
                     <a:bodyPr/>
                     <a:lstStyle/>
                     <a:p>
-                      <a:pPr algn="ctr"/>
-                      <a:endParaRPr lang="zh-CN" altLang="en-US" sz="1200" dirty="0">
-                        <a:latin typeface="+mn-lt"/>
-                        <a:ea typeface="微软雅黑" panose="020B0503020204020204" pitchFamily="34" charset="-122"/>
-                      </a:endParaRPr>
+                      <a:r>
+                        <a:rPr sz="1200">
+                          <a:solidFill>
+                            <a:srgbClr val="000000"/>
+                          </a:solidFill>
+                        </a:rPr>
+                        <a:t>44633.3</a:t>
+                      </a:r>
                     </a:p>
                   </a:txBody>
                   <a:tcPr anchor="ctr">
@@ -27614,11 +27099,14 @@
                     <a:bodyPr/>
                     <a:lstStyle/>
                     <a:p>
-                      <a:pPr algn="ctr"/>
-                      <a:endParaRPr lang="zh-CN" altLang="en-US" sz="1200" dirty="0">
-                        <a:latin typeface="+mn-lt"/>
-                        <a:ea typeface="微软雅黑" panose="020B0503020204020204" pitchFamily="34" charset="-122"/>
-                      </a:endParaRPr>
+                      <a:r>
+                        <a:rPr sz="1200">
+                          <a:solidFill>
+                            <a:srgbClr val="000000"/>
+                          </a:solidFill>
+                        </a:rPr>
+                        <a:t>48695.0</a:t>
+                      </a:r>
                     </a:p>
                   </a:txBody>
                   <a:tcPr anchor="ctr">
@@ -27632,11 +27120,14 @@
                     <a:bodyPr/>
                     <a:lstStyle/>
                     <a:p>
-                      <a:pPr algn="ctr"/>
-                      <a:endParaRPr lang="zh-CN" altLang="en-US" sz="1200" dirty="0">
-                        <a:latin typeface="+mn-lt"/>
-                        <a:ea typeface="微软雅黑" panose="020B0503020204020204" pitchFamily="34" charset="-122"/>
-                      </a:endParaRPr>
+                      <a:r>
+                        <a:rPr sz="1200">
+                          <a:solidFill>
+                            <a:srgbClr val="000000"/>
+                          </a:solidFill>
+                        </a:rPr>
+                        <a:t>52938.0</a:t>
+                      </a:r>
                     </a:p>
                   </a:txBody>
                   <a:tcPr anchor="ctr">
@@ -27699,11 +27190,14 @@
                     <a:bodyPr/>
                     <a:lstStyle/>
                     <a:p>
-                      <a:pPr algn="ctr"/>
-                      <a:endParaRPr lang="zh-CN" altLang="en-US" sz="1200" dirty="0">
-                        <a:latin typeface="+mn-lt"/>
-                        <a:ea typeface="微软雅黑" panose="020B0503020204020204" pitchFamily="34" charset="-122"/>
-                      </a:endParaRPr>
+                      <a:r>
+                        <a:rPr sz="1200">
+                          <a:solidFill>
+                            <a:srgbClr val="000000"/>
+                          </a:solidFill>
+                        </a:rPr>
+                        <a:t>28812.44</a:t>
+                      </a:r>
                     </a:p>
                   </a:txBody>
                   <a:tcPr anchor="ctr"/>
@@ -27713,11 +27207,14 @@
                     <a:bodyPr/>
                     <a:lstStyle/>
                     <a:p>
-                      <a:pPr algn="ctr"/>
-                      <a:endParaRPr lang="zh-CN" altLang="en-US" sz="1200" dirty="0">
-                        <a:latin typeface="+mn-lt"/>
-                        <a:ea typeface="微软雅黑" panose="020B0503020204020204" pitchFamily="34" charset="-122"/>
-                      </a:endParaRPr>
+                      <a:r>
+                        <a:rPr sz="1200">
+                          <a:solidFill>
+                            <a:srgbClr val="000000"/>
+                          </a:solidFill>
+                        </a:rPr>
+                        <a:t>28852.71</a:t>
+                      </a:r>
                     </a:p>
                   </a:txBody>
                   <a:tcPr anchor="ctr"/>
@@ -27727,11 +27224,14 @@
                     <a:bodyPr/>
                     <a:lstStyle/>
                     <a:p>
-                      <a:pPr algn="ctr"/>
-                      <a:endParaRPr lang="zh-CN" altLang="en-US" sz="1200" dirty="0">
-                        <a:latin typeface="+mn-lt"/>
-                        <a:ea typeface="微软雅黑" panose="020B0503020204020204" pitchFamily="34" charset="-122"/>
-                      </a:endParaRPr>
+                      <a:r>
+                        <a:rPr sz="1200">
+                          <a:solidFill>
+                            <a:srgbClr val="000000"/>
+                          </a:solidFill>
+                        </a:rPr>
+                        <a:t>32359.2</a:t>
+                      </a:r>
                     </a:p>
                   </a:txBody>
                   <a:tcPr anchor="ctr"/>
@@ -27741,11 +27241,14 @@
                     <a:bodyPr/>
                     <a:lstStyle/>
                     <a:p>
-                      <a:pPr algn="ctr"/>
-                      <a:endParaRPr lang="zh-CN" altLang="en-US" sz="1200" dirty="0">
-                        <a:latin typeface="+mn-lt"/>
-                        <a:ea typeface="微软雅黑" panose="020B0503020204020204" pitchFamily="34" charset="-122"/>
-                      </a:endParaRPr>
+                      <a:r>
+                        <a:rPr sz="1200">
+                          <a:solidFill>
+                            <a:srgbClr val="000000"/>
+                          </a:solidFill>
+                        </a:rPr>
+                        <a:t>36840.61</a:t>
+                      </a:r>
                     </a:p>
                   </a:txBody>
                   <a:tcPr anchor="ctr"/>
@@ -27755,11 +27258,14 @@
                     <a:bodyPr/>
                     <a:lstStyle/>
                     <a:p>
-                      <a:pPr algn="ctr"/>
-                      <a:endParaRPr lang="zh-CN" altLang="en-US" sz="1200" dirty="0">
-                        <a:latin typeface="+mn-lt"/>
-                        <a:ea typeface="微软雅黑" panose="020B0503020204020204" pitchFamily="34" charset="-122"/>
-                      </a:endParaRPr>
+                      <a:r>
+                        <a:rPr sz="1200">
+                          <a:solidFill>
+                            <a:srgbClr val="000000"/>
+                          </a:solidFill>
+                        </a:rPr>
+                        <a:t>38320.12</a:t>
+                      </a:r>
                     </a:p>
                   </a:txBody>
                   <a:tcPr anchor="ctr"/>
@@ -27774,6 +27280,30 @@
           </a:graphicData>
         </a:graphic>
       </p:graphicFrame>
+      <p:pic>
+        <p:nvPicPr>
+          <p:cNvPr id="13" name="Picture 12" descr="slide7_chart1.png"/>
+          <p:cNvPicPr>
+            <a:picLocks noChangeAspect="1"/>
+          </p:cNvPicPr>
+          <p:nvPr/>
+        </p:nvPicPr>
+        <p:blipFill>
+          <a:blip r:embed="rId2"/>
+          <a:stretch>
+            <a:fillRect/>
+          </a:stretch>
+        </p:blipFill>
+        <p:spPr>
+          <a:xfrm>
+            <a:off x="1371600" y="1188720"/>
+            <a:ext cx="5486400" cy="3474720"/>
+          </a:xfrm>
+          <a:prstGeom prst="rect">
+            <a:avLst/>
+          </a:prstGeom>
+        </p:spPr>
+      </p:pic>
     </p:spTree>
     <p:extLst>
       <p:ext uri="{BB962C8B-B14F-4D97-AF65-F5344CB8AC3E}">
@@ -27974,142 +27504,11 @@
           <a:lstStyle/>
           <a:p>
             <a:r>
-              <a:rPr lang="en-US" altLang="zh-CN" dirty="0">
-                <a:solidFill>
-                  <a:srgbClr val="000000"/>
-                </a:solidFill>
-                <a:ea typeface="Arial" panose="020B0604020202020204" pitchFamily="34" charset="-122"/>
-                <a:cs typeface="Arial" panose="020B0604020202020204" pitchFamily="34" charset="-120"/>
-              </a:rPr>
-              <a:t>2018</a:t>
+              <a:t>2017年深圳市固定资产投资额为5147.3152亿元，较上年同比为增长26.0%；其房地产开发投资额为2135.86亿元，占全市固定资产投资的比例约为41.0%。</a:t>
             </a:r>
-            <a:r>
-              <a:rPr lang="zh-CN" altLang="en-US" dirty="0">
-                <a:solidFill>
-                  <a:srgbClr val="000000"/>
-                </a:solidFill>
-                <a:ea typeface="Arial" panose="020B0604020202020204" pitchFamily="34" charset="-122"/>
-                <a:cs typeface="Arial" panose="020B0604020202020204" pitchFamily="34" charset="-120"/>
-              </a:rPr>
-              <a:t>年</a:t>
-            </a:r>
-            <a:r>
-              <a:rPr lang="en-US" altLang="zh-CN" dirty="0" err="1">
-                <a:solidFill>
-                  <a:srgbClr val="000000"/>
-                </a:solidFill>
-                <a:ea typeface="Arial" panose="020B0604020202020204" pitchFamily="34" charset="-122"/>
-                <a:cs typeface="Arial" panose="020B0604020202020204" pitchFamily="34" charset="-120"/>
-              </a:rPr>
-              <a:t>全市</a:t>
-            </a:r>
-            <a:r>
-              <a:rPr lang="zh-CN" altLang="en-US" dirty="0">
-                <a:solidFill>
-                  <a:srgbClr val="000000"/>
-                </a:solidFill>
-                <a:ea typeface="Arial" panose="020B0604020202020204" pitchFamily="34" charset="-122"/>
-                <a:cs typeface="Arial" panose="020B0604020202020204" pitchFamily="34" charset="-120"/>
-              </a:rPr>
-              <a:t>固定资产投资额</a:t>
-            </a:r>
-            <a:r>
-              <a:rPr lang="en-US" altLang="zh-CN" dirty="0">
-                <a:solidFill>
-                  <a:srgbClr val="000000"/>
-                </a:solidFill>
-                <a:ea typeface="Arial" panose="020B0604020202020204" pitchFamily="34" charset="-122"/>
-                <a:cs typeface="Arial" panose="020B0604020202020204" pitchFamily="34" charset="-120"/>
-              </a:rPr>
-              <a:t>为--元，较上年同比为减少100%</a:t>
-            </a:r>
-            <a:r>
-              <a:rPr lang="zh-CN" altLang="en-US" dirty="0">
-                <a:solidFill>
-                  <a:srgbClr val="000000"/>
-                </a:solidFill>
-                <a:ea typeface="Arial" panose="020B0604020202020204" pitchFamily="34" charset="-122"/>
-                <a:cs typeface="Arial" panose="020B0604020202020204" pitchFamily="34" charset="-120"/>
-              </a:rPr>
-              <a:t>；其房地产开发投资额</a:t>
-            </a:r>
-            <a:r>
-              <a:rPr lang="en-US" altLang="zh-CN" dirty="0">
-                <a:solidFill>
-                  <a:srgbClr val="000000"/>
-                </a:solidFill>
-                <a:ea typeface="Arial" panose="020B0604020202020204" pitchFamily="34" charset="-122"/>
-                <a:cs typeface="Arial" panose="020B0604020202020204" pitchFamily="34" charset="-120"/>
-              </a:rPr>
-              <a:t>为--元，</a:t>
-            </a:r>
-            <a:r>
-              <a:rPr lang="zh-CN" altLang="en-US" dirty="0">
-                <a:solidFill>
-                  <a:srgbClr val="000000"/>
-                </a:solidFill>
-                <a:ea typeface="Arial" panose="020B0604020202020204" pitchFamily="34" charset="-122"/>
-                <a:cs typeface="Arial" panose="020B0604020202020204" pitchFamily="34" charset="-120"/>
-              </a:rPr>
-              <a:t>占全市固定资产投资的比例</a:t>
-            </a:r>
-            <a:r>
-              <a:rPr lang="en-US" altLang="zh-CN" dirty="0" err="1">
-                <a:solidFill>
-                  <a:srgbClr val="000000"/>
-                </a:solidFill>
-                <a:ea typeface="Arial" panose="020B0604020202020204" pitchFamily="34" charset="-122"/>
-                <a:cs typeface="Arial" panose="020B0604020202020204" pitchFamily="34" charset="-120"/>
-              </a:rPr>
-              <a:t>约为</a:t>
-            </a:r>
-            <a:r>
-              <a:rPr lang="en-US" altLang="zh-CN" dirty="0">
-                <a:solidFill>
-                  <a:srgbClr val="000000"/>
-                </a:solidFill>
-                <a:ea typeface="Arial" panose="020B0604020202020204" pitchFamily="34" charset="-122"/>
-                <a:cs typeface="Arial" panose="020B0604020202020204" pitchFamily="34" charset="-120"/>
-              </a:rPr>
-              <a:t>--%。</a:t>
-            </a:r>
-            <a:endParaRPr lang="zh-CN" altLang="en-US" dirty="0">
-              <a:latin typeface="微软雅黑" panose="020B0503020204020204" pitchFamily="34" charset="-122"/>
-              <a:ea typeface="微软雅黑" panose="020B0503020204020204" pitchFamily="34" charset="-122"/>
-            </a:endParaRPr>
           </a:p>
         </p:txBody>
       </p:sp>
-      <p:pic>
-        <p:nvPicPr>
-          <p:cNvPr id="3" name="图片 2">
-            <a:extLst>
-              <a:ext uri="{FF2B5EF4-FFF2-40B4-BE49-F238E27FC236}">
-                <a16:creationId xmlns:a16="http://schemas.microsoft.com/office/drawing/2014/main" id="{DA75E44B-4FB0-4D29-A7CB-306F12579D35}"/>
-              </a:ext>
-            </a:extLst>
-          </p:cNvPr>
-          <p:cNvPicPr>
-            <a:picLocks noChangeAspect="1"/>
-          </p:cNvPicPr>
-          <p:nvPr/>
-        </p:nvPicPr>
-        <p:blipFill>
-          <a:blip r:embed="rId2"/>
-          <a:stretch>
-            <a:fillRect/>
-          </a:stretch>
-        </p:blipFill>
-        <p:spPr>
-          <a:xfrm>
-            <a:off x="2339975" y="1341438"/>
-            <a:ext cx="4524375" cy="3000375"/>
-          </a:xfrm>
-          <a:prstGeom prst="rect">
-            <a:avLst/>
-          </a:prstGeom>
-        </p:spPr>
-      </p:pic>
       <p:graphicFrame>
         <p:nvGraphicFramePr>
           <p:cNvPr id="10" name="表格 9">
@@ -28125,13 +27524,13 @@
           <p:nvPr>
             <p:extLst>
               <p:ext uri="{D42A27DB-BD31-4B8C-83A1-F6EECF244321}">
-                <p14:modId xmlns:p14="http://schemas.microsoft.com/office/powerpoint/2010/main" val="152712009"/>
+                <p14:modId xmlns:p14="http://schemas.microsoft.com/office/powerpoint/2010/main" val="4130318529"/>
               </p:ext>
             </p:extLst>
           </p:nvPr>
         </p:nvGraphicFramePr>
         <p:xfrm>
-          <a:off x="755575" y="4584300"/>
+          <a:off x="755575" y="4725144"/>
           <a:ext cx="7632850" cy="1483360"/>
         </p:xfrm>
         <a:graphic>
@@ -28225,30 +27624,14 @@
                     <a:bodyPr/>
                     <a:lstStyle/>
                     <a:p>
-                      <a:pPr algn="ctr"/>
-                      <a:r>
-                        <a:rPr lang="en-US" altLang="zh-CN" sz="1200" dirty="0">
-                          <a:solidFill>
-                            <a:schemeClr val="tx1">
-                              <a:lumMod val="65000"/>
-                              <a:lumOff val="35000"/>
-                            </a:schemeClr>
-                          </a:solidFill>
-                          <a:latin typeface="+mn-lt"/>
-                          <a:ea typeface="微软雅黑" panose="020B0503020204020204" pitchFamily="34" charset="-122"/>
-                        </a:rPr>
-                        <a:t>2014</a:t>
-                      </a:r>
-                      <a:endParaRPr lang="zh-CN" altLang="en-US" sz="1200" dirty="0">
-                        <a:solidFill>
-                          <a:schemeClr val="tx1">
-                            <a:lumMod val="65000"/>
-                            <a:lumOff val="35000"/>
-                          </a:schemeClr>
-                        </a:solidFill>
-                        <a:latin typeface="+mn-lt"/>
-                        <a:ea typeface="微软雅黑" panose="020B0503020204020204" pitchFamily="34" charset="-122"/>
-                      </a:endParaRPr>
+                      <a:r>
+                        <a:rPr sz="1200">
+                          <a:solidFill>
+                            <a:srgbClr val="000000"/>
+                          </a:solidFill>
+                        </a:rPr>
+                        <a:t>2013</a:t>
+                      </a:r>
                     </a:p>
                   </a:txBody>
                   <a:tcPr anchor="ctr">
@@ -28279,30 +27662,14 @@
                     <a:bodyPr/>
                     <a:lstStyle/>
                     <a:p>
-                      <a:pPr algn="ctr"/>
-                      <a:r>
-                        <a:rPr lang="en-US" altLang="zh-CN" sz="1200" dirty="0">
-                          <a:solidFill>
-                            <a:schemeClr val="tx1">
-                              <a:lumMod val="65000"/>
-                              <a:lumOff val="35000"/>
-                            </a:schemeClr>
-                          </a:solidFill>
-                          <a:latin typeface="+mn-lt"/>
-                          <a:ea typeface="微软雅黑" panose="020B0503020204020204" pitchFamily="34" charset="-122"/>
-                        </a:rPr>
-                        <a:t>2015</a:t>
-                      </a:r>
-                      <a:endParaRPr lang="zh-CN" altLang="en-US" sz="1200" dirty="0">
-                        <a:solidFill>
-                          <a:schemeClr val="tx1">
-                            <a:lumMod val="65000"/>
-                            <a:lumOff val="35000"/>
-                          </a:schemeClr>
-                        </a:solidFill>
-                        <a:latin typeface="+mn-lt"/>
-                        <a:ea typeface="微软雅黑" panose="020B0503020204020204" pitchFamily="34" charset="-122"/>
-                      </a:endParaRPr>
+                      <a:r>
+                        <a:rPr sz="1200">
+                          <a:solidFill>
+                            <a:srgbClr val="000000"/>
+                          </a:solidFill>
+                        </a:rPr>
+                        <a:t>2014</a:t>
+                      </a:r>
                     </a:p>
                   </a:txBody>
                   <a:tcPr anchor="ctr">
@@ -28333,30 +27700,14 @@
                     <a:bodyPr/>
                     <a:lstStyle/>
                     <a:p>
-                      <a:pPr algn="ctr"/>
-                      <a:r>
-                        <a:rPr lang="en-US" altLang="zh-CN" sz="1200" dirty="0">
-                          <a:solidFill>
-                            <a:schemeClr val="tx1">
-                              <a:lumMod val="65000"/>
-                              <a:lumOff val="35000"/>
-                            </a:schemeClr>
-                          </a:solidFill>
-                          <a:latin typeface="+mn-lt"/>
-                          <a:ea typeface="微软雅黑" panose="020B0503020204020204" pitchFamily="34" charset="-122"/>
-                        </a:rPr>
-                        <a:t>2016</a:t>
-                      </a:r>
-                      <a:endParaRPr lang="zh-CN" altLang="en-US" sz="1200" dirty="0">
-                        <a:solidFill>
-                          <a:schemeClr val="tx1">
-                            <a:lumMod val="65000"/>
-                            <a:lumOff val="35000"/>
-                          </a:schemeClr>
-                        </a:solidFill>
-                        <a:latin typeface="+mn-lt"/>
-                        <a:ea typeface="微软雅黑" panose="020B0503020204020204" pitchFamily="34" charset="-122"/>
-                      </a:endParaRPr>
+                      <a:r>
+                        <a:rPr sz="1200">
+                          <a:solidFill>
+                            <a:srgbClr val="000000"/>
+                          </a:solidFill>
+                        </a:rPr>
+                        <a:t>2015</a:t>
+                      </a:r>
                     </a:p>
                   </a:txBody>
                   <a:tcPr anchor="ctr">
@@ -28387,30 +27738,14 @@
                     <a:bodyPr/>
                     <a:lstStyle/>
                     <a:p>
-                      <a:pPr algn="ctr"/>
-                      <a:r>
-                        <a:rPr lang="en-US" altLang="zh-CN" sz="1200" dirty="0">
-                          <a:solidFill>
-                            <a:schemeClr val="tx1">
-                              <a:lumMod val="65000"/>
-                              <a:lumOff val="35000"/>
-                            </a:schemeClr>
-                          </a:solidFill>
-                          <a:latin typeface="+mn-lt"/>
-                          <a:ea typeface="微软雅黑" panose="020B0503020204020204" pitchFamily="34" charset="-122"/>
-                        </a:rPr>
-                        <a:t>2017</a:t>
-                      </a:r>
-                      <a:endParaRPr lang="zh-CN" altLang="en-US" sz="1200" dirty="0">
-                        <a:solidFill>
-                          <a:schemeClr val="tx1">
-                            <a:lumMod val="65000"/>
-                            <a:lumOff val="35000"/>
-                          </a:schemeClr>
-                        </a:solidFill>
-                        <a:latin typeface="+mn-lt"/>
-                        <a:ea typeface="微软雅黑" panose="020B0503020204020204" pitchFamily="34" charset="-122"/>
-                      </a:endParaRPr>
+                      <a:r>
+                        <a:rPr sz="1200">
+                          <a:solidFill>
+                            <a:srgbClr val="000000"/>
+                          </a:solidFill>
+                        </a:rPr>
+                        <a:t>2016</a:t>
+                      </a:r>
                     </a:p>
                   </a:txBody>
                   <a:tcPr anchor="ctr">
@@ -28441,30 +27776,14 @@
                     <a:bodyPr/>
                     <a:lstStyle/>
                     <a:p>
-                      <a:pPr algn="ctr"/>
-                      <a:r>
-                        <a:rPr lang="en-US" altLang="zh-CN" sz="1200" dirty="0">
-                          <a:solidFill>
-                            <a:schemeClr val="tx1">
-                              <a:lumMod val="65000"/>
-                              <a:lumOff val="35000"/>
-                            </a:schemeClr>
-                          </a:solidFill>
-                          <a:latin typeface="+mn-lt"/>
-                          <a:ea typeface="微软雅黑" panose="020B0503020204020204" pitchFamily="34" charset="-122"/>
-                        </a:rPr>
-                        <a:t>2018</a:t>
-                      </a:r>
-                      <a:endParaRPr lang="zh-CN" altLang="en-US" sz="1200" dirty="0">
-                        <a:solidFill>
-                          <a:schemeClr val="tx1">
-                            <a:lumMod val="65000"/>
-                            <a:lumOff val="35000"/>
-                          </a:schemeClr>
-                        </a:solidFill>
-                        <a:latin typeface="+mn-lt"/>
-                        <a:ea typeface="微软雅黑" panose="020B0503020204020204" pitchFamily="34" charset="-122"/>
-                      </a:endParaRPr>
+                      <a:r>
+                        <a:rPr sz="1200">
+                          <a:solidFill>
+                            <a:srgbClr val="000000"/>
+                          </a:solidFill>
+                        </a:rPr>
+                        <a:t>2017</a:t>
+                      </a:r>
                     </a:p>
                   </a:txBody>
                   <a:tcPr anchor="ctr">
@@ -28564,11 +27883,14 @@
                     <a:bodyPr/>
                     <a:lstStyle/>
                     <a:p>
-                      <a:pPr algn="ctr"/>
-                      <a:endParaRPr lang="zh-CN" altLang="en-US" sz="1200" dirty="0">
-                        <a:latin typeface="+mn-lt"/>
-                        <a:ea typeface="微软雅黑" panose="020B0503020204020204" pitchFamily="34" charset="-122"/>
-                      </a:endParaRPr>
+                      <a:r>
+                        <a:rPr sz="1200">
+                          <a:solidFill>
+                            <a:srgbClr val="000000"/>
+                          </a:solidFill>
+                        </a:rPr>
+                        <a:t>2490.197</a:t>
+                      </a:r>
                     </a:p>
                   </a:txBody>
                   <a:tcPr anchor="ctr">
@@ -28582,11 +27904,14 @@
                     <a:bodyPr/>
                     <a:lstStyle/>
                     <a:p>
-                      <a:pPr algn="ctr"/>
-                      <a:endParaRPr lang="zh-CN" altLang="en-US" sz="1200" dirty="0">
-                        <a:latin typeface="+mn-lt"/>
-                        <a:ea typeface="微软雅黑" panose="020B0503020204020204" pitchFamily="34" charset="-122"/>
-                      </a:endParaRPr>
+                      <a:r>
+                        <a:rPr sz="1200">
+                          <a:solidFill>
+                            <a:srgbClr val="000000"/>
+                          </a:solidFill>
+                        </a:rPr>
+                        <a:t>2717.4226</a:t>
+                      </a:r>
                     </a:p>
                   </a:txBody>
                   <a:tcPr anchor="ctr">
@@ -28600,11 +27925,14 @@
                     <a:bodyPr/>
                     <a:lstStyle/>
                     <a:p>
-                      <a:pPr algn="ctr"/>
-                      <a:endParaRPr lang="zh-CN" altLang="en-US" sz="1200" dirty="0">
-                        <a:latin typeface="+mn-lt"/>
-                        <a:ea typeface="微软雅黑" panose="020B0503020204020204" pitchFamily="34" charset="-122"/>
-                      </a:endParaRPr>
+                      <a:r>
+                        <a:rPr sz="1200">
+                          <a:solidFill>
+                            <a:srgbClr val="000000"/>
+                          </a:solidFill>
+                        </a:rPr>
+                        <a:t>3298.3076</a:t>
+                      </a:r>
                     </a:p>
                   </a:txBody>
                   <a:tcPr anchor="ctr">
@@ -28618,11 +27946,14 @@
                     <a:bodyPr/>
                     <a:lstStyle/>
                     <a:p>
-                      <a:pPr algn="ctr"/>
-                      <a:endParaRPr lang="zh-CN" altLang="en-US" sz="1200" dirty="0">
-                        <a:latin typeface="+mn-lt"/>
-                        <a:ea typeface="微软雅黑" panose="020B0503020204020204" pitchFamily="34" charset="-122"/>
-                      </a:endParaRPr>
+                      <a:r>
+                        <a:rPr sz="1200">
+                          <a:solidFill>
+                            <a:srgbClr val="000000"/>
+                          </a:solidFill>
+                        </a:rPr>
+                        <a:t>4078.1638</a:t>
+                      </a:r>
                     </a:p>
                   </a:txBody>
                   <a:tcPr anchor="ctr">
@@ -28636,11 +27967,14 @@
                     <a:bodyPr/>
                     <a:lstStyle/>
                     <a:p>
-                      <a:pPr algn="ctr"/>
-                      <a:endParaRPr lang="zh-CN" altLang="en-US" sz="1200" dirty="0">
-                        <a:latin typeface="+mn-lt"/>
-                        <a:ea typeface="微软雅黑" panose="020B0503020204020204" pitchFamily="34" charset="-122"/>
-                      </a:endParaRPr>
+                      <a:r>
+                        <a:rPr sz="1200">
+                          <a:solidFill>
+                            <a:srgbClr val="000000"/>
+                          </a:solidFill>
+                        </a:rPr>
+                        <a:t>5147.3152</a:t>
+                      </a:r>
                     </a:p>
                   </a:txBody>
                   <a:tcPr anchor="ctr">
@@ -28703,11 +28037,14 @@
                     <a:bodyPr/>
                     <a:lstStyle/>
                     <a:p>
-                      <a:pPr algn="ctr"/>
-                      <a:endParaRPr lang="zh-CN" altLang="en-US" sz="1200" dirty="0">
-                        <a:latin typeface="+mn-lt"/>
-                        <a:ea typeface="微软雅黑" panose="020B0503020204020204" pitchFamily="34" charset="-122"/>
-                      </a:endParaRPr>
+                      <a:r>
+                        <a:rPr sz="1200">
+                          <a:solidFill>
+                            <a:srgbClr val="000000"/>
+                          </a:solidFill>
+                        </a:rPr>
+                        <a:t>876.9</a:t>
+                      </a:r>
                     </a:p>
                   </a:txBody>
                   <a:tcPr anchor="ctr"/>
@@ -28717,11 +28054,14 @@
                     <a:bodyPr/>
                     <a:lstStyle/>
                     <a:p>
-                      <a:pPr algn="ctr"/>
-                      <a:endParaRPr lang="zh-CN" altLang="en-US" sz="1200" dirty="0">
-                        <a:latin typeface="+mn-lt"/>
-                        <a:ea typeface="微软雅黑" panose="020B0503020204020204" pitchFamily="34" charset="-122"/>
-                      </a:endParaRPr>
+                      <a:r>
+                        <a:rPr sz="1200">
+                          <a:solidFill>
+                            <a:srgbClr val="000000"/>
+                          </a:solidFill>
+                        </a:rPr>
+                        <a:t>1069.49</a:t>
+                      </a:r>
                     </a:p>
                   </a:txBody>
                   <a:tcPr anchor="ctr"/>
@@ -28731,11 +28071,14 @@
                     <a:bodyPr/>
                     <a:lstStyle/>
                     <a:p>
-                      <a:pPr algn="ctr"/>
-                      <a:endParaRPr lang="zh-CN" altLang="en-US" sz="1200" dirty="0">
-                        <a:latin typeface="+mn-lt"/>
-                        <a:ea typeface="微软雅黑" panose="020B0503020204020204" pitchFamily="34" charset="-122"/>
-                      </a:endParaRPr>
+                      <a:r>
+                        <a:rPr sz="1200">
+                          <a:solidFill>
+                            <a:srgbClr val="000000"/>
+                          </a:solidFill>
+                        </a:rPr>
+                        <a:t>1331.03</a:t>
+                      </a:r>
                     </a:p>
                   </a:txBody>
                   <a:tcPr anchor="ctr"/>
@@ -28745,11 +28088,14 @@
                     <a:bodyPr/>
                     <a:lstStyle/>
                     <a:p>
-                      <a:pPr algn="ctr"/>
-                      <a:endParaRPr lang="zh-CN" altLang="en-US" sz="1200" dirty="0">
-                        <a:latin typeface="+mn-lt"/>
-                        <a:ea typeface="微软雅黑" panose="020B0503020204020204" pitchFamily="34" charset="-122"/>
-                      </a:endParaRPr>
+                      <a:r>
+                        <a:rPr sz="1200">
+                          <a:solidFill>
+                            <a:srgbClr val="000000"/>
+                          </a:solidFill>
+                        </a:rPr>
+                        <a:t>1756.52</a:t>
+                      </a:r>
                     </a:p>
                   </a:txBody>
                   <a:tcPr anchor="ctr"/>
@@ -28759,11 +28105,14 @@
                     <a:bodyPr/>
                     <a:lstStyle/>
                     <a:p>
-                      <a:pPr algn="ctr"/>
-                      <a:endParaRPr lang="zh-CN" altLang="en-US" sz="1200" dirty="0">
-                        <a:latin typeface="+mn-lt"/>
-                        <a:ea typeface="微软雅黑" panose="020B0503020204020204" pitchFamily="34" charset="-122"/>
-                      </a:endParaRPr>
+                      <a:r>
+                        <a:rPr sz="1200">
+                          <a:solidFill>
+                            <a:srgbClr val="000000"/>
+                          </a:solidFill>
+                        </a:rPr>
+                        <a:t>2135.86</a:t>
+                      </a:r>
                     </a:p>
                   </a:txBody>
                   <a:tcPr anchor="ctr"/>
@@ -28827,11 +28176,14 @@
                     <a:bodyPr/>
                     <a:lstStyle/>
                     <a:p>
-                      <a:pPr algn="ctr"/>
-                      <a:endParaRPr lang="zh-CN" altLang="en-US" sz="1200" dirty="0">
-                        <a:latin typeface="+mn-lt"/>
-                        <a:ea typeface="微软雅黑" panose="020B0503020204020204" pitchFamily="34" charset="-122"/>
-                      </a:endParaRPr>
+                      <a:r>
+                        <a:rPr sz="1200">
+                          <a:solidFill>
+                            <a:srgbClr val="000000"/>
+                          </a:solidFill>
+                        </a:rPr>
+                        <a:t>35.0%</a:t>
+                      </a:r>
                     </a:p>
                   </a:txBody>
                   <a:tcPr anchor="ctr"/>
@@ -28841,11 +28193,14 @@
                     <a:bodyPr/>
                     <a:lstStyle/>
                     <a:p>
-                      <a:pPr algn="ctr"/>
-                      <a:endParaRPr lang="zh-CN" altLang="en-US" sz="1200" dirty="0">
-                        <a:latin typeface="+mn-lt"/>
-                        <a:ea typeface="微软雅黑" panose="020B0503020204020204" pitchFamily="34" charset="-122"/>
-                      </a:endParaRPr>
+                      <a:r>
+                        <a:rPr sz="1200">
+                          <a:solidFill>
+                            <a:srgbClr val="000000"/>
+                          </a:solidFill>
+                        </a:rPr>
+                        <a:t>39.0%</a:t>
+                      </a:r>
                     </a:p>
                   </a:txBody>
                   <a:tcPr anchor="ctr"/>
@@ -28855,11 +28210,14 @@
                     <a:bodyPr/>
                     <a:lstStyle/>
                     <a:p>
-                      <a:pPr algn="ctr"/>
-                      <a:endParaRPr lang="zh-CN" altLang="en-US" sz="1200" dirty="0">
-                        <a:latin typeface="+mn-lt"/>
-                        <a:ea typeface="微软雅黑" panose="020B0503020204020204" pitchFamily="34" charset="-122"/>
-                      </a:endParaRPr>
+                      <a:r>
+                        <a:rPr sz="1200">
+                          <a:solidFill>
+                            <a:srgbClr val="000000"/>
+                          </a:solidFill>
+                        </a:rPr>
+                        <a:t>40.0%</a:t>
+                      </a:r>
                     </a:p>
                   </a:txBody>
                   <a:tcPr anchor="ctr"/>
@@ -28869,11 +28227,14 @@
                     <a:bodyPr/>
                     <a:lstStyle/>
                     <a:p>
-                      <a:pPr algn="ctr"/>
-                      <a:endParaRPr lang="zh-CN" altLang="en-US" sz="1200" dirty="0">
-                        <a:latin typeface="+mn-lt"/>
-                        <a:ea typeface="微软雅黑" panose="020B0503020204020204" pitchFamily="34" charset="-122"/>
-                      </a:endParaRPr>
+                      <a:r>
+                        <a:rPr sz="1200">
+                          <a:solidFill>
+                            <a:srgbClr val="000000"/>
+                          </a:solidFill>
+                        </a:rPr>
+                        <a:t>43.0%</a:t>
+                      </a:r>
                     </a:p>
                   </a:txBody>
                   <a:tcPr anchor="ctr"/>
@@ -28883,11 +28244,14 @@
                     <a:bodyPr/>
                     <a:lstStyle/>
                     <a:p>
-                      <a:pPr algn="ctr"/>
-                      <a:endParaRPr lang="zh-CN" altLang="en-US" sz="1200" dirty="0">
-                        <a:latin typeface="+mn-lt"/>
-                        <a:ea typeface="微软雅黑" panose="020B0503020204020204" pitchFamily="34" charset="-122"/>
-                      </a:endParaRPr>
+                      <a:r>
+                        <a:rPr sz="1200">
+                          <a:solidFill>
+                            <a:srgbClr val="000000"/>
+                          </a:solidFill>
+                        </a:rPr>
+                        <a:t>41.0%</a:t>
+                      </a:r>
                     </a:p>
                   </a:txBody>
                   <a:tcPr anchor="ctr"/>
@@ -28902,6 +28266,30 @@
           </a:graphicData>
         </a:graphic>
       </p:graphicFrame>
+      <p:pic>
+        <p:nvPicPr>
+          <p:cNvPr id="13" name="Picture 12" descr="slide8_chart1.png"/>
+          <p:cNvPicPr>
+            <a:picLocks noChangeAspect="1"/>
+          </p:cNvPicPr>
+          <p:nvPr/>
+        </p:nvPicPr>
+        <p:blipFill>
+          <a:blip r:embed="rId2"/>
+          <a:stretch>
+            <a:fillRect/>
+          </a:stretch>
+        </p:blipFill>
+        <p:spPr>
+          <a:xfrm>
+            <a:off x="1371600" y="1097280"/>
+            <a:ext cx="5486400" cy="3474720"/>
+          </a:xfrm>
+          <a:prstGeom prst="rect">
+            <a:avLst/>
+          </a:prstGeom>
+        </p:spPr>
+      </p:pic>
     </p:spTree>
     <p:extLst>
       <p:ext uri="{BB962C8B-B14F-4D97-AF65-F5344CB8AC3E}">
@@ -29102,149 +28490,8 @@
           <a:lstStyle/>
           <a:p>
             <a:r>
-              <a:rPr lang="en-US" altLang="zh-CN" dirty="0">
-                <a:solidFill>
-                  <a:srgbClr val="000000"/>
-                </a:solidFill>
-                <a:ea typeface="Arial" panose="020B0604020202020204" pitchFamily="34" charset="-122"/>
-                <a:cs typeface="Arial" panose="020B0604020202020204" pitchFamily="34" charset="-120"/>
-              </a:rPr>
-              <a:t>2018</a:t>
+              <a:t>2018年全市土地供应面积152585.0万平方米，较上年同比为持平；土地成交面积19585.0万平方米，较上年同比为减少2.0%。平均成交楼面价57000.0元/平方米。</a:t>
             </a:r>
-            <a:r>
-              <a:rPr lang="zh-CN" altLang="en-US" dirty="0">
-                <a:solidFill>
-                  <a:srgbClr val="000000"/>
-                </a:solidFill>
-                <a:ea typeface="Arial" panose="020B0604020202020204" pitchFamily="34" charset="-122"/>
-                <a:cs typeface="Arial" panose="020B0604020202020204" pitchFamily="34" charset="-120"/>
-              </a:rPr>
-              <a:t>年全市土地供应面积</a:t>
-            </a:r>
-            <a:r>
-              <a:rPr lang="en-US" altLang="zh-CN" dirty="0">
-                <a:solidFill>
-                  <a:srgbClr val="000000"/>
-                </a:solidFill>
-                <a:ea typeface="Arial" panose="020B0604020202020204" pitchFamily="34" charset="-122"/>
-                <a:cs typeface="Arial" panose="020B0604020202020204" pitchFamily="34" charset="-120"/>
-              </a:rPr>
-              <a:t>xxx</a:t>
-            </a:r>
-            <a:r>
-              <a:rPr lang="zh-CN" altLang="en-US" dirty="0">
-                <a:solidFill>
-                  <a:srgbClr val="000000"/>
-                </a:solidFill>
-                <a:ea typeface="Arial" panose="020B0604020202020204" pitchFamily="34" charset="-122"/>
-                <a:cs typeface="Arial" panose="020B0604020202020204" pitchFamily="34" charset="-120"/>
-              </a:rPr>
-              <a:t>万平方米，</a:t>
-            </a:r>
-            <a:r>
-              <a:rPr lang="en-US" altLang="zh-CN" dirty="0">
-                <a:solidFill>
-                  <a:srgbClr val="000000"/>
-                </a:solidFill>
-                <a:ea typeface="Arial" panose="020B0604020202020204" pitchFamily="34" charset="-122"/>
-                <a:cs typeface="Arial" panose="020B0604020202020204" pitchFamily="34" charset="-120"/>
-              </a:rPr>
-              <a:t>较上年同比为减少100%</a:t>
-            </a:r>
-            <a:r>
-              <a:rPr lang="zh-CN" altLang="en-US" dirty="0">
-                <a:solidFill>
-                  <a:srgbClr val="000000"/>
-                </a:solidFill>
-                <a:ea typeface="Arial" panose="020B0604020202020204" pitchFamily="34" charset="-122"/>
-                <a:cs typeface="Arial" panose="020B0604020202020204" pitchFamily="34" charset="-120"/>
-              </a:rPr>
-              <a:t>；土地成交面积</a:t>
-            </a:r>
-            <a:r>
-              <a:rPr lang="en-US" altLang="zh-CN" dirty="0">
-                <a:solidFill>
-                  <a:srgbClr val="000000"/>
-                </a:solidFill>
-                <a:ea typeface="Arial" panose="020B0604020202020204" pitchFamily="34" charset="-122"/>
-                <a:cs typeface="Arial" panose="020B0604020202020204" pitchFamily="34" charset="-120"/>
-              </a:rPr>
-              <a:t>xxx</a:t>
-            </a:r>
-            <a:r>
-              <a:rPr lang="zh-CN" altLang="en-US" dirty="0">
-                <a:solidFill>
-                  <a:srgbClr val="000000"/>
-                </a:solidFill>
-                <a:ea typeface="Arial" panose="020B0604020202020204" pitchFamily="34" charset="-122"/>
-                <a:cs typeface="Arial" panose="020B0604020202020204" pitchFamily="34" charset="-120"/>
-              </a:rPr>
-              <a:t>万平方米，</a:t>
-            </a:r>
-            <a:r>
-              <a:rPr lang="en-US" altLang="zh-CN" dirty="0">
-                <a:solidFill>
-                  <a:srgbClr val="000000"/>
-                </a:solidFill>
-                <a:ea typeface="Arial" panose="020B0604020202020204" pitchFamily="34" charset="-122"/>
-                <a:cs typeface="Arial" panose="020B0604020202020204" pitchFamily="34" charset="-120"/>
-              </a:rPr>
-              <a:t>较上年同比为减少100%</a:t>
-            </a:r>
-            <a:r>
-              <a:rPr lang="zh-CN" altLang="en-US" dirty="0">
-                <a:solidFill>
-                  <a:srgbClr val="000000"/>
-                </a:solidFill>
-                <a:ea typeface="Arial" panose="020B0604020202020204" pitchFamily="34" charset="-122"/>
-                <a:cs typeface="Arial" panose="020B0604020202020204" pitchFamily="34" charset="-120"/>
-              </a:rPr>
-              <a:t>。平均成交楼面价</a:t>
-            </a:r>
-            <a:r>
-              <a:rPr lang="en-US" altLang="zh-CN" dirty="0">
-                <a:solidFill>
-                  <a:srgbClr val="000000"/>
-                </a:solidFill>
-                <a:ea typeface="Arial" panose="020B0604020202020204" pitchFamily="34" charset="-122"/>
-                <a:cs typeface="Arial" panose="020B0604020202020204" pitchFamily="34" charset="-120"/>
-              </a:rPr>
-              <a:t>57623</a:t>
-            </a:r>
-            <a:r>
-              <a:rPr lang="zh-CN" altLang="en-US" dirty="0">
-                <a:solidFill>
-                  <a:srgbClr val="000000"/>
-                </a:solidFill>
-                <a:ea typeface="Arial" panose="020B0604020202020204" pitchFamily="34" charset="-122"/>
-                <a:cs typeface="Arial" panose="020B0604020202020204" pitchFamily="34" charset="-120"/>
-              </a:rPr>
-              <a:t>元</a:t>
-            </a:r>
-            <a:r>
-              <a:rPr lang="en-US" altLang="zh-CN" dirty="0">
-                <a:solidFill>
-                  <a:srgbClr val="000000"/>
-                </a:solidFill>
-                <a:ea typeface="Arial" panose="020B0604020202020204" pitchFamily="34" charset="-122"/>
-                <a:cs typeface="Arial" panose="020B0604020202020204" pitchFamily="34" charset="-120"/>
-              </a:rPr>
-              <a:t>/</a:t>
-            </a:r>
-            <a:r>
-              <a:rPr lang="zh-CN" altLang="en-US" dirty="0">
-                <a:solidFill>
-                  <a:srgbClr val="000000"/>
-                </a:solidFill>
-                <a:ea typeface="Arial" panose="020B0604020202020204" pitchFamily="34" charset="-122"/>
-                <a:cs typeface="Arial" panose="020B0604020202020204" pitchFamily="34" charset="-120"/>
-              </a:rPr>
-              <a:t>平方米。</a:t>
-            </a:r>
-            <a:endParaRPr lang="zh-CN" altLang="en-US" dirty="0">
-              <a:latin typeface="微软雅黑" panose="020B0503020204020204" pitchFamily="34" charset="-122"/>
-              <a:ea typeface="微软雅黑" panose="020B0503020204020204" pitchFamily="34" charset="-122"/>
-            </a:endParaRPr>
           </a:p>
         </p:txBody>
       </p:sp>
@@ -29363,30 +28610,14 @@
                     <a:bodyPr/>
                     <a:lstStyle/>
                     <a:p>
-                      <a:pPr algn="ctr"/>
-                      <a:r>
-                        <a:rPr lang="en-US" altLang="zh-CN" sz="1200" dirty="0">
-                          <a:solidFill>
-                            <a:schemeClr val="tx1">
-                              <a:lumMod val="65000"/>
-                              <a:lumOff val="35000"/>
-                            </a:schemeClr>
-                          </a:solidFill>
-                          <a:latin typeface="+mn-lt"/>
-                          <a:ea typeface="微软雅黑" panose="020B0503020204020204" pitchFamily="34" charset="-122"/>
+                      <a:r>
+                        <a:rPr sz="1200">
+                          <a:solidFill>
+                            <a:srgbClr val="000000"/>
+                          </a:solidFill>
                         </a:rPr>
                         <a:t>2014</a:t>
                       </a:r>
-                      <a:endParaRPr lang="zh-CN" altLang="en-US" sz="1200" dirty="0">
-                        <a:solidFill>
-                          <a:schemeClr val="tx1">
-                            <a:lumMod val="65000"/>
-                            <a:lumOff val="35000"/>
-                          </a:schemeClr>
-                        </a:solidFill>
-                        <a:latin typeface="+mn-lt"/>
-                        <a:ea typeface="微软雅黑" panose="020B0503020204020204" pitchFamily="34" charset="-122"/>
-                      </a:endParaRPr>
                     </a:p>
                   </a:txBody>
                   <a:tcPr anchor="ctr">
@@ -29417,30 +28648,14 @@
                     <a:bodyPr/>
                     <a:lstStyle/>
                     <a:p>
-                      <a:pPr algn="ctr"/>
-                      <a:r>
-                        <a:rPr lang="en-US" altLang="zh-CN" sz="1200" dirty="0">
-                          <a:solidFill>
-                            <a:schemeClr val="tx1">
-                              <a:lumMod val="65000"/>
-                              <a:lumOff val="35000"/>
-                            </a:schemeClr>
-                          </a:solidFill>
-                          <a:latin typeface="+mn-lt"/>
-                          <a:ea typeface="微软雅黑" panose="020B0503020204020204" pitchFamily="34" charset="-122"/>
+                      <a:r>
+                        <a:rPr sz="1200">
+                          <a:solidFill>
+                            <a:srgbClr val="000000"/>
+                          </a:solidFill>
                         </a:rPr>
                         <a:t>2015</a:t>
                       </a:r>
-                      <a:endParaRPr lang="zh-CN" altLang="en-US" sz="1200" dirty="0">
-                        <a:solidFill>
-                          <a:schemeClr val="tx1">
-                            <a:lumMod val="65000"/>
-                            <a:lumOff val="35000"/>
-                          </a:schemeClr>
-                        </a:solidFill>
-                        <a:latin typeface="+mn-lt"/>
-                        <a:ea typeface="微软雅黑" panose="020B0503020204020204" pitchFamily="34" charset="-122"/>
-                      </a:endParaRPr>
                     </a:p>
                   </a:txBody>
                   <a:tcPr anchor="ctr">
@@ -29471,30 +28686,14 @@
                     <a:bodyPr/>
                     <a:lstStyle/>
                     <a:p>
-                      <a:pPr algn="ctr"/>
-                      <a:r>
-                        <a:rPr lang="en-US" altLang="zh-CN" sz="1200" dirty="0">
-                          <a:solidFill>
-                            <a:schemeClr val="tx1">
-                              <a:lumMod val="65000"/>
-                              <a:lumOff val="35000"/>
-                            </a:schemeClr>
-                          </a:solidFill>
-                          <a:latin typeface="+mn-lt"/>
-                          <a:ea typeface="微软雅黑" panose="020B0503020204020204" pitchFamily="34" charset="-122"/>
+                      <a:r>
+                        <a:rPr sz="1200">
+                          <a:solidFill>
+                            <a:srgbClr val="000000"/>
+                          </a:solidFill>
                         </a:rPr>
                         <a:t>2016</a:t>
                       </a:r>
-                      <a:endParaRPr lang="zh-CN" altLang="en-US" sz="1200" dirty="0">
-                        <a:solidFill>
-                          <a:schemeClr val="tx1">
-                            <a:lumMod val="65000"/>
-                            <a:lumOff val="35000"/>
-                          </a:schemeClr>
-                        </a:solidFill>
-                        <a:latin typeface="+mn-lt"/>
-                        <a:ea typeface="微软雅黑" panose="020B0503020204020204" pitchFamily="34" charset="-122"/>
-                      </a:endParaRPr>
                     </a:p>
                   </a:txBody>
                   <a:tcPr anchor="ctr">
@@ -29525,30 +28724,14 @@
                     <a:bodyPr/>
                     <a:lstStyle/>
                     <a:p>
-                      <a:pPr algn="ctr"/>
-                      <a:r>
-                        <a:rPr lang="en-US" altLang="zh-CN" sz="1200" dirty="0">
-                          <a:solidFill>
-                            <a:schemeClr val="tx1">
-                              <a:lumMod val="65000"/>
-                              <a:lumOff val="35000"/>
-                            </a:schemeClr>
-                          </a:solidFill>
-                          <a:latin typeface="+mn-lt"/>
-                          <a:ea typeface="微软雅黑" panose="020B0503020204020204" pitchFamily="34" charset="-122"/>
+                      <a:r>
+                        <a:rPr sz="1200">
+                          <a:solidFill>
+                            <a:srgbClr val="000000"/>
+                          </a:solidFill>
                         </a:rPr>
                         <a:t>2017</a:t>
                       </a:r>
-                      <a:endParaRPr lang="zh-CN" altLang="en-US" sz="1200" dirty="0">
-                        <a:solidFill>
-                          <a:schemeClr val="tx1">
-                            <a:lumMod val="65000"/>
-                            <a:lumOff val="35000"/>
-                          </a:schemeClr>
-                        </a:solidFill>
-                        <a:latin typeface="+mn-lt"/>
-                        <a:ea typeface="微软雅黑" panose="020B0503020204020204" pitchFamily="34" charset="-122"/>
-                      </a:endParaRPr>
                     </a:p>
                   </a:txBody>
                   <a:tcPr anchor="ctr">
@@ -29579,30 +28762,14 @@
                     <a:bodyPr/>
                     <a:lstStyle/>
                     <a:p>
-                      <a:pPr algn="ctr"/>
-                      <a:r>
-                        <a:rPr lang="en-US" altLang="zh-CN" sz="1200" dirty="0">
-                          <a:solidFill>
-                            <a:schemeClr val="tx1">
-                              <a:lumMod val="65000"/>
-                              <a:lumOff val="35000"/>
-                            </a:schemeClr>
-                          </a:solidFill>
-                          <a:latin typeface="+mn-lt"/>
-                          <a:ea typeface="微软雅黑" panose="020B0503020204020204" pitchFamily="34" charset="-122"/>
+                      <a:r>
+                        <a:rPr sz="1200">
+                          <a:solidFill>
+                            <a:srgbClr val="000000"/>
+                          </a:solidFill>
                         </a:rPr>
                         <a:t>2018</a:t>
                       </a:r>
-                      <a:endParaRPr lang="zh-CN" altLang="en-US" sz="1200" dirty="0">
-                        <a:solidFill>
-                          <a:schemeClr val="tx1">
-                            <a:lumMod val="65000"/>
-                            <a:lumOff val="35000"/>
-                          </a:schemeClr>
-                        </a:solidFill>
-                        <a:latin typeface="+mn-lt"/>
-                        <a:ea typeface="微软雅黑" panose="020B0503020204020204" pitchFamily="34" charset="-122"/>
-                      </a:endParaRPr>
                     </a:p>
                   </a:txBody>
                   <a:tcPr anchor="ctr">
@@ -29702,11 +28869,14 @@
                     <a:bodyPr/>
                     <a:lstStyle/>
                     <a:p>
-                      <a:pPr algn="ctr"/>
-                      <a:endParaRPr lang="zh-CN" altLang="en-US" sz="1200" dirty="0">
-                        <a:latin typeface="+mn-lt"/>
-                        <a:ea typeface="微软雅黑" panose="020B0503020204020204" pitchFamily="34" charset="-122"/>
-                      </a:endParaRPr>
+                      <a:r>
+                        <a:rPr sz="1200">
+                          <a:solidFill>
+                            <a:srgbClr val="000000"/>
+                          </a:solidFill>
+                        </a:rPr>
+                        <a:t>1107985.0</a:t>
+                      </a:r>
                     </a:p>
                   </a:txBody>
                   <a:tcPr anchor="ctr">
@@ -29720,11 +28890,14 @@
                     <a:bodyPr/>
                     <a:lstStyle/>
                     <a:p>
-                      <a:pPr algn="ctr"/>
-                      <a:endParaRPr lang="zh-CN" altLang="en-US" sz="1200" dirty="0">
-                        <a:latin typeface="+mn-lt"/>
-                        <a:ea typeface="微软雅黑" panose="020B0503020204020204" pitchFamily="34" charset="-122"/>
-                      </a:endParaRPr>
+                      <a:r>
+                        <a:rPr sz="1200">
+                          <a:solidFill>
+                            <a:srgbClr val="000000"/>
+                          </a:solidFill>
+                        </a:rPr>
+                        <a:t>1108985.0</a:t>
+                      </a:r>
                     </a:p>
                   </a:txBody>
                   <a:tcPr anchor="ctr">
@@ -29738,11 +28911,14 @@
                     <a:bodyPr/>
                     <a:lstStyle/>
                     <a:p>
-                      <a:pPr algn="ctr"/>
-                      <a:endParaRPr lang="zh-CN" altLang="en-US" sz="1200" dirty="0">
-                        <a:latin typeface="+mn-lt"/>
-                        <a:ea typeface="微软雅黑" panose="020B0503020204020204" pitchFamily="34" charset="-122"/>
-                      </a:endParaRPr>
+                      <a:r>
+                        <a:rPr sz="1200">
+                          <a:solidFill>
+                            <a:srgbClr val="000000"/>
+                          </a:solidFill>
+                        </a:rPr>
+                        <a:t>142985.0</a:t>
+                      </a:r>
                     </a:p>
                   </a:txBody>
                   <a:tcPr anchor="ctr">
@@ -29756,11 +28932,14 @@
                     <a:bodyPr/>
                     <a:lstStyle/>
                     <a:p>
-                      <a:pPr algn="ctr"/>
-                      <a:endParaRPr lang="zh-CN" altLang="en-US" sz="1200" dirty="0">
-                        <a:latin typeface="+mn-lt"/>
-                        <a:ea typeface="微软雅黑" panose="020B0503020204020204" pitchFamily="34" charset="-122"/>
-                      </a:endParaRPr>
+                      <a:r>
+                        <a:rPr sz="1200">
+                          <a:solidFill>
+                            <a:srgbClr val="000000"/>
+                          </a:solidFill>
+                        </a:rPr>
+                        <a:t>152985.0</a:t>
+                      </a:r>
                     </a:p>
                   </a:txBody>
                   <a:tcPr anchor="ctr">
@@ -29774,11 +28953,14 @@
                     <a:bodyPr/>
                     <a:lstStyle/>
                     <a:p>
-                      <a:pPr algn="ctr"/>
-                      <a:endParaRPr lang="zh-CN" altLang="en-US" sz="1200" dirty="0">
-                        <a:latin typeface="+mn-lt"/>
-                        <a:ea typeface="微软雅黑" panose="020B0503020204020204" pitchFamily="34" charset="-122"/>
-                      </a:endParaRPr>
+                      <a:r>
+                        <a:rPr sz="1200">
+                          <a:solidFill>
+                            <a:srgbClr val="000000"/>
+                          </a:solidFill>
+                        </a:rPr>
+                        <a:t>152585.0</a:t>
+                      </a:r>
                     </a:p>
                   </a:txBody>
                   <a:tcPr anchor="ctr">
@@ -29857,11 +29039,14 @@
                     <a:bodyPr/>
                     <a:lstStyle/>
                     <a:p>
-                      <a:pPr algn="ctr"/>
-                      <a:endParaRPr lang="zh-CN" altLang="en-US" sz="1200" dirty="0">
-                        <a:latin typeface="+mn-lt"/>
-                        <a:ea typeface="微软雅黑" panose="020B0503020204020204" pitchFamily="34" charset="-122"/>
-                      </a:endParaRPr>
+                      <a:r>
+                        <a:rPr sz="1200">
+                          <a:solidFill>
+                            <a:srgbClr val="000000"/>
+                          </a:solidFill>
+                        </a:rPr>
+                        <a:t>167985.0</a:t>
+                      </a:r>
                     </a:p>
                   </a:txBody>
                   <a:tcPr anchor="ctr"/>
@@ -29871,11 +29056,14 @@
                     <a:bodyPr/>
                     <a:lstStyle/>
                     <a:p>
-                      <a:pPr algn="ctr"/>
-                      <a:endParaRPr lang="zh-CN" altLang="en-US" sz="1200" dirty="0">
-                        <a:latin typeface="+mn-lt"/>
-                        <a:ea typeface="微软雅黑" panose="020B0503020204020204" pitchFamily="34" charset="-122"/>
-                      </a:endParaRPr>
+                      <a:r>
+                        <a:rPr sz="1200">
+                          <a:solidFill>
+                            <a:srgbClr val="000000"/>
+                          </a:solidFill>
+                        </a:rPr>
+                        <a:t>165985.0</a:t>
+                      </a:r>
                     </a:p>
                   </a:txBody>
                   <a:tcPr anchor="ctr"/>
@@ -29885,11 +29073,14 @@
                     <a:bodyPr/>
                     <a:lstStyle/>
                     <a:p>
-                      <a:pPr algn="ctr"/>
-                      <a:endParaRPr lang="zh-CN" altLang="en-US" sz="1200" dirty="0">
-                        <a:latin typeface="+mn-lt"/>
-                        <a:ea typeface="微软雅黑" panose="020B0503020204020204" pitchFamily="34" charset="-122"/>
-                      </a:endParaRPr>
+                      <a:r>
+                        <a:rPr sz="1200">
+                          <a:solidFill>
+                            <a:srgbClr val="000000"/>
+                          </a:solidFill>
+                        </a:rPr>
+                        <a:t>15985.0</a:t>
+                      </a:r>
                     </a:p>
                   </a:txBody>
                   <a:tcPr anchor="ctr"/>
@@ -29899,11 +29090,14 @@
                     <a:bodyPr/>
                     <a:lstStyle/>
                     <a:p>
-                      <a:pPr algn="ctr"/>
-                      <a:endParaRPr lang="zh-CN" altLang="en-US" sz="1200" dirty="0">
-                        <a:latin typeface="+mn-lt"/>
-                        <a:ea typeface="微软雅黑" panose="020B0503020204020204" pitchFamily="34" charset="-122"/>
-                      </a:endParaRPr>
+                      <a:r>
+                        <a:rPr sz="1200">
+                          <a:solidFill>
+                            <a:srgbClr val="000000"/>
+                          </a:solidFill>
+                        </a:rPr>
+                        <a:t>19985.0</a:t>
+                      </a:r>
                     </a:p>
                   </a:txBody>
                   <a:tcPr anchor="ctr"/>
@@ -29913,11 +29107,14 @@
                     <a:bodyPr/>
                     <a:lstStyle/>
                     <a:p>
-                      <a:pPr algn="ctr"/>
-                      <a:endParaRPr lang="zh-CN" altLang="en-US" sz="1200" dirty="0">
-                        <a:latin typeface="+mn-lt"/>
-                        <a:ea typeface="微软雅黑" panose="020B0503020204020204" pitchFamily="34" charset="-122"/>
-                      </a:endParaRPr>
+                      <a:r>
+                        <a:rPr sz="1200">
+                          <a:solidFill>
+                            <a:srgbClr val="000000"/>
+                          </a:solidFill>
+                        </a:rPr>
+                        <a:t>19585.0</a:t>
+                      </a:r>
                     </a:p>
                   </a:txBody>
                   <a:tcPr anchor="ctr"/>
@@ -29992,11 +29189,14 @@
                     <a:bodyPr/>
                     <a:lstStyle/>
                     <a:p>
-                      <a:pPr algn="ctr"/>
-                      <a:endParaRPr lang="zh-CN" altLang="en-US" sz="1200" dirty="0">
-                        <a:latin typeface="+mn-lt"/>
-                        <a:ea typeface="微软雅黑" panose="020B0503020204020204" pitchFamily="34" charset="-122"/>
-                      </a:endParaRPr>
+                      <a:r>
+                        <a:rPr sz="1200">
+                          <a:solidFill>
+                            <a:srgbClr val="000000"/>
+                          </a:solidFill>
+                        </a:rPr>
+                        <a:t>5500.0</a:t>
+                      </a:r>
                     </a:p>
                   </a:txBody>
                   <a:tcPr anchor="ctr"/>
@@ -30006,11 +29206,14 @@
                     <a:bodyPr/>
                     <a:lstStyle/>
                     <a:p>
-                      <a:pPr algn="ctr"/>
-                      <a:endParaRPr lang="zh-CN" altLang="en-US" sz="1200" dirty="0">
-                        <a:latin typeface="+mn-lt"/>
-                        <a:ea typeface="微软雅黑" panose="020B0503020204020204" pitchFamily="34" charset="-122"/>
-                      </a:endParaRPr>
+                      <a:r>
+                        <a:rPr sz="1200">
+                          <a:solidFill>
+                            <a:srgbClr val="000000"/>
+                          </a:solidFill>
+                        </a:rPr>
+                        <a:t>15000.0</a:t>
+                      </a:r>
                     </a:p>
                   </a:txBody>
                   <a:tcPr anchor="ctr"/>
@@ -30020,11 +29223,14 @@
                     <a:bodyPr/>
                     <a:lstStyle/>
                     <a:p>
-                      <a:pPr algn="ctr"/>
-                      <a:endParaRPr lang="zh-CN" altLang="en-US" sz="1200" dirty="0">
-                        <a:latin typeface="+mn-lt"/>
-                        <a:ea typeface="微软雅黑" panose="020B0503020204020204" pitchFamily="34" charset="-122"/>
-                      </a:endParaRPr>
+                      <a:r>
+                        <a:rPr sz="1200">
+                          <a:solidFill>
+                            <a:srgbClr val="000000"/>
+                          </a:solidFill>
+                        </a:rPr>
+                        <a:t>55000.0</a:t>
+                      </a:r>
                     </a:p>
                   </a:txBody>
                   <a:tcPr anchor="ctr"/>
@@ -30034,11 +29240,14 @@
                     <a:bodyPr/>
                     <a:lstStyle/>
                     <a:p>
-                      <a:pPr algn="ctr"/>
-                      <a:endParaRPr lang="zh-CN" altLang="en-US" sz="1200" dirty="0">
-                        <a:latin typeface="+mn-lt"/>
-                        <a:ea typeface="微软雅黑" panose="020B0503020204020204" pitchFamily="34" charset="-122"/>
-                      </a:endParaRPr>
+                      <a:r>
+                        <a:rPr sz="1200">
+                          <a:solidFill>
+                            <a:srgbClr val="000000"/>
+                          </a:solidFill>
+                        </a:rPr>
+                        <a:t>56000.0</a:t>
+                      </a:r>
                     </a:p>
                   </a:txBody>
                   <a:tcPr anchor="ctr"/>
@@ -30048,11 +29257,14 @@
                     <a:bodyPr/>
                     <a:lstStyle/>
                     <a:p>
-                      <a:pPr algn="ctr"/>
-                      <a:endParaRPr lang="zh-CN" altLang="en-US" sz="1200" dirty="0">
-                        <a:latin typeface="+mn-lt"/>
-                        <a:ea typeface="微软雅黑" panose="020B0503020204020204" pitchFamily="34" charset="-122"/>
-                      </a:endParaRPr>
+                      <a:r>
+                        <a:rPr sz="1200">
+                          <a:solidFill>
+                            <a:srgbClr val="000000"/>
+                          </a:solidFill>
+                        </a:rPr>
+                        <a:t>57000.0</a:t>
+                      </a:r>
                     </a:p>
                   </a:txBody>
                   <a:tcPr anchor="ctr"/>
@@ -30067,15 +29279,92 @@
           </a:graphicData>
         </a:graphic>
       </p:graphicFrame>
+      <p:sp>
+        <p:nvSpPr>
+          <p:cNvPr id="8" name="Rectangle 3"/>
+          <p:cNvSpPr>
+            <a:spLocks noChangeArrowheads="1"/>
+          </p:cNvSpPr>
+          <p:nvPr/>
+        </p:nvSpPr>
+        <p:spPr bwMode="auto">
+          <a:xfrm>
+            <a:off x="0" y="43934"/>
+            <a:ext cx="184731" cy="369332"/>
+          </a:xfrm>
+          <a:prstGeom prst="rect">
+            <a:avLst/>
+          </a:prstGeom>
+          <a:solidFill>
+            <a:srgbClr val="FFFFFF"/>
+          </a:solidFill>
+          <a:ln>
+            <a:noFill/>
+          </a:ln>
+          <a:effectLst/>
+          <a:extLst>
+            <a:ext uri="{91240B29-F687-4F45-9708-019B960494DF}">
+              <a14:hiddenLine xmlns:a14="http://schemas.microsoft.com/office/drawing/2010/main" w="9525">
+                <a:solidFill>
+                  <a:schemeClr val="tx1"/>
+                </a:solidFill>
+                <a:miter lim="800000"/>
+                <a:headEnd/>
+                <a:tailEnd/>
+              </a14:hiddenLine>
+            </a:ext>
+            <a:ext uri="{AF507438-7753-43E0-B8FC-AC1667EBCBE1}">
+              <a14:hiddenEffects xmlns:a14="http://schemas.microsoft.com/office/drawing/2010/main">
+                <a:effectLst>
+                  <a:outerShdw dist="35921" dir="2700000" algn="ctr" rotWithShape="0">
+                    <a:schemeClr val="bg2"/>
+                  </a:outerShdw>
+                </a:effectLst>
+              </a14:hiddenEffects>
+            </a:ext>
+          </a:extLst>
+        </p:spPr>
+        <p:txBody>
+          <a:bodyPr vert="horz" wrap="none" lIns="91440" tIns="45720" rIns="91440" bIns="45720" numCol="1" anchor="ctr" anchorCtr="0" compatLnSpc="1">
+            <a:prstTxWarp prst="textNoShape">
+              <a:avLst/>
+            </a:prstTxWarp>
+            <a:spAutoFit/>
+          </a:bodyPr>
+          <a:lstStyle/>
+          <a:p>
+            <a:pPr marL="0" marR="0" lvl="0" indent="0" algn="l" defTabSz="914400" rtl="0" eaLnBrk="0" fontAlgn="base" latinLnBrk="0" hangingPunct="0">
+              <a:lnSpc>
+                <a:spcPct val="100000"/>
+              </a:lnSpc>
+              <a:spcBef>
+                <a:spcPct val="0"/>
+              </a:spcBef>
+              <a:spcAft>
+                <a:spcPct val="0"/>
+              </a:spcAft>
+              <a:buClrTx/>
+              <a:buSzTx/>
+              <a:buFontTx/>
+              <a:buNone/>
+              <a:tabLst/>
+            </a:pPr>
+            <a:endParaRPr kumimoji="0" lang="zh-CN" altLang="zh-CN" sz="1800" b="0" i="0" u="none" strike="noStrike" cap="none" normalizeH="0" baseline="0" dirty="0" smtClean="0">
+              <a:ln>
+                <a:noFill/>
+              </a:ln>
+              <a:solidFill>
+                <a:schemeClr val="tx1"/>
+              </a:solidFill>
+              <a:effectLst/>
+              <a:latin typeface="Arial" panose="020B0604020202020204" pitchFamily="34" charset="0"/>
+            </a:endParaRPr>
+          </a:p>
+        </p:txBody>
+      </p:sp>
       <p:pic>
         <p:nvPicPr>
-          <p:cNvPr id="8" name="图片 7">
-            <a:extLst>
-              <a:ext uri="{FF2B5EF4-FFF2-40B4-BE49-F238E27FC236}">
-                <a16:creationId xmlns:a16="http://schemas.microsoft.com/office/drawing/2014/main" id="{6B9D5BDB-9999-4138-B22A-19C81BDC3305}"/>
-              </a:ext>
-            </a:extLst>
-          </p:cNvPr>
+          <p:cNvPr id="13" name="Picture 12" descr="slide9_chart1.png"/>
           <p:cNvPicPr>
             <a:picLocks noChangeAspect="1"/>
           </p:cNvPicPr>
@@ -30089,8 +29378,8 @@
         </p:blipFill>
         <p:spPr>
           <a:xfrm>
-            <a:off x="1996058" y="1052736"/>
-            <a:ext cx="5295900" cy="3438525"/>
+            <a:off x="1371600" y="1097280"/>
+            <a:ext cx="5486400" cy="3474720"/>
           </a:xfrm>
           <a:prstGeom prst="rect">
             <a:avLst/>

--- a/helloWorld/ppt_template/diyun_land_report_result.pptx
+++ b/helloWorld/ppt_template/diyun_land_report_result.pptx
@@ -5510,8 +5510,8 @@
         </p:nvSpPr>
         <p:spPr>
           <a:xfrm>
-            <a:off x="396553" y="575731"/>
-            <a:ext cx="8494910" cy="523220"/>
+            <a:off x="107504" y="575731"/>
+            <a:ext cx="8783959" cy="738664"/>
           </a:xfrm>
           <a:prstGeom prst="rect">
             <a:avLst/>
@@ -5524,149 +5524,8 @@
           <a:lstStyle/>
           <a:p>
             <a:r>
-              <a:rPr lang="en-US" altLang="zh-CN" dirty="0">
-                <a:solidFill>
-                  <a:srgbClr val="000000"/>
-                </a:solidFill>
-                <a:ea typeface="Arial" panose="020B0604020202020204" pitchFamily="34" charset="-122"/>
-                <a:cs typeface="Arial" panose="020B0604020202020204" pitchFamily="34" charset="-120"/>
-              </a:rPr>
-              <a:t>2018</a:t>
+              <a:t>2017年,全市商品住宅销售面积520.97万平方米，较上年同比为减少21.0%，销售均价为54455.0元/平方米；商品住宅开工面积5709.34万平方米，竣工面积285.06万平方米。</a:t>
             </a:r>
-            <a:r>
-              <a:rPr lang="zh-CN" altLang="en-US" dirty="0">
-                <a:solidFill>
-                  <a:srgbClr val="000000"/>
-                </a:solidFill>
-                <a:ea typeface="Arial" panose="020B0604020202020204" pitchFamily="34" charset="-122"/>
-                <a:cs typeface="Arial" panose="020B0604020202020204" pitchFamily="34" charset="-120"/>
-              </a:rPr>
-              <a:t>年全市商品住宅销售面积</a:t>
-            </a:r>
-            <a:r>
-              <a:rPr lang="en-US" altLang="zh-CN" dirty="0">
-                <a:solidFill>
-                  <a:srgbClr val="000000"/>
-                </a:solidFill>
-                <a:ea typeface="Arial" panose="020B0604020202020204" pitchFamily="34" charset="-122"/>
-                <a:cs typeface="Arial" panose="020B0604020202020204" pitchFamily="34" charset="-120"/>
-              </a:rPr>
-              <a:t>xxx</a:t>
-            </a:r>
-            <a:r>
-              <a:rPr lang="zh-CN" altLang="en-US" dirty="0">
-                <a:solidFill>
-                  <a:srgbClr val="000000"/>
-                </a:solidFill>
-                <a:ea typeface="Arial" panose="020B0604020202020204" pitchFamily="34" charset="-122"/>
-                <a:cs typeface="Arial" panose="020B0604020202020204" pitchFamily="34" charset="-120"/>
-              </a:rPr>
-              <a:t>万平方米，</a:t>
-            </a:r>
-            <a:r>
-              <a:rPr lang="en-US" altLang="zh-CN" dirty="0">
-                <a:solidFill>
-                  <a:srgbClr val="000000"/>
-                </a:solidFill>
-                <a:ea typeface="Arial" panose="020B0604020202020204" pitchFamily="34" charset="-122"/>
-                <a:cs typeface="Arial" panose="020B0604020202020204" pitchFamily="34" charset="-120"/>
-              </a:rPr>
-              <a:t>较上年同比为减少100%</a:t>
-            </a:r>
-            <a:r>
-              <a:rPr lang="zh-CN" altLang="en-US" dirty="0">
-                <a:solidFill>
-                  <a:srgbClr val="000000"/>
-                </a:solidFill>
-                <a:ea typeface="Arial" panose="020B0604020202020204" pitchFamily="34" charset="-122"/>
-                <a:cs typeface="Arial" panose="020B0604020202020204" pitchFamily="34" charset="-120"/>
-              </a:rPr>
-              <a:t>，销售均价为</a:t>
-            </a:r>
-            <a:r>
-              <a:rPr lang="en-US" altLang="zh-CN" dirty="0">
-                <a:solidFill>
-                  <a:srgbClr val="000000"/>
-                </a:solidFill>
-                <a:ea typeface="Arial" panose="020B0604020202020204" pitchFamily="34" charset="-122"/>
-                <a:cs typeface="Arial" panose="020B0604020202020204" pitchFamily="34" charset="-120"/>
-              </a:rPr>
-              <a:t>xxx</a:t>
-            </a:r>
-            <a:r>
-              <a:rPr lang="zh-CN" altLang="en-US" dirty="0">
-                <a:solidFill>
-                  <a:srgbClr val="000000"/>
-                </a:solidFill>
-                <a:ea typeface="Arial" panose="020B0604020202020204" pitchFamily="34" charset="-122"/>
-                <a:cs typeface="Arial" panose="020B0604020202020204" pitchFamily="34" charset="-120"/>
-              </a:rPr>
-              <a:t>元</a:t>
-            </a:r>
-            <a:r>
-              <a:rPr lang="en-US" altLang="zh-CN" dirty="0">
-                <a:solidFill>
-                  <a:srgbClr val="000000"/>
-                </a:solidFill>
-                <a:ea typeface="Arial" panose="020B0604020202020204" pitchFamily="34" charset="-122"/>
-                <a:cs typeface="Arial" panose="020B0604020202020204" pitchFamily="34" charset="-120"/>
-              </a:rPr>
-              <a:t>/</a:t>
-            </a:r>
-            <a:r>
-              <a:rPr lang="zh-CN" altLang="en-US" dirty="0">
-                <a:solidFill>
-                  <a:srgbClr val="000000"/>
-                </a:solidFill>
-                <a:ea typeface="Arial" panose="020B0604020202020204" pitchFamily="34" charset="-122"/>
-                <a:cs typeface="Arial" panose="020B0604020202020204" pitchFamily="34" charset="-120"/>
-              </a:rPr>
-              <a:t>平方米；商品住宅开工面积</a:t>
-            </a:r>
-            <a:r>
-              <a:rPr lang="en-US" altLang="zh-CN" dirty="0">
-                <a:solidFill>
-                  <a:srgbClr val="000000"/>
-                </a:solidFill>
-                <a:ea typeface="Arial" panose="020B0604020202020204" pitchFamily="34" charset="-122"/>
-                <a:cs typeface="Arial" panose="020B0604020202020204" pitchFamily="34" charset="-120"/>
-              </a:rPr>
-              <a:t>xxx</a:t>
-            </a:r>
-            <a:r>
-              <a:rPr lang="zh-CN" altLang="en-US" dirty="0">
-                <a:solidFill>
-                  <a:srgbClr val="000000"/>
-                </a:solidFill>
-                <a:ea typeface="Arial" panose="020B0604020202020204" pitchFamily="34" charset="-122"/>
-                <a:cs typeface="Arial" panose="020B0604020202020204" pitchFamily="34" charset="-120"/>
-              </a:rPr>
-              <a:t>万平方米，竣工面积</a:t>
-            </a:r>
-            <a:r>
-              <a:rPr lang="en-US" altLang="zh-CN" dirty="0">
-                <a:solidFill>
-                  <a:srgbClr val="000000"/>
-                </a:solidFill>
-                <a:ea typeface="Arial" panose="020B0604020202020204" pitchFamily="34" charset="-122"/>
-                <a:cs typeface="Arial" panose="020B0604020202020204" pitchFamily="34" charset="-120"/>
-              </a:rPr>
-              <a:t>xxx</a:t>
-            </a:r>
-            <a:r>
-              <a:rPr lang="zh-CN" altLang="en-US" dirty="0">
-                <a:solidFill>
-                  <a:srgbClr val="000000"/>
-                </a:solidFill>
-                <a:ea typeface="Arial" panose="020B0604020202020204" pitchFamily="34" charset="-122"/>
-                <a:cs typeface="Arial" panose="020B0604020202020204" pitchFamily="34" charset="-120"/>
-              </a:rPr>
-              <a:t>万平方米。</a:t>
-            </a:r>
-            <a:endParaRPr lang="zh-CN" altLang="en-US" dirty="0">
-              <a:latin typeface="微软雅黑" panose="020B0503020204020204" pitchFamily="34" charset="-122"/>
-              <a:ea typeface="微软雅黑" panose="020B0503020204020204" pitchFamily="34" charset="-122"/>
-            </a:endParaRPr>
           </a:p>
         </p:txBody>
       </p:sp>
@@ -5685,14 +5544,14 @@
           <p:nvPr>
             <p:extLst>
               <p:ext uri="{D42A27DB-BD31-4B8C-83A1-F6EECF244321}">
-                <p14:modId xmlns:p14="http://schemas.microsoft.com/office/powerpoint/2010/main" val="1743113863"/>
+                <p14:modId xmlns:p14="http://schemas.microsoft.com/office/powerpoint/2010/main" val="108364599"/>
               </p:ext>
             </p:extLst>
           </p:nvPr>
         </p:nvGraphicFramePr>
         <p:xfrm>
-          <a:off x="396554" y="4540210"/>
-          <a:ext cx="3959423" cy="1285240"/>
+          <a:off x="107504" y="4880064"/>
+          <a:ext cx="4320479" cy="1285240"/>
         </p:xfrm>
         <a:graphic>
           <a:graphicData uri="http://schemas.openxmlformats.org/drawingml/2006/table">
@@ -5701,42 +5560,42 @@
                 <a:tableStyleId>{5C22544A-7EE6-4342-B048-85BDC9FD1C3A}</a:tableStyleId>
               </a:tblPr>
               <a:tblGrid>
-                <a:gridCol w="1002554">
+                <a:gridCol w="936104">
                   <a:extLst>
                     <a:ext uri="{9D8B030D-6E8A-4147-A177-3AD203B41FA5}">
                       <a16:colId xmlns:a16="http://schemas.microsoft.com/office/drawing/2014/main" val="3109247"/>
                     </a:ext>
                   </a:extLst>
                 </a:gridCol>
-                <a:gridCol w="602100">
+                <a:gridCol w="814877">
                   <a:extLst>
                     <a:ext uri="{9D8B030D-6E8A-4147-A177-3AD203B41FA5}">
                       <a16:colId xmlns:a16="http://schemas.microsoft.com/office/drawing/2014/main" val="4078681538"/>
                     </a:ext>
                   </a:extLst>
                 </a:gridCol>
-                <a:gridCol w="602100">
+                <a:gridCol w="657005">
                   <a:extLst>
                     <a:ext uri="{9D8B030D-6E8A-4147-A177-3AD203B41FA5}">
                       <a16:colId xmlns:a16="http://schemas.microsoft.com/office/drawing/2014/main" val="2915844198"/>
                     </a:ext>
                   </a:extLst>
                 </a:gridCol>
-                <a:gridCol w="535199">
+                <a:gridCol w="584003">
                   <a:extLst>
                     <a:ext uri="{9D8B030D-6E8A-4147-A177-3AD203B41FA5}">
                       <a16:colId xmlns:a16="http://schemas.microsoft.com/office/drawing/2014/main" val="2791978805"/>
                     </a:ext>
                   </a:extLst>
                 </a:gridCol>
-                <a:gridCol w="602100">
+                <a:gridCol w="657005">
                   <a:extLst>
                     <a:ext uri="{9D8B030D-6E8A-4147-A177-3AD203B41FA5}">
                       <a16:colId xmlns:a16="http://schemas.microsoft.com/office/drawing/2014/main" val="741427492"/>
                     </a:ext>
                   </a:extLst>
                 </a:gridCol>
-                <a:gridCol w="615370">
+                <a:gridCol w="671485">
                   <a:extLst>
                     <a:ext uri="{9D8B030D-6E8A-4147-A177-3AD203B41FA5}">
                       <a16:colId xmlns:a16="http://schemas.microsoft.com/office/drawing/2014/main" val="476539010"/>
@@ -5785,30 +5644,14 @@
                     <a:bodyPr/>
                     <a:lstStyle/>
                     <a:p>
-                      <a:pPr algn="ctr"/>
-                      <a:r>
-                        <a:rPr lang="en-US" altLang="zh-CN" sz="1200" dirty="0">
-                          <a:solidFill>
-                            <a:schemeClr val="tx1">
-                              <a:lumMod val="65000"/>
-                              <a:lumOff val="35000"/>
-                            </a:schemeClr>
-                          </a:solidFill>
-                          <a:latin typeface="+mn-lt"/>
-                          <a:ea typeface="微软雅黑" panose="020B0503020204020204" pitchFamily="34" charset="-122"/>
-                        </a:rPr>
-                        <a:t>2014</a:t>
-                      </a:r>
-                      <a:endParaRPr lang="zh-CN" altLang="en-US" sz="1200" dirty="0">
-                        <a:solidFill>
-                          <a:schemeClr val="tx1">
-                            <a:lumMod val="65000"/>
-                            <a:lumOff val="35000"/>
-                          </a:schemeClr>
-                        </a:solidFill>
-                        <a:latin typeface="+mn-lt"/>
-                        <a:ea typeface="微软雅黑" panose="020B0503020204020204" pitchFamily="34" charset="-122"/>
-                      </a:endParaRPr>
+                      <a:r>
+                        <a:rPr sz="1200">
+                          <a:solidFill>
+                            <a:srgbClr val="000000"/>
+                          </a:solidFill>
+                        </a:rPr>
+                        <a:t>2013</a:t>
+                      </a:r>
                     </a:p>
                   </a:txBody>
                   <a:tcPr anchor="ctr">
@@ -5839,30 +5682,14 @@
                     <a:bodyPr/>
                     <a:lstStyle/>
                     <a:p>
-                      <a:pPr algn="ctr"/>
-                      <a:r>
-                        <a:rPr lang="en-US" altLang="zh-CN" sz="1200" dirty="0">
-                          <a:solidFill>
-                            <a:schemeClr val="tx1">
-                              <a:lumMod val="65000"/>
-                              <a:lumOff val="35000"/>
-                            </a:schemeClr>
-                          </a:solidFill>
-                          <a:latin typeface="+mn-lt"/>
-                          <a:ea typeface="微软雅黑" panose="020B0503020204020204" pitchFamily="34" charset="-122"/>
-                        </a:rPr>
-                        <a:t>2015</a:t>
-                      </a:r>
-                      <a:endParaRPr lang="zh-CN" altLang="en-US" sz="1200" dirty="0">
-                        <a:solidFill>
-                          <a:schemeClr val="tx1">
-                            <a:lumMod val="65000"/>
-                            <a:lumOff val="35000"/>
-                          </a:schemeClr>
-                        </a:solidFill>
-                        <a:latin typeface="+mn-lt"/>
-                        <a:ea typeface="微软雅黑" panose="020B0503020204020204" pitchFamily="34" charset="-122"/>
-                      </a:endParaRPr>
+                      <a:r>
+                        <a:rPr sz="1200">
+                          <a:solidFill>
+                            <a:srgbClr val="000000"/>
+                          </a:solidFill>
+                        </a:rPr>
+                        <a:t>2014</a:t>
+                      </a:r>
                     </a:p>
                   </a:txBody>
                   <a:tcPr anchor="ctr">
@@ -5893,30 +5720,14 @@
                     <a:bodyPr/>
                     <a:lstStyle/>
                     <a:p>
-                      <a:pPr algn="ctr"/>
-                      <a:r>
-                        <a:rPr lang="en-US" altLang="zh-CN" sz="1200" dirty="0">
-                          <a:solidFill>
-                            <a:schemeClr val="tx1">
-                              <a:lumMod val="65000"/>
-                              <a:lumOff val="35000"/>
-                            </a:schemeClr>
-                          </a:solidFill>
-                          <a:latin typeface="+mn-lt"/>
-                          <a:ea typeface="微软雅黑" panose="020B0503020204020204" pitchFamily="34" charset="-122"/>
-                        </a:rPr>
-                        <a:t>2016</a:t>
-                      </a:r>
-                      <a:endParaRPr lang="zh-CN" altLang="en-US" sz="1200" dirty="0">
-                        <a:solidFill>
-                          <a:schemeClr val="tx1">
-                            <a:lumMod val="65000"/>
-                            <a:lumOff val="35000"/>
-                          </a:schemeClr>
-                        </a:solidFill>
-                        <a:latin typeface="+mn-lt"/>
-                        <a:ea typeface="微软雅黑" panose="020B0503020204020204" pitchFamily="34" charset="-122"/>
-                      </a:endParaRPr>
+                      <a:r>
+                        <a:rPr sz="1200">
+                          <a:solidFill>
+                            <a:srgbClr val="000000"/>
+                          </a:solidFill>
+                        </a:rPr>
+                        <a:t>2015</a:t>
+                      </a:r>
                     </a:p>
                   </a:txBody>
                   <a:tcPr anchor="ctr">
@@ -5947,30 +5758,14 @@
                     <a:bodyPr/>
                     <a:lstStyle/>
                     <a:p>
-                      <a:pPr algn="ctr"/>
-                      <a:r>
-                        <a:rPr lang="en-US" altLang="zh-CN" sz="1200" dirty="0">
-                          <a:solidFill>
-                            <a:schemeClr val="tx1">
-                              <a:lumMod val="65000"/>
-                              <a:lumOff val="35000"/>
-                            </a:schemeClr>
-                          </a:solidFill>
-                          <a:latin typeface="+mn-lt"/>
-                          <a:ea typeface="微软雅黑" panose="020B0503020204020204" pitchFamily="34" charset="-122"/>
-                        </a:rPr>
-                        <a:t>2017</a:t>
-                      </a:r>
-                      <a:endParaRPr lang="zh-CN" altLang="en-US" sz="1200" dirty="0">
-                        <a:solidFill>
-                          <a:schemeClr val="tx1">
-                            <a:lumMod val="65000"/>
-                            <a:lumOff val="35000"/>
-                          </a:schemeClr>
-                        </a:solidFill>
-                        <a:latin typeface="+mn-lt"/>
-                        <a:ea typeface="微软雅黑" panose="020B0503020204020204" pitchFamily="34" charset="-122"/>
-                      </a:endParaRPr>
+                      <a:r>
+                        <a:rPr sz="1200">
+                          <a:solidFill>
+                            <a:srgbClr val="000000"/>
+                          </a:solidFill>
+                        </a:rPr>
+                        <a:t>2016</a:t>
+                      </a:r>
                     </a:p>
                   </a:txBody>
                   <a:tcPr anchor="ctr">
@@ -6001,30 +5796,14 @@
                     <a:bodyPr/>
                     <a:lstStyle/>
                     <a:p>
-                      <a:pPr algn="ctr"/>
-                      <a:r>
-                        <a:rPr lang="en-US" altLang="zh-CN" sz="1200" dirty="0">
-                          <a:solidFill>
-                            <a:schemeClr val="tx1">
-                              <a:lumMod val="65000"/>
-                              <a:lumOff val="35000"/>
-                            </a:schemeClr>
-                          </a:solidFill>
-                          <a:latin typeface="+mn-lt"/>
-                          <a:ea typeface="微软雅黑" panose="020B0503020204020204" pitchFamily="34" charset="-122"/>
-                        </a:rPr>
-                        <a:t>2018</a:t>
-                      </a:r>
-                      <a:endParaRPr lang="zh-CN" altLang="en-US" sz="1200" dirty="0">
-                        <a:solidFill>
-                          <a:schemeClr val="tx1">
-                            <a:lumMod val="65000"/>
-                            <a:lumOff val="35000"/>
-                          </a:schemeClr>
-                        </a:solidFill>
-                        <a:latin typeface="+mn-lt"/>
-                        <a:ea typeface="微软雅黑" panose="020B0503020204020204" pitchFamily="34" charset="-122"/>
-                      </a:endParaRPr>
+                      <a:r>
+                        <a:rPr sz="1200">
+                          <a:solidFill>
+                            <a:srgbClr val="000000"/>
+                          </a:solidFill>
+                        </a:rPr>
+                        <a:t>2017</a:t>
+                      </a:r>
                     </a:p>
                   </a:txBody>
                   <a:tcPr anchor="ctr">
@@ -6124,11 +5903,14 @@
                     <a:bodyPr/>
                     <a:lstStyle/>
                     <a:p>
-                      <a:pPr algn="ctr"/>
-                      <a:endParaRPr lang="zh-CN" altLang="en-US" sz="1200" dirty="0">
-                        <a:latin typeface="+mn-lt"/>
-                        <a:ea typeface="微软雅黑" panose="020B0503020204020204" pitchFamily="34" charset="-122"/>
-                      </a:endParaRPr>
+                      <a:r>
+                        <a:rPr sz="1200">
+                          <a:solidFill>
+                            <a:srgbClr val="000000"/>
+                          </a:solidFill>
+                        </a:rPr>
+                        <a:t>527.16</a:t>
+                      </a:r>
                     </a:p>
                   </a:txBody>
                   <a:tcPr anchor="ctr">
@@ -6142,11 +5924,14 @@
                     <a:bodyPr/>
                     <a:lstStyle/>
                     <a:p>
-                      <a:pPr algn="ctr"/>
-                      <a:endParaRPr lang="zh-CN" altLang="en-US" sz="1200" dirty="0">
-                        <a:latin typeface="+mn-lt"/>
-                        <a:ea typeface="微软雅黑" panose="020B0503020204020204" pitchFamily="34" charset="-122"/>
-                      </a:endParaRPr>
+                      <a:r>
+                        <a:rPr sz="1200">
+                          <a:solidFill>
+                            <a:srgbClr val="000000"/>
+                          </a:solidFill>
+                        </a:rPr>
+                        <a:t>474.81</a:t>
+                      </a:r>
                     </a:p>
                   </a:txBody>
                   <a:tcPr anchor="ctr">
@@ -6160,11 +5945,14 @@
                     <a:bodyPr/>
                     <a:lstStyle/>
                     <a:p>
-                      <a:pPr algn="ctr"/>
-                      <a:endParaRPr lang="zh-CN" altLang="en-US" sz="1200" dirty="0">
-                        <a:latin typeface="+mn-lt"/>
-                        <a:ea typeface="微软雅黑" panose="020B0503020204020204" pitchFamily="34" charset="-122"/>
-                      </a:endParaRPr>
+                      <a:r>
+                        <a:rPr sz="1200">
+                          <a:solidFill>
+                            <a:srgbClr val="000000"/>
+                          </a:solidFill>
+                        </a:rPr>
+                        <a:t>747.83</a:t>
+                      </a:r>
                     </a:p>
                   </a:txBody>
                   <a:tcPr anchor="ctr">
@@ -6178,11 +5966,14 @@
                     <a:bodyPr/>
                     <a:lstStyle/>
                     <a:p>
-                      <a:pPr algn="ctr"/>
-                      <a:endParaRPr lang="zh-CN" altLang="en-US" sz="1200" dirty="0">
-                        <a:latin typeface="+mn-lt"/>
-                        <a:ea typeface="微软雅黑" panose="020B0503020204020204" pitchFamily="34" charset="-122"/>
-                      </a:endParaRPr>
+                      <a:r>
+                        <a:rPr sz="1200">
+                          <a:solidFill>
+                            <a:srgbClr val="000000"/>
+                          </a:solidFill>
+                        </a:rPr>
+                        <a:t>660.08</a:t>
+                      </a:r>
                     </a:p>
                   </a:txBody>
                   <a:tcPr anchor="ctr">
@@ -6196,11 +5987,14 @@
                     <a:bodyPr/>
                     <a:lstStyle/>
                     <a:p>
-                      <a:pPr algn="ctr"/>
-                      <a:endParaRPr lang="zh-CN" altLang="en-US" sz="1200" dirty="0">
-                        <a:latin typeface="+mn-lt"/>
-                        <a:ea typeface="微软雅黑" panose="020B0503020204020204" pitchFamily="34" charset="-122"/>
-                      </a:endParaRPr>
+                      <a:r>
+                        <a:rPr sz="1200">
+                          <a:solidFill>
+                            <a:srgbClr val="000000"/>
+                          </a:solidFill>
+                        </a:rPr>
+                        <a:t>520.97</a:t>
+                      </a:r>
                     </a:p>
                   </a:txBody>
                   <a:tcPr anchor="ctr">
@@ -6279,11 +6073,14 @@
                     <a:bodyPr/>
                     <a:lstStyle/>
                     <a:p>
-                      <a:pPr algn="ctr"/>
-                      <a:endParaRPr lang="zh-CN" altLang="en-US" sz="1200" dirty="0">
-                        <a:latin typeface="+mn-lt"/>
-                        <a:ea typeface="微软雅黑" panose="020B0503020204020204" pitchFamily="34" charset="-122"/>
-                      </a:endParaRPr>
+                      <a:r>
+                        <a:rPr sz="1200">
+                          <a:solidFill>
+                            <a:srgbClr val="000000"/>
+                          </a:solidFill>
+                        </a:rPr>
+                        <a:t>21808.0</a:t>
+                      </a:r>
                     </a:p>
                   </a:txBody>
                   <a:tcPr anchor="ctr"/>
@@ -6293,11 +6090,14 @@
                     <a:bodyPr/>
                     <a:lstStyle/>
                     <a:p>
-                      <a:pPr algn="ctr"/>
-                      <a:endParaRPr lang="zh-CN" altLang="en-US" sz="1200" dirty="0">
-                        <a:latin typeface="+mn-lt"/>
-                        <a:ea typeface="微软雅黑" panose="020B0503020204020204" pitchFamily="34" charset="-122"/>
-                      </a:endParaRPr>
+                      <a:r>
+                        <a:rPr sz="1200">
+                          <a:solidFill>
+                            <a:srgbClr val="000000"/>
+                          </a:solidFill>
+                        </a:rPr>
+                        <a:t>23955.0</a:t>
+                      </a:r>
                     </a:p>
                   </a:txBody>
                   <a:tcPr anchor="ctr"/>
@@ -6307,11 +6107,14 @@
                     <a:bodyPr/>
                     <a:lstStyle/>
                     <a:p>
-                      <a:pPr algn="ctr"/>
-                      <a:endParaRPr lang="zh-CN" altLang="en-US" sz="1200" dirty="0">
-                        <a:latin typeface="+mn-lt"/>
-                        <a:ea typeface="微软雅黑" panose="020B0503020204020204" pitchFamily="34" charset="-122"/>
-                      </a:endParaRPr>
+                      <a:r>
+                        <a:rPr sz="1200">
+                          <a:solidFill>
+                            <a:srgbClr val="000000"/>
+                          </a:solidFill>
+                        </a:rPr>
+                        <a:t>33406.0</a:t>
+                      </a:r>
                     </a:p>
                   </a:txBody>
                   <a:tcPr anchor="ctr"/>
@@ -6321,11 +6124,14 @@
                     <a:bodyPr/>
                     <a:lstStyle/>
                     <a:p>
-                      <a:pPr algn="ctr"/>
-                      <a:endParaRPr lang="zh-CN" altLang="en-US" sz="1200" dirty="0">
-                        <a:latin typeface="+mn-lt"/>
-                        <a:ea typeface="微软雅黑" panose="020B0503020204020204" pitchFamily="34" charset="-122"/>
-                      </a:endParaRPr>
+                      <a:r>
+                        <a:rPr sz="1200">
+                          <a:solidFill>
+                            <a:srgbClr val="000000"/>
+                          </a:solidFill>
+                        </a:rPr>
+                        <a:t>53455.0</a:t>
+                      </a:r>
                     </a:p>
                   </a:txBody>
                   <a:tcPr anchor="ctr"/>
@@ -6335,11 +6141,14 @@
                     <a:bodyPr/>
                     <a:lstStyle/>
                     <a:p>
-                      <a:pPr algn="ctr"/>
-                      <a:endParaRPr lang="zh-CN" altLang="en-US" sz="1200" dirty="0">
-                        <a:latin typeface="+mn-lt"/>
-                        <a:ea typeface="微软雅黑" panose="020B0503020204020204" pitchFamily="34" charset="-122"/>
-                      </a:endParaRPr>
+                      <a:r>
+                        <a:rPr sz="1200">
+                          <a:solidFill>
+                            <a:srgbClr val="000000"/>
+                          </a:solidFill>
+                        </a:rPr>
+                        <a:t>54455.0</a:t>
+                      </a:r>
                     </a:p>
                   </a:txBody>
                   <a:tcPr anchor="ctr"/>
@@ -6354,66 +6163,6 @@
           </a:graphicData>
         </a:graphic>
       </p:graphicFrame>
-      <p:pic>
-        <p:nvPicPr>
-          <p:cNvPr id="5" name="图片 4">
-            <a:extLst>
-              <a:ext uri="{FF2B5EF4-FFF2-40B4-BE49-F238E27FC236}">
-                <a16:creationId xmlns:a16="http://schemas.microsoft.com/office/drawing/2014/main" id="{04FA7FB2-455A-40E6-9128-282C30DD5EB7}"/>
-              </a:ext>
-            </a:extLst>
-          </p:cNvPr>
-          <p:cNvPicPr>
-            <a:picLocks noChangeAspect="1"/>
-          </p:cNvPicPr>
-          <p:nvPr/>
-        </p:nvPicPr>
-        <p:blipFill>
-          <a:blip r:embed="rId2"/>
-          <a:stretch>
-            <a:fillRect/>
-          </a:stretch>
-        </p:blipFill>
-        <p:spPr>
-          <a:xfrm>
-            <a:off x="4658293" y="1607456"/>
-            <a:ext cx="4151597" cy="2533426"/>
-          </a:xfrm>
-          <a:prstGeom prst="rect">
-            <a:avLst/>
-          </a:prstGeom>
-        </p:spPr>
-      </p:pic>
-      <p:pic>
-        <p:nvPicPr>
-          <p:cNvPr id="14" name="图片 13">
-            <a:extLst>
-              <a:ext uri="{FF2B5EF4-FFF2-40B4-BE49-F238E27FC236}">
-                <a16:creationId xmlns:a16="http://schemas.microsoft.com/office/drawing/2014/main" id="{F1986789-105F-4B45-BAF4-7E9603421146}"/>
-              </a:ext>
-            </a:extLst>
-          </p:cNvPr>
-          <p:cNvPicPr>
-            <a:picLocks noChangeAspect="1"/>
-          </p:cNvPicPr>
-          <p:nvPr/>
-        </p:nvPicPr>
-        <p:blipFill>
-          <a:blip r:embed="rId3"/>
-          <a:stretch>
-            <a:fillRect/>
-          </a:stretch>
-        </p:blipFill>
-        <p:spPr>
-          <a:xfrm>
-            <a:off x="539552" y="1494503"/>
-            <a:ext cx="3632987" cy="2731182"/>
-          </a:xfrm>
-          <a:prstGeom prst="rect">
-            <a:avLst/>
-          </a:prstGeom>
-        </p:spPr>
-      </p:pic>
       <p:graphicFrame>
         <p:nvGraphicFramePr>
           <p:cNvPr id="15" name="表格 14">
@@ -6429,14 +6178,14 @@
           <p:nvPr>
             <p:extLst>
               <p:ext uri="{D42A27DB-BD31-4B8C-83A1-F6EECF244321}">
-                <p14:modId xmlns:p14="http://schemas.microsoft.com/office/powerpoint/2010/main" val="4093194451"/>
+                <p14:modId xmlns:p14="http://schemas.microsoft.com/office/powerpoint/2010/main" val="4234136782"/>
               </p:ext>
             </p:extLst>
           </p:nvPr>
         </p:nvGraphicFramePr>
         <p:xfrm>
-          <a:off x="4658294" y="4540210"/>
-          <a:ext cx="4089155" cy="1285240"/>
+          <a:off x="4644010" y="4869160"/>
+          <a:ext cx="4464495" cy="1285240"/>
         </p:xfrm>
         <a:graphic>
           <a:graphicData uri="http://schemas.openxmlformats.org/drawingml/2006/table">
@@ -6445,42 +6194,42 @@
                 <a:tableStyleId>{5C22544A-7EE6-4342-B048-85BDC9FD1C3A}</a:tableStyleId>
               </a:tblPr>
               <a:tblGrid>
-                <a:gridCol w="1035403">
+                <a:gridCol w="1008110">
                   <a:extLst>
                     <a:ext uri="{9D8B030D-6E8A-4147-A177-3AD203B41FA5}">
                       <a16:colId xmlns:a16="http://schemas.microsoft.com/office/drawing/2014/main" val="3109247"/>
                     </a:ext>
                   </a:extLst>
                 </a:gridCol>
-                <a:gridCol w="621828">
+                <a:gridCol w="801237">
                   <a:extLst>
                     <a:ext uri="{9D8B030D-6E8A-4147-A177-3AD203B41FA5}">
                       <a16:colId xmlns:a16="http://schemas.microsoft.com/office/drawing/2014/main" val="4078681538"/>
                     </a:ext>
                   </a:extLst>
                 </a:gridCol>
-                <a:gridCol w="621828">
+                <a:gridCol w="678905">
                   <a:extLst>
                     <a:ext uri="{9D8B030D-6E8A-4147-A177-3AD203B41FA5}">
                       <a16:colId xmlns:a16="http://schemas.microsoft.com/office/drawing/2014/main" val="2915844198"/>
                     </a:ext>
                   </a:extLst>
                 </a:gridCol>
-                <a:gridCol w="552735">
+                <a:gridCol w="603470">
                   <a:extLst>
                     <a:ext uri="{9D8B030D-6E8A-4147-A177-3AD203B41FA5}">
                       <a16:colId xmlns:a16="http://schemas.microsoft.com/office/drawing/2014/main" val="2791978805"/>
                     </a:ext>
                   </a:extLst>
                 </a:gridCol>
-                <a:gridCol w="621828">
+                <a:gridCol w="678905">
                   <a:extLst>
                     <a:ext uri="{9D8B030D-6E8A-4147-A177-3AD203B41FA5}">
                       <a16:colId xmlns:a16="http://schemas.microsoft.com/office/drawing/2014/main" val="741427492"/>
                     </a:ext>
                   </a:extLst>
                 </a:gridCol>
-                <a:gridCol w="635533">
+                <a:gridCol w="693868">
                   <a:extLst>
                     <a:ext uri="{9D8B030D-6E8A-4147-A177-3AD203B41FA5}">
                       <a16:colId xmlns:a16="http://schemas.microsoft.com/office/drawing/2014/main" val="476539010"/>
@@ -6529,30 +6278,14 @@
                     <a:bodyPr/>
                     <a:lstStyle/>
                     <a:p>
-                      <a:pPr algn="ctr"/>
-                      <a:r>
-                        <a:rPr lang="en-US" altLang="zh-CN" sz="1200" dirty="0">
-                          <a:solidFill>
-                            <a:schemeClr val="tx1">
-                              <a:lumMod val="65000"/>
-                              <a:lumOff val="35000"/>
-                            </a:schemeClr>
-                          </a:solidFill>
-                          <a:latin typeface="+mn-lt"/>
-                          <a:ea typeface="微软雅黑" panose="020B0503020204020204" pitchFamily="34" charset="-122"/>
-                        </a:rPr>
-                        <a:t>2014</a:t>
-                      </a:r>
-                      <a:endParaRPr lang="zh-CN" altLang="en-US" sz="1200" dirty="0">
-                        <a:solidFill>
-                          <a:schemeClr val="tx1">
-                            <a:lumMod val="65000"/>
-                            <a:lumOff val="35000"/>
-                          </a:schemeClr>
-                        </a:solidFill>
-                        <a:latin typeface="+mn-lt"/>
-                        <a:ea typeface="微软雅黑" panose="020B0503020204020204" pitchFamily="34" charset="-122"/>
-                      </a:endParaRPr>
+                      <a:r>
+                        <a:rPr sz="1200">
+                          <a:solidFill>
+                            <a:srgbClr val="000000"/>
+                          </a:solidFill>
+                        </a:rPr>
+                        <a:t>2013</a:t>
+                      </a:r>
                     </a:p>
                   </a:txBody>
                   <a:tcPr anchor="ctr">
@@ -6583,30 +6316,14 @@
                     <a:bodyPr/>
                     <a:lstStyle/>
                     <a:p>
-                      <a:pPr algn="ctr"/>
-                      <a:r>
-                        <a:rPr lang="en-US" altLang="zh-CN" sz="1200" dirty="0">
-                          <a:solidFill>
-                            <a:schemeClr val="tx1">
-                              <a:lumMod val="65000"/>
-                              <a:lumOff val="35000"/>
-                            </a:schemeClr>
-                          </a:solidFill>
-                          <a:latin typeface="+mn-lt"/>
-                          <a:ea typeface="微软雅黑" panose="020B0503020204020204" pitchFamily="34" charset="-122"/>
-                        </a:rPr>
-                        <a:t>2015</a:t>
-                      </a:r>
-                      <a:endParaRPr lang="zh-CN" altLang="en-US" sz="1200" dirty="0">
-                        <a:solidFill>
-                          <a:schemeClr val="tx1">
-                            <a:lumMod val="65000"/>
-                            <a:lumOff val="35000"/>
-                          </a:schemeClr>
-                        </a:solidFill>
-                        <a:latin typeface="+mn-lt"/>
-                        <a:ea typeface="微软雅黑" panose="020B0503020204020204" pitchFamily="34" charset="-122"/>
-                      </a:endParaRPr>
+                      <a:r>
+                        <a:rPr sz="1200">
+                          <a:solidFill>
+                            <a:srgbClr val="000000"/>
+                          </a:solidFill>
+                        </a:rPr>
+                        <a:t>2014</a:t>
+                      </a:r>
                     </a:p>
                   </a:txBody>
                   <a:tcPr anchor="ctr">
@@ -6637,30 +6354,14 @@
                     <a:bodyPr/>
                     <a:lstStyle/>
                     <a:p>
-                      <a:pPr algn="ctr"/>
-                      <a:r>
-                        <a:rPr lang="en-US" altLang="zh-CN" sz="1200" dirty="0">
-                          <a:solidFill>
-                            <a:schemeClr val="tx1">
-                              <a:lumMod val="65000"/>
-                              <a:lumOff val="35000"/>
-                            </a:schemeClr>
-                          </a:solidFill>
-                          <a:latin typeface="+mn-lt"/>
-                          <a:ea typeface="微软雅黑" panose="020B0503020204020204" pitchFamily="34" charset="-122"/>
-                        </a:rPr>
-                        <a:t>2016</a:t>
-                      </a:r>
-                      <a:endParaRPr lang="zh-CN" altLang="en-US" sz="1200" dirty="0">
-                        <a:solidFill>
-                          <a:schemeClr val="tx1">
-                            <a:lumMod val="65000"/>
-                            <a:lumOff val="35000"/>
-                          </a:schemeClr>
-                        </a:solidFill>
-                        <a:latin typeface="+mn-lt"/>
-                        <a:ea typeface="微软雅黑" panose="020B0503020204020204" pitchFamily="34" charset="-122"/>
-                      </a:endParaRPr>
+                      <a:r>
+                        <a:rPr sz="1200">
+                          <a:solidFill>
+                            <a:srgbClr val="000000"/>
+                          </a:solidFill>
+                        </a:rPr>
+                        <a:t>2015</a:t>
+                      </a:r>
                     </a:p>
                   </a:txBody>
                   <a:tcPr anchor="ctr">
@@ -6691,30 +6392,14 @@
                     <a:bodyPr/>
                     <a:lstStyle/>
                     <a:p>
-                      <a:pPr algn="ctr"/>
-                      <a:r>
-                        <a:rPr lang="en-US" altLang="zh-CN" sz="1200" dirty="0">
-                          <a:solidFill>
-                            <a:schemeClr val="tx1">
-                              <a:lumMod val="65000"/>
-                              <a:lumOff val="35000"/>
-                            </a:schemeClr>
-                          </a:solidFill>
-                          <a:latin typeface="+mn-lt"/>
-                          <a:ea typeface="微软雅黑" panose="020B0503020204020204" pitchFamily="34" charset="-122"/>
-                        </a:rPr>
-                        <a:t>2017</a:t>
-                      </a:r>
-                      <a:endParaRPr lang="zh-CN" altLang="en-US" sz="1200" dirty="0">
-                        <a:solidFill>
-                          <a:schemeClr val="tx1">
-                            <a:lumMod val="65000"/>
-                            <a:lumOff val="35000"/>
-                          </a:schemeClr>
-                        </a:solidFill>
-                        <a:latin typeface="+mn-lt"/>
-                        <a:ea typeface="微软雅黑" panose="020B0503020204020204" pitchFamily="34" charset="-122"/>
-                      </a:endParaRPr>
+                      <a:r>
+                        <a:rPr sz="1200">
+                          <a:solidFill>
+                            <a:srgbClr val="000000"/>
+                          </a:solidFill>
+                        </a:rPr>
+                        <a:t>2016</a:t>
+                      </a:r>
                     </a:p>
                   </a:txBody>
                   <a:tcPr anchor="ctr">
@@ -6745,30 +6430,14 @@
                     <a:bodyPr/>
                     <a:lstStyle/>
                     <a:p>
-                      <a:pPr algn="ctr"/>
-                      <a:r>
-                        <a:rPr lang="en-US" altLang="zh-CN" sz="1200" dirty="0">
-                          <a:solidFill>
-                            <a:schemeClr val="tx1">
-                              <a:lumMod val="65000"/>
-                              <a:lumOff val="35000"/>
-                            </a:schemeClr>
-                          </a:solidFill>
-                          <a:latin typeface="+mn-lt"/>
-                          <a:ea typeface="微软雅黑" panose="020B0503020204020204" pitchFamily="34" charset="-122"/>
-                        </a:rPr>
-                        <a:t>2018</a:t>
-                      </a:r>
-                      <a:endParaRPr lang="zh-CN" altLang="en-US" sz="1200" dirty="0">
-                        <a:solidFill>
-                          <a:schemeClr val="tx1">
-                            <a:lumMod val="65000"/>
-                            <a:lumOff val="35000"/>
-                          </a:schemeClr>
-                        </a:solidFill>
-                        <a:latin typeface="+mn-lt"/>
-                        <a:ea typeface="微软雅黑" panose="020B0503020204020204" pitchFamily="34" charset="-122"/>
-                      </a:endParaRPr>
+                      <a:r>
+                        <a:rPr sz="1200">
+                          <a:solidFill>
+                            <a:srgbClr val="000000"/>
+                          </a:solidFill>
+                        </a:rPr>
+                        <a:t>2017</a:t>
+                      </a:r>
                     </a:p>
                   </a:txBody>
                   <a:tcPr anchor="ctr">
@@ -6868,11 +6537,14 @@
                     <a:bodyPr/>
                     <a:lstStyle/>
                     <a:p>
-                      <a:pPr algn="ctr"/>
-                      <a:endParaRPr lang="zh-CN" altLang="en-US" sz="1200" dirty="0">
-                        <a:latin typeface="+mn-lt"/>
-                        <a:ea typeface="微软雅黑" panose="020B0503020204020204" pitchFamily="34" charset="-122"/>
-                      </a:endParaRPr>
+                      <a:r>
+                        <a:rPr sz="1200">
+                          <a:solidFill>
+                            <a:srgbClr val="000000"/>
+                          </a:solidFill>
+                        </a:rPr>
+                        <a:t>4003.49</a:t>
+                      </a:r>
                     </a:p>
                   </a:txBody>
                   <a:tcPr anchor="ctr">
@@ -6886,11 +6558,14 @@
                     <a:bodyPr/>
                     <a:lstStyle/>
                     <a:p>
-                      <a:pPr algn="ctr"/>
-                      <a:endParaRPr lang="zh-CN" altLang="en-US" sz="1200" dirty="0">
-                        <a:latin typeface="+mn-lt"/>
-                        <a:ea typeface="微软雅黑" panose="020B0503020204020204" pitchFamily="34" charset="-122"/>
-                      </a:endParaRPr>
+                      <a:r>
+                        <a:rPr sz="1200">
+                          <a:solidFill>
+                            <a:srgbClr val="000000"/>
+                          </a:solidFill>
+                        </a:rPr>
+                        <a:t>4492.18</a:t>
+                      </a:r>
                     </a:p>
                   </a:txBody>
                   <a:tcPr anchor="ctr">
@@ -6904,11 +6579,14 @@
                     <a:bodyPr/>
                     <a:lstStyle/>
                     <a:p>
-                      <a:pPr algn="ctr"/>
-                      <a:endParaRPr lang="zh-CN" altLang="en-US" sz="1200" dirty="0">
-                        <a:latin typeface="+mn-lt"/>
-                        <a:ea typeface="微软雅黑" panose="020B0503020204020204" pitchFamily="34" charset="-122"/>
-                      </a:endParaRPr>
+                      <a:r>
+                        <a:rPr sz="1200">
+                          <a:solidFill>
+                            <a:srgbClr val="000000"/>
+                          </a:solidFill>
+                        </a:rPr>
+                        <a:t>4978.41</a:t>
+                      </a:r>
                     </a:p>
                   </a:txBody>
                   <a:tcPr anchor="ctr">
@@ -6922,11 +6600,14 @@
                     <a:bodyPr/>
                     <a:lstStyle/>
                     <a:p>
-                      <a:pPr algn="ctr"/>
-                      <a:endParaRPr lang="zh-CN" altLang="en-US" sz="1200" dirty="0">
-                        <a:latin typeface="+mn-lt"/>
-                        <a:ea typeface="微软雅黑" panose="020B0503020204020204" pitchFamily="34" charset="-122"/>
-                      </a:endParaRPr>
+                      <a:r>
+                        <a:rPr sz="1200">
+                          <a:solidFill>
+                            <a:srgbClr val="000000"/>
+                          </a:solidFill>
+                        </a:rPr>
+                        <a:t>5173.99</a:t>
+                      </a:r>
                     </a:p>
                   </a:txBody>
                   <a:tcPr anchor="ctr">
@@ -6940,11 +6621,14 @@
                     <a:bodyPr/>
                     <a:lstStyle/>
                     <a:p>
-                      <a:pPr algn="ctr"/>
-                      <a:endParaRPr lang="zh-CN" altLang="en-US" sz="1200" dirty="0">
-                        <a:latin typeface="+mn-lt"/>
-                        <a:ea typeface="微软雅黑" panose="020B0503020204020204" pitchFamily="34" charset="-122"/>
-                      </a:endParaRPr>
+                      <a:r>
+                        <a:rPr sz="1200">
+                          <a:solidFill>
+                            <a:srgbClr val="000000"/>
+                          </a:solidFill>
+                        </a:rPr>
+                        <a:t>5709.34</a:t>
+                      </a:r>
                     </a:p>
                   </a:txBody>
                   <a:tcPr anchor="ctr">
@@ -7023,11 +6707,14 @@
                     <a:bodyPr/>
                     <a:lstStyle/>
                     <a:p>
-                      <a:pPr algn="ctr"/>
-                      <a:endParaRPr lang="zh-CN" altLang="en-US" sz="1200" dirty="0">
-                        <a:latin typeface="+mn-lt"/>
-                        <a:ea typeface="微软雅黑" panose="020B0503020204020204" pitchFamily="34" charset="-122"/>
-                      </a:endParaRPr>
+                      <a:r>
+                        <a:rPr sz="1200">
+                          <a:solidFill>
+                            <a:srgbClr val="000000"/>
+                          </a:solidFill>
+                        </a:rPr>
+                        <a:t>353.55</a:t>
+                      </a:r>
                     </a:p>
                   </a:txBody>
                   <a:tcPr anchor="ctr"/>
@@ -7037,11 +6724,14 @@
                     <a:bodyPr/>
                     <a:lstStyle/>
                     <a:p>
-                      <a:pPr algn="ctr"/>
-                      <a:endParaRPr lang="zh-CN" altLang="en-US" sz="1200" dirty="0">
-                        <a:latin typeface="+mn-lt"/>
-                        <a:ea typeface="微软雅黑" panose="020B0503020204020204" pitchFamily="34" charset="-122"/>
-                      </a:endParaRPr>
+                      <a:r>
+                        <a:rPr sz="1200">
+                          <a:solidFill>
+                            <a:srgbClr val="000000"/>
+                          </a:solidFill>
+                        </a:rPr>
+                        <a:t>425.31</a:t>
+                      </a:r>
                     </a:p>
                   </a:txBody>
                   <a:tcPr anchor="ctr"/>
@@ -7051,11 +6741,14 @@
                     <a:bodyPr/>
                     <a:lstStyle/>
                     <a:p>
-                      <a:pPr algn="ctr"/>
-                      <a:endParaRPr lang="zh-CN" altLang="en-US" sz="1200" dirty="0">
-                        <a:latin typeface="+mn-lt"/>
-                        <a:ea typeface="微软雅黑" panose="020B0503020204020204" pitchFamily="34" charset="-122"/>
-                      </a:endParaRPr>
+                      <a:r>
+                        <a:rPr sz="1200">
+                          <a:solidFill>
+                            <a:srgbClr val="000000"/>
+                          </a:solidFill>
+                        </a:rPr>
+                        <a:t>360.21</a:t>
+                      </a:r>
                     </a:p>
                   </a:txBody>
                   <a:tcPr anchor="ctr"/>
@@ -7065,11 +6758,14 @@
                     <a:bodyPr/>
                     <a:lstStyle/>
                     <a:p>
-                      <a:pPr algn="ctr"/>
-                      <a:endParaRPr lang="zh-CN" altLang="en-US" sz="1200" dirty="0">
-                        <a:latin typeface="+mn-lt"/>
-                        <a:ea typeface="微软雅黑" panose="020B0503020204020204" pitchFamily="34" charset="-122"/>
-                      </a:endParaRPr>
+                      <a:r>
+                        <a:rPr sz="1200">
+                          <a:solidFill>
+                            <a:srgbClr val="000000"/>
+                          </a:solidFill>
+                        </a:rPr>
+                        <a:t>490.03</a:t>
+                      </a:r>
                     </a:p>
                   </a:txBody>
                   <a:tcPr anchor="ctr"/>
@@ -7079,11 +6775,14 @@
                     <a:bodyPr/>
                     <a:lstStyle/>
                     <a:p>
-                      <a:pPr algn="ctr"/>
-                      <a:endParaRPr lang="zh-CN" altLang="en-US" sz="1200" dirty="0">
-                        <a:latin typeface="+mn-lt"/>
-                        <a:ea typeface="微软雅黑" panose="020B0503020204020204" pitchFamily="34" charset="-122"/>
-                      </a:endParaRPr>
+                      <a:r>
+                        <a:rPr sz="1200">
+                          <a:solidFill>
+                            <a:srgbClr val="000000"/>
+                          </a:solidFill>
+                        </a:rPr>
+                        <a:t>285.06</a:t>
+                      </a:r>
                     </a:p>
                   </a:txBody>
                   <a:tcPr anchor="ctr"/>
@@ -7098,6 +6797,54 @@
           </a:graphicData>
         </a:graphic>
       </p:graphicFrame>
+      <p:pic>
+        <p:nvPicPr>
+          <p:cNvPr id="16" name="Picture 15" descr="slide10_chart1.png"/>
+          <p:cNvPicPr>
+            <a:picLocks noChangeAspect="1"/>
+          </p:cNvPicPr>
+          <p:nvPr/>
+        </p:nvPicPr>
+        <p:blipFill>
+          <a:blip r:embed="rId2"/>
+          <a:stretch>
+            <a:fillRect/>
+          </a:stretch>
+        </p:blipFill>
+        <p:spPr>
+          <a:xfrm>
+            <a:off x="91440" y="1188720"/>
+            <a:ext cx="4572000" cy="3657600"/>
+          </a:xfrm>
+          <a:prstGeom prst="rect">
+            <a:avLst/>
+          </a:prstGeom>
+        </p:spPr>
+      </p:pic>
+      <p:pic>
+        <p:nvPicPr>
+          <p:cNvPr id="17" name="Picture 16" descr="slide10_chart2.png"/>
+          <p:cNvPicPr>
+            <a:picLocks noChangeAspect="1"/>
+          </p:cNvPicPr>
+          <p:nvPr/>
+        </p:nvPicPr>
+        <p:blipFill>
+          <a:blip r:embed="rId3"/>
+          <a:stretch>
+            <a:fillRect/>
+          </a:stretch>
+        </p:blipFill>
+        <p:spPr>
+          <a:xfrm>
+            <a:off x="4937760" y="1188720"/>
+            <a:ext cx="4572000" cy="3657600"/>
+          </a:xfrm>
+          <a:prstGeom prst="rect">
+            <a:avLst/>
+          </a:prstGeom>
+        </p:spPr>
+      </p:pic>
     </p:spTree>
     <p:extLst>
       <p:ext uri="{BB962C8B-B14F-4D97-AF65-F5344CB8AC3E}">
@@ -26673,7 +26420,7 @@
           <a:lstStyle/>
           <a:p>
             <a:r>
-              <a:t>2017,全市人均可支配收入为52938.0元，较上年同比为增长9.0%；人均消费支出为38320.12元，人均消费支出/人均可支配收入约为72.0%。</a:t>
+              <a:t>2017年,全市人均可支配收入为52938.0元，较上年同比为增长9.0%；人均消费支出为38320.12元，人均消费支出/人均可支配收入约为72.0%。</a:t>
             </a:r>
           </a:p>
         </p:txBody>
